--- a/Getting Started with ASP.NET 5 in VS Code.pptx
+++ b/Getting Started with ASP.NET 5 in VS Code.pptx
@@ -5,26 +5,28 @@
     <p:sldMasterId id="2147483677" r:id="rId1"/>
   </p:sldMasterIdLst>
   <p:notesMasterIdLst>
-    <p:notesMasterId r:id="rId19"/>
+    <p:notesMasterId r:id="rId21"/>
   </p:notesMasterIdLst>
   <p:sldIdLst>
-    <p:sldId id="256" r:id="rId2"/>
-    <p:sldId id="258" r:id="rId3"/>
-    <p:sldId id="259" r:id="rId4"/>
-    <p:sldId id="265" r:id="rId5"/>
-    <p:sldId id="274" r:id="rId6"/>
-    <p:sldId id="276" r:id="rId7"/>
-    <p:sldId id="275" r:id="rId8"/>
-    <p:sldId id="269" r:id="rId9"/>
-    <p:sldId id="277" r:id="rId10"/>
-    <p:sldId id="270" r:id="rId11"/>
-    <p:sldId id="271" r:id="rId12"/>
-    <p:sldId id="278" r:id="rId13"/>
-    <p:sldId id="279" r:id="rId14"/>
-    <p:sldId id="281" r:id="rId15"/>
-    <p:sldId id="282" r:id="rId16"/>
-    <p:sldId id="260" r:id="rId17"/>
-    <p:sldId id="273" r:id="rId18"/>
+    <p:sldId id="283" r:id="rId2"/>
+    <p:sldId id="256" r:id="rId3"/>
+    <p:sldId id="258" r:id="rId4"/>
+    <p:sldId id="259" r:id="rId5"/>
+    <p:sldId id="284" r:id="rId6"/>
+    <p:sldId id="265" r:id="rId7"/>
+    <p:sldId id="274" r:id="rId8"/>
+    <p:sldId id="276" r:id="rId9"/>
+    <p:sldId id="275" r:id="rId10"/>
+    <p:sldId id="269" r:id="rId11"/>
+    <p:sldId id="277" r:id="rId12"/>
+    <p:sldId id="270" r:id="rId13"/>
+    <p:sldId id="271" r:id="rId14"/>
+    <p:sldId id="278" r:id="rId15"/>
+    <p:sldId id="279" r:id="rId16"/>
+    <p:sldId id="281" r:id="rId17"/>
+    <p:sldId id="282" r:id="rId18"/>
+    <p:sldId id="260" r:id="rId19"/>
+    <p:sldId id="273" r:id="rId20"/>
   </p:sldIdLst>
   <p:sldSz cx="12192000" cy="6858000"/>
   <p:notesSz cx="6858000" cy="9144000"/>
@@ -889,7 +891,1223 @@
 </dgm:colorsDef>
 </file>
 
+<file path=ppt/diagrams/colors2.xml><?xml version="1.0" encoding="utf-8"?>
+<dgm:colorsDef xmlns:dgm="http://schemas.openxmlformats.org/drawingml/2006/diagram" xmlns:a="http://schemas.openxmlformats.org/drawingml/2006/main" uniqueId="urn:microsoft.com/office/officeart/2005/8/colors/accent1_2">
+  <dgm:title val=""/>
+  <dgm:desc val=""/>
+  <dgm:catLst>
+    <dgm:cat type="accent1" pri="11200"/>
+  </dgm:catLst>
+  <dgm:styleLbl name="node0">
+    <dgm:fillClrLst meth="repeat">
+      <a:schemeClr val="accent1"/>
+    </dgm:fillClrLst>
+    <dgm:linClrLst meth="repeat">
+      <a:schemeClr val="lt1"/>
+    </dgm:linClrLst>
+    <dgm:effectClrLst/>
+    <dgm:txLinClrLst/>
+    <dgm:txFillClrLst/>
+    <dgm:txEffectClrLst/>
+  </dgm:styleLbl>
+  <dgm:styleLbl name="alignNode1">
+    <dgm:fillClrLst meth="repeat">
+      <a:schemeClr val="accent1"/>
+    </dgm:fillClrLst>
+    <dgm:linClrLst meth="repeat">
+      <a:schemeClr val="accent1"/>
+    </dgm:linClrLst>
+    <dgm:effectClrLst/>
+    <dgm:txLinClrLst/>
+    <dgm:txFillClrLst/>
+    <dgm:txEffectClrLst/>
+  </dgm:styleLbl>
+  <dgm:styleLbl name="node1">
+    <dgm:fillClrLst meth="repeat">
+      <a:schemeClr val="accent1"/>
+    </dgm:fillClrLst>
+    <dgm:linClrLst meth="repeat">
+      <a:schemeClr val="lt1"/>
+    </dgm:linClrLst>
+    <dgm:effectClrLst/>
+    <dgm:txLinClrLst/>
+    <dgm:txFillClrLst/>
+    <dgm:txEffectClrLst/>
+  </dgm:styleLbl>
+  <dgm:styleLbl name="lnNode1">
+    <dgm:fillClrLst meth="repeat">
+      <a:schemeClr val="accent1"/>
+    </dgm:fillClrLst>
+    <dgm:linClrLst meth="repeat">
+      <a:schemeClr val="lt1"/>
+    </dgm:linClrLst>
+    <dgm:effectClrLst/>
+    <dgm:txLinClrLst/>
+    <dgm:txFillClrLst/>
+    <dgm:txEffectClrLst/>
+  </dgm:styleLbl>
+  <dgm:styleLbl name="vennNode1">
+    <dgm:fillClrLst meth="repeat">
+      <a:schemeClr val="accent1">
+        <a:alpha val="50000"/>
+      </a:schemeClr>
+    </dgm:fillClrLst>
+    <dgm:linClrLst meth="repeat">
+      <a:schemeClr val="lt1"/>
+    </dgm:linClrLst>
+    <dgm:effectClrLst/>
+    <dgm:txLinClrLst/>
+    <dgm:txFillClrLst/>
+    <dgm:txEffectClrLst/>
+  </dgm:styleLbl>
+  <dgm:styleLbl name="node2">
+    <dgm:fillClrLst meth="repeat">
+      <a:schemeClr val="accent1"/>
+    </dgm:fillClrLst>
+    <dgm:linClrLst meth="repeat">
+      <a:schemeClr val="lt1"/>
+    </dgm:linClrLst>
+    <dgm:effectClrLst/>
+    <dgm:txLinClrLst/>
+    <dgm:txFillClrLst/>
+    <dgm:txEffectClrLst/>
+  </dgm:styleLbl>
+  <dgm:styleLbl name="node3">
+    <dgm:fillClrLst meth="repeat">
+      <a:schemeClr val="accent1"/>
+    </dgm:fillClrLst>
+    <dgm:linClrLst meth="repeat">
+      <a:schemeClr val="lt1"/>
+    </dgm:linClrLst>
+    <dgm:effectClrLst/>
+    <dgm:txLinClrLst/>
+    <dgm:txFillClrLst/>
+    <dgm:txEffectClrLst/>
+  </dgm:styleLbl>
+  <dgm:styleLbl name="node4">
+    <dgm:fillClrLst meth="repeat">
+      <a:schemeClr val="accent1"/>
+    </dgm:fillClrLst>
+    <dgm:linClrLst meth="repeat">
+      <a:schemeClr val="lt1"/>
+    </dgm:linClrLst>
+    <dgm:effectClrLst/>
+    <dgm:txLinClrLst/>
+    <dgm:txFillClrLst/>
+    <dgm:txEffectClrLst/>
+  </dgm:styleLbl>
+  <dgm:styleLbl name="fgImgPlace1">
+    <dgm:fillClrLst meth="repeat">
+      <a:schemeClr val="accent1">
+        <a:tint val="50000"/>
+      </a:schemeClr>
+    </dgm:fillClrLst>
+    <dgm:linClrLst meth="repeat">
+      <a:schemeClr val="lt1"/>
+    </dgm:linClrLst>
+    <dgm:effectClrLst/>
+    <dgm:txLinClrLst/>
+    <dgm:txFillClrLst meth="repeat">
+      <a:schemeClr val="lt1"/>
+    </dgm:txFillClrLst>
+    <dgm:txEffectClrLst/>
+  </dgm:styleLbl>
+  <dgm:styleLbl name="alignImgPlace1">
+    <dgm:fillClrLst meth="repeat">
+      <a:schemeClr val="accent1">
+        <a:tint val="50000"/>
+      </a:schemeClr>
+    </dgm:fillClrLst>
+    <dgm:linClrLst meth="repeat">
+      <a:schemeClr val="lt1"/>
+    </dgm:linClrLst>
+    <dgm:effectClrLst/>
+    <dgm:txLinClrLst/>
+    <dgm:txFillClrLst meth="repeat">
+      <a:schemeClr val="lt1"/>
+    </dgm:txFillClrLst>
+    <dgm:txEffectClrLst/>
+  </dgm:styleLbl>
+  <dgm:styleLbl name="bgImgPlace1">
+    <dgm:fillClrLst meth="repeat">
+      <a:schemeClr val="accent1">
+        <a:tint val="50000"/>
+      </a:schemeClr>
+    </dgm:fillClrLst>
+    <dgm:linClrLst meth="repeat">
+      <a:schemeClr val="lt1"/>
+    </dgm:linClrLst>
+    <dgm:effectClrLst/>
+    <dgm:txLinClrLst/>
+    <dgm:txFillClrLst meth="repeat">
+      <a:schemeClr val="lt1"/>
+    </dgm:txFillClrLst>
+    <dgm:txEffectClrLst/>
+  </dgm:styleLbl>
+  <dgm:styleLbl name="sibTrans2D1">
+    <dgm:fillClrLst meth="repeat">
+      <a:schemeClr val="accent1">
+        <a:tint val="60000"/>
+      </a:schemeClr>
+    </dgm:fillClrLst>
+    <dgm:linClrLst meth="repeat">
+      <a:schemeClr val="accent1">
+        <a:tint val="60000"/>
+      </a:schemeClr>
+    </dgm:linClrLst>
+    <dgm:effectClrLst/>
+    <dgm:txLinClrLst/>
+    <dgm:txFillClrLst/>
+    <dgm:txEffectClrLst/>
+  </dgm:styleLbl>
+  <dgm:styleLbl name="fgSibTrans2D1">
+    <dgm:fillClrLst meth="repeat">
+      <a:schemeClr val="accent1">
+        <a:tint val="60000"/>
+      </a:schemeClr>
+    </dgm:fillClrLst>
+    <dgm:linClrLst meth="repeat">
+      <a:schemeClr val="accent1">
+        <a:tint val="60000"/>
+      </a:schemeClr>
+    </dgm:linClrLst>
+    <dgm:effectClrLst/>
+    <dgm:txLinClrLst/>
+    <dgm:txFillClrLst/>
+    <dgm:txEffectClrLst/>
+  </dgm:styleLbl>
+  <dgm:styleLbl name="bgSibTrans2D1">
+    <dgm:fillClrLst meth="repeat">
+      <a:schemeClr val="accent1">
+        <a:tint val="60000"/>
+      </a:schemeClr>
+    </dgm:fillClrLst>
+    <dgm:linClrLst meth="repeat">
+      <a:schemeClr val="accent1">
+        <a:tint val="60000"/>
+      </a:schemeClr>
+    </dgm:linClrLst>
+    <dgm:effectClrLst/>
+    <dgm:txLinClrLst/>
+    <dgm:txFillClrLst/>
+    <dgm:txEffectClrLst/>
+  </dgm:styleLbl>
+  <dgm:styleLbl name="sibTrans1D1">
+    <dgm:fillClrLst meth="repeat">
+      <a:schemeClr val="accent1"/>
+    </dgm:fillClrLst>
+    <dgm:linClrLst meth="repeat">
+      <a:schemeClr val="accent1"/>
+    </dgm:linClrLst>
+    <dgm:effectClrLst/>
+    <dgm:txLinClrLst/>
+    <dgm:txFillClrLst meth="repeat">
+      <a:schemeClr val="tx1"/>
+    </dgm:txFillClrLst>
+    <dgm:txEffectClrLst/>
+  </dgm:styleLbl>
+  <dgm:styleLbl name="callout">
+    <dgm:fillClrLst meth="repeat">
+      <a:schemeClr val="accent1"/>
+    </dgm:fillClrLst>
+    <dgm:linClrLst meth="repeat">
+      <a:schemeClr val="accent1">
+        <a:tint val="50000"/>
+      </a:schemeClr>
+    </dgm:linClrLst>
+    <dgm:effectClrLst/>
+    <dgm:txLinClrLst/>
+    <dgm:txFillClrLst meth="repeat">
+      <a:schemeClr val="tx1"/>
+    </dgm:txFillClrLst>
+    <dgm:txEffectClrLst/>
+  </dgm:styleLbl>
+  <dgm:styleLbl name="asst0">
+    <dgm:fillClrLst meth="repeat">
+      <a:schemeClr val="accent1"/>
+    </dgm:fillClrLst>
+    <dgm:linClrLst meth="repeat">
+      <a:schemeClr val="lt1"/>
+    </dgm:linClrLst>
+    <dgm:effectClrLst/>
+    <dgm:txLinClrLst/>
+    <dgm:txFillClrLst/>
+    <dgm:txEffectClrLst/>
+  </dgm:styleLbl>
+  <dgm:styleLbl name="asst1">
+    <dgm:fillClrLst meth="repeat">
+      <a:schemeClr val="accent1"/>
+    </dgm:fillClrLst>
+    <dgm:linClrLst meth="repeat">
+      <a:schemeClr val="lt1"/>
+    </dgm:linClrLst>
+    <dgm:effectClrLst/>
+    <dgm:txLinClrLst/>
+    <dgm:txFillClrLst/>
+    <dgm:txEffectClrLst/>
+  </dgm:styleLbl>
+  <dgm:styleLbl name="asst2">
+    <dgm:fillClrLst meth="repeat">
+      <a:schemeClr val="accent1"/>
+    </dgm:fillClrLst>
+    <dgm:linClrLst meth="repeat">
+      <a:schemeClr val="lt1"/>
+    </dgm:linClrLst>
+    <dgm:effectClrLst/>
+    <dgm:txLinClrLst/>
+    <dgm:txFillClrLst/>
+    <dgm:txEffectClrLst/>
+  </dgm:styleLbl>
+  <dgm:styleLbl name="asst3">
+    <dgm:fillClrLst meth="repeat">
+      <a:schemeClr val="accent1"/>
+    </dgm:fillClrLst>
+    <dgm:linClrLst meth="repeat">
+      <a:schemeClr val="lt1"/>
+    </dgm:linClrLst>
+    <dgm:effectClrLst/>
+    <dgm:txLinClrLst/>
+    <dgm:txFillClrLst/>
+    <dgm:txEffectClrLst/>
+  </dgm:styleLbl>
+  <dgm:styleLbl name="asst4">
+    <dgm:fillClrLst meth="repeat">
+      <a:schemeClr val="accent1"/>
+    </dgm:fillClrLst>
+    <dgm:linClrLst meth="repeat">
+      <a:schemeClr val="lt1"/>
+    </dgm:linClrLst>
+    <dgm:effectClrLst/>
+    <dgm:txLinClrLst/>
+    <dgm:txFillClrLst/>
+    <dgm:txEffectClrLst/>
+  </dgm:styleLbl>
+  <dgm:styleLbl name="parChTrans2D1">
+    <dgm:fillClrLst meth="repeat">
+      <a:schemeClr val="accent1">
+        <a:tint val="60000"/>
+      </a:schemeClr>
+    </dgm:fillClrLst>
+    <dgm:linClrLst meth="repeat">
+      <a:schemeClr val="accent1">
+        <a:tint val="60000"/>
+      </a:schemeClr>
+    </dgm:linClrLst>
+    <dgm:effectClrLst/>
+    <dgm:txLinClrLst/>
+    <dgm:txFillClrLst meth="repeat">
+      <a:schemeClr val="lt1"/>
+    </dgm:txFillClrLst>
+    <dgm:txEffectClrLst/>
+  </dgm:styleLbl>
+  <dgm:styleLbl name="parChTrans2D2">
+    <dgm:fillClrLst meth="repeat">
+      <a:schemeClr val="accent1"/>
+    </dgm:fillClrLst>
+    <dgm:linClrLst meth="repeat">
+      <a:schemeClr val="accent1"/>
+    </dgm:linClrLst>
+    <dgm:effectClrLst/>
+    <dgm:txLinClrLst/>
+    <dgm:txFillClrLst meth="repeat">
+      <a:schemeClr val="lt1"/>
+    </dgm:txFillClrLst>
+    <dgm:txEffectClrLst/>
+  </dgm:styleLbl>
+  <dgm:styleLbl name="parChTrans2D3">
+    <dgm:fillClrLst meth="repeat">
+      <a:schemeClr val="accent1"/>
+    </dgm:fillClrLst>
+    <dgm:linClrLst meth="repeat">
+      <a:schemeClr val="accent1"/>
+    </dgm:linClrLst>
+    <dgm:effectClrLst/>
+    <dgm:txLinClrLst/>
+    <dgm:txFillClrLst meth="repeat">
+      <a:schemeClr val="lt1"/>
+    </dgm:txFillClrLst>
+    <dgm:txEffectClrLst/>
+  </dgm:styleLbl>
+  <dgm:styleLbl name="parChTrans2D4">
+    <dgm:fillClrLst meth="repeat">
+      <a:schemeClr val="accent1"/>
+    </dgm:fillClrLst>
+    <dgm:linClrLst meth="repeat">
+      <a:schemeClr val="accent1"/>
+    </dgm:linClrLst>
+    <dgm:effectClrLst/>
+    <dgm:txLinClrLst/>
+    <dgm:txFillClrLst meth="repeat">
+      <a:schemeClr val="lt1"/>
+    </dgm:txFillClrLst>
+    <dgm:txEffectClrLst/>
+  </dgm:styleLbl>
+  <dgm:styleLbl name="parChTrans1D1">
+    <dgm:fillClrLst meth="repeat">
+      <a:schemeClr val="accent1"/>
+    </dgm:fillClrLst>
+    <dgm:linClrLst meth="repeat">
+      <a:schemeClr val="accent1">
+        <a:shade val="60000"/>
+      </a:schemeClr>
+    </dgm:linClrLst>
+    <dgm:effectClrLst/>
+    <dgm:txLinClrLst/>
+    <dgm:txFillClrLst meth="repeat">
+      <a:schemeClr val="tx1"/>
+    </dgm:txFillClrLst>
+    <dgm:txEffectClrLst/>
+  </dgm:styleLbl>
+  <dgm:styleLbl name="parChTrans1D2">
+    <dgm:fillClrLst meth="repeat">
+      <a:schemeClr val="accent1"/>
+    </dgm:fillClrLst>
+    <dgm:linClrLst meth="repeat">
+      <a:schemeClr val="accent1">
+        <a:shade val="60000"/>
+      </a:schemeClr>
+    </dgm:linClrLst>
+    <dgm:effectClrLst/>
+    <dgm:txLinClrLst/>
+    <dgm:txFillClrLst meth="repeat">
+      <a:schemeClr val="tx1"/>
+    </dgm:txFillClrLst>
+    <dgm:txEffectClrLst/>
+  </dgm:styleLbl>
+  <dgm:styleLbl name="parChTrans1D3">
+    <dgm:fillClrLst meth="repeat">
+      <a:schemeClr val="accent1"/>
+    </dgm:fillClrLst>
+    <dgm:linClrLst meth="repeat">
+      <a:schemeClr val="accent1">
+        <a:shade val="80000"/>
+      </a:schemeClr>
+    </dgm:linClrLst>
+    <dgm:effectClrLst/>
+    <dgm:txLinClrLst/>
+    <dgm:txFillClrLst meth="repeat">
+      <a:schemeClr val="tx1"/>
+    </dgm:txFillClrLst>
+    <dgm:txEffectClrLst/>
+  </dgm:styleLbl>
+  <dgm:styleLbl name="parChTrans1D4">
+    <dgm:fillClrLst meth="repeat">
+      <a:schemeClr val="accent1"/>
+    </dgm:fillClrLst>
+    <dgm:linClrLst meth="repeat">
+      <a:schemeClr val="accent1">
+        <a:shade val="80000"/>
+      </a:schemeClr>
+    </dgm:linClrLst>
+    <dgm:effectClrLst/>
+    <dgm:txLinClrLst/>
+    <dgm:txFillClrLst meth="repeat">
+      <a:schemeClr val="tx1"/>
+    </dgm:txFillClrLst>
+    <dgm:txEffectClrLst/>
+  </dgm:styleLbl>
+  <dgm:styleLbl name="fgAcc1">
+    <dgm:fillClrLst meth="repeat">
+      <a:schemeClr val="lt1">
+        <a:alpha val="90000"/>
+      </a:schemeClr>
+    </dgm:fillClrLst>
+    <dgm:linClrLst meth="repeat">
+      <a:schemeClr val="accent1"/>
+    </dgm:linClrLst>
+    <dgm:effectClrLst/>
+    <dgm:txLinClrLst/>
+    <dgm:txFillClrLst meth="repeat">
+      <a:schemeClr val="dk1"/>
+    </dgm:txFillClrLst>
+    <dgm:txEffectClrLst/>
+  </dgm:styleLbl>
+  <dgm:styleLbl name="conFgAcc1">
+    <dgm:fillClrLst meth="repeat">
+      <a:schemeClr val="lt1">
+        <a:alpha val="90000"/>
+      </a:schemeClr>
+    </dgm:fillClrLst>
+    <dgm:linClrLst meth="repeat">
+      <a:schemeClr val="accent1"/>
+    </dgm:linClrLst>
+    <dgm:effectClrLst/>
+    <dgm:txLinClrLst/>
+    <dgm:txFillClrLst meth="repeat">
+      <a:schemeClr val="dk1"/>
+    </dgm:txFillClrLst>
+    <dgm:txEffectClrLst/>
+  </dgm:styleLbl>
+  <dgm:styleLbl name="alignAcc1">
+    <dgm:fillClrLst meth="repeat">
+      <a:schemeClr val="lt1">
+        <a:alpha val="90000"/>
+      </a:schemeClr>
+    </dgm:fillClrLst>
+    <dgm:linClrLst meth="repeat">
+      <a:schemeClr val="accent1"/>
+    </dgm:linClrLst>
+    <dgm:effectClrLst/>
+    <dgm:txLinClrLst/>
+    <dgm:txFillClrLst meth="repeat">
+      <a:schemeClr val="dk1"/>
+    </dgm:txFillClrLst>
+    <dgm:txEffectClrLst/>
+  </dgm:styleLbl>
+  <dgm:styleLbl name="trAlignAcc1">
+    <dgm:fillClrLst meth="repeat">
+      <a:schemeClr val="lt1">
+        <a:alpha val="40000"/>
+      </a:schemeClr>
+    </dgm:fillClrLst>
+    <dgm:linClrLst meth="repeat">
+      <a:schemeClr val="accent1"/>
+    </dgm:linClrLst>
+    <dgm:effectClrLst/>
+    <dgm:txLinClrLst/>
+    <dgm:txFillClrLst meth="repeat">
+      <a:schemeClr val="dk1"/>
+    </dgm:txFillClrLst>
+    <dgm:txEffectClrLst/>
+  </dgm:styleLbl>
+  <dgm:styleLbl name="bgAcc1">
+    <dgm:fillClrLst meth="repeat">
+      <a:schemeClr val="lt1">
+        <a:alpha val="90000"/>
+      </a:schemeClr>
+    </dgm:fillClrLst>
+    <dgm:linClrLst meth="repeat">
+      <a:schemeClr val="accent1"/>
+    </dgm:linClrLst>
+    <dgm:effectClrLst/>
+    <dgm:txLinClrLst/>
+    <dgm:txFillClrLst meth="repeat">
+      <a:schemeClr val="dk1"/>
+    </dgm:txFillClrLst>
+    <dgm:txEffectClrLst/>
+  </dgm:styleLbl>
+  <dgm:styleLbl name="solidFgAcc1">
+    <dgm:fillClrLst meth="repeat">
+      <a:schemeClr val="lt1"/>
+    </dgm:fillClrLst>
+    <dgm:linClrLst meth="repeat">
+      <a:schemeClr val="accent1"/>
+    </dgm:linClrLst>
+    <dgm:effectClrLst/>
+    <dgm:txLinClrLst/>
+    <dgm:txFillClrLst meth="repeat">
+      <a:schemeClr val="dk1"/>
+    </dgm:txFillClrLst>
+    <dgm:txEffectClrLst/>
+  </dgm:styleLbl>
+  <dgm:styleLbl name="solidAlignAcc1">
+    <dgm:fillClrLst meth="repeat">
+      <a:schemeClr val="lt1"/>
+    </dgm:fillClrLst>
+    <dgm:linClrLst meth="repeat">
+      <a:schemeClr val="accent1"/>
+    </dgm:linClrLst>
+    <dgm:effectClrLst/>
+    <dgm:txLinClrLst/>
+    <dgm:txFillClrLst meth="repeat">
+      <a:schemeClr val="dk1"/>
+    </dgm:txFillClrLst>
+    <dgm:txEffectClrLst/>
+  </dgm:styleLbl>
+  <dgm:styleLbl name="solidBgAcc1">
+    <dgm:fillClrLst meth="repeat">
+      <a:schemeClr val="lt1"/>
+    </dgm:fillClrLst>
+    <dgm:linClrLst meth="repeat">
+      <a:schemeClr val="accent1"/>
+    </dgm:linClrLst>
+    <dgm:effectClrLst/>
+    <dgm:txLinClrLst/>
+    <dgm:txFillClrLst meth="repeat">
+      <a:schemeClr val="dk1"/>
+    </dgm:txFillClrLst>
+    <dgm:txEffectClrLst/>
+  </dgm:styleLbl>
+  <dgm:styleLbl name="fgAccFollowNode1">
+    <dgm:fillClrLst meth="repeat">
+      <a:schemeClr val="accent1">
+        <a:alpha val="90000"/>
+        <a:tint val="40000"/>
+      </a:schemeClr>
+    </dgm:fillClrLst>
+    <dgm:linClrLst meth="repeat">
+      <a:schemeClr val="accent1">
+        <a:alpha val="90000"/>
+        <a:tint val="40000"/>
+      </a:schemeClr>
+    </dgm:linClrLst>
+    <dgm:effectClrLst/>
+    <dgm:txLinClrLst/>
+    <dgm:txFillClrLst meth="repeat">
+      <a:schemeClr val="dk1"/>
+    </dgm:txFillClrLst>
+    <dgm:txEffectClrLst/>
+  </dgm:styleLbl>
+  <dgm:styleLbl name="alignAccFollowNode1">
+    <dgm:fillClrLst meth="repeat">
+      <a:schemeClr val="accent1">
+        <a:alpha val="90000"/>
+        <a:tint val="40000"/>
+      </a:schemeClr>
+    </dgm:fillClrLst>
+    <dgm:linClrLst meth="repeat">
+      <a:schemeClr val="accent1">
+        <a:alpha val="90000"/>
+        <a:tint val="40000"/>
+      </a:schemeClr>
+    </dgm:linClrLst>
+    <dgm:effectClrLst/>
+    <dgm:txLinClrLst/>
+    <dgm:txFillClrLst meth="repeat">
+      <a:schemeClr val="dk1"/>
+    </dgm:txFillClrLst>
+    <dgm:txEffectClrLst/>
+  </dgm:styleLbl>
+  <dgm:styleLbl name="bgAccFollowNode1">
+    <dgm:fillClrLst meth="repeat">
+      <a:schemeClr val="accent1">
+        <a:alpha val="90000"/>
+        <a:tint val="40000"/>
+      </a:schemeClr>
+    </dgm:fillClrLst>
+    <dgm:linClrLst meth="repeat">
+      <a:schemeClr val="accent1">
+        <a:alpha val="90000"/>
+        <a:tint val="40000"/>
+      </a:schemeClr>
+    </dgm:linClrLst>
+    <dgm:effectClrLst/>
+    <dgm:txLinClrLst/>
+    <dgm:txFillClrLst meth="repeat">
+      <a:schemeClr val="dk1"/>
+    </dgm:txFillClrLst>
+    <dgm:txEffectClrLst/>
+  </dgm:styleLbl>
+  <dgm:styleLbl name="fgAcc0">
+    <dgm:fillClrLst meth="repeat">
+      <a:schemeClr val="lt1">
+        <a:alpha val="90000"/>
+      </a:schemeClr>
+    </dgm:fillClrLst>
+    <dgm:linClrLst meth="repeat">
+      <a:schemeClr val="accent1"/>
+    </dgm:linClrLst>
+    <dgm:effectClrLst/>
+    <dgm:txLinClrLst/>
+    <dgm:txFillClrLst meth="repeat">
+      <a:schemeClr val="dk1"/>
+    </dgm:txFillClrLst>
+    <dgm:txEffectClrLst/>
+  </dgm:styleLbl>
+  <dgm:styleLbl name="fgAcc2">
+    <dgm:fillClrLst meth="repeat">
+      <a:schemeClr val="lt1">
+        <a:alpha val="90000"/>
+      </a:schemeClr>
+    </dgm:fillClrLst>
+    <dgm:linClrLst meth="repeat">
+      <a:schemeClr val="accent1"/>
+    </dgm:linClrLst>
+    <dgm:effectClrLst/>
+    <dgm:txLinClrLst/>
+    <dgm:txFillClrLst meth="repeat">
+      <a:schemeClr val="dk1"/>
+    </dgm:txFillClrLst>
+    <dgm:txEffectClrLst/>
+  </dgm:styleLbl>
+  <dgm:styleLbl name="fgAcc3">
+    <dgm:fillClrLst meth="repeat">
+      <a:schemeClr val="lt1">
+        <a:alpha val="90000"/>
+      </a:schemeClr>
+    </dgm:fillClrLst>
+    <dgm:linClrLst meth="repeat">
+      <a:schemeClr val="accent1"/>
+    </dgm:linClrLst>
+    <dgm:effectClrLst/>
+    <dgm:txLinClrLst/>
+    <dgm:txFillClrLst meth="repeat">
+      <a:schemeClr val="dk1"/>
+    </dgm:txFillClrLst>
+    <dgm:txEffectClrLst/>
+  </dgm:styleLbl>
+  <dgm:styleLbl name="fgAcc4">
+    <dgm:fillClrLst meth="repeat">
+      <a:schemeClr val="lt1">
+        <a:alpha val="90000"/>
+      </a:schemeClr>
+    </dgm:fillClrLst>
+    <dgm:linClrLst meth="repeat">
+      <a:schemeClr val="accent1"/>
+    </dgm:linClrLst>
+    <dgm:effectClrLst/>
+    <dgm:txLinClrLst/>
+    <dgm:txFillClrLst meth="repeat">
+      <a:schemeClr val="dk1"/>
+    </dgm:txFillClrLst>
+    <dgm:txEffectClrLst/>
+  </dgm:styleLbl>
+  <dgm:styleLbl name="bgShp">
+    <dgm:fillClrLst meth="repeat">
+      <a:schemeClr val="accent1">
+        <a:tint val="40000"/>
+      </a:schemeClr>
+    </dgm:fillClrLst>
+    <dgm:linClrLst meth="repeat">
+      <a:schemeClr val="accent1"/>
+    </dgm:linClrLst>
+    <dgm:effectClrLst/>
+    <dgm:txLinClrLst/>
+    <dgm:txFillClrLst meth="repeat">
+      <a:schemeClr val="dk1"/>
+    </dgm:txFillClrLst>
+    <dgm:txEffectClrLst/>
+  </dgm:styleLbl>
+  <dgm:styleLbl name="dkBgShp">
+    <dgm:fillClrLst meth="repeat">
+      <a:schemeClr val="accent1">
+        <a:shade val="80000"/>
+      </a:schemeClr>
+    </dgm:fillClrLst>
+    <dgm:linClrLst meth="repeat">
+      <a:schemeClr val="accent1"/>
+    </dgm:linClrLst>
+    <dgm:effectClrLst/>
+    <dgm:txLinClrLst/>
+    <dgm:txFillClrLst meth="repeat">
+      <a:schemeClr val="lt1"/>
+    </dgm:txFillClrLst>
+    <dgm:txEffectClrLst/>
+  </dgm:styleLbl>
+  <dgm:styleLbl name="trBgShp">
+    <dgm:fillClrLst meth="repeat">
+      <a:schemeClr val="accent1">
+        <a:tint val="50000"/>
+        <a:alpha val="40000"/>
+      </a:schemeClr>
+    </dgm:fillClrLst>
+    <dgm:linClrLst meth="repeat">
+      <a:schemeClr val="accent1"/>
+    </dgm:linClrLst>
+    <dgm:effectClrLst/>
+    <dgm:txLinClrLst/>
+    <dgm:txFillClrLst meth="repeat">
+      <a:schemeClr val="lt1"/>
+    </dgm:txFillClrLst>
+    <dgm:txEffectClrLst/>
+  </dgm:styleLbl>
+  <dgm:styleLbl name="fgShp">
+    <dgm:fillClrLst meth="repeat">
+      <a:schemeClr val="accent1">
+        <a:tint val="60000"/>
+      </a:schemeClr>
+    </dgm:fillClrLst>
+    <dgm:linClrLst meth="repeat">
+      <a:schemeClr val="lt1"/>
+    </dgm:linClrLst>
+    <dgm:effectClrLst/>
+    <dgm:txLinClrLst/>
+    <dgm:txFillClrLst meth="repeat">
+      <a:schemeClr val="dk1"/>
+    </dgm:txFillClrLst>
+    <dgm:txEffectClrLst/>
+  </dgm:styleLbl>
+  <dgm:styleLbl name="revTx">
+    <dgm:fillClrLst meth="repeat">
+      <a:schemeClr val="lt1">
+        <a:alpha val="0"/>
+      </a:schemeClr>
+    </dgm:fillClrLst>
+    <dgm:linClrLst meth="repeat">
+      <a:schemeClr val="dk1">
+        <a:alpha val="0"/>
+      </a:schemeClr>
+    </dgm:linClrLst>
+    <dgm:effectClrLst/>
+    <dgm:txLinClrLst/>
+    <dgm:txFillClrLst meth="repeat">
+      <a:schemeClr val="tx1"/>
+    </dgm:txFillClrLst>
+    <dgm:txEffectClrLst/>
+  </dgm:styleLbl>
+</dgm:colorsDef>
+</file>
+
 <file path=ppt/diagrams/data1.xml><?xml version="1.0" encoding="utf-8"?>
+<dgm:dataModel xmlns:dgm="http://schemas.openxmlformats.org/drawingml/2006/diagram" xmlns:a="http://schemas.openxmlformats.org/drawingml/2006/main">
+  <dgm:ptLst>
+    <dgm:pt modelId="{56F91B86-C79C-443A-89FC-288C3CB26305}" type="doc">
+      <dgm:prSet loTypeId="urn:microsoft.com/office/officeart/2008/layout/NameandTitleOrganizationalChart" loCatId="hierarchy" qsTypeId="urn:microsoft.com/office/officeart/2005/8/quickstyle/simple1" qsCatId="simple" csTypeId="urn:microsoft.com/office/officeart/2005/8/colors/accent1_2" csCatId="accent1" phldr="1"/>
+      <dgm:spPr/>
+      <dgm:t>
+        <a:bodyPr/>
+        <a:lstStyle/>
+        <a:p>
+          <a:endParaRPr lang="en-US"/>
+        </a:p>
+      </dgm:t>
+    </dgm:pt>
+    <dgm:pt modelId="{48C133C3-77F3-4A71-8515-4B7725FB695C}">
+      <dgm:prSet phldrT="[Text]"/>
+      <dgm:spPr/>
+      <dgm:t>
+        <a:bodyPr/>
+        <a:lstStyle/>
+        <a:p>
+          <a:r>
+            <a:rPr lang="en-US" dirty="0" smtClean="0"/>
+            <a:t>ASP.NET 5 App</a:t>
+          </a:r>
+          <a:endParaRPr lang="en-US" dirty="0"/>
+        </a:p>
+      </dgm:t>
+    </dgm:pt>
+    <dgm:pt modelId="{394D730F-AAFD-4A6A-968F-99309EF15FB3}" type="parTrans" cxnId="{1FD7A135-E33B-4D37-A5BE-FA539DF0E667}">
+      <dgm:prSet/>
+      <dgm:spPr/>
+      <dgm:t>
+        <a:bodyPr/>
+        <a:lstStyle/>
+        <a:p>
+          <a:endParaRPr lang="en-US"/>
+        </a:p>
+      </dgm:t>
+    </dgm:pt>
+    <dgm:pt modelId="{AAEC4A7F-26E9-49C9-A021-C41E5C07BFA0}" type="sibTrans" cxnId="{1FD7A135-E33B-4D37-A5BE-FA539DF0E667}">
+      <dgm:prSet/>
+      <dgm:spPr>
+        <a:solidFill>
+          <a:schemeClr val="accent1"/>
+        </a:solidFill>
+      </dgm:spPr>
+      <dgm:t>
+        <a:bodyPr/>
+        <a:lstStyle/>
+        <a:p>
+          <a:pPr algn="ctr"/>
+          <a:r>
+            <a:rPr lang="en-US" dirty="0" smtClean="0">
+              <a:solidFill>
+                <a:schemeClr val="bg1"/>
+              </a:solidFill>
+            </a:rPr>
+            <a:t>DNX</a:t>
+          </a:r>
+          <a:endParaRPr lang="en-US" dirty="0">
+            <a:solidFill>
+              <a:schemeClr val="bg1"/>
+            </a:solidFill>
+          </a:endParaRPr>
+        </a:p>
+      </dgm:t>
+    </dgm:pt>
+    <dgm:pt modelId="{6C56C7E1-118B-466E-A84D-657D222A3EFB}">
+      <dgm:prSet phldrT="[Text]"/>
+      <dgm:spPr/>
+      <dgm:t>
+        <a:bodyPr/>
+        <a:lstStyle/>
+        <a:p>
+          <a:r>
+            <a:rPr lang="en-US" dirty="0" smtClean="0"/>
+            <a:t>Full .NET Framework</a:t>
+          </a:r>
+          <a:endParaRPr lang="en-US" dirty="0"/>
+        </a:p>
+      </dgm:t>
+    </dgm:pt>
+    <dgm:pt modelId="{523E3F81-A7FD-41C6-AEFA-00BFD2D5C126}" type="parTrans" cxnId="{9ED1ECAC-6869-4938-B949-03E4C47B439C}">
+      <dgm:prSet/>
+      <dgm:spPr/>
+      <dgm:t>
+        <a:bodyPr/>
+        <a:lstStyle/>
+        <a:p>
+          <a:endParaRPr lang="en-US"/>
+        </a:p>
+      </dgm:t>
+    </dgm:pt>
+    <dgm:pt modelId="{4DD089F6-C96A-494A-9C11-C8DDFC86808E}" type="sibTrans" cxnId="{9ED1ECAC-6869-4938-B949-03E4C47B439C}">
+      <dgm:prSet/>
+      <dgm:spPr/>
+      <dgm:t>
+        <a:bodyPr/>
+        <a:lstStyle/>
+        <a:p>
+          <a:r>
+            <a:rPr lang="en-US" dirty="0" smtClean="0"/>
+            <a:t>dnx451, dnx452, dnx46</a:t>
+          </a:r>
+          <a:endParaRPr lang="en-US" dirty="0"/>
+        </a:p>
+      </dgm:t>
+    </dgm:pt>
+    <dgm:pt modelId="{B4FA02E4-55C6-4E7F-89E1-A36E659C009D}">
+      <dgm:prSet phldrT="[Text]"/>
+      <dgm:spPr/>
+      <dgm:t>
+        <a:bodyPr/>
+        <a:lstStyle/>
+        <a:p>
+          <a:r>
+            <a:rPr lang="en-US" dirty="0" smtClean="0"/>
+            <a:t>.NET Core</a:t>
+          </a:r>
+          <a:endParaRPr lang="en-US" dirty="0"/>
+        </a:p>
+      </dgm:t>
+    </dgm:pt>
+    <dgm:pt modelId="{4EEC8717-AA0F-49DE-8732-2508B3115DE0}" type="parTrans" cxnId="{E73B190F-1347-4C04-8548-5C81DA2F643E}">
+      <dgm:prSet/>
+      <dgm:spPr/>
+      <dgm:t>
+        <a:bodyPr/>
+        <a:lstStyle/>
+        <a:p>
+          <a:endParaRPr lang="en-US"/>
+        </a:p>
+      </dgm:t>
+    </dgm:pt>
+    <dgm:pt modelId="{FF9BA836-D4D1-46B4-A163-9D8812F00382}" type="sibTrans" cxnId="{E73B190F-1347-4C04-8548-5C81DA2F643E}">
+      <dgm:prSet/>
+      <dgm:spPr/>
+      <dgm:t>
+        <a:bodyPr/>
+        <a:lstStyle/>
+        <a:p>
+          <a:r>
+            <a:rPr lang="en-US" dirty="0" smtClean="0"/>
+            <a:t>dnxcore50</a:t>
+          </a:r>
+          <a:endParaRPr lang="en-US" dirty="0"/>
+        </a:p>
+      </dgm:t>
+    </dgm:pt>
+    <dgm:pt modelId="{98676505-2196-4383-BEFB-5F6FF8DFC4F3}">
+      <dgm:prSet phldrT="[Text]"/>
+      <dgm:spPr/>
+      <dgm:t>
+        <a:bodyPr/>
+        <a:lstStyle/>
+        <a:p>
+          <a:r>
+            <a:rPr lang="en-US" dirty="0" smtClean="0"/>
+            <a:t>Both</a:t>
+          </a:r>
+          <a:endParaRPr lang="en-US" dirty="0"/>
+        </a:p>
+      </dgm:t>
+    </dgm:pt>
+    <dgm:pt modelId="{CEA44938-41CA-4FE2-8E9C-87D351F742D9}" type="parTrans" cxnId="{D2F302EA-F5B3-42B6-BB80-C2F47D9A3D6E}">
+      <dgm:prSet/>
+      <dgm:spPr/>
+      <dgm:t>
+        <a:bodyPr/>
+        <a:lstStyle/>
+        <a:p>
+          <a:endParaRPr lang="en-US"/>
+        </a:p>
+      </dgm:t>
+    </dgm:pt>
+    <dgm:pt modelId="{C736C31F-CB43-4520-9C19-F939CD21C4FA}" type="sibTrans" cxnId="{D2F302EA-F5B3-42B6-BB80-C2F47D9A3D6E}">
+      <dgm:prSet/>
+      <dgm:spPr/>
+      <dgm:t>
+        <a:bodyPr/>
+        <a:lstStyle/>
+        <a:p>
+          <a:r>
+            <a:rPr lang="en-US" dirty="0" smtClean="0"/>
+            <a:t>dnx46 &amp; dnxcore50</a:t>
+          </a:r>
+          <a:endParaRPr lang="en-US" dirty="0"/>
+        </a:p>
+      </dgm:t>
+    </dgm:pt>
+    <dgm:pt modelId="{BF944616-80E6-4E36-ADDD-11AD911A0320}" type="pres">
+      <dgm:prSet presAssocID="{56F91B86-C79C-443A-89FC-288C3CB26305}" presName="hierChild1" presStyleCnt="0">
+        <dgm:presLayoutVars>
+          <dgm:orgChart val="1"/>
+          <dgm:chPref val="1"/>
+          <dgm:dir/>
+          <dgm:animOne val="branch"/>
+          <dgm:animLvl val="lvl"/>
+          <dgm:resizeHandles/>
+        </dgm:presLayoutVars>
+      </dgm:prSet>
+      <dgm:spPr/>
+    </dgm:pt>
+    <dgm:pt modelId="{0DA0A989-CBED-4B19-A3FE-81EAF897B5B7}" type="pres">
+      <dgm:prSet presAssocID="{48C133C3-77F3-4A71-8515-4B7725FB695C}" presName="hierRoot1" presStyleCnt="0">
+        <dgm:presLayoutVars>
+          <dgm:hierBranch val="init"/>
+        </dgm:presLayoutVars>
+      </dgm:prSet>
+      <dgm:spPr/>
+    </dgm:pt>
+    <dgm:pt modelId="{883C57D8-1D69-4462-80B0-001A9CD31D04}" type="pres">
+      <dgm:prSet presAssocID="{48C133C3-77F3-4A71-8515-4B7725FB695C}" presName="rootComposite1" presStyleCnt="0"/>
+      <dgm:spPr/>
+    </dgm:pt>
+    <dgm:pt modelId="{C3B855EC-6B1E-45CD-B732-9A0DEB763F68}" type="pres">
+      <dgm:prSet presAssocID="{48C133C3-77F3-4A71-8515-4B7725FB695C}" presName="rootText1" presStyleLbl="node0" presStyleIdx="0" presStyleCnt="1" custLinFactNeighborX="10316" custLinFactNeighborY="-5605">
+        <dgm:presLayoutVars>
+          <dgm:chMax/>
+          <dgm:chPref val="3"/>
+        </dgm:presLayoutVars>
+      </dgm:prSet>
+      <dgm:spPr/>
+    </dgm:pt>
+    <dgm:pt modelId="{EFFCA47C-D5C2-4308-A844-2CC7B5C9555D}" type="pres">
+      <dgm:prSet presAssocID="{48C133C3-77F3-4A71-8515-4B7725FB695C}" presName="titleText1" presStyleLbl="fgAcc0" presStyleIdx="0" presStyleCnt="1" custScaleX="279711" custLinFactNeighborX="-7515" custLinFactNeighborY="95890">
+        <dgm:presLayoutVars>
+          <dgm:chMax val="0"/>
+          <dgm:chPref val="0"/>
+        </dgm:presLayoutVars>
+      </dgm:prSet>
+      <dgm:spPr/>
+    </dgm:pt>
+    <dgm:pt modelId="{E4683AE9-12A6-4E1D-8807-2134BE840AFA}" type="pres">
+      <dgm:prSet presAssocID="{48C133C3-77F3-4A71-8515-4B7725FB695C}" presName="rootConnector1" presStyleLbl="node1" presStyleIdx="0" presStyleCnt="3"/>
+      <dgm:spPr/>
+    </dgm:pt>
+    <dgm:pt modelId="{E266A8FF-97C8-4138-9197-7BCA3AB036B3}" type="pres">
+      <dgm:prSet presAssocID="{48C133C3-77F3-4A71-8515-4B7725FB695C}" presName="hierChild2" presStyleCnt="0"/>
+      <dgm:spPr/>
+    </dgm:pt>
+    <dgm:pt modelId="{6C4D6CE3-4FAA-4D39-8A22-7BAC7C27FEEC}" type="pres">
+      <dgm:prSet presAssocID="{523E3F81-A7FD-41C6-AEFA-00BFD2D5C126}" presName="Name37" presStyleLbl="parChTrans1D2" presStyleIdx="0" presStyleCnt="3"/>
+      <dgm:spPr/>
+    </dgm:pt>
+    <dgm:pt modelId="{1FD04404-7F57-4E0A-96B8-2299288FE726}" type="pres">
+      <dgm:prSet presAssocID="{6C56C7E1-118B-466E-A84D-657D222A3EFB}" presName="hierRoot2" presStyleCnt="0">
+        <dgm:presLayoutVars>
+          <dgm:hierBranch val="init"/>
+        </dgm:presLayoutVars>
+      </dgm:prSet>
+      <dgm:spPr/>
+    </dgm:pt>
+    <dgm:pt modelId="{40C79CC4-BCC7-4049-906E-0B50C8D220C3}" type="pres">
+      <dgm:prSet presAssocID="{6C56C7E1-118B-466E-A84D-657D222A3EFB}" presName="rootComposite" presStyleCnt="0"/>
+      <dgm:spPr/>
+    </dgm:pt>
+    <dgm:pt modelId="{B2077D14-C7CA-4B09-B173-BEA41D78B926}" type="pres">
+      <dgm:prSet presAssocID="{6C56C7E1-118B-466E-A84D-657D222A3EFB}" presName="rootText" presStyleLbl="node1" presStyleIdx="0" presStyleCnt="3">
+        <dgm:presLayoutVars>
+          <dgm:chMax/>
+          <dgm:chPref val="3"/>
+        </dgm:presLayoutVars>
+      </dgm:prSet>
+      <dgm:spPr/>
+    </dgm:pt>
+    <dgm:pt modelId="{40DF6143-7A1D-4CBC-A39F-187E0F34DDEB}" type="pres">
+      <dgm:prSet presAssocID="{6C56C7E1-118B-466E-A84D-657D222A3EFB}" presName="titleText2" presStyleLbl="fgAcc1" presStyleIdx="0" presStyleCnt="3">
+        <dgm:presLayoutVars>
+          <dgm:chMax val="0"/>
+          <dgm:chPref val="0"/>
+        </dgm:presLayoutVars>
+      </dgm:prSet>
+      <dgm:spPr/>
+      <dgm:t>
+        <a:bodyPr/>
+        <a:lstStyle/>
+        <a:p>
+          <a:endParaRPr lang="en-US"/>
+        </a:p>
+      </dgm:t>
+    </dgm:pt>
+    <dgm:pt modelId="{443F2EA8-12E1-4F9D-B8E2-9D66197C9EA8}" type="pres">
+      <dgm:prSet presAssocID="{6C56C7E1-118B-466E-A84D-657D222A3EFB}" presName="rootConnector" presStyleLbl="node2" presStyleIdx="0" presStyleCnt="0"/>
+      <dgm:spPr/>
+    </dgm:pt>
+    <dgm:pt modelId="{D5FA2318-57AC-41A7-B7B1-2298A7F5EF08}" type="pres">
+      <dgm:prSet presAssocID="{6C56C7E1-118B-466E-A84D-657D222A3EFB}" presName="hierChild4" presStyleCnt="0"/>
+      <dgm:spPr/>
+    </dgm:pt>
+    <dgm:pt modelId="{5A68B62E-25FA-4E72-A974-6442BCC98FBB}" type="pres">
+      <dgm:prSet presAssocID="{6C56C7E1-118B-466E-A84D-657D222A3EFB}" presName="hierChild5" presStyleCnt="0"/>
+      <dgm:spPr/>
+    </dgm:pt>
+    <dgm:pt modelId="{8D96E3EE-4EE6-47C0-BDA3-1B464380816D}" type="pres">
+      <dgm:prSet presAssocID="{4EEC8717-AA0F-49DE-8732-2508B3115DE0}" presName="Name37" presStyleLbl="parChTrans1D2" presStyleIdx="1" presStyleCnt="3"/>
+      <dgm:spPr/>
+    </dgm:pt>
+    <dgm:pt modelId="{44CA2DCF-42C0-407A-ABE2-B3D41E866CEB}" type="pres">
+      <dgm:prSet presAssocID="{B4FA02E4-55C6-4E7F-89E1-A36E659C009D}" presName="hierRoot2" presStyleCnt="0">
+        <dgm:presLayoutVars>
+          <dgm:hierBranch val="init"/>
+        </dgm:presLayoutVars>
+      </dgm:prSet>
+      <dgm:spPr/>
+    </dgm:pt>
+    <dgm:pt modelId="{A39D4F01-D55C-4C18-B451-1E7E6BF78130}" type="pres">
+      <dgm:prSet presAssocID="{B4FA02E4-55C6-4E7F-89E1-A36E659C009D}" presName="rootComposite" presStyleCnt="0"/>
+      <dgm:spPr/>
+    </dgm:pt>
+    <dgm:pt modelId="{C1F44E9B-0435-4616-B0DF-E9661855ED10}" type="pres">
+      <dgm:prSet presAssocID="{B4FA02E4-55C6-4E7F-89E1-A36E659C009D}" presName="rootText" presStyleLbl="node1" presStyleIdx="1" presStyleCnt="3">
+        <dgm:presLayoutVars>
+          <dgm:chMax/>
+          <dgm:chPref val="3"/>
+        </dgm:presLayoutVars>
+      </dgm:prSet>
+      <dgm:spPr/>
+    </dgm:pt>
+    <dgm:pt modelId="{8C87CF99-C695-483F-877F-16140EF7B842}" type="pres">
+      <dgm:prSet presAssocID="{B4FA02E4-55C6-4E7F-89E1-A36E659C009D}" presName="titleText2" presStyleLbl="fgAcc1" presStyleIdx="1" presStyleCnt="3">
+        <dgm:presLayoutVars>
+          <dgm:chMax val="0"/>
+          <dgm:chPref val="0"/>
+        </dgm:presLayoutVars>
+      </dgm:prSet>
+      <dgm:spPr/>
+      <dgm:t>
+        <a:bodyPr/>
+        <a:lstStyle/>
+        <a:p>
+          <a:endParaRPr lang="en-US"/>
+        </a:p>
+      </dgm:t>
+    </dgm:pt>
+    <dgm:pt modelId="{6A000DF7-1A06-4720-A08C-779CAA7DF395}" type="pres">
+      <dgm:prSet presAssocID="{B4FA02E4-55C6-4E7F-89E1-A36E659C009D}" presName="rootConnector" presStyleLbl="node2" presStyleIdx="0" presStyleCnt="0"/>
+      <dgm:spPr/>
+    </dgm:pt>
+    <dgm:pt modelId="{DABA6A64-3116-429A-A6C2-E81A683FF019}" type="pres">
+      <dgm:prSet presAssocID="{B4FA02E4-55C6-4E7F-89E1-A36E659C009D}" presName="hierChild4" presStyleCnt="0"/>
+      <dgm:spPr/>
+    </dgm:pt>
+    <dgm:pt modelId="{7A5616E7-BC21-4905-B419-61BC39F9025A}" type="pres">
+      <dgm:prSet presAssocID="{B4FA02E4-55C6-4E7F-89E1-A36E659C009D}" presName="hierChild5" presStyleCnt="0"/>
+      <dgm:spPr/>
+    </dgm:pt>
+    <dgm:pt modelId="{3E8CF59A-FAAD-44AA-979D-BA7D6881B96A}" type="pres">
+      <dgm:prSet presAssocID="{CEA44938-41CA-4FE2-8E9C-87D351F742D9}" presName="Name37" presStyleLbl="parChTrans1D2" presStyleIdx="2" presStyleCnt="3"/>
+      <dgm:spPr/>
+    </dgm:pt>
+    <dgm:pt modelId="{C1633CCD-9047-4C60-92A6-ABE37F20362C}" type="pres">
+      <dgm:prSet presAssocID="{98676505-2196-4383-BEFB-5F6FF8DFC4F3}" presName="hierRoot2" presStyleCnt="0">
+        <dgm:presLayoutVars>
+          <dgm:hierBranch val="init"/>
+        </dgm:presLayoutVars>
+      </dgm:prSet>
+      <dgm:spPr/>
+    </dgm:pt>
+    <dgm:pt modelId="{E463234F-0603-44D5-BFBA-2F3F9E380D81}" type="pres">
+      <dgm:prSet presAssocID="{98676505-2196-4383-BEFB-5F6FF8DFC4F3}" presName="rootComposite" presStyleCnt="0"/>
+      <dgm:spPr/>
+    </dgm:pt>
+    <dgm:pt modelId="{99FA17BB-8F10-4DD9-A0E2-5EA0396FA6D2}" type="pres">
+      <dgm:prSet presAssocID="{98676505-2196-4383-BEFB-5F6FF8DFC4F3}" presName="rootText" presStyleLbl="node1" presStyleIdx="2" presStyleCnt="3" custLinFactNeighborX="-3484" custLinFactNeighborY="689">
+        <dgm:presLayoutVars>
+          <dgm:chMax/>
+          <dgm:chPref val="3"/>
+        </dgm:presLayoutVars>
+      </dgm:prSet>
+      <dgm:spPr/>
+    </dgm:pt>
+    <dgm:pt modelId="{511293F5-5A5E-445C-B435-92C4CB8E9AD6}" type="pres">
+      <dgm:prSet presAssocID="{98676505-2196-4383-BEFB-5F6FF8DFC4F3}" presName="titleText2" presStyleLbl="fgAcc1" presStyleIdx="2" presStyleCnt="3">
+        <dgm:presLayoutVars>
+          <dgm:chMax val="0"/>
+          <dgm:chPref val="0"/>
+        </dgm:presLayoutVars>
+      </dgm:prSet>
+      <dgm:spPr/>
+      <dgm:t>
+        <a:bodyPr/>
+        <a:lstStyle/>
+        <a:p>
+          <a:endParaRPr lang="en-US"/>
+        </a:p>
+      </dgm:t>
+    </dgm:pt>
+    <dgm:pt modelId="{00BA90B6-26AF-4594-9663-43A9B290A14C}" type="pres">
+      <dgm:prSet presAssocID="{98676505-2196-4383-BEFB-5F6FF8DFC4F3}" presName="rootConnector" presStyleLbl="node2" presStyleIdx="0" presStyleCnt="0"/>
+      <dgm:spPr/>
+    </dgm:pt>
+    <dgm:pt modelId="{392062C4-C553-41FE-8178-6B977942723D}" type="pres">
+      <dgm:prSet presAssocID="{98676505-2196-4383-BEFB-5F6FF8DFC4F3}" presName="hierChild4" presStyleCnt="0"/>
+      <dgm:spPr/>
+    </dgm:pt>
+    <dgm:pt modelId="{BECCD66D-2E3A-47E8-AB6E-0E5758B76920}" type="pres">
+      <dgm:prSet presAssocID="{98676505-2196-4383-BEFB-5F6FF8DFC4F3}" presName="hierChild5" presStyleCnt="0"/>
+      <dgm:spPr/>
+    </dgm:pt>
+    <dgm:pt modelId="{F49C52B0-8B56-4451-B160-7F438606848B}" type="pres">
+      <dgm:prSet presAssocID="{48C133C3-77F3-4A71-8515-4B7725FB695C}" presName="hierChild3" presStyleCnt="0"/>
+      <dgm:spPr/>
+    </dgm:pt>
+  </dgm:ptLst>
+  <dgm:cxnLst>
+    <dgm:cxn modelId="{2CBB33F4-C536-48A8-ADA5-B43F9AC5C356}" type="presOf" srcId="{523E3F81-A7FD-41C6-AEFA-00BFD2D5C126}" destId="{6C4D6CE3-4FAA-4D39-8A22-7BAC7C27FEEC}" srcOrd="0" destOrd="0" presId="urn:microsoft.com/office/officeart/2008/layout/NameandTitleOrganizationalChart"/>
+    <dgm:cxn modelId="{CEA3D494-7428-4F68-96DD-BBDE948C64B5}" type="presOf" srcId="{48C133C3-77F3-4A71-8515-4B7725FB695C}" destId="{C3B855EC-6B1E-45CD-B732-9A0DEB763F68}" srcOrd="0" destOrd="0" presId="urn:microsoft.com/office/officeart/2008/layout/NameandTitleOrganizationalChart"/>
+    <dgm:cxn modelId="{960DAA28-01C0-4F45-91DD-815E65AA6D25}" type="presOf" srcId="{4DD089F6-C96A-494A-9C11-C8DDFC86808E}" destId="{40DF6143-7A1D-4CBC-A39F-187E0F34DDEB}" srcOrd="0" destOrd="0" presId="urn:microsoft.com/office/officeart/2008/layout/NameandTitleOrganizationalChart"/>
+    <dgm:cxn modelId="{650D092C-E41D-4A25-B57D-FD16FCFF412B}" type="presOf" srcId="{6C56C7E1-118B-466E-A84D-657D222A3EFB}" destId="{B2077D14-C7CA-4B09-B173-BEA41D78B926}" srcOrd="0" destOrd="0" presId="urn:microsoft.com/office/officeart/2008/layout/NameandTitleOrganizationalChart"/>
+    <dgm:cxn modelId="{3D16D2A2-4449-42D5-9D81-66209F758901}" type="presOf" srcId="{98676505-2196-4383-BEFB-5F6FF8DFC4F3}" destId="{99FA17BB-8F10-4DD9-A0E2-5EA0396FA6D2}" srcOrd="0" destOrd="0" presId="urn:microsoft.com/office/officeart/2008/layout/NameandTitleOrganizationalChart"/>
+    <dgm:cxn modelId="{393F10D4-177B-4C85-B7C2-CE9D4D155555}" type="presOf" srcId="{C736C31F-CB43-4520-9C19-F939CD21C4FA}" destId="{511293F5-5A5E-445C-B435-92C4CB8E9AD6}" srcOrd="0" destOrd="0" presId="urn:microsoft.com/office/officeart/2008/layout/NameandTitleOrganizationalChart"/>
+    <dgm:cxn modelId="{1FD7A135-E33B-4D37-A5BE-FA539DF0E667}" srcId="{56F91B86-C79C-443A-89FC-288C3CB26305}" destId="{48C133C3-77F3-4A71-8515-4B7725FB695C}" srcOrd="0" destOrd="0" parTransId="{394D730F-AAFD-4A6A-968F-99309EF15FB3}" sibTransId="{AAEC4A7F-26E9-49C9-A021-C41E5C07BFA0}"/>
+    <dgm:cxn modelId="{2D7F8DA9-95BE-48C8-9FE6-679FE1FAF235}" type="presOf" srcId="{48C133C3-77F3-4A71-8515-4B7725FB695C}" destId="{E4683AE9-12A6-4E1D-8807-2134BE840AFA}" srcOrd="1" destOrd="0" presId="urn:microsoft.com/office/officeart/2008/layout/NameandTitleOrganizationalChart"/>
+    <dgm:cxn modelId="{ACD5E262-E9D5-4616-9E7C-CC87F6F4394E}" type="presOf" srcId="{B4FA02E4-55C6-4E7F-89E1-A36E659C009D}" destId="{C1F44E9B-0435-4616-B0DF-E9661855ED10}" srcOrd="0" destOrd="0" presId="urn:microsoft.com/office/officeart/2008/layout/NameandTitleOrganizationalChart"/>
+    <dgm:cxn modelId="{645D9DC0-8FFC-426F-8418-2AB8E75A40D0}" type="presOf" srcId="{B4FA02E4-55C6-4E7F-89E1-A36E659C009D}" destId="{6A000DF7-1A06-4720-A08C-779CAA7DF395}" srcOrd="1" destOrd="0" presId="urn:microsoft.com/office/officeart/2008/layout/NameandTitleOrganizationalChart"/>
+    <dgm:cxn modelId="{CF846937-B19A-4065-B834-FC7D5A653E4B}" type="presOf" srcId="{6C56C7E1-118B-466E-A84D-657D222A3EFB}" destId="{443F2EA8-12E1-4F9D-B8E2-9D66197C9EA8}" srcOrd="1" destOrd="0" presId="urn:microsoft.com/office/officeart/2008/layout/NameandTitleOrganizationalChart"/>
+    <dgm:cxn modelId="{A9F56E27-878A-43D2-9784-03AEE5D09378}" type="presOf" srcId="{FF9BA836-D4D1-46B4-A163-9D8812F00382}" destId="{8C87CF99-C695-483F-877F-16140EF7B842}" srcOrd="0" destOrd="0" presId="urn:microsoft.com/office/officeart/2008/layout/NameandTitleOrganizationalChart"/>
+    <dgm:cxn modelId="{3D9C1171-7DF3-4895-A4D5-D7AE44F78779}" type="presOf" srcId="{CEA44938-41CA-4FE2-8E9C-87D351F742D9}" destId="{3E8CF59A-FAAD-44AA-979D-BA7D6881B96A}" srcOrd="0" destOrd="0" presId="urn:microsoft.com/office/officeart/2008/layout/NameandTitleOrganizationalChart"/>
+    <dgm:cxn modelId="{9B636C39-7CFA-40B2-8376-6FC260A550B2}" type="presOf" srcId="{4EEC8717-AA0F-49DE-8732-2508B3115DE0}" destId="{8D96E3EE-4EE6-47C0-BDA3-1B464380816D}" srcOrd="0" destOrd="0" presId="urn:microsoft.com/office/officeart/2008/layout/NameandTitleOrganizationalChart"/>
+    <dgm:cxn modelId="{CD927534-CFC7-47C1-9B17-0019F0864644}" type="presOf" srcId="{AAEC4A7F-26E9-49C9-A021-C41E5C07BFA0}" destId="{EFFCA47C-D5C2-4308-A844-2CC7B5C9555D}" srcOrd="0" destOrd="0" presId="urn:microsoft.com/office/officeart/2008/layout/NameandTitleOrganizationalChart"/>
+    <dgm:cxn modelId="{C477F7AD-84AD-48A4-AA50-BC2C18AF229C}" type="presOf" srcId="{98676505-2196-4383-BEFB-5F6FF8DFC4F3}" destId="{00BA90B6-26AF-4594-9663-43A9B290A14C}" srcOrd="1" destOrd="0" presId="urn:microsoft.com/office/officeart/2008/layout/NameandTitleOrganizationalChart"/>
+    <dgm:cxn modelId="{D2F302EA-F5B3-42B6-BB80-C2F47D9A3D6E}" srcId="{48C133C3-77F3-4A71-8515-4B7725FB695C}" destId="{98676505-2196-4383-BEFB-5F6FF8DFC4F3}" srcOrd="2" destOrd="0" parTransId="{CEA44938-41CA-4FE2-8E9C-87D351F742D9}" sibTransId="{C736C31F-CB43-4520-9C19-F939CD21C4FA}"/>
+    <dgm:cxn modelId="{E73B190F-1347-4C04-8548-5C81DA2F643E}" srcId="{48C133C3-77F3-4A71-8515-4B7725FB695C}" destId="{B4FA02E4-55C6-4E7F-89E1-A36E659C009D}" srcOrd="1" destOrd="0" parTransId="{4EEC8717-AA0F-49DE-8732-2508B3115DE0}" sibTransId="{FF9BA836-D4D1-46B4-A163-9D8812F00382}"/>
+    <dgm:cxn modelId="{7099AADB-E474-47E6-AA7C-4BD0C5FC6EE1}" type="presOf" srcId="{56F91B86-C79C-443A-89FC-288C3CB26305}" destId="{BF944616-80E6-4E36-ADDD-11AD911A0320}" srcOrd="0" destOrd="0" presId="urn:microsoft.com/office/officeart/2008/layout/NameandTitleOrganizationalChart"/>
+    <dgm:cxn modelId="{9ED1ECAC-6869-4938-B949-03E4C47B439C}" srcId="{48C133C3-77F3-4A71-8515-4B7725FB695C}" destId="{6C56C7E1-118B-466E-A84D-657D222A3EFB}" srcOrd="0" destOrd="0" parTransId="{523E3F81-A7FD-41C6-AEFA-00BFD2D5C126}" sibTransId="{4DD089F6-C96A-494A-9C11-C8DDFC86808E}"/>
+    <dgm:cxn modelId="{3902450A-7843-4637-80FA-BB14C78F6EAA}" type="presParOf" srcId="{BF944616-80E6-4E36-ADDD-11AD911A0320}" destId="{0DA0A989-CBED-4B19-A3FE-81EAF897B5B7}" srcOrd="0" destOrd="0" presId="urn:microsoft.com/office/officeart/2008/layout/NameandTitleOrganizationalChart"/>
+    <dgm:cxn modelId="{49213C75-DDFD-44AB-A7B2-7644A05400B0}" type="presParOf" srcId="{0DA0A989-CBED-4B19-A3FE-81EAF897B5B7}" destId="{883C57D8-1D69-4462-80B0-001A9CD31D04}" srcOrd="0" destOrd="0" presId="urn:microsoft.com/office/officeart/2008/layout/NameandTitleOrganizationalChart"/>
+    <dgm:cxn modelId="{7CB2EAE3-2CE4-4650-BB62-55486DCEB8C2}" type="presParOf" srcId="{883C57D8-1D69-4462-80B0-001A9CD31D04}" destId="{C3B855EC-6B1E-45CD-B732-9A0DEB763F68}" srcOrd="0" destOrd="0" presId="urn:microsoft.com/office/officeart/2008/layout/NameandTitleOrganizationalChart"/>
+    <dgm:cxn modelId="{642A6847-CB44-48CF-8D15-13D931DE22A4}" type="presParOf" srcId="{883C57D8-1D69-4462-80B0-001A9CD31D04}" destId="{EFFCA47C-D5C2-4308-A844-2CC7B5C9555D}" srcOrd="1" destOrd="0" presId="urn:microsoft.com/office/officeart/2008/layout/NameandTitleOrganizationalChart"/>
+    <dgm:cxn modelId="{55A9BCF7-A25F-4358-B064-07A729D26063}" type="presParOf" srcId="{883C57D8-1D69-4462-80B0-001A9CD31D04}" destId="{E4683AE9-12A6-4E1D-8807-2134BE840AFA}" srcOrd="2" destOrd="0" presId="urn:microsoft.com/office/officeart/2008/layout/NameandTitleOrganizationalChart"/>
+    <dgm:cxn modelId="{2C6A5BF9-9759-4C6F-8BB9-7382273DEADA}" type="presParOf" srcId="{0DA0A989-CBED-4B19-A3FE-81EAF897B5B7}" destId="{E266A8FF-97C8-4138-9197-7BCA3AB036B3}" srcOrd="1" destOrd="0" presId="urn:microsoft.com/office/officeart/2008/layout/NameandTitleOrganizationalChart"/>
+    <dgm:cxn modelId="{FEC4F076-E06B-4F3C-A45C-B89260044B1C}" type="presParOf" srcId="{E266A8FF-97C8-4138-9197-7BCA3AB036B3}" destId="{6C4D6CE3-4FAA-4D39-8A22-7BAC7C27FEEC}" srcOrd="0" destOrd="0" presId="urn:microsoft.com/office/officeart/2008/layout/NameandTitleOrganizationalChart"/>
+    <dgm:cxn modelId="{301DA717-4B04-451A-83B1-160211AEE1B9}" type="presParOf" srcId="{E266A8FF-97C8-4138-9197-7BCA3AB036B3}" destId="{1FD04404-7F57-4E0A-96B8-2299288FE726}" srcOrd="1" destOrd="0" presId="urn:microsoft.com/office/officeart/2008/layout/NameandTitleOrganizationalChart"/>
+    <dgm:cxn modelId="{A6813E04-32B9-45F9-A99E-469BA39E14A0}" type="presParOf" srcId="{1FD04404-7F57-4E0A-96B8-2299288FE726}" destId="{40C79CC4-BCC7-4049-906E-0B50C8D220C3}" srcOrd="0" destOrd="0" presId="urn:microsoft.com/office/officeart/2008/layout/NameandTitleOrganizationalChart"/>
+    <dgm:cxn modelId="{04109739-24D8-4655-8F1C-A45341A5F8E3}" type="presParOf" srcId="{40C79CC4-BCC7-4049-906E-0B50C8D220C3}" destId="{B2077D14-C7CA-4B09-B173-BEA41D78B926}" srcOrd="0" destOrd="0" presId="urn:microsoft.com/office/officeart/2008/layout/NameandTitleOrganizationalChart"/>
+    <dgm:cxn modelId="{5E62EA89-7A18-4B55-8004-252EA802F4FB}" type="presParOf" srcId="{40C79CC4-BCC7-4049-906E-0B50C8D220C3}" destId="{40DF6143-7A1D-4CBC-A39F-187E0F34DDEB}" srcOrd="1" destOrd="0" presId="urn:microsoft.com/office/officeart/2008/layout/NameandTitleOrganizationalChart"/>
+    <dgm:cxn modelId="{451B80DA-4D66-492C-A22B-703AFED67138}" type="presParOf" srcId="{40C79CC4-BCC7-4049-906E-0B50C8D220C3}" destId="{443F2EA8-12E1-4F9D-B8E2-9D66197C9EA8}" srcOrd="2" destOrd="0" presId="urn:microsoft.com/office/officeart/2008/layout/NameandTitleOrganizationalChart"/>
+    <dgm:cxn modelId="{E1CD0997-715A-4815-B6C4-EF249DAA834F}" type="presParOf" srcId="{1FD04404-7F57-4E0A-96B8-2299288FE726}" destId="{D5FA2318-57AC-41A7-B7B1-2298A7F5EF08}" srcOrd="1" destOrd="0" presId="urn:microsoft.com/office/officeart/2008/layout/NameandTitleOrganizationalChart"/>
+    <dgm:cxn modelId="{C1323284-D757-44FC-9CF1-3CA6BF33449D}" type="presParOf" srcId="{1FD04404-7F57-4E0A-96B8-2299288FE726}" destId="{5A68B62E-25FA-4E72-A974-6442BCC98FBB}" srcOrd="2" destOrd="0" presId="urn:microsoft.com/office/officeart/2008/layout/NameandTitleOrganizationalChart"/>
+    <dgm:cxn modelId="{DA06301B-E1E9-4F7D-9796-F9E01E495ACE}" type="presParOf" srcId="{E266A8FF-97C8-4138-9197-7BCA3AB036B3}" destId="{8D96E3EE-4EE6-47C0-BDA3-1B464380816D}" srcOrd="2" destOrd="0" presId="urn:microsoft.com/office/officeart/2008/layout/NameandTitleOrganizationalChart"/>
+    <dgm:cxn modelId="{C37CD1C7-F069-409C-8646-02B3D88F89C0}" type="presParOf" srcId="{E266A8FF-97C8-4138-9197-7BCA3AB036B3}" destId="{44CA2DCF-42C0-407A-ABE2-B3D41E866CEB}" srcOrd="3" destOrd="0" presId="urn:microsoft.com/office/officeart/2008/layout/NameandTitleOrganizationalChart"/>
+    <dgm:cxn modelId="{23B4E2B3-89EC-4FA1-8090-9C960FE52CB5}" type="presParOf" srcId="{44CA2DCF-42C0-407A-ABE2-B3D41E866CEB}" destId="{A39D4F01-D55C-4C18-B451-1E7E6BF78130}" srcOrd="0" destOrd="0" presId="urn:microsoft.com/office/officeart/2008/layout/NameandTitleOrganizationalChart"/>
+    <dgm:cxn modelId="{EA3D2404-F673-4001-9EDE-2B5D46ADFE20}" type="presParOf" srcId="{A39D4F01-D55C-4C18-B451-1E7E6BF78130}" destId="{C1F44E9B-0435-4616-B0DF-E9661855ED10}" srcOrd="0" destOrd="0" presId="urn:microsoft.com/office/officeart/2008/layout/NameandTitleOrganizationalChart"/>
+    <dgm:cxn modelId="{DE99B79F-31FA-43CD-963B-1CA464E45D24}" type="presParOf" srcId="{A39D4F01-D55C-4C18-B451-1E7E6BF78130}" destId="{8C87CF99-C695-483F-877F-16140EF7B842}" srcOrd="1" destOrd="0" presId="urn:microsoft.com/office/officeart/2008/layout/NameandTitleOrganizationalChart"/>
+    <dgm:cxn modelId="{7E0115C3-C065-47C6-8235-22AA6EA760C4}" type="presParOf" srcId="{A39D4F01-D55C-4C18-B451-1E7E6BF78130}" destId="{6A000DF7-1A06-4720-A08C-779CAA7DF395}" srcOrd="2" destOrd="0" presId="urn:microsoft.com/office/officeart/2008/layout/NameandTitleOrganizationalChart"/>
+    <dgm:cxn modelId="{9195A751-7150-4C74-9637-8D2B2279C19B}" type="presParOf" srcId="{44CA2DCF-42C0-407A-ABE2-B3D41E866CEB}" destId="{DABA6A64-3116-429A-A6C2-E81A683FF019}" srcOrd="1" destOrd="0" presId="urn:microsoft.com/office/officeart/2008/layout/NameandTitleOrganizationalChart"/>
+    <dgm:cxn modelId="{198CF842-E97E-412C-8180-0FE27F01A717}" type="presParOf" srcId="{44CA2DCF-42C0-407A-ABE2-B3D41E866CEB}" destId="{7A5616E7-BC21-4905-B419-61BC39F9025A}" srcOrd="2" destOrd="0" presId="urn:microsoft.com/office/officeart/2008/layout/NameandTitleOrganizationalChart"/>
+    <dgm:cxn modelId="{B42BC83F-72F9-43B2-BF78-EB6F0AE0042D}" type="presParOf" srcId="{E266A8FF-97C8-4138-9197-7BCA3AB036B3}" destId="{3E8CF59A-FAAD-44AA-979D-BA7D6881B96A}" srcOrd="4" destOrd="0" presId="urn:microsoft.com/office/officeart/2008/layout/NameandTitleOrganizationalChart"/>
+    <dgm:cxn modelId="{088842A9-931B-4A51-A489-BCDE84305D19}" type="presParOf" srcId="{E266A8FF-97C8-4138-9197-7BCA3AB036B3}" destId="{C1633CCD-9047-4C60-92A6-ABE37F20362C}" srcOrd="5" destOrd="0" presId="urn:microsoft.com/office/officeart/2008/layout/NameandTitleOrganizationalChart"/>
+    <dgm:cxn modelId="{79231177-C16A-445B-B961-5FBA028853DE}" type="presParOf" srcId="{C1633CCD-9047-4C60-92A6-ABE37F20362C}" destId="{E463234F-0603-44D5-BFBA-2F3F9E380D81}" srcOrd="0" destOrd="0" presId="urn:microsoft.com/office/officeart/2008/layout/NameandTitleOrganizationalChart"/>
+    <dgm:cxn modelId="{E55E9E53-6554-4ECA-B802-D50A25A428FC}" type="presParOf" srcId="{E463234F-0603-44D5-BFBA-2F3F9E380D81}" destId="{99FA17BB-8F10-4DD9-A0E2-5EA0396FA6D2}" srcOrd="0" destOrd="0" presId="urn:microsoft.com/office/officeart/2008/layout/NameandTitleOrganizationalChart"/>
+    <dgm:cxn modelId="{B6919EAD-720D-4239-B9AE-1AC8C58AB00C}" type="presParOf" srcId="{E463234F-0603-44D5-BFBA-2F3F9E380D81}" destId="{511293F5-5A5E-445C-B435-92C4CB8E9AD6}" srcOrd="1" destOrd="0" presId="urn:microsoft.com/office/officeart/2008/layout/NameandTitleOrganizationalChart"/>
+    <dgm:cxn modelId="{8E535A10-1556-456F-BA1C-8BEAE347E5A0}" type="presParOf" srcId="{E463234F-0603-44D5-BFBA-2F3F9E380D81}" destId="{00BA90B6-26AF-4594-9663-43A9B290A14C}" srcOrd="2" destOrd="0" presId="urn:microsoft.com/office/officeart/2008/layout/NameandTitleOrganizationalChart"/>
+    <dgm:cxn modelId="{D7448C7E-A839-48AF-9971-643B96D5DB4F}" type="presParOf" srcId="{C1633CCD-9047-4C60-92A6-ABE37F20362C}" destId="{392062C4-C553-41FE-8178-6B977942723D}" srcOrd="1" destOrd="0" presId="urn:microsoft.com/office/officeart/2008/layout/NameandTitleOrganizationalChart"/>
+    <dgm:cxn modelId="{AEBDFE08-1C24-4DEE-AC66-5EF29E407308}" type="presParOf" srcId="{C1633CCD-9047-4C60-92A6-ABE37F20362C}" destId="{BECCD66D-2E3A-47E8-AB6E-0E5758B76920}" srcOrd="2" destOrd="0" presId="urn:microsoft.com/office/officeart/2008/layout/NameandTitleOrganizationalChart"/>
+    <dgm:cxn modelId="{8F16B8ED-3355-4088-AAA8-D4605D2C2F38}" type="presParOf" srcId="{0DA0A989-CBED-4B19-A3FE-81EAF897B5B7}" destId="{F49C52B0-8B56-4451-B160-7F438606848B}" srcOrd="2" destOrd="0" presId="urn:microsoft.com/office/officeart/2008/layout/NameandTitleOrganizationalChart"/>
+  </dgm:cxnLst>
+  <dgm:bg/>
+  <dgm:whole/>
+  <dgm:extLst>
+    <a:ext uri="http://schemas.microsoft.com/office/drawing/2008/diagram">
+      <dsp:dataModelExt xmlns:dsp="http://schemas.microsoft.com/office/drawing/2008/diagram" relId="rId6" minVer="http://schemas.openxmlformats.org/drawingml/2006/diagram"/>
+    </a:ext>
+  </dgm:extLst>
+</dgm:dataModel>
+</file>
+
+<file path=ppt/diagrams/data2.xml><?xml version="1.0" encoding="utf-8"?>
 <dgm:dataModel xmlns:dgm="http://schemas.openxmlformats.org/drawingml/2006/diagram" xmlns:a="http://schemas.openxmlformats.org/drawingml/2006/main">
   <dgm:ptLst>
     <dgm:pt modelId="{9F8F2B18-D282-4819-BEC3-BC06A6637AB0}" type="doc">
@@ -1135,6 +2353,815 @@
 </file>
 
 <file path=ppt/diagrams/drawing1.xml><?xml version="1.0" encoding="utf-8"?>
+<dsp:drawing xmlns:dgm="http://schemas.openxmlformats.org/drawingml/2006/diagram" xmlns:dsp="http://schemas.microsoft.com/office/drawing/2008/diagram" xmlns:a="http://schemas.openxmlformats.org/drawingml/2006/main">
+  <dsp:spTree>
+    <dsp:nvGrpSpPr>
+      <dsp:cNvPr id="0" name=""/>
+      <dsp:cNvGrpSpPr/>
+    </dsp:nvGrpSpPr>
+    <dsp:grpSpPr/>
+    <dsp:sp modelId="{3E8CF59A-FAAD-44AA-979D-BA7D6881B96A}">
+      <dsp:nvSpPr>
+        <dsp:cNvPr id="0" name=""/>
+        <dsp:cNvSpPr/>
+      </dsp:nvSpPr>
+      <dsp:spPr>
+        <a:xfrm>
+          <a:off x="4390466" y="1541436"/>
+          <a:ext cx="3040162" cy="773637"/>
+        </a:xfrm>
+        <a:custGeom>
+          <a:avLst/>
+          <a:gdLst/>
+          <a:ahLst/>
+          <a:cxnLst/>
+          <a:rect l="0" t="0" r="0" b="0"/>
+          <a:pathLst>
+            <a:path>
+              <a:moveTo>
+                <a:pt x="0" y="0"/>
+              </a:moveTo>
+              <a:lnTo>
+                <a:pt x="0" y="491898"/>
+              </a:lnTo>
+              <a:lnTo>
+                <a:pt x="3040162" y="491898"/>
+              </a:lnTo>
+              <a:lnTo>
+                <a:pt x="3040162" y="773637"/>
+              </a:lnTo>
+            </a:path>
+          </a:pathLst>
+        </a:custGeom>
+        <a:noFill/>
+        <a:ln w="19050" cap="rnd" cmpd="sng" algn="ctr">
+          <a:solidFill>
+            <a:schemeClr val="accent1">
+              <a:shade val="60000"/>
+              <a:hueOff val="0"/>
+              <a:satOff val="0"/>
+              <a:lumOff val="0"/>
+              <a:alphaOff val="0"/>
+            </a:schemeClr>
+          </a:solidFill>
+          <a:prstDash val="solid"/>
+        </a:ln>
+        <a:effectLst/>
+      </dsp:spPr>
+      <dsp:style>
+        <a:lnRef idx="2">
+          <a:scrgbClr r="0" g="0" b="0"/>
+        </a:lnRef>
+        <a:fillRef idx="0">
+          <a:scrgbClr r="0" g="0" b="0"/>
+        </a:fillRef>
+        <a:effectRef idx="0">
+          <a:scrgbClr r="0" g="0" b="0"/>
+        </a:effectRef>
+        <a:fontRef idx="minor"/>
+      </dsp:style>
+    </dsp:sp>
+    <dsp:sp modelId="{8D96E3EE-4EE6-47C0-BDA3-1B464380816D}">
+      <dsp:nvSpPr>
+        <dsp:cNvPr id="0" name=""/>
+        <dsp:cNvSpPr/>
+      </dsp:nvSpPr>
+      <dsp:spPr>
+        <a:xfrm>
+          <a:off x="4337376" y="1541436"/>
+          <a:ext cx="91440" cy="765318"/>
+        </a:xfrm>
+        <a:custGeom>
+          <a:avLst/>
+          <a:gdLst/>
+          <a:ahLst/>
+          <a:cxnLst/>
+          <a:rect l="0" t="0" r="0" b="0"/>
+          <a:pathLst>
+            <a:path>
+              <a:moveTo>
+                <a:pt x="53089" y="0"/>
+              </a:moveTo>
+              <a:lnTo>
+                <a:pt x="53089" y="483578"/>
+              </a:lnTo>
+              <a:lnTo>
+                <a:pt x="45720" y="483578"/>
+              </a:lnTo>
+              <a:lnTo>
+                <a:pt x="45720" y="765318"/>
+              </a:lnTo>
+            </a:path>
+          </a:pathLst>
+        </a:custGeom>
+        <a:noFill/>
+        <a:ln w="19050" cap="rnd" cmpd="sng" algn="ctr">
+          <a:solidFill>
+            <a:schemeClr val="accent1">
+              <a:shade val="60000"/>
+              <a:hueOff val="0"/>
+              <a:satOff val="0"/>
+              <a:lumOff val="0"/>
+              <a:alphaOff val="0"/>
+            </a:schemeClr>
+          </a:solidFill>
+          <a:prstDash val="solid"/>
+        </a:ln>
+        <a:effectLst/>
+      </dsp:spPr>
+      <dsp:style>
+        <a:lnRef idx="2">
+          <a:scrgbClr r="0" g="0" b="0"/>
+        </a:lnRef>
+        <a:fillRef idx="0">
+          <a:scrgbClr r="0" g="0" b="0"/>
+        </a:fillRef>
+        <a:effectRef idx="0">
+          <a:scrgbClr r="0" g="0" b="0"/>
+        </a:effectRef>
+        <a:fontRef idx="minor"/>
+      </dsp:style>
+    </dsp:sp>
+    <dsp:sp modelId="{6C4D6CE3-4FAA-4D39-8A22-7BAC7C27FEEC}">
+      <dsp:nvSpPr>
+        <dsp:cNvPr id="0" name=""/>
+        <dsp:cNvSpPr/>
+      </dsp:nvSpPr>
+      <dsp:spPr>
+        <a:xfrm>
+          <a:off x="1254315" y="1541436"/>
+          <a:ext cx="3136151" cy="765318"/>
+        </a:xfrm>
+        <a:custGeom>
+          <a:avLst/>
+          <a:gdLst/>
+          <a:ahLst/>
+          <a:cxnLst/>
+          <a:rect l="0" t="0" r="0" b="0"/>
+          <a:pathLst>
+            <a:path>
+              <a:moveTo>
+                <a:pt x="3136151" y="0"/>
+              </a:moveTo>
+              <a:lnTo>
+                <a:pt x="3136151" y="483578"/>
+              </a:lnTo>
+              <a:lnTo>
+                <a:pt x="0" y="483578"/>
+              </a:lnTo>
+              <a:lnTo>
+                <a:pt x="0" y="765318"/>
+              </a:lnTo>
+            </a:path>
+          </a:pathLst>
+        </a:custGeom>
+        <a:noFill/>
+        <a:ln w="19050" cap="rnd" cmpd="sng" algn="ctr">
+          <a:solidFill>
+            <a:schemeClr val="accent1">
+              <a:shade val="60000"/>
+              <a:hueOff val="0"/>
+              <a:satOff val="0"/>
+              <a:lumOff val="0"/>
+              <a:alphaOff val="0"/>
+            </a:schemeClr>
+          </a:solidFill>
+          <a:prstDash val="solid"/>
+        </a:ln>
+        <a:effectLst/>
+      </dsp:spPr>
+      <dsp:style>
+        <a:lnRef idx="2">
+          <a:scrgbClr r="0" g="0" b="0"/>
+        </a:lnRef>
+        <a:fillRef idx="0">
+          <a:scrgbClr r="0" g="0" b="0"/>
+        </a:fillRef>
+        <a:effectRef idx="0">
+          <a:scrgbClr r="0" g="0" b="0"/>
+        </a:effectRef>
+        <a:fontRef idx="minor"/>
+      </dsp:style>
+    </dsp:sp>
+    <dsp:sp modelId="{C3B855EC-6B1E-45CD-B732-9A0DEB763F68}">
+      <dsp:nvSpPr>
+        <dsp:cNvPr id="0" name=""/>
+        <dsp:cNvSpPr/>
+      </dsp:nvSpPr>
+      <dsp:spPr>
+        <a:xfrm>
+          <a:off x="3224419" y="333981"/>
+          <a:ext cx="2332093" cy="1207454"/>
+        </a:xfrm>
+        <a:prstGeom prst="rect">
+          <a:avLst/>
+        </a:prstGeom>
+        <a:solidFill>
+          <a:schemeClr val="accent1">
+            <a:hueOff val="0"/>
+            <a:satOff val="0"/>
+            <a:lumOff val="0"/>
+            <a:alphaOff val="0"/>
+          </a:schemeClr>
+        </a:solidFill>
+        <a:ln w="19050" cap="rnd" cmpd="sng" algn="ctr">
+          <a:solidFill>
+            <a:schemeClr val="lt1">
+              <a:hueOff val="0"/>
+              <a:satOff val="0"/>
+              <a:lumOff val="0"/>
+              <a:alphaOff val="0"/>
+            </a:schemeClr>
+          </a:solidFill>
+          <a:prstDash val="solid"/>
+        </a:ln>
+        <a:effectLst/>
+      </dsp:spPr>
+      <dsp:style>
+        <a:lnRef idx="2">
+          <a:scrgbClr r="0" g="0" b="0"/>
+        </a:lnRef>
+        <a:fillRef idx="1">
+          <a:scrgbClr r="0" g="0" b="0"/>
+        </a:fillRef>
+        <a:effectRef idx="0">
+          <a:scrgbClr r="0" g="0" b="0"/>
+        </a:effectRef>
+        <a:fontRef idx="minor">
+          <a:schemeClr val="lt1"/>
+        </a:fontRef>
+      </dsp:style>
+      <dsp:txBody>
+        <a:bodyPr spcFirstLastPara="0" vert="horz" wrap="square" lIns="22860" tIns="22860" rIns="22860" bIns="170385" numCol="1" spcCol="1270" anchor="ctr" anchorCtr="0">
+          <a:noAutofit/>
+        </a:bodyPr>
+        <a:lstStyle/>
+        <a:p>
+          <a:pPr lvl="0" algn="ctr" defTabSz="1600200">
+            <a:lnSpc>
+              <a:spcPct val="90000"/>
+            </a:lnSpc>
+            <a:spcBef>
+              <a:spcPct val="0"/>
+            </a:spcBef>
+            <a:spcAft>
+              <a:spcPct val="35000"/>
+            </a:spcAft>
+          </a:pPr>
+          <a:r>
+            <a:rPr lang="en-US" sz="3600" kern="1200" dirty="0" smtClean="0"/>
+            <a:t>ASP.NET 5 App</a:t>
+          </a:r>
+          <a:endParaRPr lang="en-US" sz="3600" kern="1200" dirty="0"/>
+        </a:p>
+      </dsp:txBody>
+      <dsp:txXfrm>
+        <a:off x="3224419" y="333981"/>
+        <a:ext cx="2332093" cy="1207454"/>
+      </dsp:txXfrm>
+    </dsp:sp>
+    <dsp:sp modelId="{EFFCA47C-D5C2-4308-A844-2CC7B5C9555D}">
+      <dsp:nvSpPr>
+        <dsp:cNvPr id="0" name=""/>
+        <dsp:cNvSpPr/>
+      </dsp:nvSpPr>
+      <dsp:spPr>
+        <a:xfrm>
+          <a:off x="1406565" y="1726733"/>
+          <a:ext cx="5870809" cy="402484"/>
+        </a:xfrm>
+        <a:prstGeom prst="rect">
+          <a:avLst/>
+        </a:prstGeom>
+        <a:solidFill>
+          <a:schemeClr val="accent1"/>
+        </a:solidFill>
+        <a:ln w="19050" cap="rnd" cmpd="sng" algn="ctr">
+          <a:solidFill>
+            <a:schemeClr val="accent1">
+              <a:hueOff val="0"/>
+              <a:satOff val="0"/>
+              <a:lumOff val="0"/>
+              <a:alphaOff val="0"/>
+            </a:schemeClr>
+          </a:solidFill>
+          <a:prstDash val="solid"/>
+        </a:ln>
+        <a:effectLst/>
+      </dsp:spPr>
+      <dsp:style>
+        <a:lnRef idx="2">
+          <a:scrgbClr r="0" g="0" b="0"/>
+        </a:lnRef>
+        <a:fillRef idx="1">
+          <a:scrgbClr r="0" g="0" b="0"/>
+        </a:fillRef>
+        <a:effectRef idx="0">
+          <a:scrgbClr r="0" g="0" b="0"/>
+        </a:effectRef>
+        <a:fontRef idx="minor"/>
+      </dsp:style>
+      <dsp:txBody>
+        <a:bodyPr spcFirstLastPara="0" vert="horz" wrap="square" lIns="68580" tIns="17145" rIns="68580" bIns="17145" numCol="1" spcCol="1270" anchor="ctr" anchorCtr="0">
+          <a:noAutofit/>
+        </a:bodyPr>
+        <a:lstStyle/>
+        <a:p>
+          <a:pPr lvl="0" algn="ctr" defTabSz="1200150">
+            <a:lnSpc>
+              <a:spcPct val="90000"/>
+            </a:lnSpc>
+            <a:spcBef>
+              <a:spcPct val="0"/>
+            </a:spcBef>
+            <a:spcAft>
+              <a:spcPct val="35000"/>
+            </a:spcAft>
+          </a:pPr>
+          <a:r>
+            <a:rPr lang="en-US" sz="2700" kern="1200" dirty="0" smtClean="0">
+              <a:solidFill>
+                <a:schemeClr val="bg1"/>
+              </a:solidFill>
+            </a:rPr>
+            <a:t>DNX</a:t>
+          </a:r>
+          <a:endParaRPr lang="en-US" sz="2700" kern="1200" dirty="0">
+            <a:solidFill>
+              <a:schemeClr val="bg1"/>
+            </a:solidFill>
+          </a:endParaRPr>
+        </a:p>
+      </dsp:txBody>
+      <dsp:txXfrm>
+        <a:off x="1406565" y="1726733"/>
+        <a:ext cx="5870809" cy="402484"/>
+      </dsp:txXfrm>
+    </dsp:sp>
+    <dsp:sp modelId="{B2077D14-C7CA-4B09-B173-BEA41D78B926}">
+      <dsp:nvSpPr>
+        <dsp:cNvPr id="0" name=""/>
+        <dsp:cNvSpPr/>
+      </dsp:nvSpPr>
+      <dsp:spPr>
+        <a:xfrm>
+          <a:off x="88268" y="2306754"/>
+          <a:ext cx="2332093" cy="1207454"/>
+        </a:xfrm>
+        <a:prstGeom prst="rect">
+          <a:avLst/>
+        </a:prstGeom>
+        <a:solidFill>
+          <a:schemeClr val="accent1">
+            <a:hueOff val="0"/>
+            <a:satOff val="0"/>
+            <a:lumOff val="0"/>
+            <a:alphaOff val="0"/>
+          </a:schemeClr>
+        </a:solidFill>
+        <a:ln w="19050" cap="rnd" cmpd="sng" algn="ctr">
+          <a:solidFill>
+            <a:schemeClr val="lt1">
+              <a:hueOff val="0"/>
+              <a:satOff val="0"/>
+              <a:lumOff val="0"/>
+              <a:alphaOff val="0"/>
+            </a:schemeClr>
+          </a:solidFill>
+          <a:prstDash val="solid"/>
+        </a:ln>
+        <a:effectLst/>
+      </dsp:spPr>
+      <dsp:style>
+        <a:lnRef idx="2">
+          <a:scrgbClr r="0" g="0" b="0"/>
+        </a:lnRef>
+        <a:fillRef idx="1">
+          <a:scrgbClr r="0" g="0" b="0"/>
+        </a:fillRef>
+        <a:effectRef idx="0">
+          <a:scrgbClr r="0" g="0" b="0"/>
+        </a:effectRef>
+        <a:fontRef idx="minor">
+          <a:schemeClr val="lt1"/>
+        </a:fontRef>
+      </dsp:style>
+      <dsp:txBody>
+        <a:bodyPr spcFirstLastPara="0" vert="horz" wrap="square" lIns="22860" tIns="22860" rIns="22860" bIns="170385" numCol="1" spcCol="1270" anchor="ctr" anchorCtr="0">
+          <a:noAutofit/>
+        </a:bodyPr>
+        <a:lstStyle/>
+        <a:p>
+          <a:pPr lvl="0" algn="ctr" defTabSz="1600200">
+            <a:lnSpc>
+              <a:spcPct val="90000"/>
+            </a:lnSpc>
+            <a:spcBef>
+              <a:spcPct val="0"/>
+            </a:spcBef>
+            <a:spcAft>
+              <a:spcPct val="35000"/>
+            </a:spcAft>
+          </a:pPr>
+          <a:r>
+            <a:rPr lang="en-US" sz="3600" kern="1200" dirty="0" smtClean="0"/>
+            <a:t>Full .NET Framework</a:t>
+          </a:r>
+          <a:endParaRPr lang="en-US" sz="3600" kern="1200" dirty="0"/>
+        </a:p>
+      </dsp:txBody>
+      <dsp:txXfrm>
+        <a:off x="88268" y="2306754"/>
+        <a:ext cx="2332093" cy="1207454"/>
+      </dsp:txXfrm>
+    </dsp:sp>
+    <dsp:sp modelId="{40DF6143-7A1D-4CBC-A39F-187E0F34DDEB}">
+      <dsp:nvSpPr>
+        <dsp:cNvPr id="0" name=""/>
+        <dsp:cNvSpPr/>
+      </dsp:nvSpPr>
+      <dsp:spPr>
+        <a:xfrm>
+          <a:off x="554686" y="3245885"/>
+          <a:ext cx="2098884" cy="402484"/>
+        </a:xfrm>
+        <a:prstGeom prst="rect">
+          <a:avLst/>
+        </a:prstGeom>
+        <a:solidFill>
+          <a:schemeClr val="lt1">
+            <a:alpha val="90000"/>
+            <a:hueOff val="0"/>
+            <a:satOff val="0"/>
+            <a:lumOff val="0"/>
+            <a:alphaOff val="0"/>
+          </a:schemeClr>
+        </a:solidFill>
+        <a:ln w="19050" cap="rnd" cmpd="sng" algn="ctr">
+          <a:solidFill>
+            <a:schemeClr val="accent1">
+              <a:hueOff val="0"/>
+              <a:satOff val="0"/>
+              <a:lumOff val="0"/>
+              <a:alphaOff val="0"/>
+            </a:schemeClr>
+          </a:solidFill>
+          <a:prstDash val="solid"/>
+        </a:ln>
+        <a:effectLst/>
+      </dsp:spPr>
+      <dsp:style>
+        <a:lnRef idx="2">
+          <a:scrgbClr r="0" g="0" b="0"/>
+        </a:lnRef>
+        <a:fillRef idx="1">
+          <a:scrgbClr r="0" g="0" b="0"/>
+        </a:fillRef>
+        <a:effectRef idx="0">
+          <a:scrgbClr r="0" g="0" b="0"/>
+        </a:effectRef>
+        <a:fontRef idx="minor"/>
+      </dsp:style>
+      <dsp:txBody>
+        <a:bodyPr spcFirstLastPara="0" vert="horz" wrap="square" lIns="38100" tIns="9525" rIns="38100" bIns="9525" numCol="1" spcCol="1270" anchor="ctr" anchorCtr="0">
+          <a:noAutofit/>
+        </a:bodyPr>
+        <a:lstStyle/>
+        <a:p>
+          <a:pPr lvl="0" algn="r" defTabSz="666750">
+            <a:lnSpc>
+              <a:spcPct val="90000"/>
+            </a:lnSpc>
+            <a:spcBef>
+              <a:spcPct val="0"/>
+            </a:spcBef>
+            <a:spcAft>
+              <a:spcPct val="35000"/>
+            </a:spcAft>
+          </a:pPr>
+          <a:r>
+            <a:rPr lang="en-US" sz="1500" kern="1200" dirty="0" smtClean="0"/>
+            <a:t>dnx451, dnx452, dnx46</a:t>
+          </a:r>
+          <a:endParaRPr lang="en-US" sz="1500" kern="1200" dirty="0"/>
+        </a:p>
+      </dsp:txBody>
+      <dsp:txXfrm>
+        <a:off x="554686" y="3245885"/>
+        <a:ext cx="2098884" cy="402484"/>
+      </dsp:txXfrm>
+    </dsp:sp>
+    <dsp:sp modelId="{C1F44E9B-0435-4616-B0DF-E9661855ED10}">
+      <dsp:nvSpPr>
+        <dsp:cNvPr id="0" name=""/>
+        <dsp:cNvSpPr/>
+      </dsp:nvSpPr>
+      <dsp:spPr>
+        <a:xfrm>
+          <a:off x="3217050" y="2306754"/>
+          <a:ext cx="2332093" cy="1207454"/>
+        </a:xfrm>
+        <a:prstGeom prst="rect">
+          <a:avLst/>
+        </a:prstGeom>
+        <a:solidFill>
+          <a:schemeClr val="accent1">
+            <a:hueOff val="0"/>
+            <a:satOff val="0"/>
+            <a:lumOff val="0"/>
+            <a:alphaOff val="0"/>
+          </a:schemeClr>
+        </a:solidFill>
+        <a:ln w="19050" cap="rnd" cmpd="sng" algn="ctr">
+          <a:solidFill>
+            <a:schemeClr val="lt1">
+              <a:hueOff val="0"/>
+              <a:satOff val="0"/>
+              <a:lumOff val="0"/>
+              <a:alphaOff val="0"/>
+            </a:schemeClr>
+          </a:solidFill>
+          <a:prstDash val="solid"/>
+        </a:ln>
+        <a:effectLst/>
+      </dsp:spPr>
+      <dsp:style>
+        <a:lnRef idx="2">
+          <a:scrgbClr r="0" g="0" b="0"/>
+        </a:lnRef>
+        <a:fillRef idx="1">
+          <a:scrgbClr r="0" g="0" b="0"/>
+        </a:fillRef>
+        <a:effectRef idx="0">
+          <a:scrgbClr r="0" g="0" b="0"/>
+        </a:effectRef>
+        <a:fontRef idx="minor">
+          <a:schemeClr val="lt1"/>
+        </a:fontRef>
+      </dsp:style>
+      <dsp:txBody>
+        <a:bodyPr spcFirstLastPara="0" vert="horz" wrap="square" lIns="22860" tIns="22860" rIns="22860" bIns="170385" numCol="1" spcCol="1270" anchor="ctr" anchorCtr="0">
+          <a:noAutofit/>
+        </a:bodyPr>
+        <a:lstStyle/>
+        <a:p>
+          <a:pPr lvl="0" algn="ctr" defTabSz="1600200">
+            <a:lnSpc>
+              <a:spcPct val="90000"/>
+            </a:lnSpc>
+            <a:spcBef>
+              <a:spcPct val="0"/>
+            </a:spcBef>
+            <a:spcAft>
+              <a:spcPct val="35000"/>
+            </a:spcAft>
+          </a:pPr>
+          <a:r>
+            <a:rPr lang="en-US" sz="3600" kern="1200" dirty="0" smtClean="0"/>
+            <a:t>.NET Core</a:t>
+          </a:r>
+          <a:endParaRPr lang="en-US" sz="3600" kern="1200" dirty="0"/>
+        </a:p>
+      </dsp:txBody>
+      <dsp:txXfrm>
+        <a:off x="3217050" y="2306754"/>
+        <a:ext cx="2332093" cy="1207454"/>
+      </dsp:txXfrm>
+    </dsp:sp>
+    <dsp:sp modelId="{8C87CF99-C695-483F-877F-16140EF7B842}">
+      <dsp:nvSpPr>
+        <dsp:cNvPr id="0" name=""/>
+        <dsp:cNvSpPr/>
+      </dsp:nvSpPr>
+      <dsp:spPr>
+        <a:xfrm>
+          <a:off x="3683468" y="3245885"/>
+          <a:ext cx="2098884" cy="402484"/>
+        </a:xfrm>
+        <a:prstGeom prst="rect">
+          <a:avLst/>
+        </a:prstGeom>
+        <a:solidFill>
+          <a:schemeClr val="lt1">
+            <a:alpha val="90000"/>
+            <a:hueOff val="0"/>
+            <a:satOff val="0"/>
+            <a:lumOff val="0"/>
+            <a:alphaOff val="0"/>
+          </a:schemeClr>
+        </a:solidFill>
+        <a:ln w="19050" cap="rnd" cmpd="sng" algn="ctr">
+          <a:solidFill>
+            <a:schemeClr val="accent1">
+              <a:hueOff val="0"/>
+              <a:satOff val="0"/>
+              <a:lumOff val="0"/>
+              <a:alphaOff val="0"/>
+            </a:schemeClr>
+          </a:solidFill>
+          <a:prstDash val="solid"/>
+        </a:ln>
+        <a:effectLst/>
+      </dsp:spPr>
+      <dsp:style>
+        <a:lnRef idx="2">
+          <a:scrgbClr r="0" g="0" b="0"/>
+        </a:lnRef>
+        <a:fillRef idx="1">
+          <a:scrgbClr r="0" g="0" b="0"/>
+        </a:fillRef>
+        <a:effectRef idx="0">
+          <a:scrgbClr r="0" g="0" b="0"/>
+        </a:effectRef>
+        <a:fontRef idx="minor"/>
+      </dsp:style>
+      <dsp:txBody>
+        <a:bodyPr spcFirstLastPara="0" vert="horz" wrap="square" lIns="68580" tIns="17145" rIns="68580" bIns="17145" numCol="1" spcCol="1270" anchor="ctr" anchorCtr="0">
+          <a:noAutofit/>
+        </a:bodyPr>
+        <a:lstStyle/>
+        <a:p>
+          <a:pPr lvl="0" algn="r" defTabSz="1200150">
+            <a:lnSpc>
+              <a:spcPct val="90000"/>
+            </a:lnSpc>
+            <a:spcBef>
+              <a:spcPct val="0"/>
+            </a:spcBef>
+            <a:spcAft>
+              <a:spcPct val="35000"/>
+            </a:spcAft>
+          </a:pPr>
+          <a:r>
+            <a:rPr lang="en-US" sz="2700" kern="1200" dirty="0" smtClean="0"/>
+            <a:t>dnxcore50</a:t>
+          </a:r>
+          <a:endParaRPr lang="en-US" sz="2700" kern="1200" dirty="0"/>
+        </a:p>
+      </dsp:txBody>
+      <dsp:txXfrm>
+        <a:off x="3683468" y="3245885"/>
+        <a:ext cx="2098884" cy="402484"/>
+      </dsp:txXfrm>
+    </dsp:sp>
+    <dsp:sp modelId="{99FA17BB-8F10-4DD9-A0E2-5EA0396FA6D2}">
+      <dsp:nvSpPr>
+        <dsp:cNvPr id="0" name=""/>
+        <dsp:cNvSpPr/>
+      </dsp:nvSpPr>
+      <dsp:spPr>
+        <a:xfrm>
+          <a:off x="6264581" y="2315073"/>
+          <a:ext cx="2332093" cy="1207454"/>
+        </a:xfrm>
+        <a:prstGeom prst="rect">
+          <a:avLst/>
+        </a:prstGeom>
+        <a:solidFill>
+          <a:schemeClr val="accent1">
+            <a:hueOff val="0"/>
+            <a:satOff val="0"/>
+            <a:lumOff val="0"/>
+            <a:alphaOff val="0"/>
+          </a:schemeClr>
+        </a:solidFill>
+        <a:ln w="19050" cap="rnd" cmpd="sng" algn="ctr">
+          <a:solidFill>
+            <a:schemeClr val="lt1">
+              <a:hueOff val="0"/>
+              <a:satOff val="0"/>
+              <a:lumOff val="0"/>
+              <a:alphaOff val="0"/>
+            </a:schemeClr>
+          </a:solidFill>
+          <a:prstDash val="solid"/>
+        </a:ln>
+        <a:effectLst/>
+      </dsp:spPr>
+      <dsp:style>
+        <a:lnRef idx="2">
+          <a:scrgbClr r="0" g="0" b="0"/>
+        </a:lnRef>
+        <a:fillRef idx="1">
+          <a:scrgbClr r="0" g="0" b="0"/>
+        </a:fillRef>
+        <a:effectRef idx="0">
+          <a:scrgbClr r="0" g="0" b="0"/>
+        </a:effectRef>
+        <a:fontRef idx="minor">
+          <a:schemeClr val="lt1"/>
+        </a:fontRef>
+      </dsp:style>
+      <dsp:txBody>
+        <a:bodyPr spcFirstLastPara="0" vert="horz" wrap="square" lIns="22860" tIns="22860" rIns="22860" bIns="170385" numCol="1" spcCol="1270" anchor="ctr" anchorCtr="0">
+          <a:noAutofit/>
+        </a:bodyPr>
+        <a:lstStyle/>
+        <a:p>
+          <a:pPr lvl="0" algn="ctr" defTabSz="1600200">
+            <a:lnSpc>
+              <a:spcPct val="90000"/>
+            </a:lnSpc>
+            <a:spcBef>
+              <a:spcPct val="0"/>
+            </a:spcBef>
+            <a:spcAft>
+              <a:spcPct val="35000"/>
+            </a:spcAft>
+          </a:pPr>
+          <a:r>
+            <a:rPr lang="en-US" sz="3600" kern="1200" dirty="0" smtClean="0"/>
+            <a:t>Both</a:t>
+          </a:r>
+          <a:endParaRPr lang="en-US" sz="3600" kern="1200" dirty="0"/>
+        </a:p>
+      </dsp:txBody>
+      <dsp:txXfrm>
+        <a:off x="6264581" y="2315073"/>
+        <a:ext cx="2332093" cy="1207454"/>
+      </dsp:txXfrm>
+    </dsp:sp>
+    <dsp:sp modelId="{511293F5-5A5E-445C-B435-92C4CB8E9AD6}">
+      <dsp:nvSpPr>
+        <dsp:cNvPr id="0" name=""/>
+        <dsp:cNvSpPr/>
+      </dsp:nvSpPr>
+      <dsp:spPr>
+        <a:xfrm>
+          <a:off x="6812250" y="3245885"/>
+          <a:ext cx="2098884" cy="402484"/>
+        </a:xfrm>
+        <a:prstGeom prst="rect">
+          <a:avLst/>
+        </a:prstGeom>
+        <a:solidFill>
+          <a:schemeClr val="lt1">
+            <a:alpha val="90000"/>
+            <a:hueOff val="0"/>
+            <a:satOff val="0"/>
+            <a:lumOff val="0"/>
+            <a:alphaOff val="0"/>
+          </a:schemeClr>
+        </a:solidFill>
+        <a:ln w="19050" cap="rnd" cmpd="sng" algn="ctr">
+          <a:solidFill>
+            <a:schemeClr val="accent1">
+              <a:hueOff val="0"/>
+              <a:satOff val="0"/>
+              <a:lumOff val="0"/>
+              <a:alphaOff val="0"/>
+            </a:schemeClr>
+          </a:solidFill>
+          <a:prstDash val="solid"/>
+        </a:ln>
+        <a:effectLst/>
+      </dsp:spPr>
+      <dsp:style>
+        <a:lnRef idx="2">
+          <a:scrgbClr r="0" g="0" b="0"/>
+        </a:lnRef>
+        <a:fillRef idx="1">
+          <a:scrgbClr r="0" g="0" b="0"/>
+        </a:fillRef>
+        <a:effectRef idx="0">
+          <a:scrgbClr r="0" g="0" b="0"/>
+        </a:effectRef>
+        <a:fontRef idx="minor"/>
+      </dsp:style>
+      <dsp:txBody>
+        <a:bodyPr spcFirstLastPara="0" vert="horz" wrap="square" lIns="45720" tIns="11430" rIns="45720" bIns="11430" numCol="1" spcCol="1270" anchor="ctr" anchorCtr="0">
+          <a:noAutofit/>
+        </a:bodyPr>
+        <a:lstStyle/>
+        <a:p>
+          <a:pPr lvl="0" algn="r" defTabSz="800100">
+            <a:lnSpc>
+              <a:spcPct val="90000"/>
+            </a:lnSpc>
+            <a:spcBef>
+              <a:spcPct val="0"/>
+            </a:spcBef>
+            <a:spcAft>
+              <a:spcPct val="35000"/>
+            </a:spcAft>
+          </a:pPr>
+          <a:r>
+            <a:rPr lang="en-US" sz="1800" kern="1200" dirty="0" smtClean="0"/>
+            <a:t>dnx46 &amp; dnxcore50</a:t>
+          </a:r>
+          <a:endParaRPr lang="en-US" sz="1800" kern="1200" dirty="0"/>
+        </a:p>
+      </dsp:txBody>
+      <dsp:txXfrm>
+        <a:off x="6812250" y="3245885"/>
+        <a:ext cx="2098884" cy="402484"/>
+      </dsp:txXfrm>
+    </dsp:sp>
+  </dsp:spTree>
+</dsp:drawing>
+</file>
+
+<file path=ppt/diagrams/drawing2.xml><?xml version="1.0" encoding="utf-8"?>
 <dsp:drawing xmlns:dgm="http://schemas.openxmlformats.org/drawingml/2006/diagram" xmlns:dsp="http://schemas.microsoft.com/office/drawing/2008/diagram" xmlns:a="http://schemas.openxmlformats.org/drawingml/2006/main">
   <dsp:spTree>
     <dsp:nvGrpSpPr>
@@ -1514,6 +3541,1187 @@
 </file>
 
 <file path=ppt/diagrams/layout1.xml><?xml version="1.0" encoding="utf-8"?>
+<dgm:layoutDef xmlns:dgm="http://schemas.openxmlformats.org/drawingml/2006/diagram" xmlns:a="http://schemas.openxmlformats.org/drawingml/2006/main" uniqueId="urn:microsoft.com/office/officeart/2008/layout/NameandTitleOrganizationalChart">
+  <dgm:title val=""/>
+  <dgm:desc val=""/>
+  <dgm:catLst>
+    <dgm:cat type="hierarchy" pri="1250"/>
+  </dgm:catLst>
+  <dgm:sampData>
+    <dgm:dataModel>
+      <dgm:ptLst>
+        <dgm:pt modelId="0" type="doc"/>
+        <dgm:pt modelId="1">
+          <dgm:prSet phldr="1"/>
+        </dgm:pt>
+        <dgm:pt modelId="2" type="asst">
+          <dgm:prSet phldr="1"/>
+        </dgm:pt>
+        <dgm:pt modelId="3">
+          <dgm:prSet phldr="1"/>
+        </dgm:pt>
+        <dgm:pt modelId="4">
+          <dgm:prSet phldr="1"/>
+        </dgm:pt>
+        <dgm:pt modelId="5">
+          <dgm:prSet phldr="1"/>
+        </dgm:pt>
+      </dgm:ptLst>
+      <dgm:cxnLst>
+        <dgm:cxn modelId="5" srcId="0" destId="1" srcOrd="0" destOrd="0"/>
+        <dgm:cxn modelId="6" srcId="1" destId="2" srcOrd="0" destOrd="0"/>
+        <dgm:cxn modelId="7" srcId="1" destId="3" srcOrd="1" destOrd="0"/>
+        <dgm:cxn modelId="8" srcId="1" destId="4" srcOrd="2" destOrd="0"/>
+        <dgm:cxn modelId="9" srcId="1" destId="5" srcOrd="3" destOrd="0"/>
+      </dgm:cxnLst>
+      <dgm:bg/>
+      <dgm:whole/>
+    </dgm:dataModel>
+  </dgm:sampData>
+  <dgm:styleData>
+    <dgm:dataModel>
+      <dgm:ptLst>
+        <dgm:pt modelId="0" type="doc"/>
+        <dgm:pt modelId="1"/>
+        <dgm:pt modelId="12"/>
+        <dgm:pt modelId="13"/>
+      </dgm:ptLst>
+      <dgm:cxnLst>
+        <dgm:cxn modelId="2" srcId="0" destId="1" srcOrd="0" destOrd="0"/>
+        <dgm:cxn modelId="16" srcId="1" destId="12" srcOrd="1" destOrd="0"/>
+        <dgm:cxn modelId="17" srcId="1" destId="13" srcOrd="2" destOrd="0"/>
+      </dgm:cxnLst>
+      <dgm:bg/>
+      <dgm:whole/>
+    </dgm:dataModel>
+  </dgm:styleData>
+  <dgm:clrData>
+    <dgm:dataModel>
+      <dgm:ptLst>
+        <dgm:pt modelId="0" type="doc"/>
+        <dgm:pt modelId="1"/>
+        <dgm:pt modelId="11" type="asst"/>
+        <dgm:pt modelId="12"/>
+        <dgm:pt modelId="13"/>
+        <dgm:pt modelId="14"/>
+      </dgm:ptLst>
+      <dgm:cxnLst>
+        <dgm:cxn modelId="2" srcId="0" destId="1" srcOrd="0" destOrd="0"/>
+        <dgm:cxn modelId="15" srcId="1" destId="11" srcOrd="0" destOrd="0"/>
+        <dgm:cxn modelId="16" srcId="1" destId="12" srcOrd="1" destOrd="0"/>
+        <dgm:cxn modelId="17" srcId="1" destId="13" srcOrd="2" destOrd="0"/>
+        <dgm:cxn modelId="18" srcId="1" destId="14" srcOrd="2" destOrd="0"/>
+      </dgm:cxnLst>
+      <dgm:bg/>
+      <dgm:whole/>
+    </dgm:dataModel>
+  </dgm:clrData>
+  <dgm:layoutNode name="hierChild1">
+    <dgm:varLst>
+      <dgm:orgChart val="1"/>
+      <dgm:chPref val="1"/>
+      <dgm:dir/>
+      <dgm:animOne val="branch"/>
+      <dgm:animLvl val="lvl"/>
+      <dgm:resizeHandles/>
+    </dgm:varLst>
+    <dgm:choose name="Name0">
+      <dgm:if name="Name1" func="var" arg="dir" op="equ" val="norm">
+        <dgm:alg type="hierChild">
+          <dgm:param type="linDir" val="fromL"/>
+        </dgm:alg>
+      </dgm:if>
+      <dgm:else name="Name2">
+        <dgm:alg type="hierChild">
+          <dgm:param type="linDir" val="fromR"/>
+        </dgm:alg>
+      </dgm:else>
+    </dgm:choose>
+    <dgm:shape xmlns:r="http://schemas.openxmlformats.org/officeDocument/2006/relationships" r:blip="">
+      <dgm:adjLst/>
+    </dgm:shape>
+    <dgm:presOf/>
+    <dgm:constrLst>
+      <dgm:constr type="w" for="des" forName="rootComposite1" refType="w" fact="10"/>
+      <dgm:constr type="h" for="des" forName="rootComposite1" refType="w" refFor="des" refForName="rootComposite1" fact="0.5"/>
+      <dgm:constr type="w" for="des" forName="rootComposite" refType="w" fact="10"/>
+      <dgm:constr type="h" for="des" forName="rootComposite" refType="w" refFor="des" refForName="rootComposite1" fact="0.5"/>
+      <dgm:constr type="w" for="des" forName="rootComposite3" refType="w" fact="10"/>
+      <dgm:constr type="h" for="des" forName="rootComposite3" refType="w" refFor="des" refForName="rootComposite1" fact="0.5"/>
+      <dgm:constr type="primFontSz" for="des" ptType="node" op="equ"/>
+      <dgm:constr type="sp" for="des" op="equ"/>
+      <dgm:constr type="sp" for="des" forName="hierRoot1" refType="w" refFor="des" refForName="rootComposite1" fact="0.21"/>
+      <dgm:constr type="sp" for="des" forName="hierRoot2" refType="sp" refFor="des" refForName="hierRoot1"/>
+      <dgm:constr type="sp" for="des" forName="hierRoot3" refType="sp" refFor="des" refForName="hierRoot1"/>
+      <dgm:constr type="sibSp" refType="w" refFor="des" refForName="rootComposite1" fact="0.21"/>
+      <dgm:constr type="sibSp" for="des" forName="hierChild2" refType="sibSp"/>
+      <dgm:constr type="sibSp" for="des" forName="hierChild3" refType="sibSp"/>
+      <dgm:constr type="sibSp" for="des" forName="hierChild4" refType="sibSp"/>
+      <dgm:constr type="sibSp" for="des" forName="hierChild5" refType="sibSp"/>
+      <dgm:constr type="sibSp" for="des" forName="hierChild6" refType="sibSp"/>
+      <dgm:constr type="sibSp" for="des" forName="hierChild7" refType="sibSp"/>
+      <dgm:constr type="secSibSp" refType="w" refFor="des" refForName="rootComposite1" fact="0.21"/>
+      <dgm:constr type="secSibSp" for="des" forName="hierChild2" refType="secSibSp"/>
+      <dgm:constr type="secSibSp" for="des" forName="hierChild3" refType="secSibSp"/>
+      <dgm:constr type="secSibSp" for="des" forName="hierChild4" refType="secSibSp"/>
+      <dgm:constr type="secSibSp" for="des" forName="hierChild5" refType="secSibSp"/>
+      <dgm:constr type="secSibSp" for="des" forName="hierChild6" refType="secSibSp"/>
+      <dgm:constr type="secSibSp" for="des" forName="hierChild7" refType="secSibSp"/>
+    </dgm:constrLst>
+    <dgm:ruleLst/>
+    <dgm:forEach name="Name3" axis="ch">
+      <dgm:forEach name="Name4" axis="self" ptType="node">
+        <dgm:layoutNode name="hierRoot1">
+          <dgm:varLst>
+            <dgm:hierBranch val="init"/>
+          </dgm:varLst>
+          <dgm:choose name="Name5">
+            <dgm:if name="Name6" func="var" arg="hierBranch" op="equ" val="l">
+              <dgm:choose name="Name7">
+                <dgm:if name="Name8" axis="ch" ptType="asst" func="cnt" op="gte" val="1">
+                  <dgm:alg type="hierRoot">
+                    <dgm:param type="hierAlign" val="tR"/>
+                  </dgm:alg>
+                  <dgm:constrLst>
+                    <dgm:constr type="alignOff" val="0.65"/>
+                  </dgm:constrLst>
+                </dgm:if>
+                <dgm:else name="Name9">
+                  <dgm:alg type="hierRoot">
+                    <dgm:param type="hierAlign" val="tR"/>
+                  </dgm:alg>
+                  <dgm:constrLst>
+                    <dgm:constr type="alignOff" val="0.25"/>
+                  </dgm:constrLst>
+                </dgm:else>
+              </dgm:choose>
+            </dgm:if>
+            <dgm:if name="Name10" func="var" arg="hierBranch" op="equ" val="r">
+              <dgm:choose name="Name11">
+                <dgm:if name="Name12" axis="ch" ptType="asst" func="cnt" op="gte" val="1">
+                  <dgm:alg type="hierRoot">
+                    <dgm:param type="hierAlign" val="tL"/>
+                  </dgm:alg>
+                  <dgm:constrLst>
+                    <dgm:constr type="alignOff" val="0.65"/>
+                  </dgm:constrLst>
+                </dgm:if>
+                <dgm:else name="Name13">
+                  <dgm:alg type="hierRoot">
+                    <dgm:param type="hierAlign" val="tL"/>
+                  </dgm:alg>
+                  <dgm:constrLst>
+                    <dgm:constr type="alignOff" val="0.25"/>
+                  </dgm:constrLst>
+                </dgm:else>
+              </dgm:choose>
+            </dgm:if>
+            <dgm:if name="Name14" func="var" arg="hierBranch" op="equ" val="hang">
+              <dgm:alg type="hierRoot"/>
+              <dgm:constrLst>
+                <dgm:constr type="alignOff" val="0.65"/>
+              </dgm:constrLst>
+            </dgm:if>
+            <dgm:else name="Name15">
+              <dgm:alg type="hierRoot"/>
+              <dgm:constrLst>
+                <dgm:constr type="alignOff"/>
+                <dgm:constr type="bendDist" for="des" ptType="parTrans" refType="sp" fact="0.5"/>
+              </dgm:constrLst>
+            </dgm:else>
+          </dgm:choose>
+          <dgm:shape xmlns:r="http://schemas.openxmlformats.org/officeDocument/2006/relationships" r:blip="">
+            <dgm:adjLst/>
+          </dgm:shape>
+          <dgm:presOf/>
+          <dgm:ruleLst/>
+          <dgm:layoutNode name="rootComposite1">
+            <dgm:alg type="composite"/>
+            <dgm:shape xmlns:r="http://schemas.openxmlformats.org/officeDocument/2006/relationships" r:blip="">
+              <dgm:adjLst/>
+            </dgm:shape>
+            <dgm:presOf axis="self" ptType="node" cnt="1"/>
+            <dgm:choose name="Name16">
+              <dgm:if name="Name17" func="var" arg="hierBranch" op="equ" val="init">
+                <dgm:constrLst>
+                  <dgm:constr type="l" for="ch" forName="rootText1"/>
+                  <dgm:constr type="t" for="ch" forName="rootText1"/>
+                  <dgm:constr type="w" for="ch" forName="rootText1" refType="w"/>
+                  <dgm:constr type="h" for="ch" forName="rootText1" refType="h" fact="0.9"/>
+                  <dgm:constr type="l" for="ch" forName="titleText1" refType="w" fact="0.2"/>
+                  <dgm:constr type="t" for="ch" forName="titleText1" refType="h" fact="0.7"/>
+                  <dgm:constr type="w" for="ch" forName="titleText1" refType="w" fact="0.9"/>
+                  <dgm:constr type="h" for="ch" forName="titleText1" refType="h" fact="0.3"/>
+                  <dgm:constr type="primFontSz" for="des" forName="titleText1" refType="primFontSz" refFor="des" refForName="rootText1" op="lte"/>
+                  <dgm:constr type="l" for="ch" forName="rootConnector1"/>
+                  <dgm:constr type="t" for="ch" forName="rootConnector1"/>
+                  <dgm:constr type="w" for="ch" forName="rootConnector1" refType="w" refFor="ch" refForName="rootText1" fact="0.2"/>
+                  <dgm:constr type="h" for="ch" forName="rootConnector1" refType="h" refFor="ch" refForName="rootText1"/>
+                </dgm:constrLst>
+              </dgm:if>
+              <dgm:if name="Name18" func="var" arg="hierBranch" op="equ" val="l">
+                <dgm:constrLst>
+                  <dgm:constr type="l" for="ch" forName="rootText1"/>
+                  <dgm:constr type="t" for="ch" forName="rootText1"/>
+                  <dgm:constr type="w" for="ch" forName="rootText1" refType="w"/>
+                  <dgm:constr type="h" for="ch" forName="rootText1" refType="h" fact="0.9"/>
+                  <dgm:constr type="l" for="ch" forName="titleText1" refType="w" fact="0.2"/>
+                  <dgm:constr type="t" for="ch" forName="titleText1" refType="h" fact="0.7"/>
+                  <dgm:constr type="w" for="ch" forName="titleText1" refType="w" fact="0.9"/>
+                  <dgm:constr type="h" for="ch" forName="titleText1" refType="h" fact="0.3"/>
+                  <dgm:constr type="primFontSz" for="des" forName="titleText1" refType="primFontSz" refFor="des" refForName="rootText1" op="lte"/>
+                  <dgm:constr type="r" for="ch" forName="rootConnector1" refType="w"/>
+                  <dgm:constr type="t" for="ch" forName="rootConnector1"/>
+                  <dgm:constr type="w" for="ch" forName="rootConnector1" refType="w" refFor="ch" refForName="rootText1" fact="0.2"/>
+                  <dgm:constr type="h" for="ch" forName="rootConnector1" refType="h" refFor="ch" refForName="rootText1"/>
+                </dgm:constrLst>
+              </dgm:if>
+              <dgm:if name="Name19" func="var" arg="hierBranch" op="equ" val="r">
+                <dgm:constrLst>
+                  <dgm:constr type="l" for="ch" forName="rootText1"/>
+                  <dgm:constr type="t" for="ch" forName="rootText1"/>
+                  <dgm:constr type="w" for="ch" forName="rootText1" refType="w"/>
+                  <dgm:constr type="h" for="ch" forName="rootText1" refType="h" fact="0.9"/>
+                  <dgm:constr type="l" for="ch" forName="titleText1" refType="w" fact="0.2"/>
+                  <dgm:constr type="t" for="ch" forName="titleText1" refType="h" fact="0.7"/>
+                  <dgm:constr type="w" for="ch" forName="titleText1" refType="w" fact="0.9"/>
+                  <dgm:constr type="h" for="ch" forName="titleText1" refType="h" fact="0.3"/>
+                  <dgm:constr type="primFontSz" for="des" forName="titleText1" refType="primFontSz" refFor="des" refForName="rootText1" op="lte"/>
+                  <dgm:constr type="l" for="ch" forName="rootConnector1"/>
+                  <dgm:constr type="t" for="ch" forName="rootConnector1"/>
+                  <dgm:constr type="w" for="ch" forName="rootConnector1" refType="w" refFor="ch" refForName="rootText1" fact="0.2"/>
+                  <dgm:constr type="h" for="ch" forName="rootConnector1" refType="h" refFor="ch" refForName="rootText1"/>
+                </dgm:constrLst>
+              </dgm:if>
+              <dgm:else name="Name20">
+                <dgm:constrLst>
+                  <dgm:constr type="l" for="ch" forName="rootText1"/>
+                  <dgm:constr type="t" for="ch" forName="rootText1"/>
+                  <dgm:constr type="w" for="ch" forName="rootText1" refType="w"/>
+                  <dgm:constr type="h" for="ch" forName="rootText1" refType="h" fact="0.9"/>
+                  <dgm:constr type="l" for="ch" forName="titleText1" refType="w" fact="0.2"/>
+                  <dgm:constr type="t" for="ch" forName="titleText1" refType="h" fact="0.7"/>
+                  <dgm:constr type="w" for="ch" forName="titleText1" refType="w" fact="0.9"/>
+                  <dgm:constr type="h" for="ch" forName="titleText1" refType="h" fact="0.3"/>
+                  <dgm:constr type="primFontSz" for="des" forName="titleText1" refType="primFontSz" refFor="des" refForName="rootText1" op="lte"/>
+                  <dgm:constr type="r" for="ch" forName="rootConnector1" refType="w"/>
+                  <dgm:constr type="t" for="ch" forName="rootConnector1"/>
+                  <dgm:constr type="w" for="ch" forName="rootConnector1" refType="w" refFor="ch" refForName="rootText1" fact="0.2"/>
+                  <dgm:constr type="h" for="ch" forName="rootConnector1" refType="h" refFor="ch" refForName="rootText1"/>
+                </dgm:constrLst>
+              </dgm:else>
+            </dgm:choose>
+            <dgm:ruleLst/>
+            <dgm:layoutNode name="rootText1" styleLbl="node0">
+              <dgm:varLst>
+                <dgm:chMax/>
+                <dgm:chPref val="3"/>
+              </dgm:varLst>
+              <dgm:alg type="tx"/>
+              <dgm:shape xmlns:r="http://schemas.openxmlformats.org/officeDocument/2006/relationships" type="rect" r:blip="">
+                <dgm:adjLst/>
+              </dgm:shape>
+              <dgm:presOf axis="self" ptType="node" cnt="1"/>
+              <dgm:constrLst>
+                <dgm:constr type="primFontSz" val="65"/>
+                <dgm:constr type="lMarg" refType="primFontSz" fact="0.05"/>
+                <dgm:constr type="rMarg" refType="primFontSz" fact="0.05"/>
+                <dgm:constr type="tMarg" refType="primFontSz" fact="0.05"/>
+                <dgm:constr type="bMarg" refType="h" fact="0.4"/>
+              </dgm:constrLst>
+              <dgm:ruleLst>
+                <dgm:rule type="primFontSz" val="5" fact="NaN" max="NaN"/>
+              </dgm:ruleLst>
+            </dgm:layoutNode>
+            <dgm:layoutNode name="titleText1" styleLbl="fgAcc0">
+              <dgm:varLst>
+                <dgm:chMax val="0"/>
+                <dgm:chPref val="0"/>
+              </dgm:varLst>
+              <dgm:alg type="tx">
+                <dgm:param type="parTxLTRAlign" val="r"/>
+              </dgm:alg>
+              <dgm:shape xmlns:r="http://schemas.openxmlformats.org/officeDocument/2006/relationships" type="rect" r:blip="">
+                <dgm:adjLst/>
+              </dgm:shape>
+              <dgm:presOf axis="followSib" ptType="sibTrans" hideLastTrans="0" cnt="1"/>
+              <dgm:constrLst>
+                <dgm:constr type="primFontSz" val="65"/>
+                <dgm:constr type="lMarg" refType="primFontSz" fact="0.2"/>
+                <dgm:constr type="rMarg" refType="primFontSz" fact="0.2"/>
+                <dgm:constr type="tMarg" refType="primFontSz" fact="0.05"/>
+                <dgm:constr type="bMarg" refType="primFontSz" fact="0.05"/>
+              </dgm:constrLst>
+              <dgm:ruleLst>
+                <dgm:rule type="primFontSz" val="5" fact="NaN" max="NaN"/>
+              </dgm:ruleLst>
+            </dgm:layoutNode>
+            <dgm:layoutNode name="rootConnector1" moveWith="rootText1">
+              <dgm:alg type="sp"/>
+              <dgm:shape xmlns:r="http://schemas.openxmlformats.org/officeDocument/2006/relationships" type="rect" r:blip="" hideGeom="1">
+                <dgm:adjLst/>
+              </dgm:shape>
+              <dgm:presOf axis="self" ptType="node" cnt="1"/>
+              <dgm:constrLst/>
+              <dgm:ruleLst/>
+            </dgm:layoutNode>
+          </dgm:layoutNode>
+          <dgm:layoutNode name="hierChild2">
+            <dgm:choose name="Name21">
+              <dgm:if name="Name22" func="var" arg="hierBranch" op="equ" val="l">
+                <dgm:alg type="hierChild">
+                  <dgm:param type="chAlign" val="r"/>
+                  <dgm:param type="linDir" val="fromT"/>
+                </dgm:alg>
+              </dgm:if>
+              <dgm:if name="Name23" func="var" arg="hierBranch" op="equ" val="r">
+                <dgm:alg type="hierChild">
+                  <dgm:param type="chAlign" val="l"/>
+                  <dgm:param type="linDir" val="fromT"/>
+                </dgm:alg>
+              </dgm:if>
+              <dgm:if name="Name24" func="var" arg="hierBranch" op="equ" val="hang">
+                <dgm:choose name="Name25">
+                  <dgm:if name="Name26" func="var" arg="dir" op="equ" val="norm">
+                    <dgm:alg type="hierChild">
+                      <dgm:param type="chAlign" val="l"/>
+                      <dgm:param type="linDir" val="fromL"/>
+                      <dgm:param type="secChAlign" val="t"/>
+                      <dgm:param type="secLinDir" val="fromT"/>
+                    </dgm:alg>
+                  </dgm:if>
+                  <dgm:else name="Name27">
+                    <dgm:alg type="hierChild">
+                      <dgm:param type="chAlign" val="l"/>
+                      <dgm:param type="linDir" val="fromR"/>
+                      <dgm:param type="secChAlign" val="t"/>
+                      <dgm:param type="secLinDir" val="fromT"/>
+                    </dgm:alg>
+                  </dgm:else>
+                </dgm:choose>
+              </dgm:if>
+              <dgm:else name="Name28">
+                <dgm:choose name="Name29">
+                  <dgm:if name="Name30" func="var" arg="dir" op="equ" val="norm">
+                    <dgm:alg type="hierChild"/>
+                  </dgm:if>
+                  <dgm:else name="Name31">
+                    <dgm:alg type="hierChild">
+                      <dgm:param type="linDir" val="fromR"/>
+                    </dgm:alg>
+                  </dgm:else>
+                </dgm:choose>
+              </dgm:else>
+            </dgm:choose>
+            <dgm:shape xmlns:r="http://schemas.openxmlformats.org/officeDocument/2006/relationships" r:blip="">
+              <dgm:adjLst/>
+            </dgm:shape>
+            <dgm:presOf/>
+            <dgm:constrLst/>
+            <dgm:ruleLst/>
+            <dgm:forEach name="rep2a" axis="ch" ptType="nonAsst">
+              <dgm:forEach name="Name32" axis="precedSib" ptType="parTrans" st="-1" cnt="1">
+                <dgm:choose name="Name33">
+                  <dgm:if name="Name34" func="var" arg="hierBranch" op="equ" val="std">
+                    <dgm:layoutNode name="Name35">
+                      <dgm:alg type="conn">
+                        <dgm:param type="connRout" val="bend"/>
+                        <dgm:param type="dim" val="1D"/>
+                        <dgm:param type="endSty" val="noArr"/>
+                        <dgm:param type="begPts" val="bCtr"/>
+                        <dgm:param type="endPts" val="tCtr"/>
+                        <dgm:param type="bendPt" val="end"/>
+                      </dgm:alg>
+                      <dgm:shape xmlns:r="http://schemas.openxmlformats.org/officeDocument/2006/relationships" type="conn" r:blip="" zOrderOff="-99999">
+                        <dgm:adjLst/>
+                      </dgm:shape>
+                      <dgm:presOf axis="self"/>
+                      <dgm:constrLst>
+                        <dgm:constr type="begPad"/>
+                        <dgm:constr type="endPad"/>
+                      </dgm:constrLst>
+                      <dgm:ruleLst/>
+                    </dgm:layoutNode>
+                  </dgm:if>
+                  <dgm:if name="Name36" func="var" arg="hierBranch" op="equ" val="init">
+                    <dgm:layoutNode name="Name37">
+                      <dgm:choose name="Name38">
+                        <dgm:if name="Name39" axis="self" func="depth" op="lte" val="2">
+                          <dgm:alg type="conn">
+                            <dgm:param type="connRout" val="bend"/>
+                            <dgm:param type="dim" val="1D"/>
+                            <dgm:param type="endSty" val="noArr"/>
+                            <dgm:param type="begPts" val="bCtr"/>
+                            <dgm:param type="endPts" val="tCtr"/>
+                            <dgm:param type="bendPt" val="end"/>
+                          </dgm:alg>
+                        </dgm:if>
+                        <dgm:else name="Name40">
+                          <dgm:alg type="conn">
+                            <dgm:param type="connRout" val="bend"/>
+                            <dgm:param type="dim" val="1D"/>
+                            <dgm:param type="endSty" val="noArr"/>
+                            <dgm:param type="begPts" val="bCtr"/>
+                            <dgm:param type="endPts" val="tCtr"/>
+                            <dgm:param type="bendPt" val="end"/>
+                          </dgm:alg>
+                        </dgm:else>
+                      </dgm:choose>
+                      <dgm:shape xmlns:r="http://schemas.openxmlformats.org/officeDocument/2006/relationships" type="conn" r:blip="" zOrderOff="-99999">
+                        <dgm:adjLst/>
+                      </dgm:shape>
+                      <dgm:presOf axis="self"/>
+                      <dgm:constrLst>
+                        <dgm:constr type="begPad"/>
+                        <dgm:constr type="endPad"/>
+                      </dgm:constrLst>
+                      <dgm:ruleLst/>
+                    </dgm:layoutNode>
+                  </dgm:if>
+                  <dgm:if name="Name41" func="var" arg="hierBranch" op="equ" val="hang">
+                    <dgm:layoutNode name="Name42">
+                      <dgm:alg type="conn">
+                        <dgm:param type="connRout" val="bend"/>
+                        <dgm:param type="dim" val="1D"/>
+                        <dgm:param type="endSty" val="noArr"/>
+                        <dgm:param type="begPts" val="bCtr"/>
+                        <dgm:param type="endPts" val="midL midR"/>
+                      </dgm:alg>
+                      <dgm:shape xmlns:r="http://schemas.openxmlformats.org/officeDocument/2006/relationships" type="conn" r:blip="" zOrderOff="-99999">
+                        <dgm:adjLst/>
+                      </dgm:shape>
+                      <dgm:presOf axis="self"/>
+                      <dgm:constrLst>
+                        <dgm:constr type="begPad"/>
+                        <dgm:constr type="endPad"/>
+                      </dgm:constrLst>
+                      <dgm:ruleLst/>
+                    </dgm:layoutNode>
+                  </dgm:if>
+                  <dgm:else name="Name43">
+                    <dgm:layoutNode name="Name44">
+                      <dgm:choose name="Name45">
+                        <dgm:if name="Name46" axis="self" func="depth" op="lte" val="2">
+                          <dgm:choose name="Name47">
+                            <dgm:if name="Name48" axis="par ch" ptType="node asst" func="cnt" op="gte" val="1">
+                              <dgm:alg type="conn">
+                                <dgm:param type="connRout" val="bend"/>
+                                <dgm:param type="dim" val="1D"/>
+                                <dgm:param type="endSty" val="noArr"/>
+                                <dgm:param type="begPts" val="bCtr"/>
+                                <dgm:param type="endPts" val="midL midR"/>
+                              </dgm:alg>
+                            </dgm:if>
+                            <dgm:else name="Name49">
+                              <dgm:alg type="conn">
+                                <dgm:param type="connRout" val="bend"/>
+                                <dgm:param type="dim" val="1D"/>
+                                <dgm:param type="endSty" val="noArr"/>
+                                <dgm:param type="begPts" val="bCtr"/>
+                                <dgm:param type="endPts" val="midL midR"/>
+                                <dgm:param type="srcNode" val="rootConnector1"/>
+                              </dgm:alg>
+                            </dgm:else>
+                          </dgm:choose>
+                        </dgm:if>
+                        <dgm:else name="Name50">
+                          <dgm:choose name="Name51">
+                            <dgm:if name="Name52" axis="par ch" ptType="node asst" func="cnt" op="gte" val="1">
+                              <dgm:alg type="conn">
+                                <dgm:param type="connRout" val="bend"/>
+                                <dgm:param type="dim" val="1D"/>
+                                <dgm:param type="endSty" val="noArr"/>
+                                <dgm:param type="begPts" val="bCtr"/>
+                                <dgm:param type="endPts" val="midL midR"/>
+                              </dgm:alg>
+                            </dgm:if>
+                            <dgm:else name="Name53">
+                              <dgm:alg type="conn">
+                                <dgm:param type="connRout" val="bend"/>
+                                <dgm:param type="dim" val="1D"/>
+                                <dgm:param type="endSty" val="noArr"/>
+                                <dgm:param type="begPts" val="bCtr"/>
+                                <dgm:param type="endPts" val="midL midR"/>
+                                <dgm:param type="srcNode" val="rootConnector"/>
+                              </dgm:alg>
+                            </dgm:else>
+                          </dgm:choose>
+                        </dgm:else>
+                      </dgm:choose>
+                      <dgm:shape xmlns:r="http://schemas.openxmlformats.org/officeDocument/2006/relationships" type="conn" r:blip="" zOrderOff="-99999">
+                        <dgm:adjLst/>
+                      </dgm:shape>
+                      <dgm:presOf axis="self"/>
+                      <dgm:constrLst>
+                        <dgm:constr type="begPad"/>
+                        <dgm:constr type="endPad"/>
+                      </dgm:constrLst>
+                      <dgm:ruleLst/>
+                    </dgm:layoutNode>
+                  </dgm:else>
+                </dgm:choose>
+              </dgm:forEach>
+              <dgm:layoutNode name="hierRoot2">
+                <dgm:varLst>
+                  <dgm:hierBranch val="init"/>
+                </dgm:varLst>
+                <dgm:choose name="Name54">
+                  <dgm:if name="Name55" func="var" arg="hierBranch" op="equ" val="l">
+                    <dgm:choose name="Name56">
+                      <dgm:if name="Name57" axis="ch" ptType="asst" func="cnt" op="gte" val="1">
+                        <dgm:alg type="hierRoot">
+                          <dgm:param type="hierAlign" val="tR"/>
+                        </dgm:alg>
+                        <dgm:shape xmlns:r="http://schemas.openxmlformats.org/officeDocument/2006/relationships" r:blip="">
+                          <dgm:adjLst/>
+                        </dgm:shape>
+                        <dgm:presOf/>
+                        <dgm:constrLst>
+                          <dgm:constr type="alignOff" val="0.65"/>
+                        </dgm:constrLst>
+                      </dgm:if>
+                      <dgm:else name="Name58">
+                        <dgm:alg type="hierRoot">
+                          <dgm:param type="hierAlign" val="tR"/>
+                        </dgm:alg>
+                        <dgm:shape xmlns:r="http://schemas.openxmlformats.org/officeDocument/2006/relationships" r:blip="">
+                          <dgm:adjLst/>
+                        </dgm:shape>
+                        <dgm:presOf/>
+                        <dgm:constrLst>
+                          <dgm:constr type="alignOff" val="0.25"/>
+                        </dgm:constrLst>
+                      </dgm:else>
+                    </dgm:choose>
+                  </dgm:if>
+                  <dgm:if name="Name59" func="var" arg="hierBranch" op="equ" val="r">
+                    <dgm:choose name="Name60">
+                      <dgm:if name="Name61" axis="ch" ptType="asst" func="cnt" op="gte" val="1">
+                        <dgm:alg type="hierRoot">
+                          <dgm:param type="hierAlign" val="tL"/>
+                        </dgm:alg>
+                        <dgm:shape xmlns:r="http://schemas.openxmlformats.org/officeDocument/2006/relationships" r:blip="">
+                          <dgm:adjLst/>
+                        </dgm:shape>
+                        <dgm:presOf/>
+                        <dgm:constrLst>
+                          <dgm:constr type="alignOff" val="0.65"/>
+                        </dgm:constrLst>
+                      </dgm:if>
+                      <dgm:else name="Name62">
+                        <dgm:alg type="hierRoot">
+                          <dgm:param type="hierAlign" val="tL"/>
+                        </dgm:alg>
+                        <dgm:shape xmlns:r="http://schemas.openxmlformats.org/officeDocument/2006/relationships" r:blip="">
+                          <dgm:adjLst/>
+                        </dgm:shape>
+                        <dgm:presOf/>
+                        <dgm:constrLst>
+                          <dgm:constr type="alignOff" val="0.25"/>
+                        </dgm:constrLst>
+                      </dgm:else>
+                    </dgm:choose>
+                  </dgm:if>
+                  <dgm:if name="Name63" func="var" arg="hierBranch" op="equ" val="std">
+                    <dgm:alg type="hierRoot"/>
+                    <dgm:shape xmlns:r="http://schemas.openxmlformats.org/officeDocument/2006/relationships" r:blip="">
+                      <dgm:adjLst/>
+                    </dgm:shape>
+                    <dgm:presOf/>
+                    <dgm:constrLst>
+                      <dgm:constr type="alignOff"/>
+                      <dgm:constr type="bendDist" for="des" ptType="parTrans" refType="sp" fact="0.5"/>
+                    </dgm:constrLst>
+                  </dgm:if>
+                  <dgm:if name="Name64" func="var" arg="hierBranch" op="equ" val="init">
+                    <dgm:alg type="hierRoot"/>
+                    <dgm:shape xmlns:r="http://schemas.openxmlformats.org/officeDocument/2006/relationships" r:blip="">
+                      <dgm:adjLst/>
+                    </dgm:shape>
+                    <dgm:presOf/>
+                    <dgm:constrLst>
+                      <dgm:constr type="alignOff"/>
+                      <dgm:constr type="bendDist" for="des" ptType="parTrans" refType="sp" fact="0.5"/>
+                    </dgm:constrLst>
+                  </dgm:if>
+                  <dgm:else name="Name65">
+                    <dgm:alg type="hierRoot"/>
+                    <dgm:shape xmlns:r="http://schemas.openxmlformats.org/officeDocument/2006/relationships" r:blip="">
+                      <dgm:adjLst/>
+                    </dgm:shape>
+                    <dgm:presOf/>
+                    <dgm:constrLst>
+                      <dgm:constr type="alignOff" val="0.65"/>
+                    </dgm:constrLst>
+                  </dgm:else>
+                </dgm:choose>
+                <dgm:ruleLst/>
+                <dgm:layoutNode name="rootComposite">
+                  <dgm:alg type="composite"/>
+                  <dgm:shape xmlns:r="http://schemas.openxmlformats.org/officeDocument/2006/relationships" r:blip="">
+                    <dgm:adjLst/>
+                  </dgm:shape>
+                  <dgm:presOf axis="self" ptType="node" cnt="1"/>
+                  <dgm:choose name="Name66">
+                    <dgm:if name="Name67" func="var" arg="hierBranch" op="equ" val="init">
+                      <dgm:constrLst>
+                        <dgm:constr type="l" for="ch" forName="rootText"/>
+                        <dgm:constr type="t" for="ch" forName="rootText"/>
+                        <dgm:constr type="w" for="ch" forName="rootText" refType="w"/>
+                        <dgm:constr type="h" for="ch" forName="rootText" refType="h" fact="0.9"/>
+                        <dgm:constr type="l" for="ch" forName="titleText2" refType="w" fact="0.2"/>
+                        <dgm:constr type="t" for="ch" forName="titleText2" refType="h" fact="0.7"/>
+                        <dgm:constr type="w" for="ch" forName="titleText2" refType="w" fact="0.9"/>
+                        <dgm:constr type="h" for="ch" forName="titleText2" refType="h" fact="0.3"/>
+                        <dgm:constr type="primFontSz" for="des" forName="titleText2" refType="primFontSz" refFor="des" refForName="rootText1" op="lte"/>
+                        <dgm:constr type="l" for="ch" forName="rootConnector"/>
+                        <dgm:constr type="t" for="ch" forName="rootConnector"/>
+                        <dgm:constr type="w" for="ch" forName="rootConnector" refType="w" refFor="ch" refForName="rootText" fact="0.2"/>
+                        <dgm:constr type="h" for="ch" forName="rootConnector" refType="h" refFor="ch" refForName="rootText"/>
+                      </dgm:constrLst>
+                    </dgm:if>
+                    <dgm:if name="Name68" func="var" arg="hierBranch" op="equ" val="l">
+                      <dgm:constrLst>
+                        <dgm:constr type="l" for="ch" forName="rootText"/>
+                        <dgm:constr type="t" for="ch" forName="rootText"/>
+                        <dgm:constr type="w" for="ch" forName="rootText" refType="w"/>
+                        <dgm:constr type="h" for="ch" forName="rootText" refType="h" fact="0.9"/>
+                        <dgm:constr type="l" for="ch" forName="titleText2" refType="w" fact="0.2"/>
+                        <dgm:constr type="t" for="ch" forName="titleText2" refType="h" fact="0.7"/>
+                        <dgm:constr type="w" for="ch" forName="titleText2" refType="w" fact="0.9"/>
+                        <dgm:constr type="h" for="ch" forName="titleText2" refType="h" fact="0.3"/>
+                        <dgm:constr type="primFontSz" for="des" forName="titleText2" refType="primFontSz" refFor="des" refForName="rootText1" op="lte"/>
+                        <dgm:constr type="r" for="ch" forName="rootConnector" refType="w"/>
+                        <dgm:constr type="t" for="ch" forName="rootConnector"/>
+                        <dgm:constr type="w" for="ch" forName="rootConnector" refType="w" refFor="ch" refForName="rootText" fact="0.2"/>
+                        <dgm:constr type="h" for="ch" forName="rootConnector" refType="h" refFor="ch" refForName="rootText"/>
+                      </dgm:constrLst>
+                    </dgm:if>
+                    <dgm:if name="Name69" func="var" arg="hierBranch" op="equ" val="r">
+                      <dgm:constrLst>
+                        <dgm:constr type="l" for="ch" forName="rootText"/>
+                        <dgm:constr type="t" for="ch" forName="rootText"/>
+                        <dgm:constr type="w" for="ch" forName="rootText" refType="w"/>
+                        <dgm:constr type="h" for="ch" forName="rootText" refType="h" fact="0.9"/>
+                        <dgm:constr type="l" for="ch" forName="titleText2" refType="w" fact="0.2"/>
+                        <dgm:constr type="t" for="ch" forName="titleText2" refType="h" fact="0.7"/>
+                        <dgm:constr type="w" for="ch" forName="titleText2" refType="w" fact="0.9"/>
+                        <dgm:constr type="h" for="ch" forName="titleText2" refType="h" fact="0.3"/>
+                        <dgm:constr type="primFontSz" for="des" forName="titleText2" refType="primFontSz" refFor="des" refForName="rootText1" op="lte"/>
+                        <dgm:constr type="l" for="ch" forName="rootConnector"/>
+                        <dgm:constr type="t" for="ch" forName="rootConnector"/>
+                        <dgm:constr type="w" for="ch" forName="rootConnector" refType="w" refFor="ch" refForName="rootText" fact="0.2"/>
+                        <dgm:constr type="h" for="ch" forName="rootConnector" refType="h" refFor="ch" refForName="rootText"/>
+                      </dgm:constrLst>
+                    </dgm:if>
+                    <dgm:else name="Name70">
+                      <dgm:constrLst>
+                        <dgm:constr type="l" for="ch" forName="rootText"/>
+                        <dgm:constr type="t" for="ch" forName="rootText"/>
+                        <dgm:constr type="w" for="ch" forName="rootText" refType="w"/>
+                        <dgm:constr type="h" for="ch" forName="rootText" refType="h" fact="0.9"/>
+                        <dgm:constr type="l" for="ch" forName="titleText2" refType="w" fact="0.2"/>
+                        <dgm:constr type="t" for="ch" forName="titleText2" refType="h" fact="0.7"/>
+                        <dgm:constr type="w" for="ch" forName="titleText2" refType="w" fact="0.9"/>
+                        <dgm:constr type="h" for="ch" forName="titleText2" refType="h" fact="0.3"/>
+                        <dgm:constr type="primFontSz" for="des" forName="titleText2" refType="primFontSz" refFor="des" refForName="rootText1" op="lte"/>
+                        <dgm:constr type="r" for="ch" forName="rootConnector" refType="w"/>
+                        <dgm:constr type="t" for="ch" forName="rootConnector"/>
+                        <dgm:constr type="w" for="ch" forName="rootConnector" refType="w" refFor="ch" refForName="rootText" fact="0.2"/>
+                        <dgm:constr type="h" for="ch" forName="rootConnector" refType="h" refFor="ch" refForName="rootText"/>
+                      </dgm:constrLst>
+                    </dgm:else>
+                  </dgm:choose>
+                  <dgm:ruleLst/>
+                  <dgm:layoutNode name="rootText" styleLbl="node1">
+                    <dgm:varLst>
+                      <dgm:chMax/>
+                      <dgm:chPref val="3"/>
+                    </dgm:varLst>
+                    <dgm:alg type="tx"/>
+                    <dgm:shape xmlns:r="http://schemas.openxmlformats.org/officeDocument/2006/relationships" type="rect" r:blip="">
+                      <dgm:adjLst/>
+                    </dgm:shape>
+                    <dgm:presOf axis="self" ptType="node" cnt="1"/>
+                    <dgm:constrLst>
+                      <dgm:constr type="primFontSz" val="65"/>
+                      <dgm:constr type="lMarg" refType="primFontSz" fact="0.05"/>
+                      <dgm:constr type="rMarg" refType="primFontSz" fact="0.05"/>
+                      <dgm:constr type="tMarg" refType="primFontSz" fact="0.05"/>
+                      <dgm:constr type="bMarg" refType="h" fact="0.4"/>
+                    </dgm:constrLst>
+                    <dgm:ruleLst>
+                      <dgm:rule type="primFontSz" val="5" fact="NaN" max="NaN"/>
+                    </dgm:ruleLst>
+                  </dgm:layoutNode>
+                  <dgm:layoutNode name="titleText2" styleLbl="fgAcc1">
+                    <dgm:varLst>
+                      <dgm:chMax val="0"/>
+                      <dgm:chPref val="0"/>
+                    </dgm:varLst>
+                    <dgm:alg type="tx">
+                      <dgm:param type="parTxLTRAlign" val="r"/>
+                    </dgm:alg>
+                    <dgm:shape xmlns:r="http://schemas.openxmlformats.org/officeDocument/2006/relationships" type="rect" r:blip="">
+                      <dgm:adjLst/>
+                    </dgm:shape>
+                    <dgm:presOf axis="followSib" ptType="sibTrans" hideLastTrans="0" cnt="1"/>
+                    <dgm:constrLst>
+                      <dgm:constr type="primFontSz" val="65"/>
+                      <dgm:constr type="lMarg" refType="primFontSz" fact="0.2"/>
+                      <dgm:constr type="rMarg" refType="primFontSz" fact="0.2"/>
+                      <dgm:constr type="tMarg" refType="primFontSz" fact="0.05"/>
+                      <dgm:constr type="bMarg" refType="primFontSz" fact="0.05"/>
+                    </dgm:constrLst>
+                    <dgm:ruleLst>
+                      <dgm:rule type="primFontSz" val="5" fact="NaN" max="NaN"/>
+                    </dgm:ruleLst>
+                  </dgm:layoutNode>
+                  <dgm:layoutNode name="rootConnector" moveWith="rootText">
+                    <dgm:alg type="sp"/>
+                    <dgm:shape xmlns:r="http://schemas.openxmlformats.org/officeDocument/2006/relationships" type="rect" r:blip="" hideGeom="1">
+                      <dgm:adjLst/>
+                    </dgm:shape>
+                    <dgm:presOf axis="self" ptType="node" cnt="1"/>
+                    <dgm:constrLst/>
+                    <dgm:ruleLst/>
+                  </dgm:layoutNode>
+                </dgm:layoutNode>
+                <dgm:layoutNode name="hierChild4">
+                  <dgm:choose name="Name71">
+                    <dgm:if name="Name72" func="var" arg="hierBranch" op="equ" val="l">
+                      <dgm:alg type="hierChild">
+                        <dgm:param type="chAlign" val="r"/>
+                        <dgm:param type="linDir" val="fromT"/>
+                      </dgm:alg>
+                    </dgm:if>
+                    <dgm:if name="Name73" func="var" arg="hierBranch" op="equ" val="r">
+                      <dgm:alg type="hierChild">
+                        <dgm:param type="chAlign" val="l"/>
+                        <dgm:param type="linDir" val="fromT"/>
+                      </dgm:alg>
+                    </dgm:if>
+                    <dgm:if name="Name74" func="var" arg="hierBranch" op="equ" val="hang">
+                      <dgm:choose name="Name75">
+                        <dgm:if name="Name76" func="var" arg="dir" op="equ" val="norm">
+                          <dgm:alg type="hierChild">
+                            <dgm:param type="chAlign" val="l"/>
+                            <dgm:param type="linDir" val="fromL"/>
+                            <dgm:param type="secChAlign" val="t"/>
+                            <dgm:param type="secLinDir" val="fromT"/>
+                          </dgm:alg>
+                        </dgm:if>
+                        <dgm:else name="Name77">
+                          <dgm:alg type="hierChild">
+                            <dgm:param type="chAlign" val="l"/>
+                            <dgm:param type="linDir" val="fromR"/>
+                            <dgm:param type="secChAlign" val="t"/>
+                            <dgm:param type="secLinDir" val="fromT"/>
+                          </dgm:alg>
+                        </dgm:else>
+                      </dgm:choose>
+                    </dgm:if>
+                    <dgm:if name="Name78" func="var" arg="hierBranch" op="equ" val="std">
+                      <dgm:choose name="Name79">
+                        <dgm:if name="Name80" func="var" arg="dir" op="equ" val="norm">
+                          <dgm:alg type="hierChild"/>
+                        </dgm:if>
+                        <dgm:else name="Name81">
+                          <dgm:alg type="hierChild">
+                            <dgm:param type="linDir" val="fromR"/>
+                          </dgm:alg>
+                        </dgm:else>
+                      </dgm:choose>
+                    </dgm:if>
+                    <dgm:if name="Name82" func="var" arg="hierBranch" op="equ" val="init">
+                      <dgm:choose name="Name83">
+                        <dgm:if name="Name84" func="var" arg="dir" op="equ" val="norm">
+                          <dgm:alg type="hierChild"/>
+                        </dgm:if>
+                        <dgm:else name="Name85">
+                          <dgm:alg type="hierChild">
+                            <dgm:param type="linDir" val="fromR"/>
+                          </dgm:alg>
+                        </dgm:else>
+                      </dgm:choose>
+                    </dgm:if>
+                    <dgm:else name="Name86"/>
+                  </dgm:choose>
+                  <dgm:shape xmlns:r="http://schemas.openxmlformats.org/officeDocument/2006/relationships" r:blip="">
+                    <dgm:adjLst/>
+                  </dgm:shape>
+                  <dgm:presOf/>
+                  <dgm:constrLst/>
+                  <dgm:ruleLst/>
+                  <dgm:forEach name="Name87" ref="rep2a"/>
+                </dgm:layoutNode>
+                <dgm:layoutNode name="hierChild5">
+                  <dgm:choose name="Name88">
+                    <dgm:if name="Name89" func="var" arg="dir" op="equ" val="norm">
+                      <dgm:alg type="hierChild">
+                        <dgm:param type="chAlign" val="l"/>
+                        <dgm:param type="linDir" val="fromL"/>
+                        <dgm:param type="secChAlign" val="t"/>
+                        <dgm:param type="secLinDir" val="fromT"/>
+                      </dgm:alg>
+                    </dgm:if>
+                    <dgm:else name="Name90">
+                      <dgm:alg type="hierChild">
+                        <dgm:param type="chAlign" val="l"/>
+                        <dgm:param type="linDir" val="fromR"/>
+                        <dgm:param type="secChAlign" val="t"/>
+                        <dgm:param type="secLinDir" val="fromT"/>
+                      </dgm:alg>
+                    </dgm:else>
+                  </dgm:choose>
+                  <dgm:shape xmlns:r="http://schemas.openxmlformats.org/officeDocument/2006/relationships" r:blip="">
+                    <dgm:adjLst/>
+                  </dgm:shape>
+                  <dgm:presOf/>
+                  <dgm:constrLst/>
+                  <dgm:ruleLst/>
+                  <dgm:forEach name="Name91" ref="rep2b"/>
+                </dgm:layoutNode>
+              </dgm:layoutNode>
+            </dgm:forEach>
+          </dgm:layoutNode>
+          <dgm:layoutNode name="hierChild3">
+            <dgm:choose name="Name92">
+              <dgm:if name="Name93" func="var" arg="dir" op="equ" val="norm">
+                <dgm:alg type="hierChild">
+                  <dgm:param type="chAlign" val="l"/>
+                  <dgm:param type="linDir" val="fromL"/>
+                  <dgm:param type="secChAlign" val="t"/>
+                  <dgm:param type="secLinDir" val="fromT"/>
+                </dgm:alg>
+              </dgm:if>
+              <dgm:else name="Name94">
+                <dgm:alg type="hierChild">
+                  <dgm:param type="chAlign" val="l"/>
+                  <dgm:param type="linDir" val="fromR"/>
+                  <dgm:param type="secChAlign" val="t"/>
+                  <dgm:param type="secLinDir" val="fromT"/>
+                </dgm:alg>
+              </dgm:else>
+            </dgm:choose>
+            <dgm:shape xmlns:r="http://schemas.openxmlformats.org/officeDocument/2006/relationships" r:blip="">
+              <dgm:adjLst/>
+            </dgm:shape>
+            <dgm:presOf/>
+            <dgm:constrLst/>
+            <dgm:ruleLst/>
+            <dgm:forEach name="rep2b" axis="ch" ptType="asst">
+              <dgm:forEach name="Name95" axis="precedSib" ptType="parTrans" st="-1" cnt="1">
+                <dgm:layoutNode name="Name96">
+                  <dgm:alg type="conn">
+                    <dgm:param type="connRout" val="bend"/>
+                    <dgm:param type="dim" val="1D"/>
+                    <dgm:param type="endSty" val="noArr"/>
+                    <dgm:param type="begPts" val="bCtr"/>
+                    <dgm:param type="endPts" val="midL midR"/>
+                  </dgm:alg>
+                  <dgm:shape xmlns:r="http://schemas.openxmlformats.org/officeDocument/2006/relationships" type="conn" r:blip="" zOrderOff="-99999">
+                    <dgm:adjLst/>
+                  </dgm:shape>
+                  <dgm:presOf axis="self"/>
+                  <dgm:constrLst>
+                    <dgm:constr type="begPad"/>
+                    <dgm:constr type="endPad"/>
+                  </dgm:constrLst>
+                  <dgm:ruleLst/>
+                </dgm:layoutNode>
+              </dgm:forEach>
+              <dgm:layoutNode name="hierRoot3">
+                <dgm:varLst>
+                  <dgm:hierBranch val="init"/>
+                </dgm:varLst>
+                <dgm:choose name="Name97">
+                  <dgm:if name="Name98" func="var" arg="hierBranch" op="equ" val="l">
+                    <dgm:alg type="hierRoot">
+                      <dgm:param type="hierAlign" val="tR"/>
+                    </dgm:alg>
+                    <dgm:shape xmlns:r="http://schemas.openxmlformats.org/officeDocument/2006/relationships" r:blip="">
+                      <dgm:adjLst/>
+                    </dgm:shape>
+                    <dgm:presOf/>
+                    <dgm:constrLst>
+                      <dgm:constr type="alignOff" val="0.65"/>
+                    </dgm:constrLst>
+                  </dgm:if>
+                  <dgm:if name="Name99" func="var" arg="hierBranch" op="equ" val="r">
+                    <dgm:alg type="hierRoot">
+                      <dgm:param type="hierAlign" val="tL"/>
+                    </dgm:alg>
+                    <dgm:shape xmlns:r="http://schemas.openxmlformats.org/officeDocument/2006/relationships" r:blip="">
+                      <dgm:adjLst/>
+                    </dgm:shape>
+                    <dgm:presOf/>
+                    <dgm:constrLst>
+                      <dgm:constr type="alignOff" val="0.65"/>
+                    </dgm:constrLst>
+                  </dgm:if>
+                  <dgm:if name="Name100" func="var" arg="hierBranch" op="equ" val="hang">
+                    <dgm:alg type="hierRoot"/>
+                    <dgm:shape xmlns:r="http://schemas.openxmlformats.org/officeDocument/2006/relationships" r:blip="">
+                      <dgm:adjLst/>
+                    </dgm:shape>
+                    <dgm:presOf/>
+                    <dgm:constrLst>
+                      <dgm:constr type="alignOff" val="0.65"/>
+                    </dgm:constrLst>
+                  </dgm:if>
+                  <dgm:if name="Name101" func="var" arg="hierBranch" op="equ" val="std">
+                    <dgm:alg type="hierRoot"/>
+                    <dgm:shape xmlns:r="http://schemas.openxmlformats.org/officeDocument/2006/relationships" r:blip="">
+                      <dgm:adjLst/>
+                    </dgm:shape>
+                    <dgm:presOf/>
+                    <dgm:constrLst>
+                      <dgm:constr type="alignOff"/>
+                      <dgm:constr type="bendDist" for="des" ptType="parTrans" refType="sp" fact="0.5"/>
+                    </dgm:constrLst>
+                  </dgm:if>
+                  <dgm:if name="Name102" func="var" arg="hierBranch" op="equ" val="init">
+                    <dgm:alg type="hierRoot"/>
+                    <dgm:shape xmlns:r="http://schemas.openxmlformats.org/officeDocument/2006/relationships" r:blip="">
+                      <dgm:adjLst/>
+                    </dgm:shape>
+                    <dgm:presOf/>
+                    <dgm:constrLst>
+                      <dgm:constr type="alignOff"/>
+                      <dgm:constr type="bendDist" for="des" ptType="parTrans" refType="sp" fact="0.5"/>
+                    </dgm:constrLst>
+                  </dgm:if>
+                  <dgm:else name="Name103"/>
+                </dgm:choose>
+                <dgm:ruleLst/>
+                <dgm:layoutNode name="rootComposite3">
+                  <dgm:alg type="composite"/>
+                  <dgm:shape xmlns:r="http://schemas.openxmlformats.org/officeDocument/2006/relationships" r:blip="">
+                    <dgm:adjLst/>
+                  </dgm:shape>
+                  <dgm:presOf axis="self" ptType="node" cnt="1"/>
+                  <dgm:choose name="Name104">
+                    <dgm:if name="Name105" func="var" arg="hierBranch" op="equ" val="init">
+                      <dgm:constrLst>
+                        <dgm:constr type="l" for="ch" forName="rootText3"/>
+                        <dgm:constr type="t" for="ch" forName="rootText3"/>
+                        <dgm:constr type="w" for="ch" forName="rootText3" refType="w"/>
+                        <dgm:constr type="h" for="ch" forName="rootText3" refType="h" fact="0.9"/>
+                        <dgm:constr type="l" for="ch" forName="titleText3" refType="w" fact="0.2"/>
+                        <dgm:constr type="t" for="ch" forName="titleText3" refType="h" fact="0.7"/>
+                        <dgm:constr type="w" for="ch" forName="titleText3" refType="w" fact="0.9"/>
+                        <dgm:constr type="h" for="ch" forName="titleText3" refType="h" fact="0.3"/>
+                        <dgm:constr type="primFontSz" for="des" forName="titleText3" refType="primFontSz" refFor="des" refForName="rootText3" op="lte"/>
+                        <dgm:constr type="l" for="ch" forName="rootConnector3"/>
+                        <dgm:constr type="t" for="ch" forName="rootConnector3"/>
+                        <dgm:constr type="w" for="ch" forName="rootConnector3" refType="w" refFor="ch" refForName="rootText3" fact="0.2"/>
+                        <dgm:constr type="h" for="ch" forName="rootConnector3" refType="h" refFor="ch" refForName="rootText3"/>
+                      </dgm:constrLst>
+                    </dgm:if>
+                    <dgm:if name="Name106" func="var" arg="hierBranch" op="equ" val="l">
+                      <dgm:constrLst>
+                        <dgm:constr type="l" for="ch" forName="rootText3"/>
+                        <dgm:constr type="t" for="ch" forName="rootText3"/>
+                        <dgm:constr type="w" for="ch" forName="rootText3" refType="w"/>
+                        <dgm:constr type="h" for="ch" forName="rootText3" refType="h" fact="0.9"/>
+                        <dgm:constr type="l" for="ch" forName="titleText3" refType="w" fact="0.2"/>
+                        <dgm:constr type="t" for="ch" forName="titleText3" refType="h" fact="0.7"/>
+                        <dgm:constr type="w" for="ch" forName="titleText3" refType="w" fact="0.9"/>
+                        <dgm:constr type="h" for="ch" forName="titleText3" refType="h" fact="0.3"/>
+                        <dgm:constr type="primFontSz" for="des" forName="titleText3" refType="primFontSz" refFor="des" refForName="rootText3" op="lte"/>
+                        <dgm:constr type="r" for="ch" forName="rootConnector3" refType="w"/>
+                        <dgm:constr type="t" for="ch" forName="rootConnector3"/>
+                        <dgm:constr type="w" for="ch" forName="rootConnector3" refType="w" refFor="ch" refForName="rootText3" fact="0.2"/>
+                        <dgm:constr type="h" for="ch" forName="rootConnector3" refType="h" refFor="ch" refForName="rootText3"/>
+                      </dgm:constrLst>
+                    </dgm:if>
+                    <dgm:if name="Name107" func="var" arg="hierBranch" op="equ" val="r">
+                      <dgm:constrLst>
+                        <dgm:constr type="l" for="ch" forName="rootText3"/>
+                        <dgm:constr type="t" for="ch" forName="rootText3"/>
+                        <dgm:constr type="w" for="ch" forName="rootText3" refType="w"/>
+                        <dgm:constr type="h" for="ch" forName="rootText3" refType="h" fact="0.9"/>
+                        <dgm:constr type="l" for="ch" forName="titleText3" refType="w" fact="0.2"/>
+                        <dgm:constr type="t" for="ch" forName="titleText3" refType="h" fact="0.7"/>
+                        <dgm:constr type="w" for="ch" forName="titleText3" refType="w" fact="0.9"/>
+                        <dgm:constr type="h" for="ch" forName="titleText3" refType="h" fact="0.3"/>
+                        <dgm:constr type="primFontSz" for="des" forName="titleText3" refType="primFontSz" refFor="des" refForName="rootText3" op="lte"/>
+                        <dgm:constr type="l" for="ch" forName="rootConnector3"/>
+                        <dgm:constr type="t" for="ch" forName="rootConnector3"/>
+                        <dgm:constr type="w" for="ch" forName="rootConnector3" refType="w" refFor="ch" refForName="rootText3" fact="0.2"/>
+                        <dgm:constr type="h" for="ch" forName="rootConnector3" refType="h" refFor="ch" refForName="rootText3"/>
+                      </dgm:constrLst>
+                    </dgm:if>
+                    <dgm:else name="Name108">
+                      <dgm:constrLst>
+                        <dgm:constr type="l" for="ch" forName="rootText3"/>
+                        <dgm:constr type="t" for="ch" forName="rootText3"/>
+                        <dgm:constr type="w" for="ch" forName="rootText3" refType="w"/>
+                        <dgm:constr type="h" for="ch" forName="rootText3" refType="h" fact="0.9"/>
+                        <dgm:constr type="l" for="ch" forName="titleText3" refType="w" fact="0.2"/>
+                        <dgm:constr type="t" for="ch" forName="titleText3" refType="h" fact="0.7"/>
+                        <dgm:constr type="w" for="ch" forName="titleText3" refType="w" fact="0.9"/>
+                        <dgm:constr type="h" for="ch" forName="titleText3" refType="h" fact="0.3"/>
+                        <dgm:constr type="primFontSz" for="des" forName="titleText3" refType="primFontSz" refFor="des" refForName="rootText3" op="lte"/>
+                        <dgm:constr type="r" for="ch" forName="rootConnector3" refType="w"/>
+                        <dgm:constr type="t" for="ch" forName="rootConnector3"/>
+                        <dgm:constr type="w" for="ch" forName="rootConnector3" refType="w" refFor="ch" refForName="rootText3" fact="0.2"/>
+                        <dgm:constr type="h" for="ch" forName="rootConnector3" refType="h" refFor="ch" refForName="rootText3"/>
+                      </dgm:constrLst>
+                    </dgm:else>
+                  </dgm:choose>
+                  <dgm:ruleLst/>
+                  <dgm:layoutNode name="rootText3" styleLbl="asst1">
+                    <dgm:varLst>
+                      <dgm:chPref val="3"/>
+                    </dgm:varLst>
+                    <dgm:alg type="tx"/>
+                    <dgm:shape xmlns:r="http://schemas.openxmlformats.org/officeDocument/2006/relationships" type="rect" r:blip="">
+                      <dgm:adjLst/>
+                    </dgm:shape>
+                    <dgm:presOf axis="self" ptType="node" cnt="1"/>
+                    <dgm:constrLst>
+                      <dgm:constr type="primFontSz" val="65"/>
+                      <dgm:constr type="lMarg" refType="primFontSz" fact="0.05"/>
+                      <dgm:constr type="rMarg" refType="primFontSz" fact="0.05"/>
+                      <dgm:constr type="tMarg" refType="primFontSz" fact="0.05"/>
+                      <dgm:constr type="bMarg" refType="h" fact="0.4"/>
+                    </dgm:constrLst>
+                    <dgm:ruleLst>
+                      <dgm:rule type="primFontSz" val="5" fact="NaN" max="NaN"/>
+                    </dgm:ruleLst>
+                  </dgm:layoutNode>
+                  <dgm:layoutNode name="titleText3" styleLbl="fgAcc2">
+                    <dgm:varLst>
+                      <dgm:chMax val="0"/>
+                      <dgm:chPref val="0"/>
+                    </dgm:varLst>
+                    <dgm:alg type="tx">
+                      <dgm:param type="parTxLTRAlign" val="r"/>
+                    </dgm:alg>
+                    <dgm:shape xmlns:r="http://schemas.openxmlformats.org/officeDocument/2006/relationships" type="rect" r:blip="">
+                      <dgm:adjLst/>
+                    </dgm:shape>
+                    <dgm:presOf axis="followSib" ptType="sibTrans" hideLastTrans="0" cnt="1"/>
+                    <dgm:constrLst>
+                      <dgm:constr type="primFontSz" val="65"/>
+                      <dgm:constr type="lMarg" refType="primFontSz" fact="0.2"/>
+                      <dgm:constr type="rMarg" refType="primFontSz" fact="0.2"/>
+                      <dgm:constr type="tMarg" refType="primFontSz" fact="0.05"/>
+                      <dgm:constr type="bMarg" refType="primFontSz" fact="0.05"/>
+                    </dgm:constrLst>
+                    <dgm:ruleLst>
+                      <dgm:rule type="primFontSz" val="5" fact="NaN" max="NaN"/>
+                    </dgm:ruleLst>
+                  </dgm:layoutNode>
+                  <dgm:layoutNode name="rootConnector3" moveWith="rootText1">
+                    <dgm:alg type="sp"/>
+                    <dgm:shape xmlns:r="http://schemas.openxmlformats.org/officeDocument/2006/relationships" type="rect" r:blip="" hideGeom="1">
+                      <dgm:adjLst/>
+                    </dgm:shape>
+                    <dgm:presOf axis="self" ptType="node" cnt="1"/>
+                    <dgm:constrLst/>
+                    <dgm:ruleLst/>
+                  </dgm:layoutNode>
+                </dgm:layoutNode>
+                <dgm:layoutNode name="hierChild6">
+                  <dgm:choose name="Name109">
+                    <dgm:if name="Name110" func="var" arg="hierBranch" op="equ" val="l">
+                      <dgm:alg type="hierChild">
+                        <dgm:param type="chAlign" val="r"/>
+                        <dgm:param type="linDir" val="fromT"/>
+                      </dgm:alg>
+                    </dgm:if>
+                    <dgm:if name="Name111" func="var" arg="hierBranch" op="equ" val="r">
+                      <dgm:alg type="hierChild">
+                        <dgm:param type="chAlign" val="l"/>
+                        <dgm:param type="linDir" val="fromT"/>
+                      </dgm:alg>
+                    </dgm:if>
+                    <dgm:if name="Name112" func="var" arg="hierBranch" op="equ" val="hang">
+                      <dgm:choose name="Name113">
+                        <dgm:if name="Name114" func="var" arg="dir" op="equ" val="norm">
+                          <dgm:alg type="hierChild">
+                            <dgm:param type="chAlign" val="l"/>
+                            <dgm:param type="linDir" val="fromL"/>
+                            <dgm:param type="secChAlign" val="t"/>
+                            <dgm:param type="secLinDir" val="fromT"/>
+                          </dgm:alg>
+                        </dgm:if>
+                        <dgm:else name="Name115">
+                          <dgm:alg type="hierChild">
+                            <dgm:param type="chAlign" val="l"/>
+                            <dgm:param type="linDir" val="fromR"/>
+                            <dgm:param type="secChAlign" val="t"/>
+                            <dgm:param type="secLinDir" val="fromT"/>
+                          </dgm:alg>
+                        </dgm:else>
+                      </dgm:choose>
+                    </dgm:if>
+                    <dgm:if name="Name116" func="var" arg="hierBranch" op="equ" val="std">
+                      <dgm:choose name="Name117">
+                        <dgm:if name="Name118" func="var" arg="dir" op="equ" val="norm">
+                          <dgm:alg type="hierChild"/>
+                        </dgm:if>
+                        <dgm:else name="Name119">
+                          <dgm:alg type="hierChild">
+                            <dgm:param type="linDir" val="fromR"/>
+                          </dgm:alg>
+                        </dgm:else>
+                      </dgm:choose>
+                    </dgm:if>
+                    <dgm:if name="Name120" func="var" arg="hierBranch" op="equ" val="init">
+                      <dgm:alg type="hierChild"/>
+                    </dgm:if>
+                    <dgm:else name="Name121"/>
+                  </dgm:choose>
+                  <dgm:shape xmlns:r="http://schemas.openxmlformats.org/officeDocument/2006/relationships" r:blip="">
+                    <dgm:adjLst/>
+                  </dgm:shape>
+                  <dgm:presOf/>
+                  <dgm:constrLst/>
+                  <dgm:ruleLst/>
+                  <dgm:forEach name="Name122" ref="rep2a"/>
+                </dgm:layoutNode>
+                <dgm:layoutNode name="hierChild7">
+                  <dgm:choose name="Name123">
+                    <dgm:if name="Name124" func="var" arg="dir" op="equ" val="norm">
+                      <dgm:alg type="hierChild">
+                        <dgm:param type="chAlign" val="l"/>
+                        <dgm:param type="linDir" val="fromL"/>
+                        <dgm:param type="secChAlign" val="t"/>
+                        <dgm:param type="secLinDir" val="fromT"/>
+                      </dgm:alg>
+                    </dgm:if>
+                    <dgm:else name="Name125">
+                      <dgm:alg type="hierChild">
+                        <dgm:param type="chAlign" val="l"/>
+                        <dgm:param type="linDir" val="fromR"/>
+                        <dgm:param type="secChAlign" val="t"/>
+                        <dgm:param type="secLinDir" val="fromT"/>
+                      </dgm:alg>
+                    </dgm:else>
+                  </dgm:choose>
+                  <dgm:shape xmlns:r="http://schemas.openxmlformats.org/officeDocument/2006/relationships" r:blip="">
+                    <dgm:adjLst/>
+                  </dgm:shape>
+                  <dgm:presOf/>
+                  <dgm:constrLst/>
+                  <dgm:ruleLst/>
+                  <dgm:forEach name="Name126" ref="rep2b"/>
+                </dgm:layoutNode>
+              </dgm:layoutNode>
+            </dgm:forEach>
+          </dgm:layoutNode>
+        </dgm:layoutNode>
+      </dgm:forEach>
+    </dgm:forEach>
+  </dgm:layoutNode>
+</dgm:layoutDef>
+</file>
+
+<file path=ppt/diagrams/layout2.xml><?xml version="1.0" encoding="utf-8"?>
 <dgm:layoutDef xmlns:dgm="http://schemas.openxmlformats.org/drawingml/2006/diagram" xmlns:a="http://schemas.openxmlformats.org/drawingml/2006/main" uniqueId="urn:microsoft.com/office/officeart/2005/8/layout/equation1">
   <dgm:title val=""/>
   <dgm:desc val=""/>
@@ -2702,6 +5910,1040 @@
 </dgm:styleDef>
 </file>
 
+<file path=ppt/diagrams/quickStyle2.xml><?xml version="1.0" encoding="utf-8"?>
+<dgm:styleDef xmlns:dgm="http://schemas.openxmlformats.org/drawingml/2006/diagram" xmlns:a="http://schemas.openxmlformats.org/drawingml/2006/main" uniqueId="urn:microsoft.com/office/officeart/2005/8/quickstyle/simple1">
+  <dgm:title val=""/>
+  <dgm:desc val=""/>
+  <dgm:catLst>
+    <dgm:cat type="simple" pri="10100"/>
+  </dgm:catLst>
+  <dgm:scene3d>
+    <a:camera prst="orthographicFront"/>
+    <a:lightRig rig="threePt" dir="t"/>
+  </dgm:scene3d>
+  <dgm:styleLbl name="node0">
+    <dgm:scene3d>
+      <a:camera prst="orthographicFront"/>
+      <a:lightRig rig="threePt" dir="t"/>
+    </dgm:scene3d>
+    <dgm:sp3d/>
+    <dgm:txPr/>
+    <dgm:style>
+      <a:lnRef idx="2">
+        <a:scrgbClr r="0" g="0" b="0"/>
+      </a:lnRef>
+      <a:fillRef idx="1">
+        <a:scrgbClr r="0" g="0" b="0"/>
+      </a:fillRef>
+      <a:effectRef idx="0">
+        <a:scrgbClr r="0" g="0" b="0"/>
+      </a:effectRef>
+      <a:fontRef idx="minor">
+        <a:schemeClr val="lt1"/>
+      </a:fontRef>
+    </dgm:style>
+  </dgm:styleLbl>
+  <dgm:styleLbl name="lnNode1">
+    <dgm:scene3d>
+      <a:camera prst="orthographicFront"/>
+      <a:lightRig rig="threePt" dir="t"/>
+    </dgm:scene3d>
+    <dgm:sp3d/>
+    <dgm:txPr/>
+    <dgm:style>
+      <a:lnRef idx="2">
+        <a:scrgbClr r="0" g="0" b="0"/>
+      </a:lnRef>
+      <a:fillRef idx="1">
+        <a:scrgbClr r="0" g="0" b="0"/>
+      </a:fillRef>
+      <a:effectRef idx="0">
+        <a:scrgbClr r="0" g="0" b="0"/>
+      </a:effectRef>
+      <a:fontRef idx="minor">
+        <a:schemeClr val="lt1"/>
+      </a:fontRef>
+    </dgm:style>
+  </dgm:styleLbl>
+  <dgm:styleLbl name="vennNode1">
+    <dgm:scene3d>
+      <a:camera prst="orthographicFront"/>
+      <a:lightRig rig="threePt" dir="t"/>
+    </dgm:scene3d>
+    <dgm:sp3d/>
+    <dgm:txPr/>
+    <dgm:style>
+      <a:lnRef idx="2">
+        <a:scrgbClr r="0" g="0" b="0"/>
+      </a:lnRef>
+      <a:fillRef idx="1">
+        <a:scrgbClr r="0" g="0" b="0"/>
+      </a:fillRef>
+      <a:effectRef idx="0">
+        <a:scrgbClr r="0" g="0" b="0"/>
+      </a:effectRef>
+      <a:fontRef idx="minor">
+        <a:schemeClr val="tx1"/>
+      </a:fontRef>
+    </dgm:style>
+  </dgm:styleLbl>
+  <dgm:styleLbl name="alignNode1">
+    <dgm:scene3d>
+      <a:camera prst="orthographicFront"/>
+      <a:lightRig rig="threePt" dir="t"/>
+    </dgm:scene3d>
+    <dgm:sp3d/>
+    <dgm:txPr/>
+    <dgm:style>
+      <a:lnRef idx="2">
+        <a:scrgbClr r="0" g="0" b="0"/>
+      </a:lnRef>
+      <a:fillRef idx="1">
+        <a:scrgbClr r="0" g="0" b="0"/>
+      </a:fillRef>
+      <a:effectRef idx="0">
+        <a:scrgbClr r="0" g="0" b="0"/>
+      </a:effectRef>
+      <a:fontRef idx="minor">
+        <a:schemeClr val="lt1"/>
+      </a:fontRef>
+    </dgm:style>
+  </dgm:styleLbl>
+  <dgm:styleLbl name="node1">
+    <dgm:scene3d>
+      <a:camera prst="orthographicFront"/>
+      <a:lightRig rig="threePt" dir="t"/>
+    </dgm:scene3d>
+    <dgm:sp3d/>
+    <dgm:txPr/>
+    <dgm:style>
+      <a:lnRef idx="2">
+        <a:scrgbClr r="0" g="0" b="0"/>
+      </a:lnRef>
+      <a:fillRef idx="1">
+        <a:scrgbClr r="0" g="0" b="0"/>
+      </a:fillRef>
+      <a:effectRef idx="0">
+        <a:scrgbClr r="0" g="0" b="0"/>
+      </a:effectRef>
+      <a:fontRef idx="minor">
+        <a:schemeClr val="lt1"/>
+      </a:fontRef>
+    </dgm:style>
+  </dgm:styleLbl>
+  <dgm:styleLbl name="node2">
+    <dgm:scene3d>
+      <a:camera prst="orthographicFront"/>
+      <a:lightRig rig="threePt" dir="t"/>
+    </dgm:scene3d>
+    <dgm:sp3d/>
+    <dgm:txPr/>
+    <dgm:style>
+      <a:lnRef idx="2">
+        <a:scrgbClr r="0" g="0" b="0"/>
+      </a:lnRef>
+      <a:fillRef idx="1">
+        <a:scrgbClr r="0" g="0" b="0"/>
+      </a:fillRef>
+      <a:effectRef idx="0">
+        <a:scrgbClr r="0" g="0" b="0"/>
+      </a:effectRef>
+      <a:fontRef idx="minor">
+        <a:schemeClr val="lt1"/>
+      </a:fontRef>
+    </dgm:style>
+  </dgm:styleLbl>
+  <dgm:styleLbl name="node3">
+    <dgm:scene3d>
+      <a:camera prst="orthographicFront"/>
+      <a:lightRig rig="threePt" dir="t"/>
+    </dgm:scene3d>
+    <dgm:sp3d/>
+    <dgm:txPr/>
+    <dgm:style>
+      <a:lnRef idx="2">
+        <a:scrgbClr r="0" g="0" b="0"/>
+      </a:lnRef>
+      <a:fillRef idx="1">
+        <a:scrgbClr r="0" g="0" b="0"/>
+      </a:fillRef>
+      <a:effectRef idx="0">
+        <a:scrgbClr r="0" g="0" b="0"/>
+      </a:effectRef>
+      <a:fontRef idx="minor">
+        <a:schemeClr val="lt1"/>
+      </a:fontRef>
+    </dgm:style>
+  </dgm:styleLbl>
+  <dgm:styleLbl name="node4">
+    <dgm:scene3d>
+      <a:camera prst="orthographicFront"/>
+      <a:lightRig rig="threePt" dir="t"/>
+    </dgm:scene3d>
+    <dgm:sp3d/>
+    <dgm:txPr/>
+    <dgm:style>
+      <a:lnRef idx="2">
+        <a:scrgbClr r="0" g="0" b="0"/>
+      </a:lnRef>
+      <a:fillRef idx="1">
+        <a:scrgbClr r="0" g="0" b="0"/>
+      </a:fillRef>
+      <a:effectRef idx="0">
+        <a:scrgbClr r="0" g="0" b="0"/>
+      </a:effectRef>
+      <a:fontRef idx="minor">
+        <a:schemeClr val="lt1"/>
+      </a:fontRef>
+    </dgm:style>
+  </dgm:styleLbl>
+  <dgm:styleLbl name="fgImgPlace1">
+    <dgm:scene3d>
+      <a:camera prst="orthographicFront"/>
+      <a:lightRig rig="threePt" dir="t"/>
+    </dgm:scene3d>
+    <dgm:sp3d/>
+    <dgm:txPr/>
+    <dgm:style>
+      <a:lnRef idx="2">
+        <a:scrgbClr r="0" g="0" b="0"/>
+      </a:lnRef>
+      <a:fillRef idx="1">
+        <a:scrgbClr r="0" g="0" b="0"/>
+      </a:fillRef>
+      <a:effectRef idx="0">
+        <a:scrgbClr r="0" g="0" b="0"/>
+      </a:effectRef>
+      <a:fontRef idx="minor"/>
+    </dgm:style>
+  </dgm:styleLbl>
+  <dgm:styleLbl name="alignImgPlace1">
+    <dgm:scene3d>
+      <a:camera prst="orthographicFront"/>
+      <a:lightRig rig="threePt" dir="t"/>
+    </dgm:scene3d>
+    <dgm:sp3d/>
+    <dgm:txPr/>
+    <dgm:style>
+      <a:lnRef idx="2">
+        <a:scrgbClr r="0" g="0" b="0"/>
+      </a:lnRef>
+      <a:fillRef idx="1">
+        <a:scrgbClr r="0" g="0" b="0"/>
+      </a:fillRef>
+      <a:effectRef idx="0">
+        <a:scrgbClr r="0" g="0" b="0"/>
+      </a:effectRef>
+      <a:fontRef idx="minor"/>
+    </dgm:style>
+  </dgm:styleLbl>
+  <dgm:styleLbl name="bgImgPlace1">
+    <dgm:scene3d>
+      <a:camera prst="orthographicFront"/>
+      <a:lightRig rig="threePt" dir="t"/>
+    </dgm:scene3d>
+    <dgm:sp3d/>
+    <dgm:txPr/>
+    <dgm:style>
+      <a:lnRef idx="2">
+        <a:scrgbClr r="0" g="0" b="0"/>
+      </a:lnRef>
+      <a:fillRef idx="1">
+        <a:scrgbClr r="0" g="0" b="0"/>
+      </a:fillRef>
+      <a:effectRef idx="0">
+        <a:scrgbClr r="0" g="0" b="0"/>
+      </a:effectRef>
+      <a:fontRef idx="minor"/>
+    </dgm:style>
+  </dgm:styleLbl>
+  <dgm:styleLbl name="sibTrans2D1">
+    <dgm:scene3d>
+      <a:camera prst="orthographicFront"/>
+      <a:lightRig rig="threePt" dir="t"/>
+    </dgm:scene3d>
+    <dgm:sp3d/>
+    <dgm:txPr/>
+    <dgm:style>
+      <a:lnRef idx="0">
+        <a:scrgbClr r="0" g="0" b="0"/>
+      </a:lnRef>
+      <a:fillRef idx="1">
+        <a:scrgbClr r="0" g="0" b="0"/>
+      </a:fillRef>
+      <a:effectRef idx="0">
+        <a:scrgbClr r="0" g="0" b="0"/>
+      </a:effectRef>
+      <a:fontRef idx="minor">
+        <a:schemeClr val="lt1"/>
+      </a:fontRef>
+    </dgm:style>
+  </dgm:styleLbl>
+  <dgm:styleLbl name="fgSibTrans2D1">
+    <dgm:scene3d>
+      <a:camera prst="orthographicFront"/>
+      <a:lightRig rig="threePt" dir="t"/>
+    </dgm:scene3d>
+    <dgm:sp3d/>
+    <dgm:txPr/>
+    <dgm:style>
+      <a:lnRef idx="0">
+        <a:scrgbClr r="0" g="0" b="0"/>
+      </a:lnRef>
+      <a:fillRef idx="1">
+        <a:scrgbClr r="0" g="0" b="0"/>
+      </a:fillRef>
+      <a:effectRef idx="0">
+        <a:scrgbClr r="0" g="0" b="0"/>
+      </a:effectRef>
+      <a:fontRef idx="minor">
+        <a:schemeClr val="lt1"/>
+      </a:fontRef>
+    </dgm:style>
+  </dgm:styleLbl>
+  <dgm:styleLbl name="bgSibTrans2D1">
+    <dgm:scene3d>
+      <a:camera prst="orthographicFront"/>
+      <a:lightRig rig="threePt" dir="t"/>
+    </dgm:scene3d>
+    <dgm:sp3d/>
+    <dgm:txPr/>
+    <dgm:style>
+      <a:lnRef idx="0">
+        <a:scrgbClr r="0" g="0" b="0"/>
+      </a:lnRef>
+      <a:fillRef idx="1">
+        <a:scrgbClr r="0" g="0" b="0"/>
+      </a:fillRef>
+      <a:effectRef idx="0">
+        <a:scrgbClr r="0" g="0" b="0"/>
+      </a:effectRef>
+      <a:fontRef idx="minor">
+        <a:schemeClr val="lt1"/>
+      </a:fontRef>
+    </dgm:style>
+  </dgm:styleLbl>
+  <dgm:styleLbl name="sibTrans1D1">
+    <dgm:scene3d>
+      <a:camera prst="orthographicFront"/>
+      <a:lightRig rig="threePt" dir="t"/>
+    </dgm:scene3d>
+    <dgm:sp3d/>
+    <dgm:txPr/>
+    <dgm:style>
+      <a:lnRef idx="1">
+        <a:scrgbClr r="0" g="0" b="0"/>
+      </a:lnRef>
+      <a:fillRef idx="0">
+        <a:scrgbClr r="0" g="0" b="0"/>
+      </a:fillRef>
+      <a:effectRef idx="0">
+        <a:scrgbClr r="0" g="0" b="0"/>
+      </a:effectRef>
+      <a:fontRef idx="minor"/>
+    </dgm:style>
+  </dgm:styleLbl>
+  <dgm:styleLbl name="callout">
+    <dgm:scene3d>
+      <a:camera prst="orthographicFront"/>
+      <a:lightRig rig="threePt" dir="t"/>
+    </dgm:scene3d>
+    <dgm:sp3d/>
+    <dgm:txPr/>
+    <dgm:style>
+      <a:lnRef idx="2">
+        <a:scrgbClr r="0" g="0" b="0"/>
+      </a:lnRef>
+      <a:fillRef idx="1">
+        <a:scrgbClr r="0" g="0" b="0"/>
+      </a:fillRef>
+      <a:effectRef idx="0">
+        <a:scrgbClr r="0" g="0" b="0"/>
+      </a:effectRef>
+      <a:fontRef idx="minor"/>
+    </dgm:style>
+  </dgm:styleLbl>
+  <dgm:styleLbl name="asst0">
+    <dgm:scene3d>
+      <a:camera prst="orthographicFront"/>
+      <a:lightRig rig="threePt" dir="t"/>
+    </dgm:scene3d>
+    <dgm:sp3d/>
+    <dgm:txPr/>
+    <dgm:style>
+      <a:lnRef idx="2">
+        <a:scrgbClr r="0" g="0" b="0"/>
+      </a:lnRef>
+      <a:fillRef idx="1">
+        <a:scrgbClr r="0" g="0" b="0"/>
+      </a:fillRef>
+      <a:effectRef idx="0">
+        <a:scrgbClr r="0" g="0" b="0"/>
+      </a:effectRef>
+      <a:fontRef idx="minor">
+        <a:schemeClr val="lt1"/>
+      </a:fontRef>
+    </dgm:style>
+  </dgm:styleLbl>
+  <dgm:styleLbl name="asst1">
+    <dgm:scene3d>
+      <a:camera prst="orthographicFront"/>
+      <a:lightRig rig="threePt" dir="t"/>
+    </dgm:scene3d>
+    <dgm:sp3d/>
+    <dgm:txPr/>
+    <dgm:style>
+      <a:lnRef idx="2">
+        <a:scrgbClr r="0" g="0" b="0"/>
+      </a:lnRef>
+      <a:fillRef idx="1">
+        <a:scrgbClr r="0" g="0" b="0"/>
+      </a:fillRef>
+      <a:effectRef idx="0">
+        <a:scrgbClr r="0" g="0" b="0"/>
+      </a:effectRef>
+      <a:fontRef idx="minor">
+        <a:schemeClr val="lt1"/>
+      </a:fontRef>
+    </dgm:style>
+  </dgm:styleLbl>
+  <dgm:styleLbl name="asst2">
+    <dgm:scene3d>
+      <a:camera prst="orthographicFront"/>
+      <a:lightRig rig="threePt" dir="t"/>
+    </dgm:scene3d>
+    <dgm:sp3d/>
+    <dgm:txPr/>
+    <dgm:style>
+      <a:lnRef idx="2">
+        <a:scrgbClr r="0" g="0" b="0"/>
+      </a:lnRef>
+      <a:fillRef idx="1">
+        <a:scrgbClr r="0" g="0" b="0"/>
+      </a:fillRef>
+      <a:effectRef idx="0">
+        <a:scrgbClr r="0" g="0" b="0"/>
+      </a:effectRef>
+      <a:fontRef idx="minor">
+        <a:schemeClr val="lt1"/>
+      </a:fontRef>
+    </dgm:style>
+  </dgm:styleLbl>
+  <dgm:styleLbl name="asst3">
+    <dgm:scene3d>
+      <a:camera prst="orthographicFront"/>
+      <a:lightRig rig="threePt" dir="t"/>
+    </dgm:scene3d>
+    <dgm:sp3d/>
+    <dgm:txPr/>
+    <dgm:style>
+      <a:lnRef idx="2">
+        <a:scrgbClr r="0" g="0" b="0"/>
+      </a:lnRef>
+      <a:fillRef idx="1">
+        <a:scrgbClr r="0" g="0" b="0"/>
+      </a:fillRef>
+      <a:effectRef idx="0">
+        <a:scrgbClr r="0" g="0" b="0"/>
+      </a:effectRef>
+      <a:fontRef idx="minor">
+        <a:schemeClr val="lt1"/>
+      </a:fontRef>
+    </dgm:style>
+  </dgm:styleLbl>
+  <dgm:styleLbl name="asst4">
+    <dgm:scene3d>
+      <a:camera prst="orthographicFront"/>
+      <a:lightRig rig="threePt" dir="t"/>
+    </dgm:scene3d>
+    <dgm:sp3d/>
+    <dgm:txPr/>
+    <dgm:style>
+      <a:lnRef idx="2">
+        <a:scrgbClr r="0" g="0" b="0"/>
+      </a:lnRef>
+      <a:fillRef idx="1">
+        <a:scrgbClr r="0" g="0" b="0"/>
+      </a:fillRef>
+      <a:effectRef idx="0">
+        <a:scrgbClr r="0" g="0" b="0"/>
+      </a:effectRef>
+      <a:fontRef idx="minor">
+        <a:schemeClr val="lt1"/>
+      </a:fontRef>
+    </dgm:style>
+  </dgm:styleLbl>
+  <dgm:styleLbl name="parChTrans2D1">
+    <dgm:scene3d>
+      <a:camera prst="orthographicFront"/>
+      <a:lightRig rig="threePt" dir="t"/>
+    </dgm:scene3d>
+    <dgm:sp3d/>
+    <dgm:txPr/>
+    <dgm:style>
+      <a:lnRef idx="2">
+        <a:scrgbClr r="0" g="0" b="0"/>
+      </a:lnRef>
+      <a:fillRef idx="1">
+        <a:scrgbClr r="0" g="0" b="0"/>
+      </a:fillRef>
+      <a:effectRef idx="0">
+        <a:scrgbClr r="0" g="0" b="0"/>
+      </a:effectRef>
+      <a:fontRef idx="minor">
+        <a:schemeClr val="lt1"/>
+      </a:fontRef>
+    </dgm:style>
+  </dgm:styleLbl>
+  <dgm:styleLbl name="parChTrans2D2">
+    <dgm:scene3d>
+      <a:camera prst="orthographicFront"/>
+      <a:lightRig rig="threePt" dir="t"/>
+    </dgm:scene3d>
+    <dgm:sp3d/>
+    <dgm:txPr/>
+    <dgm:style>
+      <a:lnRef idx="2">
+        <a:scrgbClr r="0" g="0" b="0"/>
+      </a:lnRef>
+      <a:fillRef idx="1">
+        <a:scrgbClr r="0" g="0" b="0"/>
+      </a:fillRef>
+      <a:effectRef idx="0">
+        <a:scrgbClr r="0" g="0" b="0"/>
+      </a:effectRef>
+      <a:fontRef idx="minor">
+        <a:schemeClr val="lt1"/>
+      </a:fontRef>
+    </dgm:style>
+  </dgm:styleLbl>
+  <dgm:styleLbl name="parChTrans2D3">
+    <dgm:scene3d>
+      <a:camera prst="orthographicFront"/>
+      <a:lightRig rig="threePt" dir="t"/>
+    </dgm:scene3d>
+    <dgm:sp3d/>
+    <dgm:txPr/>
+    <dgm:style>
+      <a:lnRef idx="2">
+        <a:scrgbClr r="0" g="0" b="0"/>
+      </a:lnRef>
+      <a:fillRef idx="1">
+        <a:scrgbClr r="0" g="0" b="0"/>
+      </a:fillRef>
+      <a:effectRef idx="0">
+        <a:scrgbClr r="0" g="0" b="0"/>
+      </a:effectRef>
+      <a:fontRef idx="minor">
+        <a:schemeClr val="lt1"/>
+      </a:fontRef>
+    </dgm:style>
+  </dgm:styleLbl>
+  <dgm:styleLbl name="parChTrans2D4">
+    <dgm:scene3d>
+      <a:camera prst="orthographicFront"/>
+      <a:lightRig rig="threePt" dir="t"/>
+    </dgm:scene3d>
+    <dgm:sp3d/>
+    <dgm:txPr/>
+    <dgm:style>
+      <a:lnRef idx="2">
+        <a:scrgbClr r="0" g="0" b="0"/>
+      </a:lnRef>
+      <a:fillRef idx="1">
+        <a:scrgbClr r="0" g="0" b="0"/>
+      </a:fillRef>
+      <a:effectRef idx="0">
+        <a:scrgbClr r="0" g="0" b="0"/>
+      </a:effectRef>
+      <a:fontRef idx="minor">
+        <a:schemeClr val="lt1"/>
+      </a:fontRef>
+    </dgm:style>
+  </dgm:styleLbl>
+  <dgm:styleLbl name="parChTrans1D1">
+    <dgm:scene3d>
+      <a:camera prst="orthographicFront"/>
+      <a:lightRig rig="threePt" dir="t"/>
+    </dgm:scene3d>
+    <dgm:sp3d/>
+    <dgm:txPr/>
+    <dgm:style>
+      <a:lnRef idx="2">
+        <a:scrgbClr r="0" g="0" b="0"/>
+      </a:lnRef>
+      <a:fillRef idx="0">
+        <a:scrgbClr r="0" g="0" b="0"/>
+      </a:fillRef>
+      <a:effectRef idx="0">
+        <a:scrgbClr r="0" g="0" b="0"/>
+      </a:effectRef>
+      <a:fontRef idx="minor"/>
+    </dgm:style>
+  </dgm:styleLbl>
+  <dgm:styleLbl name="parChTrans1D2">
+    <dgm:scene3d>
+      <a:camera prst="orthographicFront"/>
+      <a:lightRig rig="threePt" dir="t"/>
+    </dgm:scene3d>
+    <dgm:sp3d/>
+    <dgm:txPr/>
+    <dgm:style>
+      <a:lnRef idx="2">
+        <a:scrgbClr r="0" g="0" b="0"/>
+      </a:lnRef>
+      <a:fillRef idx="0">
+        <a:scrgbClr r="0" g="0" b="0"/>
+      </a:fillRef>
+      <a:effectRef idx="0">
+        <a:scrgbClr r="0" g="0" b="0"/>
+      </a:effectRef>
+      <a:fontRef idx="minor"/>
+    </dgm:style>
+  </dgm:styleLbl>
+  <dgm:styleLbl name="parChTrans1D3">
+    <dgm:scene3d>
+      <a:camera prst="orthographicFront"/>
+      <a:lightRig rig="threePt" dir="t"/>
+    </dgm:scene3d>
+    <dgm:sp3d/>
+    <dgm:txPr/>
+    <dgm:style>
+      <a:lnRef idx="2">
+        <a:scrgbClr r="0" g="0" b="0"/>
+      </a:lnRef>
+      <a:fillRef idx="0">
+        <a:scrgbClr r="0" g="0" b="0"/>
+      </a:fillRef>
+      <a:effectRef idx="0">
+        <a:scrgbClr r="0" g="0" b="0"/>
+      </a:effectRef>
+      <a:fontRef idx="minor"/>
+    </dgm:style>
+  </dgm:styleLbl>
+  <dgm:styleLbl name="parChTrans1D4">
+    <dgm:scene3d>
+      <a:camera prst="orthographicFront"/>
+      <a:lightRig rig="threePt" dir="t"/>
+    </dgm:scene3d>
+    <dgm:sp3d/>
+    <dgm:txPr/>
+    <dgm:style>
+      <a:lnRef idx="2">
+        <a:scrgbClr r="0" g="0" b="0"/>
+      </a:lnRef>
+      <a:fillRef idx="0">
+        <a:scrgbClr r="0" g="0" b="0"/>
+      </a:fillRef>
+      <a:effectRef idx="0">
+        <a:scrgbClr r="0" g="0" b="0"/>
+      </a:effectRef>
+      <a:fontRef idx="minor"/>
+    </dgm:style>
+  </dgm:styleLbl>
+  <dgm:styleLbl name="fgAcc1">
+    <dgm:scene3d>
+      <a:camera prst="orthographicFront"/>
+      <a:lightRig rig="threePt" dir="t"/>
+    </dgm:scene3d>
+    <dgm:sp3d/>
+    <dgm:txPr/>
+    <dgm:style>
+      <a:lnRef idx="2">
+        <a:scrgbClr r="0" g="0" b="0"/>
+      </a:lnRef>
+      <a:fillRef idx="1">
+        <a:scrgbClr r="0" g="0" b="0"/>
+      </a:fillRef>
+      <a:effectRef idx="0">
+        <a:scrgbClr r="0" g="0" b="0"/>
+      </a:effectRef>
+      <a:fontRef idx="minor"/>
+    </dgm:style>
+  </dgm:styleLbl>
+  <dgm:styleLbl name="conFgAcc1">
+    <dgm:scene3d>
+      <a:camera prst="orthographicFront"/>
+      <a:lightRig rig="threePt" dir="t"/>
+    </dgm:scene3d>
+    <dgm:sp3d/>
+    <dgm:txPr/>
+    <dgm:style>
+      <a:lnRef idx="2">
+        <a:scrgbClr r="0" g="0" b="0"/>
+      </a:lnRef>
+      <a:fillRef idx="1">
+        <a:scrgbClr r="0" g="0" b="0"/>
+      </a:fillRef>
+      <a:effectRef idx="0">
+        <a:scrgbClr r="0" g="0" b="0"/>
+      </a:effectRef>
+      <a:fontRef idx="minor"/>
+    </dgm:style>
+  </dgm:styleLbl>
+  <dgm:styleLbl name="alignAcc1">
+    <dgm:scene3d>
+      <a:camera prst="orthographicFront"/>
+      <a:lightRig rig="threePt" dir="t"/>
+    </dgm:scene3d>
+    <dgm:sp3d/>
+    <dgm:txPr/>
+    <dgm:style>
+      <a:lnRef idx="2">
+        <a:scrgbClr r="0" g="0" b="0"/>
+      </a:lnRef>
+      <a:fillRef idx="1">
+        <a:scrgbClr r="0" g="0" b="0"/>
+      </a:fillRef>
+      <a:effectRef idx="0">
+        <a:scrgbClr r="0" g="0" b="0"/>
+      </a:effectRef>
+      <a:fontRef idx="minor"/>
+    </dgm:style>
+  </dgm:styleLbl>
+  <dgm:styleLbl name="trAlignAcc1">
+    <dgm:scene3d>
+      <a:camera prst="orthographicFront"/>
+      <a:lightRig rig="threePt" dir="t"/>
+    </dgm:scene3d>
+    <dgm:sp3d/>
+    <dgm:txPr/>
+    <dgm:style>
+      <a:lnRef idx="1">
+        <a:scrgbClr r="0" g="0" b="0"/>
+      </a:lnRef>
+      <a:fillRef idx="1">
+        <a:scrgbClr r="0" g="0" b="0"/>
+      </a:fillRef>
+      <a:effectRef idx="0">
+        <a:scrgbClr r="0" g="0" b="0"/>
+      </a:effectRef>
+      <a:fontRef idx="minor"/>
+    </dgm:style>
+  </dgm:styleLbl>
+  <dgm:styleLbl name="bgAcc1">
+    <dgm:scene3d>
+      <a:camera prst="orthographicFront"/>
+      <a:lightRig rig="threePt" dir="t"/>
+    </dgm:scene3d>
+    <dgm:sp3d/>
+    <dgm:txPr/>
+    <dgm:style>
+      <a:lnRef idx="2">
+        <a:scrgbClr r="0" g="0" b="0"/>
+      </a:lnRef>
+      <a:fillRef idx="1">
+        <a:scrgbClr r="0" g="0" b="0"/>
+      </a:fillRef>
+      <a:effectRef idx="0">
+        <a:scrgbClr r="0" g="0" b="0"/>
+      </a:effectRef>
+      <a:fontRef idx="minor"/>
+    </dgm:style>
+  </dgm:styleLbl>
+  <dgm:styleLbl name="solidFgAcc1">
+    <dgm:scene3d>
+      <a:camera prst="orthographicFront"/>
+      <a:lightRig rig="threePt" dir="t"/>
+    </dgm:scene3d>
+    <dgm:sp3d/>
+    <dgm:txPr/>
+    <dgm:style>
+      <a:lnRef idx="2">
+        <a:scrgbClr r="0" g="0" b="0"/>
+      </a:lnRef>
+      <a:fillRef idx="1">
+        <a:scrgbClr r="0" g="0" b="0"/>
+      </a:fillRef>
+      <a:effectRef idx="0">
+        <a:scrgbClr r="0" g="0" b="0"/>
+      </a:effectRef>
+      <a:fontRef idx="minor"/>
+    </dgm:style>
+  </dgm:styleLbl>
+  <dgm:styleLbl name="solidAlignAcc1">
+    <dgm:scene3d>
+      <a:camera prst="orthographicFront"/>
+      <a:lightRig rig="threePt" dir="t"/>
+    </dgm:scene3d>
+    <dgm:sp3d/>
+    <dgm:txPr/>
+    <dgm:style>
+      <a:lnRef idx="2">
+        <a:scrgbClr r="0" g="0" b="0"/>
+      </a:lnRef>
+      <a:fillRef idx="1">
+        <a:scrgbClr r="0" g="0" b="0"/>
+      </a:fillRef>
+      <a:effectRef idx="0">
+        <a:scrgbClr r="0" g="0" b="0"/>
+      </a:effectRef>
+      <a:fontRef idx="minor"/>
+    </dgm:style>
+  </dgm:styleLbl>
+  <dgm:styleLbl name="solidBgAcc1">
+    <dgm:scene3d>
+      <a:camera prst="orthographicFront"/>
+      <a:lightRig rig="threePt" dir="t"/>
+    </dgm:scene3d>
+    <dgm:sp3d/>
+    <dgm:txPr/>
+    <dgm:style>
+      <a:lnRef idx="2">
+        <a:scrgbClr r="0" g="0" b="0"/>
+      </a:lnRef>
+      <a:fillRef idx="1">
+        <a:scrgbClr r="0" g="0" b="0"/>
+      </a:fillRef>
+      <a:effectRef idx="0">
+        <a:scrgbClr r="0" g="0" b="0"/>
+      </a:effectRef>
+      <a:fontRef idx="minor"/>
+    </dgm:style>
+  </dgm:styleLbl>
+  <dgm:styleLbl name="fgAccFollowNode1">
+    <dgm:scene3d>
+      <a:camera prst="orthographicFront"/>
+      <a:lightRig rig="threePt" dir="t"/>
+    </dgm:scene3d>
+    <dgm:sp3d/>
+    <dgm:txPr/>
+    <dgm:style>
+      <a:lnRef idx="2">
+        <a:scrgbClr r="0" g="0" b="0"/>
+      </a:lnRef>
+      <a:fillRef idx="1">
+        <a:scrgbClr r="0" g="0" b="0"/>
+      </a:fillRef>
+      <a:effectRef idx="0">
+        <a:scrgbClr r="0" g="0" b="0"/>
+      </a:effectRef>
+      <a:fontRef idx="minor"/>
+    </dgm:style>
+  </dgm:styleLbl>
+  <dgm:styleLbl name="alignAccFollowNode1">
+    <dgm:scene3d>
+      <a:camera prst="orthographicFront"/>
+      <a:lightRig rig="threePt" dir="t"/>
+    </dgm:scene3d>
+    <dgm:sp3d/>
+    <dgm:txPr/>
+    <dgm:style>
+      <a:lnRef idx="2">
+        <a:scrgbClr r="0" g="0" b="0"/>
+      </a:lnRef>
+      <a:fillRef idx="1">
+        <a:scrgbClr r="0" g="0" b="0"/>
+      </a:fillRef>
+      <a:effectRef idx="0">
+        <a:scrgbClr r="0" g="0" b="0"/>
+      </a:effectRef>
+      <a:fontRef idx="minor"/>
+    </dgm:style>
+  </dgm:styleLbl>
+  <dgm:styleLbl name="bgAccFollowNode1">
+    <dgm:scene3d>
+      <a:camera prst="orthographicFront"/>
+      <a:lightRig rig="threePt" dir="t"/>
+    </dgm:scene3d>
+    <dgm:sp3d/>
+    <dgm:txPr/>
+    <dgm:style>
+      <a:lnRef idx="2">
+        <a:scrgbClr r="0" g="0" b="0"/>
+      </a:lnRef>
+      <a:fillRef idx="1">
+        <a:scrgbClr r="0" g="0" b="0"/>
+      </a:fillRef>
+      <a:effectRef idx="0">
+        <a:scrgbClr r="0" g="0" b="0"/>
+      </a:effectRef>
+      <a:fontRef idx="minor"/>
+    </dgm:style>
+  </dgm:styleLbl>
+  <dgm:styleLbl name="fgAcc0">
+    <dgm:scene3d>
+      <a:camera prst="orthographicFront"/>
+      <a:lightRig rig="threePt" dir="t"/>
+    </dgm:scene3d>
+    <dgm:sp3d/>
+    <dgm:txPr/>
+    <dgm:style>
+      <a:lnRef idx="2">
+        <a:scrgbClr r="0" g="0" b="0"/>
+      </a:lnRef>
+      <a:fillRef idx="1">
+        <a:scrgbClr r="0" g="0" b="0"/>
+      </a:fillRef>
+      <a:effectRef idx="0">
+        <a:scrgbClr r="0" g="0" b="0"/>
+      </a:effectRef>
+      <a:fontRef idx="minor"/>
+    </dgm:style>
+  </dgm:styleLbl>
+  <dgm:styleLbl name="fgAcc2">
+    <dgm:scene3d>
+      <a:camera prst="orthographicFront"/>
+      <a:lightRig rig="threePt" dir="t"/>
+    </dgm:scene3d>
+    <dgm:sp3d/>
+    <dgm:txPr/>
+    <dgm:style>
+      <a:lnRef idx="2">
+        <a:scrgbClr r="0" g="0" b="0"/>
+      </a:lnRef>
+      <a:fillRef idx="1">
+        <a:scrgbClr r="0" g="0" b="0"/>
+      </a:fillRef>
+      <a:effectRef idx="0">
+        <a:scrgbClr r="0" g="0" b="0"/>
+      </a:effectRef>
+      <a:fontRef idx="minor"/>
+    </dgm:style>
+  </dgm:styleLbl>
+  <dgm:styleLbl name="fgAcc3">
+    <dgm:scene3d>
+      <a:camera prst="orthographicFront"/>
+      <a:lightRig rig="threePt" dir="t"/>
+    </dgm:scene3d>
+    <dgm:sp3d/>
+    <dgm:txPr/>
+    <dgm:style>
+      <a:lnRef idx="2">
+        <a:scrgbClr r="0" g="0" b="0"/>
+      </a:lnRef>
+      <a:fillRef idx="1">
+        <a:scrgbClr r="0" g="0" b="0"/>
+      </a:fillRef>
+      <a:effectRef idx="0">
+        <a:scrgbClr r="0" g="0" b="0"/>
+      </a:effectRef>
+      <a:fontRef idx="minor"/>
+    </dgm:style>
+  </dgm:styleLbl>
+  <dgm:styleLbl name="fgAcc4">
+    <dgm:scene3d>
+      <a:camera prst="orthographicFront"/>
+      <a:lightRig rig="threePt" dir="t"/>
+    </dgm:scene3d>
+    <dgm:sp3d/>
+    <dgm:txPr/>
+    <dgm:style>
+      <a:lnRef idx="2">
+        <a:scrgbClr r="0" g="0" b="0"/>
+      </a:lnRef>
+      <a:fillRef idx="1">
+        <a:scrgbClr r="0" g="0" b="0"/>
+      </a:fillRef>
+      <a:effectRef idx="0">
+        <a:scrgbClr r="0" g="0" b="0"/>
+      </a:effectRef>
+      <a:fontRef idx="minor"/>
+    </dgm:style>
+  </dgm:styleLbl>
+  <dgm:styleLbl name="bgShp">
+    <dgm:scene3d>
+      <a:camera prst="orthographicFront"/>
+      <a:lightRig rig="threePt" dir="t"/>
+    </dgm:scene3d>
+    <dgm:sp3d/>
+    <dgm:txPr/>
+    <dgm:style>
+      <a:lnRef idx="0">
+        <a:scrgbClr r="0" g="0" b="0"/>
+      </a:lnRef>
+      <a:fillRef idx="1">
+        <a:scrgbClr r="0" g="0" b="0"/>
+      </a:fillRef>
+      <a:effectRef idx="0">
+        <a:scrgbClr r="0" g="0" b="0"/>
+      </a:effectRef>
+      <a:fontRef idx="minor"/>
+    </dgm:style>
+  </dgm:styleLbl>
+  <dgm:styleLbl name="dkBgShp">
+    <dgm:scene3d>
+      <a:camera prst="orthographicFront"/>
+      <a:lightRig rig="threePt" dir="t"/>
+    </dgm:scene3d>
+    <dgm:sp3d/>
+    <dgm:txPr/>
+    <dgm:style>
+      <a:lnRef idx="0">
+        <a:scrgbClr r="0" g="0" b="0"/>
+      </a:lnRef>
+      <a:fillRef idx="1">
+        <a:scrgbClr r="0" g="0" b="0"/>
+      </a:fillRef>
+      <a:effectRef idx="0">
+        <a:scrgbClr r="0" g="0" b="0"/>
+      </a:effectRef>
+      <a:fontRef idx="minor"/>
+    </dgm:style>
+  </dgm:styleLbl>
+  <dgm:styleLbl name="trBgShp">
+    <dgm:scene3d>
+      <a:camera prst="orthographicFront"/>
+      <a:lightRig rig="threePt" dir="t"/>
+    </dgm:scene3d>
+    <dgm:sp3d/>
+    <dgm:txPr/>
+    <dgm:style>
+      <a:lnRef idx="0">
+        <a:scrgbClr r="0" g="0" b="0"/>
+      </a:lnRef>
+      <a:fillRef idx="1">
+        <a:scrgbClr r="0" g="0" b="0"/>
+      </a:fillRef>
+      <a:effectRef idx="0">
+        <a:scrgbClr r="0" g="0" b="0"/>
+      </a:effectRef>
+      <a:fontRef idx="minor"/>
+    </dgm:style>
+  </dgm:styleLbl>
+  <dgm:styleLbl name="fgShp">
+    <dgm:scene3d>
+      <a:camera prst="orthographicFront"/>
+      <a:lightRig rig="threePt" dir="t"/>
+    </dgm:scene3d>
+    <dgm:sp3d/>
+    <dgm:txPr/>
+    <dgm:style>
+      <a:lnRef idx="2">
+        <a:scrgbClr r="0" g="0" b="0"/>
+      </a:lnRef>
+      <a:fillRef idx="1">
+        <a:scrgbClr r="0" g="0" b="0"/>
+      </a:fillRef>
+      <a:effectRef idx="0">
+        <a:scrgbClr r="0" g="0" b="0"/>
+      </a:effectRef>
+      <a:fontRef idx="minor"/>
+    </dgm:style>
+  </dgm:styleLbl>
+  <dgm:styleLbl name="revTx">
+    <dgm:scene3d>
+      <a:camera prst="orthographicFront"/>
+      <a:lightRig rig="threePt" dir="t"/>
+    </dgm:scene3d>
+    <dgm:sp3d/>
+    <dgm:txPr/>
+    <dgm:style>
+      <a:lnRef idx="0">
+        <a:scrgbClr r="0" g="0" b="0"/>
+      </a:lnRef>
+      <a:fillRef idx="0">
+        <a:scrgbClr r="0" g="0" b="0"/>
+      </a:fillRef>
+      <a:effectRef idx="0">
+        <a:scrgbClr r="0" g="0" b="0"/>
+      </a:effectRef>
+      <a:fontRef idx="minor"/>
+    </dgm:style>
+  </dgm:styleLbl>
+</dgm:styleDef>
+</file>
+
 <file path=ppt/notesMasters/notesMaster1.xml><?xml version="1.0" encoding="utf-8"?>
 <p:notesMaster xmlns:a="http://schemas.openxmlformats.org/drawingml/2006/main" xmlns:r="http://schemas.openxmlformats.org/officeDocument/2006/relationships" xmlns:p="http://schemas.openxmlformats.org/presentationml/2006/main">
   <p:cSld>
@@ -2784,7 +7026,7 @@
           <a:p>
             <a:fld id="{DFB3EBE0-77A0-4731-B691-855A17DBDF42}" type="datetimeFigureOut">
               <a:rPr lang="en-US" smtClean="0"/>
-              <a:t>11/11/2015</a:t>
+              <a:t>11/13/2015</a:t>
             </a:fld>
             <a:endParaRPr lang="en-US"/>
           </a:p>
@@ -3117,7 +7359,7 @@
           <a:p>
             <a:fld id="{1F58D3C7-24AC-4339-9709-4FC2EF967D00}" type="slidenum">
               <a:rPr lang="en-US" smtClean="0"/>
-              <a:t>1</a:t>
+              <a:t>2</a:t>
             </a:fld>
             <a:endParaRPr lang="en-US"/>
           </a:p>
@@ -3881,7 +8123,7 @@
           <a:p>
             <a:fld id="{184BFEAB-C714-4D5C-A87B-1F5F147C2568}" type="datetime1">
               <a:rPr lang="en-US" smtClean="0"/>
-              <a:t>11/11/2015</a:t>
+              <a:t>11/13/2015</a:t>
             </a:fld>
             <a:endParaRPr lang="en-US"/>
           </a:p>
@@ -4132,7 +8374,7 @@
           <a:p>
             <a:fld id="{9A92CE8C-71B3-4605-911C-C2357D36982A}" type="datetime1">
               <a:rPr lang="en-US" smtClean="0"/>
-              <a:t>11/11/2015</a:t>
+              <a:t>11/13/2015</a:t>
             </a:fld>
             <a:endParaRPr lang="en-US"/>
           </a:p>
@@ -4446,7 +8688,7 @@
           <a:p>
             <a:fld id="{015B728D-6EF1-44C1-BE74-A3569BAB8718}" type="datetime1">
               <a:rPr lang="en-US" smtClean="0"/>
-              <a:t>11/11/2015</a:t>
+              <a:t>11/13/2015</a:t>
             </a:fld>
             <a:endParaRPr lang="en-US"/>
           </a:p>
@@ -4779,7 +9021,7 @@
           <a:p>
             <a:fld id="{60F7EA30-F0F4-4B8A-BDF6-A084B0E8ACEE}" type="datetime1">
               <a:rPr lang="en-US" smtClean="0"/>
-              <a:t>11/11/2015</a:t>
+              <a:t>11/13/2015</a:t>
             </a:fld>
             <a:endParaRPr lang="en-US"/>
           </a:p>
@@ -5093,7 +9335,7 @@
           <a:p>
             <a:fld id="{F0EF549A-B982-48AE-849E-ED681B3F14FB}" type="datetime1">
               <a:rPr lang="en-US" smtClean="0"/>
-              <a:t>11/11/2015</a:t>
+              <a:t>11/13/2015</a:t>
             </a:fld>
             <a:endParaRPr lang="en-US"/>
           </a:p>
@@ -5486,7 +9728,7 @@
           <a:p>
             <a:fld id="{4A5FF696-44D7-45D2-8329-B53AF65ECE1F}" type="datetime1">
               <a:rPr lang="en-US" smtClean="0"/>
-              <a:t>11/11/2015</a:t>
+              <a:t>11/13/2015</a:t>
             </a:fld>
             <a:endParaRPr lang="en-US"/>
           </a:p>
@@ -5656,7 +9898,7 @@
           <a:p>
             <a:fld id="{D4E746AE-4EBB-48DA-A9A3-3CF4B615F483}" type="datetime1">
               <a:rPr lang="en-US" smtClean="0"/>
-              <a:t>11/11/2015</a:t>
+              <a:t>11/13/2015</a:t>
             </a:fld>
             <a:endParaRPr lang="en-US"/>
           </a:p>
@@ -5836,7 +10078,7 @@
           <a:p>
             <a:fld id="{5B1FEA50-B64E-45AF-A77E-1C43A8E7D5C1}" type="datetime1">
               <a:rPr lang="en-US" smtClean="0"/>
-              <a:t>11/11/2015</a:t>
+              <a:t>11/13/2015</a:t>
             </a:fld>
             <a:endParaRPr lang="en-US"/>
           </a:p>
@@ -6006,7 +10248,7 @@
           <a:p>
             <a:fld id="{5EE2A00C-C0A5-41E4-A254-0933BFC59600}" type="datetime1">
               <a:rPr lang="en-US" smtClean="0"/>
-              <a:t>11/11/2015</a:t>
+              <a:t>11/13/2015</a:t>
             </a:fld>
             <a:endParaRPr lang="en-US"/>
           </a:p>
@@ -6253,7 +10495,7 @@
           <a:p>
             <a:fld id="{C0C43579-370D-44CE-9989-325065EBA03B}" type="datetime1">
               <a:rPr lang="en-US" smtClean="0"/>
-              <a:t>11/11/2015</a:t>
+              <a:t>11/13/2015</a:t>
             </a:fld>
             <a:endParaRPr lang="en-US"/>
           </a:p>
@@ -6485,7 +10727,7 @@
           <a:p>
             <a:fld id="{29D814BD-9B18-4EA5-94F4-F1600C017603}" type="datetime1">
               <a:rPr lang="en-US" smtClean="0"/>
-              <a:t>11/11/2015</a:t>
+              <a:t>11/13/2015</a:t>
             </a:fld>
             <a:endParaRPr lang="en-US"/>
           </a:p>
@@ -6859,7 +11101,7 @@
           <a:p>
             <a:fld id="{CE8DCA57-17F0-4F45-8BC0-620199D29CBA}" type="datetime1">
               <a:rPr lang="en-US" smtClean="0"/>
-              <a:t>11/11/2015</a:t>
+              <a:t>11/13/2015</a:t>
             </a:fld>
             <a:endParaRPr lang="en-US"/>
           </a:p>
@@ -6982,7 +11224,7 @@
           <a:p>
             <a:fld id="{5507D437-E8BB-44EC-A888-137BD165F5EF}" type="datetime1">
               <a:rPr lang="en-US" smtClean="0"/>
-              <a:t>11/11/2015</a:t>
+              <a:t>11/13/2015</a:t>
             </a:fld>
             <a:endParaRPr lang="en-US"/>
           </a:p>
@@ -7077,7 +11319,7 @@
           <a:p>
             <a:fld id="{CBF48491-12CB-4315-A294-ECCB7042AE60}" type="datetime1">
               <a:rPr lang="en-US" smtClean="0"/>
-              <a:t>11/11/2015</a:t>
+              <a:t>11/13/2015</a:t>
             </a:fld>
             <a:endParaRPr lang="en-US"/>
           </a:p>
@@ -7332,7 +11574,7 @@
           <a:p>
             <a:fld id="{71547693-6F8C-49B3-B3CF-B2F3832F2060}" type="datetime1">
               <a:rPr lang="en-US" smtClean="0"/>
-              <a:t>11/11/2015</a:t>
+              <a:t>11/13/2015</a:t>
             </a:fld>
             <a:endParaRPr lang="en-US"/>
           </a:p>
@@ -7637,7 +11879,7 @@
           <a:p>
             <a:fld id="{891130D9-17AA-473C-8916-496E81563AE5}" type="datetime1">
               <a:rPr lang="en-US" smtClean="0"/>
-              <a:t>11/11/2015</a:t>
+              <a:t>11/13/2015</a:t>
             </a:fld>
             <a:endParaRPr lang="en-US"/>
           </a:p>
@@ -8339,7 +12581,7 @@
           <a:p>
             <a:fld id="{D84A2DE9-5A38-4CE7-AE12-F8EA769E5C95}" type="datetime1">
               <a:rPr lang="en-US" smtClean="0"/>
-              <a:t>11/11/2015</a:t>
+              <a:t>11/13/2015</a:t>
             </a:fld>
             <a:endParaRPr lang="en-US"/>
           </a:p>
@@ -8864,51 +13106,6 @@
           <a:chExt cx="0" cy="0"/>
         </a:xfrm>
       </p:grpSpPr>
-      <p:sp>
-        <p:nvSpPr>
-          <p:cNvPr id="2" name="Title 1"/>
-          <p:cNvSpPr>
-            <a:spLocks noGrp="1"/>
-          </p:cNvSpPr>
-          <p:nvPr>
-            <p:ph type="ctrTitle"/>
-          </p:nvPr>
-        </p:nvSpPr>
-        <p:spPr/>
-        <p:txBody>
-          <a:bodyPr/>
-          <a:lstStyle/>
-          <a:p>
-            <a:r>
-              <a:rPr lang="en-US" dirty="0" smtClean="0"/>
-              <a:t>Getting Started with ASP.NET 5 in VS Code</a:t>
-            </a:r>
-            <a:endParaRPr lang="en-US" dirty="0"/>
-          </a:p>
-        </p:txBody>
-      </p:sp>
-      <p:sp>
-        <p:nvSpPr>
-          <p:cNvPr id="3" name="Subtitle 2"/>
-          <p:cNvSpPr>
-            <a:spLocks noGrp="1"/>
-          </p:cNvSpPr>
-          <p:nvPr>
-            <p:ph type="subTitle" idx="1"/>
-          </p:nvPr>
-        </p:nvSpPr>
-        <p:spPr/>
-        <p:txBody>
-          <a:bodyPr/>
-          <a:lstStyle/>
-          <a:p>
-            <a:r>
-              <a:rPr lang="en-US" dirty="0" smtClean="0"/>
-              <a:t>November 14, 2015</a:t>
-            </a:r>
-          </a:p>
-        </p:txBody>
-      </p:sp>
       <p:pic>
         <p:nvPicPr>
           <p:cNvPr id="4" name="Picture 3"/>
@@ -8918,7 +13115,7 @@
           <p:nvPr/>
         </p:nvPicPr>
         <p:blipFill>
-          <a:blip r:embed="rId3">
+          <a:blip r:embed="rId2">
             <a:extLst>
               <a:ext uri="{28A0092B-C50C-407E-A947-70E740481C1C}">
                 <a14:useLocalDpi xmlns:a14="http://schemas.microsoft.com/office/drawing/2010/main" val="0"/>
@@ -8931,8 +13128,8 @@
         </p:blipFill>
         <p:spPr>
           <a:xfrm>
-            <a:off x="259465" y="3957095"/>
-            <a:ext cx="2900905" cy="2900905"/>
+            <a:off x="0" y="0"/>
+            <a:ext cx="12192000" cy="6858000"/>
           </a:xfrm>
           <a:prstGeom prst="rect">
             <a:avLst/>
@@ -8942,7 +13139,7 @@
     </p:spTree>
     <p:extLst>
       <p:ext uri="{BB962C8B-B14F-4D97-AF65-F5344CB8AC3E}">
-        <p14:creationId xmlns:p14="http://schemas.microsoft.com/office/powerpoint/2010/main" val="214746472"/>
+        <p14:creationId xmlns:p14="http://schemas.microsoft.com/office/powerpoint/2010/main" val="2874656154"/>
       </p:ext>
     </p:extLst>
   </p:cSld>
@@ -8993,7 +13190,7 @@
           <a:p>
             <a:r>
               <a:rPr lang="en-US" dirty="0" smtClean="0"/>
-              <a:t>DNU</a:t>
+              <a:t>DNX</a:t>
             </a:r>
             <a:endParaRPr lang="en-US" dirty="0"/>
           </a:p>
@@ -9011,8 +13208,8 @@
         </p:nvSpPr>
         <p:spPr>
           <a:xfrm>
-            <a:off x="677334" y="1595439"/>
-            <a:ext cx="8596668" cy="4445924"/>
+            <a:off x="677334" y="1604963"/>
+            <a:ext cx="8596668" cy="4436399"/>
           </a:xfrm>
         </p:spPr>
         <p:txBody>
@@ -9021,155 +13218,46 @@
           <a:p>
             <a:r>
               <a:rPr lang="en-US" dirty="0" smtClean="0"/>
-              <a:t>Restores</a:t>
-            </a:r>
-          </a:p>
-          <a:p>
-            <a:pPr marL="457200" lvl="1" indent="0">
-              <a:buNone/>
-            </a:pPr>
-            <a:r>
-              <a:rPr lang="en-US" b="1" dirty="0" smtClean="0">
-                <a:latin typeface="Consolas" panose="020B0609020204030204" pitchFamily="49" charset="0"/>
-                <a:cs typeface="Consolas" panose="020B0609020204030204" pitchFamily="49" charset="0"/>
-              </a:rPr>
-              <a:t>&gt; </a:t>
-            </a:r>
-            <a:r>
-              <a:rPr lang="en-US" b="1" dirty="0" err="1" smtClean="0">
-                <a:latin typeface="Consolas" panose="020B0609020204030204" pitchFamily="49" charset="0"/>
-                <a:cs typeface="Consolas" panose="020B0609020204030204" pitchFamily="49" charset="0"/>
-              </a:rPr>
-              <a:t>dnu</a:t>
-            </a:r>
-            <a:r>
-              <a:rPr lang="en-US" b="1" dirty="0" smtClean="0">
-                <a:latin typeface="Consolas" panose="020B0609020204030204" pitchFamily="49" charset="0"/>
-                <a:cs typeface="Consolas" panose="020B0609020204030204" pitchFamily="49" charset="0"/>
-              </a:rPr>
-              <a:t> restore</a:t>
+              <a:t>SDK &amp; runtime environment</a:t>
             </a:r>
           </a:p>
           <a:p>
             <a:r>
               <a:rPr lang="en-US" dirty="0" smtClean="0"/>
-              <a:t>Builds</a:t>
-            </a:r>
-          </a:p>
-          <a:p>
-            <a:pPr marL="457200" lvl="1" indent="0">
-              <a:buNone/>
-            </a:pPr>
-            <a:r>
-              <a:rPr lang="en-US" b="1" dirty="0" smtClean="0">
-                <a:latin typeface="Consolas" panose="020B0609020204030204" pitchFamily="49" charset="0"/>
-                <a:cs typeface="Consolas" panose="020B0609020204030204" pitchFamily="49" charset="0"/>
-              </a:rPr>
-              <a:t>&gt;</a:t>
-            </a:r>
-            <a:r>
-              <a:rPr lang="en-US" dirty="0" smtClean="0">
-                <a:latin typeface="Consolas" panose="020B0609020204030204" pitchFamily="49" charset="0"/>
-                <a:cs typeface="Consolas" panose="020B0609020204030204" pitchFamily="49" charset="0"/>
-              </a:rPr>
-              <a:t> </a:t>
-            </a:r>
-            <a:r>
-              <a:rPr lang="en-US" b="1" dirty="0" err="1" smtClean="0">
-                <a:latin typeface="Consolas" panose="020B0609020204030204" pitchFamily="49" charset="0"/>
-                <a:cs typeface="Consolas" panose="020B0609020204030204" pitchFamily="49" charset="0"/>
-              </a:rPr>
-              <a:t>dnu</a:t>
-            </a:r>
-            <a:r>
-              <a:rPr lang="en-US" b="1" dirty="0" smtClean="0">
-                <a:latin typeface="Consolas" panose="020B0609020204030204" pitchFamily="49" charset="0"/>
-                <a:cs typeface="Consolas" panose="020B0609020204030204" pitchFamily="49" charset="0"/>
-              </a:rPr>
-              <a:t> build</a:t>
+              <a:t>Builds &amp; runs .NET apps on Windows, Mac, or Linux</a:t>
             </a:r>
           </a:p>
           <a:p>
             <a:r>
               <a:rPr lang="en-US" dirty="0" smtClean="0"/>
-              <a:t>Packages</a:t>
-            </a:r>
-          </a:p>
-          <a:p>
-            <a:pPr marL="457200" lvl="1" indent="0">
-              <a:buNone/>
-            </a:pPr>
-            <a:r>
-              <a:rPr lang="en-US" b="1" dirty="0" smtClean="0">
-                <a:latin typeface="Consolas" panose="020B0609020204030204" pitchFamily="49" charset="0"/>
-                <a:cs typeface="Consolas" panose="020B0609020204030204" pitchFamily="49" charset="0"/>
-              </a:rPr>
-              <a:t>&gt;</a:t>
-            </a:r>
-            <a:r>
-              <a:rPr lang="en-US" dirty="0" smtClean="0">
-                <a:latin typeface="Consolas" panose="020B0609020204030204" pitchFamily="49" charset="0"/>
-                <a:cs typeface="Consolas" panose="020B0609020204030204" pitchFamily="49" charset="0"/>
-              </a:rPr>
-              <a:t> </a:t>
-            </a:r>
-            <a:r>
-              <a:rPr lang="en-US" b="1" dirty="0" err="1" smtClean="0">
-                <a:latin typeface="Consolas" panose="020B0609020204030204" pitchFamily="49" charset="0"/>
-                <a:cs typeface="Consolas" panose="020B0609020204030204" pitchFamily="49" charset="0"/>
-              </a:rPr>
-              <a:t>dnu</a:t>
-            </a:r>
-            <a:r>
-              <a:rPr lang="en-US" b="1" dirty="0" smtClean="0">
-                <a:latin typeface="Consolas" panose="020B0609020204030204" pitchFamily="49" charset="0"/>
-                <a:cs typeface="Consolas" panose="020B0609020204030204" pitchFamily="49" charset="0"/>
-              </a:rPr>
-              <a:t> pack</a:t>
-            </a:r>
-          </a:p>
-          <a:p>
+              <a:t>Original intent = running </a:t>
+            </a:r>
+            <a:r>
+              <a:rPr lang="en-US" dirty="0" err="1" smtClean="0"/>
+              <a:t>xplat</a:t>
+            </a:r>
             <a:r>
               <a:rPr lang="en-US" dirty="0" smtClean="0"/>
-              <a:t>Publishes</a:t>
-            </a:r>
-          </a:p>
-          <a:p>
-            <a:pPr marL="457200" lvl="1" indent="0">
-              <a:buNone/>
-            </a:pPr>
-            <a:r>
-              <a:rPr lang="en-US" b="1" dirty="0" smtClean="0">
-                <a:latin typeface="Consolas" panose="020B0609020204030204" pitchFamily="49" charset="0"/>
-                <a:cs typeface="Consolas" panose="020B0609020204030204" pitchFamily="49" charset="0"/>
-              </a:rPr>
-              <a:t>&gt;</a:t>
-            </a:r>
-            <a:r>
-              <a:rPr lang="en-US" dirty="0" smtClean="0">
-                <a:latin typeface="Consolas" panose="020B0609020204030204" pitchFamily="49" charset="0"/>
-                <a:cs typeface="Consolas" panose="020B0609020204030204" pitchFamily="49" charset="0"/>
-              </a:rPr>
-              <a:t> </a:t>
-            </a:r>
-            <a:r>
-              <a:rPr lang="en-US" b="1" dirty="0" err="1" smtClean="0">
-                <a:latin typeface="Consolas" panose="020B0609020204030204" pitchFamily="49" charset="0"/>
-                <a:cs typeface="Consolas" panose="020B0609020204030204" pitchFamily="49" charset="0"/>
-              </a:rPr>
-              <a:t>dnu</a:t>
-            </a:r>
-            <a:r>
-              <a:rPr lang="en-US" b="1" dirty="0" smtClean="0">
-                <a:latin typeface="Consolas" panose="020B0609020204030204" pitchFamily="49" charset="0"/>
-                <a:cs typeface="Consolas" panose="020B0609020204030204" pitchFamily="49" charset="0"/>
-              </a:rPr>
-              <a:t> publish</a:t>
-            </a:r>
-            <a:endParaRPr lang="en-US" b="1" dirty="0">
-              <a:latin typeface="Consolas" panose="020B0609020204030204" pitchFamily="49" charset="0"/>
-              <a:cs typeface="Consolas" panose="020B0609020204030204" pitchFamily="49" charset="0"/>
-            </a:endParaRPr>
+              <a:t> ASP.NET web apps</a:t>
+            </a:r>
+          </a:p>
+          <a:p>
+            <a:pPr lvl="1"/>
+            <a:r>
+              <a:rPr lang="en-US" dirty="0" smtClean="0"/>
+              <a:t>Can run other types of .NET apps (</a:t>
+            </a:r>
+            <a:r>
+              <a:rPr lang="en-US" dirty="0" err="1" smtClean="0"/>
+              <a:t>xplat</a:t>
+            </a:r>
+            <a:r>
+              <a:rPr lang="en-US" dirty="0" smtClean="0"/>
+              <a:t> console apps, etc.)</a:t>
+            </a:r>
+          </a:p>
+          <a:p>
+            <a:endParaRPr lang="en-US" dirty="0"/>
           </a:p>
         </p:txBody>
       </p:sp>
@@ -9196,34 +13284,10 @@
           </a:p>
         </p:txBody>
       </p:sp>
-      <p:pic>
-        <p:nvPicPr>
-          <p:cNvPr id="7" name="Picture 6"/>
-          <p:cNvPicPr>
-            <a:picLocks noChangeAspect="1"/>
-          </p:cNvPicPr>
-          <p:nvPr/>
-        </p:nvPicPr>
-        <p:blipFill>
-          <a:blip r:embed="rId2"/>
-          <a:stretch>
-            <a:fillRect/>
-          </a:stretch>
-        </p:blipFill>
-        <p:spPr>
-          <a:xfrm>
-            <a:off x="4579397" y="1636050"/>
-            <a:ext cx="9854318" cy="4405312"/>
-          </a:xfrm>
-          <a:prstGeom prst="rect">
-            <a:avLst/>
-          </a:prstGeom>
-        </p:spPr>
-      </p:pic>
     </p:spTree>
     <p:extLst>
       <p:ext uri="{BB962C8B-B14F-4D97-AF65-F5344CB8AC3E}">
-        <p14:creationId xmlns:p14="http://schemas.microsoft.com/office/powerpoint/2010/main" val="3685970426"/>
+        <p14:creationId xmlns:p14="http://schemas.microsoft.com/office/powerpoint/2010/main" val="3307861767"/>
       </p:ext>
     </p:extLst>
   </p:cSld>
@@ -9274,6 +13338,688 @@
           <a:p>
             <a:r>
               <a:rPr lang="en-US" dirty="0" smtClean="0"/>
+              <a:t>DNX – Start Web Server</a:t>
+            </a:r>
+            <a:endParaRPr lang="en-US" dirty="0"/>
+          </a:p>
+        </p:txBody>
+      </p:sp>
+      <p:sp>
+        <p:nvSpPr>
+          <p:cNvPr id="3" name="Content Placeholder 2"/>
+          <p:cNvSpPr>
+            <a:spLocks noGrp="1"/>
+          </p:cNvSpPr>
+          <p:nvPr>
+            <p:ph idx="1"/>
+          </p:nvPr>
+        </p:nvSpPr>
+        <p:spPr>
+          <a:xfrm>
+            <a:off x="677334" y="1595439"/>
+            <a:ext cx="8596668" cy="4445924"/>
+          </a:xfrm>
+        </p:spPr>
+        <p:txBody>
+          <a:bodyPr/>
+          <a:lstStyle/>
+          <a:p>
+            <a:pPr marL="0" indent="0">
+              <a:buNone/>
+            </a:pPr>
+            <a:endParaRPr lang="en-US" b="1" dirty="0" smtClean="0">
+              <a:latin typeface="Consolas" panose="020B0609020204030204" pitchFamily="49" charset="0"/>
+              <a:cs typeface="Consolas" panose="020B0609020204030204" pitchFamily="49" charset="0"/>
+            </a:endParaRPr>
+          </a:p>
+          <a:p>
+            <a:pPr marL="0" indent="0">
+              <a:buNone/>
+            </a:pPr>
+            <a:r>
+              <a:rPr lang="en-US" b="1" dirty="0" smtClean="0">
+                <a:latin typeface="Consolas" panose="020B0609020204030204" pitchFamily="49" charset="0"/>
+                <a:cs typeface="Consolas" panose="020B0609020204030204" pitchFamily="49" charset="0"/>
+              </a:rPr>
+              <a:t>&gt; </a:t>
+            </a:r>
+            <a:r>
+              <a:rPr lang="en-US" b="1" dirty="0" err="1" smtClean="0">
+                <a:latin typeface="Consolas" panose="020B0609020204030204" pitchFamily="49" charset="0"/>
+                <a:cs typeface="Consolas" panose="020B0609020204030204" pitchFamily="49" charset="0"/>
+              </a:rPr>
+              <a:t>dnx</a:t>
+            </a:r>
+            <a:r>
+              <a:rPr lang="en-US" b="1" dirty="0" smtClean="0">
+                <a:latin typeface="Consolas" panose="020B0609020204030204" pitchFamily="49" charset="0"/>
+                <a:cs typeface="Consolas" panose="020B0609020204030204" pitchFamily="49" charset="0"/>
+              </a:rPr>
+              <a:t> web</a:t>
+            </a:r>
+            <a:endParaRPr lang="en-US" b="1" dirty="0">
+              <a:latin typeface="Consolas" panose="020B0609020204030204" pitchFamily="49" charset="0"/>
+              <a:cs typeface="Consolas" panose="020B0609020204030204" pitchFamily="49" charset="0"/>
+            </a:endParaRPr>
+          </a:p>
+        </p:txBody>
+      </p:sp>
+      <p:sp>
+        <p:nvSpPr>
+          <p:cNvPr id="4" name="Slide Number Placeholder 3"/>
+          <p:cNvSpPr>
+            <a:spLocks noGrp="1"/>
+          </p:cNvSpPr>
+          <p:nvPr>
+            <p:ph type="sldNum" sz="quarter" idx="12"/>
+          </p:nvPr>
+        </p:nvSpPr>
+        <p:spPr/>
+        <p:txBody>
+          <a:bodyPr/>
+          <a:lstStyle/>
+          <a:p>
+            <a:fld id="{3AE964CF-DFDF-4B9D-8AE5-9B4D54DD768C}" type="slidenum">
+              <a:rPr lang="en-US" smtClean="0"/>
+              <a:t>11</a:t>
+            </a:fld>
+            <a:endParaRPr lang="en-US"/>
+          </a:p>
+        </p:txBody>
+      </p:sp>
+      <p:pic>
+        <p:nvPicPr>
+          <p:cNvPr id="6" name="Picture 5"/>
+          <p:cNvPicPr>
+            <a:picLocks noChangeAspect="1"/>
+          </p:cNvPicPr>
+          <p:nvPr/>
+        </p:nvPicPr>
+        <p:blipFill>
+          <a:blip r:embed="rId2"/>
+          <a:stretch>
+            <a:fillRect/>
+          </a:stretch>
+        </p:blipFill>
+        <p:spPr>
+          <a:xfrm>
+            <a:off x="390253" y="3589860"/>
+            <a:ext cx="5053693" cy="1563339"/>
+          </a:xfrm>
+          <a:prstGeom prst="rect">
+            <a:avLst/>
+          </a:prstGeom>
+        </p:spPr>
+      </p:pic>
+      <mc:AlternateContent xmlns:mc="http://schemas.openxmlformats.org/markup-compatibility/2006" xmlns:we="http://schemas.microsoft.com/office/webextensions/webextension/2010/11" xmlns:pca="http://schemas.microsoft.com/office/powerpoint/2013/contentapp">
+        <mc:Choice Requires="we pca">
+          <p:graphicFrame>
+            <p:nvGraphicFramePr>
+              <p:cNvPr id="7" name="Add-in 6" title="Code Presenter Pro"/>
+              <p:cNvGraphicFramePr>
+                <a:graphicFrameLocks noGrp="1"/>
+              </p:cNvGraphicFramePr>
+              <p:nvPr>
+                <p:extLst>
+                  <p:ext uri="{D42A27DB-BD31-4B8C-83A1-F6EECF244321}">
+                    <p14:modId xmlns:p14="http://schemas.microsoft.com/office/powerpoint/2010/main" val="2971274170"/>
+                  </p:ext>
+                </p:extLst>
+              </p:nvPr>
+            </p:nvGraphicFramePr>
+            <p:xfrm>
+              <a:off x="3505195" y="1891623"/>
+              <a:ext cx="5181600" cy="876300"/>
+            </p:xfrm>
+            <a:graphic>
+              <a:graphicData uri="http://schemas.microsoft.com/office/webextensions/webextension/2010/11">
+                <we:webextensionref xmlns:we="http://schemas.microsoft.com/office/webextensions/webextension/2010/11" xmlns:r="http://schemas.openxmlformats.org/officeDocument/2006/relationships" r:id="rId3"/>
+              </a:graphicData>
+            </a:graphic>
+          </p:graphicFrame>
+        </mc:Choice>
+        <mc:Fallback xmlns="">
+          <p:pic>
+            <p:nvPicPr>
+              <p:cNvPr id="7" name="Add-in 6" title="Code Presenter Pro"/>
+              <p:cNvPicPr>
+                <a:picLocks noGrp="1" noRot="1" noChangeAspect="1" noMove="1" noResize="1" noEditPoints="1" noAdjustHandles="1" noChangeArrowheads="1" noChangeShapeType="1"/>
+              </p:cNvPicPr>
+              <p:nvPr/>
+            </p:nvPicPr>
+            <p:blipFill>
+              <a:blip r:embed="rId4"/>
+              <a:stretch>
+                <a:fillRect/>
+              </a:stretch>
+            </p:blipFill>
+            <p:spPr>
+              <a:xfrm>
+                <a:off x="3505195" y="1891623"/>
+                <a:ext cx="5181600" cy="876300"/>
+              </a:xfrm>
+              <a:prstGeom prst="rect">
+                <a:avLst/>
+              </a:prstGeom>
+            </p:spPr>
+          </p:pic>
+        </mc:Fallback>
+      </mc:AlternateContent>
+      <p:sp>
+        <p:nvSpPr>
+          <p:cNvPr id="8" name="Right Arrow 7"/>
+          <p:cNvSpPr/>
+          <p:nvPr/>
+        </p:nvSpPr>
+        <p:spPr>
+          <a:xfrm>
+            <a:off x="2111828" y="1977801"/>
+            <a:ext cx="1225720" cy="458786"/>
+          </a:xfrm>
+          <a:prstGeom prst="rightArrow">
+            <a:avLst/>
+          </a:prstGeom>
+        </p:spPr>
+        <p:style>
+          <a:lnRef idx="1">
+            <a:schemeClr val="accent2"/>
+          </a:lnRef>
+          <a:fillRef idx="2">
+            <a:schemeClr val="accent2"/>
+          </a:fillRef>
+          <a:effectRef idx="1">
+            <a:schemeClr val="accent2"/>
+          </a:effectRef>
+          <a:fontRef idx="minor">
+            <a:schemeClr val="dk1"/>
+          </a:fontRef>
+        </p:style>
+        <p:txBody>
+          <a:bodyPr rtlCol="0" anchor="ctr"/>
+          <a:lstStyle/>
+          <a:p>
+            <a:pPr algn="ctr"/>
+            <a:r>
+              <a:rPr lang="en-US" dirty="0" smtClean="0"/>
+              <a:t>Execute</a:t>
+            </a:r>
+            <a:endParaRPr lang="en-US" dirty="0"/>
+          </a:p>
+        </p:txBody>
+      </p:sp>
+      <p:sp>
+        <p:nvSpPr>
+          <p:cNvPr id="9" name="TextBox 8"/>
+          <p:cNvSpPr txBox="1"/>
+          <p:nvPr/>
+        </p:nvSpPr>
+        <p:spPr>
+          <a:xfrm>
+            <a:off x="3429867" y="1505345"/>
+            <a:ext cx="5897371" cy="369332"/>
+          </a:xfrm>
+          <a:prstGeom prst="rect">
+            <a:avLst/>
+          </a:prstGeom>
+          <a:noFill/>
+        </p:spPr>
+        <p:txBody>
+          <a:bodyPr wrap="square" rtlCol="0">
+            <a:spAutoFit/>
+          </a:bodyPr>
+          <a:lstStyle/>
+          <a:p>
+            <a:r>
+              <a:rPr lang="en-US" u="sng" dirty="0" err="1" smtClean="0"/>
+              <a:t>project.json</a:t>
+            </a:r>
+            <a:endParaRPr lang="en-US" u="sng" dirty="0"/>
+          </a:p>
+        </p:txBody>
+      </p:sp>
+      <p:sp>
+        <p:nvSpPr>
+          <p:cNvPr id="10" name="Left Arrow 9"/>
+          <p:cNvSpPr/>
+          <p:nvPr/>
+        </p:nvSpPr>
+        <p:spPr>
+          <a:xfrm rot="19188924">
+            <a:off x="2488007" y="2828227"/>
+            <a:ext cx="985157" cy="510891"/>
+          </a:xfrm>
+          <a:prstGeom prst="leftArrow">
+            <a:avLst/>
+          </a:prstGeom>
+        </p:spPr>
+        <p:style>
+          <a:lnRef idx="1">
+            <a:schemeClr val="accent2"/>
+          </a:lnRef>
+          <a:fillRef idx="2">
+            <a:schemeClr val="accent2"/>
+          </a:fillRef>
+          <a:effectRef idx="1">
+            <a:schemeClr val="accent2"/>
+          </a:effectRef>
+          <a:fontRef idx="minor">
+            <a:schemeClr val="dk1"/>
+          </a:fontRef>
+        </p:style>
+        <p:txBody>
+          <a:bodyPr rtlCol="0" anchor="ctr"/>
+          <a:lstStyle/>
+          <a:p>
+            <a:pPr algn="ctr"/>
+            <a:r>
+              <a:rPr lang="en-US" dirty="0" smtClean="0"/>
+              <a:t>Start</a:t>
+            </a:r>
+            <a:endParaRPr lang="en-US" dirty="0"/>
+          </a:p>
+        </p:txBody>
+      </p:sp>
+      <p:pic>
+        <p:nvPicPr>
+          <p:cNvPr id="11" name="Picture 10"/>
+          <p:cNvPicPr>
+            <a:picLocks noChangeAspect="1"/>
+          </p:cNvPicPr>
+          <p:nvPr/>
+        </p:nvPicPr>
+        <p:blipFill>
+          <a:blip r:embed="rId5"/>
+          <a:stretch>
+            <a:fillRect/>
+          </a:stretch>
+        </p:blipFill>
+        <p:spPr>
+          <a:xfrm>
+            <a:off x="6825644" y="3589860"/>
+            <a:ext cx="9614505" cy="7589894"/>
+          </a:xfrm>
+          <a:prstGeom prst="rect">
+            <a:avLst/>
+          </a:prstGeom>
+        </p:spPr>
+      </p:pic>
+      <p:sp>
+        <p:nvSpPr>
+          <p:cNvPr id="13" name="Right Arrow 12"/>
+          <p:cNvSpPr/>
+          <p:nvPr/>
+        </p:nvSpPr>
+        <p:spPr>
+          <a:xfrm>
+            <a:off x="5520456" y="4040809"/>
+            <a:ext cx="1225720" cy="458786"/>
+          </a:xfrm>
+          <a:prstGeom prst="rightArrow">
+            <a:avLst/>
+          </a:prstGeom>
+        </p:spPr>
+        <p:style>
+          <a:lnRef idx="1">
+            <a:schemeClr val="accent2"/>
+          </a:lnRef>
+          <a:fillRef idx="2">
+            <a:schemeClr val="accent2"/>
+          </a:fillRef>
+          <a:effectRef idx="1">
+            <a:schemeClr val="accent2"/>
+          </a:effectRef>
+          <a:fontRef idx="minor">
+            <a:schemeClr val="dk1"/>
+          </a:fontRef>
+        </p:style>
+        <p:txBody>
+          <a:bodyPr rtlCol="0" anchor="ctr"/>
+          <a:lstStyle/>
+          <a:p>
+            <a:pPr algn="ctr"/>
+            <a:r>
+              <a:rPr lang="en-US" dirty="0" smtClean="0"/>
+              <a:t>Browse</a:t>
+            </a:r>
+            <a:endParaRPr lang="en-US" dirty="0"/>
+          </a:p>
+        </p:txBody>
+      </p:sp>
+    </p:spTree>
+    <p:extLst>
+      <p:ext uri="{BB962C8B-B14F-4D97-AF65-F5344CB8AC3E}">
+        <p14:creationId xmlns:p14="http://schemas.microsoft.com/office/powerpoint/2010/main" val="21192055"/>
+      </p:ext>
+    </p:extLst>
+  </p:cSld>
+  <p:clrMapOvr>
+    <a:masterClrMapping/>
+  </p:clrMapOvr>
+  <p:timing>
+    <p:tnLst>
+      <p:par>
+        <p:cTn id="1" dur="indefinite" restart="never" nodeType="tmRoot"/>
+      </p:par>
+    </p:tnLst>
+  </p:timing>
+</p:sld>
+</file>
+
+<file path=ppt/slides/slide12.xml><?xml version="1.0" encoding="utf-8"?>
+<p:sld xmlns:a="http://schemas.openxmlformats.org/drawingml/2006/main" xmlns:r="http://schemas.openxmlformats.org/officeDocument/2006/relationships" xmlns:p="http://schemas.openxmlformats.org/presentationml/2006/main">
+  <p:cSld>
+    <p:spTree>
+      <p:nvGrpSpPr>
+        <p:cNvPr id="1" name=""/>
+        <p:cNvGrpSpPr/>
+        <p:nvPr/>
+      </p:nvGrpSpPr>
+      <p:grpSpPr>
+        <a:xfrm>
+          <a:off x="0" y="0"/>
+          <a:ext cx="0" cy="0"/>
+          <a:chOff x="0" y="0"/>
+          <a:chExt cx="0" cy="0"/>
+        </a:xfrm>
+      </p:grpSpPr>
+      <p:sp>
+        <p:nvSpPr>
+          <p:cNvPr id="2" name="Title 1"/>
+          <p:cNvSpPr>
+            <a:spLocks noGrp="1"/>
+          </p:cNvSpPr>
+          <p:nvPr>
+            <p:ph type="title"/>
+          </p:nvPr>
+        </p:nvSpPr>
+        <p:spPr/>
+        <p:txBody>
+          <a:bodyPr/>
+          <a:lstStyle/>
+          <a:p>
+            <a:r>
+              <a:rPr lang="en-US" dirty="0" smtClean="0"/>
+              <a:t>DNU</a:t>
+            </a:r>
+            <a:endParaRPr lang="en-US" dirty="0"/>
+          </a:p>
+        </p:txBody>
+      </p:sp>
+      <p:sp>
+        <p:nvSpPr>
+          <p:cNvPr id="3" name="Content Placeholder 2"/>
+          <p:cNvSpPr>
+            <a:spLocks noGrp="1"/>
+          </p:cNvSpPr>
+          <p:nvPr>
+            <p:ph idx="1"/>
+          </p:nvPr>
+        </p:nvSpPr>
+        <p:spPr>
+          <a:xfrm>
+            <a:off x="677334" y="1595439"/>
+            <a:ext cx="8596668" cy="4445924"/>
+          </a:xfrm>
+        </p:spPr>
+        <p:txBody>
+          <a:bodyPr/>
+          <a:lstStyle/>
+          <a:p>
+            <a:r>
+              <a:rPr lang="en-US" dirty="0" smtClean="0"/>
+              <a:t>Restores</a:t>
+            </a:r>
+          </a:p>
+          <a:p>
+            <a:pPr marL="457200" lvl="1" indent="0">
+              <a:buNone/>
+            </a:pPr>
+            <a:r>
+              <a:rPr lang="en-US" b="1" dirty="0" smtClean="0">
+                <a:latin typeface="Consolas" panose="020B0609020204030204" pitchFamily="49" charset="0"/>
+                <a:cs typeface="Consolas" panose="020B0609020204030204" pitchFamily="49" charset="0"/>
+              </a:rPr>
+              <a:t>&gt; </a:t>
+            </a:r>
+            <a:r>
+              <a:rPr lang="en-US" b="1" dirty="0" err="1" smtClean="0">
+                <a:latin typeface="Consolas" panose="020B0609020204030204" pitchFamily="49" charset="0"/>
+                <a:cs typeface="Consolas" panose="020B0609020204030204" pitchFamily="49" charset="0"/>
+              </a:rPr>
+              <a:t>dnu</a:t>
+            </a:r>
+            <a:r>
+              <a:rPr lang="en-US" b="1" dirty="0" smtClean="0">
+                <a:latin typeface="Consolas" panose="020B0609020204030204" pitchFamily="49" charset="0"/>
+                <a:cs typeface="Consolas" panose="020B0609020204030204" pitchFamily="49" charset="0"/>
+              </a:rPr>
+              <a:t> restore</a:t>
+            </a:r>
+          </a:p>
+          <a:p>
+            <a:r>
+              <a:rPr lang="en-US" dirty="0" smtClean="0"/>
+              <a:t>Builds</a:t>
+            </a:r>
+          </a:p>
+          <a:p>
+            <a:pPr marL="457200" lvl="1" indent="0">
+              <a:buNone/>
+            </a:pPr>
+            <a:r>
+              <a:rPr lang="en-US" b="1" dirty="0" smtClean="0">
+                <a:latin typeface="Consolas" panose="020B0609020204030204" pitchFamily="49" charset="0"/>
+                <a:cs typeface="Consolas" panose="020B0609020204030204" pitchFamily="49" charset="0"/>
+              </a:rPr>
+              <a:t>&gt;</a:t>
+            </a:r>
+            <a:r>
+              <a:rPr lang="en-US" dirty="0" smtClean="0">
+                <a:latin typeface="Consolas" panose="020B0609020204030204" pitchFamily="49" charset="0"/>
+                <a:cs typeface="Consolas" panose="020B0609020204030204" pitchFamily="49" charset="0"/>
+              </a:rPr>
+              <a:t> </a:t>
+            </a:r>
+            <a:r>
+              <a:rPr lang="en-US" b="1" dirty="0" err="1" smtClean="0">
+                <a:latin typeface="Consolas" panose="020B0609020204030204" pitchFamily="49" charset="0"/>
+                <a:cs typeface="Consolas" panose="020B0609020204030204" pitchFamily="49" charset="0"/>
+              </a:rPr>
+              <a:t>dnu</a:t>
+            </a:r>
+            <a:r>
+              <a:rPr lang="en-US" b="1" dirty="0" smtClean="0">
+                <a:latin typeface="Consolas" panose="020B0609020204030204" pitchFamily="49" charset="0"/>
+                <a:cs typeface="Consolas" panose="020B0609020204030204" pitchFamily="49" charset="0"/>
+              </a:rPr>
+              <a:t> build</a:t>
+            </a:r>
+          </a:p>
+          <a:p>
+            <a:r>
+              <a:rPr lang="en-US" dirty="0" smtClean="0"/>
+              <a:t>Packages</a:t>
+            </a:r>
+          </a:p>
+          <a:p>
+            <a:pPr marL="457200" lvl="1" indent="0">
+              <a:buNone/>
+            </a:pPr>
+            <a:r>
+              <a:rPr lang="en-US" b="1" dirty="0" smtClean="0">
+                <a:latin typeface="Consolas" panose="020B0609020204030204" pitchFamily="49" charset="0"/>
+                <a:cs typeface="Consolas" panose="020B0609020204030204" pitchFamily="49" charset="0"/>
+              </a:rPr>
+              <a:t>&gt;</a:t>
+            </a:r>
+            <a:r>
+              <a:rPr lang="en-US" dirty="0" smtClean="0">
+                <a:latin typeface="Consolas" panose="020B0609020204030204" pitchFamily="49" charset="0"/>
+                <a:cs typeface="Consolas" panose="020B0609020204030204" pitchFamily="49" charset="0"/>
+              </a:rPr>
+              <a:t> </a:t>
+            </a:r>
+            <a:r>
+              <a:rPr lang="en-US" b="1" dirty="0" err="1" smtClean="0">
+                <a:latin typeface="Consolas" panose="020B0609020204030204" pitchFamily="49" charset="0"/>
+                <a:cs typeface="Consolas" panose="020B0609020204030204" pitchFamily="49" charset="0"/>
+              </a:rPr>
+              <a:t>dnu</a:t>
+            </a:r>
+            <a:r>
+              <a:rPr lang="en-US" b="1" dirty="0" smtClean="0">
+                <a:latin typeface="Consolas" panose="020B0609020204030204" pitchFamily="49" charset="0"/>
+                <a:cs typeface="Consolas" panose="020B0609020204030204" pitchFamily="49" charset="0"/>
+              </a:rPr>
+              <a:t> pack</a:t>
+            </a:r>
+          </a:p>
+          <a:p>
+            <a:r>
+              <a:rPr lang="en-US" dirty="0" smtClean="0"/>
+              <a:t>Publishes</a:t>
+            </a:r>
+          </a:p>
+          <a:p>
+            <a:pPr marL="457200" lvl="1" indent="0">
+              <a:buNone/>
+            </a:pPr>
+            <a:r>
+              <a:rPr lang="en-US" b="1" dirty="0" smtClean="0">
+                <a:latin typeface="Consolas" panose="020B0609020204030204" pitchFamily="49" charset="0"/>
+                <a:cs typeface="Consolas" panose="020B0609020204030204" pitchFamily="49" charset="0"/>
+              </a:rPr>
+              <a:t>&gt;</a:t>
+            </a:r>
+            <a:r>
+              <a:rPr lang="en-US" dirty="0" smtClean="0">
+                <a:latin typeface="Consolas" panose="020B0609020204030204" pitchFamily="49" charset="0"/>
+                <a:cs typeface="Consolas" panose="020B0609020204030204" pitchFamily="49" charset="0"/>
+              </a:rPr>
+              <a:t> </a:t>
+            </a:r>
+            <a:r>
+              <a:rPr lang="en-US" b="1" dirty="0" err="1" smtClean="0">
+                <a:latin typeface="Consolas" panose="020B0609020204030204" pitchFamily="49" charset="0"/>
+                <a:cs typeface="Consolas" panose="020B0609020204030204" pitchFamily="49" charset="0"/>
+              </a:rPr>
+              <a:t>dnu</a:t>
+            </a:r>
+            <a:r>
+              <a:rPr lang="en-US" b="1" dirty="0" smtClean="0">
+                <a:latin typeface="Consolas" panose="020B0609020204030204" pitchFamily="49" charset="0"/>
+                <a:cs typeface="Consolas" panose="020B0609020204030204" pitchFamily="49" charset="0"/>
+              </a:rPr>
+              <a:t> publish</a:t>
+            </a:r>
+            <a:endParaRPr lang="en-US" b="1" dirty="0">
+              <a:latin typeface="Consolas" panose="020B0609020204030204" pitchFamily="49" charset="0"/>
+              <a:cs typeface="Consolas" panose="020B0609020204030204" pitchFamily="49" charset="0"/>
+            </a:endParaRPr>
+          </a:p>
+        </p:txBody>
+      </p:sp>
+      <p:sp>
+        <p:nvSpPr>
+          <p:cNvPr id="4" name="Slide Number Placeholder 3"/>
+          <p:cNvSpPr>
+            <a:spLocks noGrp="1"/>
+          </p:cNvSpPr>
+          <p:nvPr>
+            <p:ph type="sldNum" sz="quarter" idx="12"/>
+          </p:nvPr>
+        </p:nvSpPr>
+        <p:spPr/>
+        <p:txBody>
+          <a:bodyPr/>
+          <a:lstStyle/>
+          <a:p>
+            <a:fld id="{3AE964CF-DFDF-4B9D-8AE5-9B4D54DD768C}" type="slidenum">
+              <a:rPr lang="en-US" smtClean="0"/>
+              <a:t>12</a:t>
+            </a:fld>
+            <a:endParaRPr lang="en-US"/>
+          </a:p>
+        </p:txBody>
+      </p:sp>
+      <p:pic>
+        <p:nvPicPr>
+          <p:cNvPr id="7" name="Picture 6"/>
+          <p:cNvPicPr>
+            <a:picLocks noChangeAspect="1"/>
+          </p:cNvPicPr>
+          <p:nvPr/>
+        </p:nvPicPr>
+        <p:blipFill>
+          <a:blip r:embed="rId2"/>
+          <a:stretch>
+            <a:fillRect/>
+          </a:stretch>
+        </p:blipFill>
+        <p:spPr>
+          <a:xfrm>
+            <a:off x="4579397" y="1636050"/>
+            <a:ext cx="9854318" cy="4405312"/>
+          </a:xfrm>
+          <a:prstGeom prst="rect">
+            <a:avLst/>
+          </a:prstGeom>
+        </p:spPr>
+      </p:pic>
+    </p:spTree>
+    <p:extLst>
+      <p:ext uri="{BB962C8B-B14F-4D97-AF65-F5344CB8AC3E}">
+        <p14:creationId xmlns:p14="http://schemas.microsoft.com/office/powerpoint/2010/main" val="3685970426"/>
+      </p:ext>
+    </p:extLst>
+  </p:cSld>
+  <p:clrMapOvr>
+    <a:masterClrMapping/>
+  </p:clrMapOvr>
+  <p:timing>
+    <p:tnLst>
+      <p:par>
+        <p:cTn id="1" dur="indefinite" restart="never" nodeType="tmRoot"/>
+      </p:par>
+    </p:tnLst>
+  </p:timing>
+</p:sld>
+</file>
+
+<file path=ppt/slides/slide13.xml><?xml version="1.0" encoding="utf-8"?>
+<p:sld xmlns:a="http://schemas.openxmlformats.org/drawingml/2006/main" xmlns:r="http://schemas.openxmlformats.org/officeDocument/2006/relationships" xmlns:p="http://schemas.openxmlformats.org/presentationml/2006/main">
+  <p:cSld>
+    <p:spTree>
+      <p:nvGrpSpPr>
+        <p:cNvPr id="1" name=""/>
+        <p:cNvGrpSpPr/>
+        <p:nvPr/>
+      </p:nvGrpSpPr>
+      <p:grpSpPr>
+        <a:xfrm>
+          <a:off x="0" y="0"/>
+          <a:ext cx="0" cy="0"/>
+          <a:chOff x="0" y="0"/>
+          <a:chExt cx="0" cy="0"/>
+        </a:xfrm>
+      </p:grpSpPr>
+      <p:sp>
+        <p:nvSpPr>
+          <p:cNvPr id="2" name="Title 1"/>
+          <p:cNvSpPr>
+            <a:spLocks noGrp="1"/>
+          </p:cNvSpPr>
+          <p:nvPr>
+            <p:ph type="title"/>
+          </p:nvPr>
+        </p:nvSpPr>
+        <p:spPr/>
+        <p:txBody>
+          <a:bodyPr/>
+          <a:lstStyle/>
+          <a:p>
+            <a:r>
+              <a:rPr lang="en-US" dirty="0" smtClean="0"/>
               <a:t>DNU – </a:t>
             </a:r>
             <a:r>
@@ -9351,14 +14097,14 @@
           <a:p>
             <a:fld id="{3AE964CF-DFDF-4B9D-8AE5-9B4D54DD768C}" type="slidenum">
               <a:rPr lang="en-US" smtClean="0"/>
-              <a:t>11</a:t>
+              <a:t>13</a:t>
             </a:fld>
             <a:endParaRPr lang="en-US"/>
           </a:p>
         </p:txBody>
       </p:sp>
-      <mc:AlternateContent xmlns:mc="http://schemas.openxmlformats.org/markup-compatibility/2006">
-        <mc:Choice xmlns:we="http://schemas.microsoft.com/office/webextensions/webextension/2010/11" xmlns:pca="http://schemas.microsoft.com/office/powerpoint/2013/contentapp" Requires="we pca">
+      <mc:AlternateContent xmlns:mc="http://schemas.openxmlformats.org/markup-compatibility/2006" xmlns:we="http://schemas.microsoft.com/office/webextensions/webextension/2010/11" xmlns:pca="http://schemas.microsoft.com/office/powerpoint/2013/contentapp">
+        <mc:Choice Requires="we pca">
           <p:graphicFrame>
             <p:nvGraphicFramePr>
               <p:cNvPr id="5" name="Add-in 4" title="Code Presenter Pro"/>
@@ -9384,7 +14130,7 @@
             </a:graphic>
           </p:graphicFrame>
         </mc:Choice>
-        <mc:Fallback>
+        <mc:Fallback xmlns="">
           <p:pic>
             <p:nvPicPr>
               <p:cNvPr id="5" name="Add-in 4" title="Code Presenter Pro"/>
@@ -9453,8 +14199,8 @@
           </a:p>
         </p:txBody>
       </p:sp>
-      <mc:AlternateContent xmlns:mc="http://schemas.openxmlformats.org/markup-compatibility/2006">
-        <mc:Choice xmlns:we="http://schemas.microsoft.com/office/webextensions/webextension/2010/11" xmlns:pca="http://schemas.microsoft.com/office/powerpoint/2013/contentapp" Requires="we pca">
+      <mc:AlternateContent xmlns:mc="http://schemas.openxmlformats.org/markup-compatibility/2006" xmlns:we="http://schemas.microsoft.com/office/webextensions/webextension/2010/11" xmlns:pca="http://schemas.microsoft.com/office/powerpoint/2013/contentapp">
+        <mc:Choice Requires="we pca">
           <p:graphicFrame>
             <p:nvGraphicFramePr>
               <p:cNvPr id="7" name="Add-in 6" title="Code Presenter Pro"/>
@@ -9480,7 +14226,7 @@
             </a:graphic>
           </p:graphicFrame>
         </mc:Choice>
-        <mc:Fallback>
+        <mc:Fallback xmlns="">
           <p:pic>
             <p:nvPicPr>
               <p:cNvPr id="7" name="Add-in 6" title="Code Presenter Pro"/>
@@ -9695,7 +14441,7 @@
 </p:sld>
 </file>
 
-<file path=ppt/slides/slide12.xml><?xml version="1.0" encoding="utf-8"?>
+<file path=ppt/slides/slide14.xml><?xml version="1.0" encoding="utf-8"?>
 <p:sld xmlns:a="http://schemas.openxmlformats.org/drawingml/2006/main" xmlns:r="http://schemas.openxmlformats.org/officeDocument/2006/relationships" xmlns:p="http://schemas.openxmlformats.org/presentationml/2006/main">
   <p:cSld>
     <p:spTree>
@@ -9798,7 +14544,7 @@
           <a:p>
             <a:fld id="{3AE964CF-DFDF-4B9D-8AE5-9B4D54DD768C}" type="slidenum">
               <a:rPr lang="en-US" smtClean="0"/>
-              <a:t>12</a:t>
+              <a:t>14</a:t>
             </a:fld>
             <a:endParaRPr lang="en-US"/>
           </a:p>
@@ -10082,7 +14828,7 @@
 </p:sld>
 </file>
 
-<file path=ppt/slides/slide13.xml><?xml version="1.0" encoding="utf-8"?>
+<file path=ppt/slides/slide15.xml><?xml version="1.0" encoding="utf-8"?>
 <p:sld xmlns:a="http://schemas.openxmlformats.org/drawingml/2006/main" xmlns:r="http://schemas.openxmlformats.org/officeDocument/2006/relationships" xmlns:p="http://schemas.openxmlformats.org/presentationml/2006/main">
   <p:cSld>
     <p:spTree>
@@ -10165,7 +14911,7 @@
           <a:p>
             <a:fld id="{3AE964CF-DFDF-4B9D-8AE5-9B4D54DD768C}" type="slidenum">
               <a:rPr lang="en-US" smtClean="0"/>
-              <a:t>13</a:t>
+              <a:t>15</a:t>
             </a:fld>
             <a:endParaRPr lang="en-US"/>
           </a:p>
@@ -10538,7 +15284,7 @@
 </p:sld>
 </file>
 
-<file path=ppt/slides/slide14.xml><?xml version="1.0" encoding="utf-8"?>
+<file path=ppt/slides/slide16.xml><?xml version="1.0" encoding="utf-8"?>
 <p:sld xmlns:a="http://schemas.openxmlformats.org/drawingml/2006/main" xmlns:r="http://schemas.openxmlformats.org/officeDocument/2006/relationships" xmlns:p="http://schemas.openxmlformats.org/presentationml/2006/main">
   <p:cSld>
     <p:spTree>
@@ -10619,7 +15365,7 @@
           <a:p>
             <a:fld id="{3AE964CF-DFDF-4B9D-8AE5-9B4D54DD768C}" type="slidenum">
               <a:rPr lang="en-US" smtClean="0"/>
-              <a:t>14</a:t>
+              <a:t>16</a:t>
             </a:fld>
             <a:endParaRPr lang="en-US"/>
           </a:p>
@@ -11070,7 +15816,7 @@
 </p:sld>
 </file>
 
-<file path=ppt/slides/slide15.xml><?xml version="1.0" encoding="utf-8"?>
+<file path=ppt/slides/slide17.xml><?xml version="1.0" encoding="utf-8"?>
 <p:sld xmlns:a="http://schemas.openxmlformats.org/drawingml/2006/main" xmlns:r="http://schemas.openxmlformats.org/officeDocument/2006/relationships" xmlns:p="http://schemas.openxmlformats.org/presentationml/2006/main">
   <p:cSld>
     <p:spTree>
@@ -11126,7 +15872,11 @@
           <a:p>
             <a:r>
               <a:rPr lang="en-US" dirty="0" smtClean="0"/>
-              <a:t>Template Support in VS Code</a:t>
+              <a:t>Scaffolding Support </a:t>
+            </a:r>
+            <a:r>
+              <a:rPr lang="en-US" dirty="0" smtClean="0"/>
+              <a:t>in VS Code</a:t>
             </a:r>
             <a:endParaRPr lang="en-US" dirty="0"/>
           </a:p>
@@ -11149,7 +15899,7 @@
           <a:p>
             <a:fld id="{3AE964CF-DFDF-4B9D-8AE5-9B4D54DD768C}" type="slidenum">
               <a:rPr lang="en-US" smtClean="0"/>
-              <a:t>15</a:t>
+              <a:t>17</a:t>
             </a:fld>
             <a:endParaRPr lang="en-US"/>
           </a:p>
@@ -11264,7 +16014,7 @@
 </p:sld>
 </file>
 
-<file path=ppt/slides/slide16.xml><?xml version="1.0" encoding="utf-8"?>
+<file path=ppt/slides/slide18.xml><?xml version="1.0" encoding="utf-8"?>
 <p:sld xmlns:a="http://schemas.openxmlformats.org/drawingml/2006/main" xmlns:r="http://schemas.openxmlformats.org/officeDocument/2006/relationships" xmlns:p="http://schemas.openxmlformats.org/presentationml/2006/main">
   <p:cSld>
     <p:spTree>
@@ -11344,7 +16094,7 @@
           <a:p>
             <a:fld id="{3AE964CF-DFDF-4B9D-8AE5-9B4D54DD768C}" type="slidenum">
               <a:rPr lang="en-US" smtClean="0"/>
-              <a:t>16</a:t>
+              <a:t>18</a:t>
             </a:fld>
             <a:endParaRPr lang="en-US"/>
           </a:p>
@@ -11430,7 +16180,7 @@
 </p:sld>
 </file>
 
-<file path=ppt/slides/slide17.xml><?xml version="1.0" encoding="utf-8"?>
+<file path=ppt/slides/slide19.xml><?xml version="1.0" encoding="utf-8"?>
 <p:sld xmlns:a="http://schemas.openxmlformats.org/drawingml/2006/main" xmlns:r="http://schemas.openxmlformats.org/officeDocument/2006/relationships" xmlns:p="http://schemas.openxmlformats.org/presentationml/2006/main">
   <p:cSld>
     <p:spTree>
@@ -11640,7 +16390,7 @@
           <a:p>
             <a:fld id="{3AE964CF-DFDF-4B9D-8AE5-9B4D54DD768C}" type="slidenum">
               <a:rPr lang="en-US" smtClean="0"/>
-              <a:t>17</a:t>
+              <a:t>19</a:t>
             </a:fld>
             <a:endParaRPr lang="en-US"/>
           </a:p>
@@ -11690,6 +16440,118 @@
             <a:spLocks noGrp="1"/>
           </p:cNvSpPr>
           <p:nvPr>
+            <p:ph type="ctrTitle"/>
+          </p:nvPr>
+        </p:nvSpPr>
+        <p:spPr/>
+        <p:txBody>
+          <a:bodyPr/>
+          <a:lstStyle/>
+          <a:p>
+            <a:r>
+              <a:rPr lang="en-US" dirty="0" smtClean="0"/>
+              <a:t>Getting Started with ASP.NET 5 in VS Code</a:t>
+            </a:r>
+            <a:endParaRPr lang="en-US" dirty="0"/>
+          </a:p>
+        </p:txBody>
+      </p:sp>
+      <p:sp>
+        <p:nvSpPr>
+          <p:cNvPr id="3" name="Subtitle 2"/>
+          <p:cNvSpPr>
+            <a:spLocks noGrp="1"/>
+          </p:cNvSpPr>
+          <p:nvPr>
+            <p:ph type="subTitle" idx="1"/>
+          </p:nvPr>
+        </p:nvSpPr>
+        <p:spPr/>
+        <p:txBody>
+          <a:bodyPr/>
+          <a:lstStyle/>
+          <a:p>
+            <a:r>
+              <a:rPr lang="en-US" dirty="0" smtClean="0"/>
+              <a:t>November 14, 2015</a:t>
+            </a:r>
+          </a:p>
+        </p:txBody>
+      </p:sp>
+      <p:pic>
+        <p:nvPicPr>
+          <p:cNvPr id="4" name="Picture 3"/>
+          <p:cNvPicPr>
+            <a:picLocks noChangeAspect="1"/>
+          </p:cNvPicPr>
+          <p:nvPr/>
+        </p:nvPicPr>
+        <p:blipFill>
+          <a:blip r:embed="rId3">
+            <a:extLst>
+              <a:ext uri="{28A0092B-C50C-407E-A947-70E740481C1C}">
+                <a14:useLocalDpi xmlns:a14="http://schemas.microsoft.com/office/drawing/2010/main" val="0"/>
+              </a:ext>
+            </a:extLst>
+          </a:blip>
+          <a:stretch>
+            <a:fillRect/>
+          </a:stretch>
+        </p:blipFill>
+        <p:spPr>
+          <a:xfrm>
+            <a:off x="259465" y="3957095"/>
+            <a:ext cx="2900905" cy="2900905"/>
+          </a:xfrm>
+          <a:prstGeom prst="rect">
+            <a:avLst/>
+          </a:prstGeom>
+        </p:spPr>
+      </p:pic>
+    </p:spTree>
+    <p:extLst>
+      <p:ext uri="{BB962C8B-B14F-4D97-AF65-F5344CB8AC3E}">
+        <p14:creationId xmlns:p14="http://schemas.microsoft.com/office/powerpoint/2010/main" val="214746472"/>
+      </p:ext>
+    </p:extLst>
+  </p:cSld>
+  <p:clrMapOvr>
+    <a:masterClrMapping/>
+  </p:clrMapOvr>
+  <p:timing>
+    <p:tnLst>
+      <p:par>
+        <p:cTn id="1" dur="indefinite" restart="never" nodeType="tmRoot"/>
+      </p:par>
+    </p:tnLst>
+  </p:timing>
+</p:sld>
+</file>
+
+<file path=ppt/slides/slide3.xml><?xml version="1.0" encoding="utf-8"?>
+<p:sld xmlns:a="http://schemas.openxmlformats.org/drawingml/2006/main" xmlns:r="http://schemas.openxmlformats.org/officeDocument/2006/relationships" xmlns:p="http://schemas.openxmlformats.org/presentationml/2006/main">
+  <p:cSld>
+    <p:spTree>
+      <p:nvGrpSpPr>
+        <p:cNvPr id="1" name=""/>
+        <p:cNvGrpSpPr/>
+        <p:nvPr/>
+      </p:nvGrpSpPr>
+      <p:grpSpPr>
+        <a:xfrm>
+          <a:off x="0" y="0"/>
+          <a:ext cx="0" cy="0"/>
+          <a:chOff x="0" y="0"/>
+          <a:chExt cx="0" cy="0"/>
+        </a:xfrm>
+      </p:grpSpPr>
+      <p:sp>
+        <p:nvSpPr>
+          <p:cNvPr id="2" name="Title 1"/>
+          <p:cNvSpPr>
+            <a:spLocks noGrp="1"/>
+          </p:cNvSpPr>
+          <p:nvPr>
             <p:ph type="title"/>
           </p:nvPr>
         </p:nvSpPr>
@@ -11902,7 +16764,7 @@
           <a:p>
             <a:fld id="{CA6404EB-EC22-4A9F-B979-51DB938C35B6}" type="slidenum">
               <a:rPr lang="en-US" smtClean="0"/>
-              <a:t>2</a:t>
+              <a:t>3</a:t>
             </a:fld>
             <a:endParaRPr lang="en-US" dirty="0"/>
           </a:p>
@@ -12086,139 +16948,6 @@
 </p:sld>
 </file>
 
-<file path=ppt/slides/slide3.xml><?xml version="1.0" encoding="utf-8"?>
-<p:sld xmlns:a="http://schemas.openxmlformats.org/drawingml/2006/main" xmlns:r="http://schemas.openxmlformats.org/officeDocument/2006/relationships" xmlns:p="http://schemas.openxmlformats.org/presentationml/2006/main">
-  <p:cSld>
-    <p:spTree>
-      <p:nvGrpSpPr>
-        <p:cNvPr id="1" name=""/>
-        <p:cNvGrpSpPr/>
-        <p:nvPr/>
-      </p:nvGrpSpPr>
-      <p:grpSpPr>
-        <a:xfrm>
-          <a:off x="0" y="0"/>
-          <a:ext cx="0" cy="0"/>
-          <a:chOff x="0" y="0"/>
-          <a:chExt cx="0" cy="0"/>
-        </a:xfrm>
-      </p:grpSpPr>
-      <p:sp>
-        <p:nvSpPr>
-          <p:cNvPr id="2" name="Title 1"/>
-          <p:cNvSpPr>
-            <a:spLocks noGrp="1"/>
-          </p:cNvSpPr>
-          <p:nvPr>
-            <p:ph type="title"/>
-          </p:nvPr>
-        </p:nvSpPr>
-        <p:spPr/>
-        <p:txBody>
-          <a:bodyPr/>
-          <a:lstStyle/>
-          <a:p>
-            <a:r>
-              <a:rPr lang="en-US" dirty="0" smtClean="0"/>
-              <a:t>New Terminology</a:t>
-            </a:r>
-            <a:endParaRPr lang="en-US" dirty="0"/>
-          </a:p>
-        </p:txBody>
-      </p:sp>
-      <p:sp>
-        <p:nvSpPr>
-          <p:cNvPr id="5" name="Content Placeholder 4"/>
-          <p:cNvSpPr>
-            <a:spLocks noGrp="1"/>
-          </p:cNvSpPr>
-          <p:nvPr>
-            <p:ph idx="1"/>
-          </p:nvPr>
-        </p:nvSpPr>
-        <p:spPr>
-          <a:xfrm>
-            <a:off x="677334" y="1607821"/>
-            <a:ext cx="8596668" cy="4433542"/>
-          </a:xfrm>
-        </p:spPr>
-        <p:txBody>
-          <a:bodyPr/>
-          <a:lstStyle/>
-          <a:p>
-            <a:r>
-              <a:rPr lang="en-US" dirty="0" smtClean="0"/>
-              <a:t>DNVM (.NET Version Manager)</a:t>
-            </a:r>
-          </a:p>
-          <a:p>
-            <a:r>
-              <a:rPr lang="en-US" dirty="0" smtClean="0"/>
-              <a:t>DNX (.NET Execution Environment)</a:t>
-            </a:r>
-          </a:p>
-          <a:p>
-            <a:r>
-              <a:rPr lang="en-US" dirty="0"/>
-              <a:t>DNU (.NET Development </a:t>
-            </a:r>
-            <a:r>
-              <a:rPr lang="en-US" dirty="0" smtClean="0"/>
-              <a:t>Utility)</a:t>
-            </a:r>
-            <a:endParaRPr lang="en-US" dirty="0"/>
-          </a:p>
-          <a:p>
-            <a:pPr marL="0" indent="0">
-              <a:buNone/>
-            </a:pPr>
-            <a:endParaRPr lang="en-US" dirty="0"/>
-          </a:p>
-        </p:txBody>
-      </p:sp>
-      <p:sp>
-        <p:nvSpPr>
-          <p:cNvPr id="6" name="Slide Number Placeholder 5"/>
-          <p:cNvSpPr>
-            <a:spLocks noGrp="1"/>
-          </p:cNvSpPr>
-          <p:nvPr>
-            <p:ph type="sldNum" sz="quarter" idx="12"/>
-          </p:nvPr>
-        </p:nvSpPr>
-        <p:spPr/>
-        <p:txBody>
-          <a:bodyPr/>
-          <a:lstStyle/>
-          <a:p>
-            <a:fld id="{3AE964CF-DFDF-4B9D-8AE5-9B4D54DD768C}" type="slidenum">
-              <a:rPr lang="en-US" smtClean="0"/>
-              <a:t>3</a:t>
-            </a:fld>
-            <a:endParaRPr lang="en-US"/>
-          </a:p>
-        </p:txBody>
-      </p:sp>
-    </p:spTree>
-    <p:extLst>
-      <p:ext uri="{BB962C8B-B14F-4D97-AF65-F5344CB8AC3E}">
-        <p14:creationId xmlns:p14="http://schemas.microsoft.com/office/powerpoint/2010/main" val="3301370015"/>
-      </p:ext>
-    </p:extLst>
-  </p:cSld>
-  <p:clrMapOvr>
-    <a:masterClrMapping/>
-  </p:clrMapOvr>
-  <p:timing>
-    <p:tnLst>
-      <p:par>
-        <p:cTn id="1" dur="indefinite" restart="never" nodeType="tmRoot"/>
-      </p:par>
-    </p:tnLst>
-  </p:timing>
-</p:sld>
-</file>
-
 <file path=ppt/slides/slide4.xml><?xml version="1.0" encoding="utf-8"?>
 <p:sld xmlns:a="http://schemas.openxmlformats.org/drawingml/2006/main" xmlns:r="http://schemas.openxmlformats.org/officeDocument/2006/relationships" xmlns:p="http://schemas.openxmlformats.org/presentationml/2006/main">
   <p:cSld>
@@ -12253,7 +16982,7 @@
           <a:p>
             <a:r>
               <a:rPr lang="en-US" dirty="0" smtClean="0"/>
-              <a:t>DNVM</a:t>
+              <a:t>New Terminology</a:t>
             </a:r>
             <a:endParaRPr lang="en-US" dirty="0"/>
           </a:p>
@@ -12261,7 +16990,7 @@
       </p:sp>
       <p:sp>
         <p:nvSpPr>
-          <p:cNvPr id="3" name="Content Placeholder 2"/>
+          <p:cNvPr id="5" name="Content Placeholder 4"/>
           <p:cNvSpPr>
             <a:spLocks noGrp="1"/>
           </p:cNvSpPr>
@@ -12271,8 +17000,8 @@
         </p:nvSpPr>
         <p:spPr>
           <a:xfrm>
-            <a:off x="677334" y="1605643"/>
-            <a:ext cx="8596668" cy="4435719"/>
+            <a:off x="677334" y="1607821"/>
+            <a:ext cx="8596668" cy="4433542"/>
           </a:xfrm>
         </p:spPr>
         <p:txBody>
@@ -12281,103 +17010,37 @@
           <a:p>
             <a:r>
               <a:rPr lang="en-US" dirty="0" smtClean="0"/>
-              <a:t>Framework versioning manager</a:t>
-            </a:r>
-          </a:p>
-          <a:p>
-            <a:endParaRPr lang="en-US" dirty="0" smtClean="0"/>
+              <a:t>DNVM (.NET Version Manager)</a:t>
+            </a:r>
           </a:p>
           <a:p>
             <a:r>
               <a:rPr lang="en-US" dirty="0" smtClean="0"/>
-              <a:t>Registers frameworks in user profile</a:t>
-            </a:r>
-          </a:p>
-          <a:p>
-            <a:pPr lvl="1"/>
+              <a:t>DNX (.NET Execution Environment)</a:t>
+            </a:r>
+          </a:p>
+          <a:p>
+            <a:r>
+              <a:rPr lang="en-US" dirty="0"/>
+              <a:t>DNU (.NET Development </a:t>
+            </a:r>
             <a:r>
               <a:rPr lang="en-US" dirty="0" smtClean="0"/>
-              <a:t>%USERPROFILE%\.</a:t>
-            </a:r>
-            <a:r>
-              <a:rPr lang="en-US" dirty="0" err="1" smtClean="0"/>
-              <a:t>dnx</a:t>
-            </a:r>
-            <a:r>
-              <a:rPr lang="en-US" dirty="0" smtClean="0"/>
-              <a:t>\runtimes</a:t>
-            </a:r>
-          </a:p>
-          <a:p>
-            <a:pPr marL="457200" lvl="1" indent="0">
+              <a:t>Utility)</a:t>
+            </a:r>
+            <a:endParaRPr lang="en-US" dirty="0"/>
+          </a:p>
+          <a:p>
+            <a:pPr marL="0" indent="0">
               <a:buNone/>
             </a:pPr>
-            <a:endParaRPr lang="en-US" dirty="0" smtClean="0"/>
-          </a:p>
-          <a:p>
-            <a:r>
-              <a:rPr lang="en-US" dirty="0" smtClean="0"/>
-              <a:t>“</a:t>
-            </a:r>
-            <a:r>
-              <a:rPr lang="en-US" dirty="0" err="1" smtClean="0"/>
-              <a:t>Clr</a:t>
-            </a:r>
-            <a:r>
-              <a:rPr lang="en-US" dirty="0" smtClean="0"/>
-              <a:t>” runtimes rely on .NET being installed on machine</a:t>
-            </a:r>
-          </a:p>
-          <a:p>
-            <a:pPr lvl="1"/>
-            <a:r>
-              <a:rPr lang="en-US" dirty="0" smtClean="0"/>
-              <a:t>Best choice for most large enterprises running IIS on Windows Server</a:t>
-            </a:r>
-          </a:p>
-          <a:p>
-            <a:pPr lvl="1"/>
-            <a:endParaRPr lang="en-US" dirty="0" smtClean="0"/>
-          </a:p>
-          <a:p>
-            <a:r>
-              <a:rPr lang="en-US" dirty="0" smtClean="0"/>
-              <a:t>“</a:t>
-            </a:r>
-            <a:r>
-              <a:rPr lang="en-US" dirty="0" err="1" smtClean="0"/>
-              <a:t>CoreClr</a:t>
-            </a:r>
-            <a:r>
-              <a:rPr lang="en-US" dirty="0" smtClean="0"/>
-              <a:t>” runtimes can be deployed w/ app</a:t>
-            </a:r>
-          </a:p>
-          <a:p>
-            <a:pPr lvl="1"/>
-            <a:r>
-              <a:rPr lang="en-US" dirty="0" smtClean="0"/>
-              <a:t>Also </a:t>
-            </a:r>
-            <a:r>
-              <a:rPr lang="en-US" dirty="0" err="1"/>
-              <a:t>x</a:t>
-            </a:r>
-            <a:r>
-              <a:rPr lang="en-US" dirty="0" err="1" smtClean="0"/>
-              <a:t>plat</a:t>
-            </a:r>
-            <a:r>
-              <a:rPr lang="en-US" dirty="0" smtClean="0"/>
-              <a:t> (best for Linux or OSX) </a:t>
-            </a:r>
             <a:endParaRPr lang="en-US" dirty="0"/>
           </a:p>
         </p:txBody>
       </p:sp>
       <p:sp>
         <p:nvSpPr>
-          <p:cNvPr id="4" name="Slide Number Placeholder 3"/>
+          <p:cNvPr id="6" name="Slide Number Placeholder 5"/>
           <p:cNvSpPr>
             <a:spLocks noGrp="1"/>
           </p:cNvSpPr>
@@ -12398,34 +17061,10 @@
           </a:p>
         </p:txBody>
       </p:sp>
-      <p:pic>
-        <p:nvPicPr>
-          <p:cNvPr id="6" name="Picture 5"/>
-          <p:cNvPicPr>
-            <a:picLocks noChangeAspect="1"/>
-          </p:cNvPicPr>
-          <p:nvPr/>
-        </p:nvPicPr>
-        <p:blipFill>
-          <a:blip r:embed="rId2"/>
-          <a:stretch>
-            <a:fillRect/>
-          </a:stretch>
-        </p:blipFill>
-        <p:spPr>
-          <a:xfrm>
-            <a:off x="6096000" y="609600"/>
-            <a:ext cx="5784310" cy="2477180"/>
-          </a:xfrm>
-          <a:prstGeom prst="rect">
-            <a:avLst/>
-          </a:prstGeom>
-        </p:spPr>
-      </p:pic>
     </p:spTree>
     <p:extLst>
       <p:ext uri="{BB962C8B-B14F-4D97-AF65-F5344CB8AC3E}">
-        <p14:creationId xmlns:p14="http://schemas.microsoft.com/office/powerpoint/2010/main" val="797429953"/>
+        <p14:creationId xmlns:p14="http://schemas.microsoft.com/office/powerpoint/2010/main" val="3301370015"/>
       </p:ext>
     </p:extLst>
   </p:cSld>
@@ -12476,183 +17115,9 @@
           <a:p>
             <a:r>
               <a:rPr lang="en-US" dirty="0" smtClean="0"/>
-              <a:t>DNVM</a:t>
+              <a:t>New Choices</a:t>
             </a:r>
             <a:endParaRPr lang="en-US" dirty="0"/>
-          </a:p>
-        </p:txBody>
-      </p:sp>
-      <p:sp>
-        <p:nvSpPr>
-          <p:cNvPr id="3" name="Content Placeholder 2"/>
-          <p:cNvSpPr>
-            <a:spLocks noGrp="1"/>
-          </p:cNvSpPr>
-          <p:nvPr>
-            <p:ph idx="1"/>
-          </p:nvPr>
-        </p:nvSpPr>
-        <p:spPr>
-          <a:xfrm>
-            <a:off x="677334" y="1605643"/>
-            <a:ext cx="8596668" cy="4435720"/>
-          </a:xfrm>
-        </p:spPr>
-        <p:txBody>
-          <a:bodyPr/>
-          <a:lstStyle/>
-          <a:p>
-            <a:r>
-              <a:rPr lang="en-US" dirty="0" smtClean="0"/>
-              <a:t>Framework Inventory</a:t>
-            </a:r>
-          </a:p>
-          <a:p>
-            <a:pPr marL="457200" lvl="1" indent="0">
-              <a:buNone/>
-            </a:pPr>
-            <a:r>
-              <a:rPr lang="en-US" b="1" dirty="0" smtClean="0">
-                <a:latin typeface="Consolas" panose="020B0609020204030204" pitchFamily="49" charset="0"/>
-                <a:cs typeface="Consolas" panose="020B0609020204030204" pitchFamily="49" charset="0"/>
-              </a:rPr>
-              <a:t>&gt; </a:t>
-            </a:r>
-            <a:r>
-              <a:rPr lang="en-US" b="1" dirty="0" err="1" smtClean="0">
-                <a:latin typeface="Consolas" panose="020B0609020204030204" pitchFamily="49" charset="0"/>
-                <a:cs typeface="Consolas" panose="020B0609020204030204" pitchFamily="49" charset="0"/>
-              </a:rPr>
-              <a:t>dnvm</a:t>
-            </a:r>
-            <a:r>
-              <a:rPr lang="en-US" b="1" dirty="0" smtClean="0">
-                <a:latin typeface="Consolas" panose="020B0609020204030204" pitchFamily="49" charset="0"/>
-                <a:cs typeface="Consolas" panose="020B0609020204030204" pitchFamily="49" charset="0"/>
-              </a:rPr>
-              <a:t> list</a:t>
-            </a:r>
-          </a:p>
-          <a:p>
-            <a:r>
-              <a:rPr lang="en-US" dirty="0" smtClean="0"/>
-              <a:t>Select Framework</a:t>
-            </a:r>
-          </a:p>
-          <a:p>
-            <a:pPr marL="457200" lvl="1" indent="0">
-              <a:buNone/>
-            </a:pPr>
-            <a:r>
-              <a:rPr lang="en-US" b="1" dirty="0" smtClean="0">
-                <a:latin typeface="Consolas" panose="020B0609020204030204" pitchFamily="49" charset="0"/>
-                <a:cs typeface="Consolas" panose="020B0609020204030204" pitchFamily="49" charset="0"/>
-              </a:rPr>
-              <a:t>&gt;</a:t>
-            </a:r>
-            <a:r>
-              <a:rPr lang="en-US" dirty="0" smtClean="0">
-                <a:latin typeface="Consolas" panose="020B0609020204030204" pitchFamily="49" charset="0"/>
-                <a:cs typeface="Consolas" panose="020B0609020204030204" pitchFamily="49" charset="0"/>
-              </a:rPr>
-              <a:t> </a:t>
-            </a:r>
-            <a:r>
-              <a:rPr lang="en-US" b="1" dirty="0" err="1" smtClean="0">
-                <a:latin typeface="Consolas" panose="020B0609020204030204" pitchFamily="49" charset="0"/>
-                <a:cs typeface="Consolas" panose="020B0609020204030204" pitchFamily="49" charset="0"/>
-              </a:rPr>
-              <a:t>dnvm</a:t>
-            </a:r>
-            <a:r>
-              <a:rPr lang="en-US" b="1" dirty="0" smtClean="0">
-                <a:latin typeface="Consolas" panose="020B0609020204030204" pitchFamily="49" charset="0"/>
-                <a:cs typeface="Consolas" panose="020B0609020204030204" pitchFamily="49" charset="0"/>
-              </a:rPr>
-              <a:t> use</a:t>
-            </a:r>
-          </a:p>
-          <a:p>
-            <a:r>
-              <a:rPr lang="en-US" dirty="0" smtClean="0"/>
-              <a:t>Delete Framework</a:t>
-            </a:r>
-          </a:p>
-          <a:p>
-            <a:pPr marL="457200" lvl="1" indent="0">
-              <a:buNone/>
-            </a:pPr>
-            <a:r>
-              <a:rPr lang="en-US" b="1" dirty="0" smtClean="0">
-                <a:latin typeface="Consolas" panose="020B0609020204030204" pitchFamily="49" charset="0"/>
-                <a:cs typeface="Consolas" panose="020B0609020204030204" pitchFamily="49" charset="0"/>
-              </a:rPr>
-              <a:t>&gt;</a:t>
-            </a:r>
-            <a:r>
-              <a:rPr lang="en-US" dirty="0" smtClean="0">
-                <a:latin typeface="Consolas" panose="020B0609020204030204" pitchFamily="49" charset="0"/>
-                <a:cs typeface="Consolas" panose="020B0609020204030204" pitchFamily="49" charset="0"/>
-              </a:rPr>
-              <a:t> </a:t>
-            </a:r>
-            <a:r>
-              <a:rPr lang="en-US" b="1" dirty="0" err="1" smtClean="0">
-                <a:latin typeface="Consolas" panose="020B0609020204030204" pitchFamily="49" charset="0"/>
-                <a:cs typeface="Consolas" panose="020B0609020204030204" pitchFamily="49" charset="0"/>
-              </a:rPr>
-              <a:t>dnvm</a:t>
-            </a:r>
-            <a:r>
-              <a:rPr lang="en-US" b="1" dirty="0" smtClean="0">
-                <a:latin typeface="Consolas" panose="020B0609020204030204" pitchFamily="49" charset="0"/>
-                <a:cs typeface="Consolas" panose="020B0609020204030204" pitchFamily="49" charset="0"/>
-              </a:rPr>
-              <a:t> uninstall </a:t>
-            </a:r>
-          </a:p>
-          <a:p>
-            <a:r>
-              <a:rPr lang="en-US" dirty="0" smtClean="0"/>
-              <a:t>Install Latest DNVM</a:t>
-            </a:r>
-          </a:p>
-          <a:p>
-            <a:pPr marL="457200" lvl="1" indent="0">
-              <a:buNone/>
-            </a:pPr>
-            <a:r>
-              <a:rPr lang="en-US" b="1" dirty="0" smtClean="0">
-                <a:latin typeface="Consolas" panose="020B0609020204030204" pitchFamily="49" charset="0"/>
-                <a:cs typeface="Consolas" panose="020B0609020204030204" pitchFamily="49" charset="0"/>
-              </a:rPr>
-              <a:t>&gt;</a:t>
-            </a:r>
-            <a:r>
-              <a:rPr lang="en-US" dirty="0" smtClean="0">
-                <a:latin typeface="Consolas" panose="020B0609020204030204" pitchFamily="49" charset="0"/>
-                <a:cs typeface="Consolas" panose="020B0609020204030204" pitchFamily="49" charset="0"/>
-              </a:rPr>
-              <a:t> </a:t>
-            </a:r>
-            <a:r>
-              <a:rPr lang="en-US" b="1" dirty="0" err="1" smtClean="0">
-                <a:latin typeface="Consolas" panose="020B0609020204030204" pitchFamily="49" charset="0"/>
-                <a:cs typeface="Consolas" panose="020B0609020204030204" pitchFamily="49" charset="0"/>
-              </a:rPr>
-              <a:t>dnvm</a:t>
-            </a:r>
-            <a:r>
-              <a:rPr lang="en-US" b="1" dirty="0" smtClean="0">
-                <a:latin typeface="Consolas" panose="020B0609020204030204" pitchFamily="49" charset="0"/>
-                <a:cs typeface="Consolas" panose="020B0609020204030204" pitchFamily="49" charset="0"/>
-              </a:rPr>
-              <a:t> update-self</a:t>
-            </a:r>
-            <a:endParaRPr lang="en-US" b="1" dirty="0">
-              <a:latin typeface="Consolas" panose="020B0609020204030204" pitchFamily="49" charset="0"/>
-              <a:cs typeface="Consolas" panose="020B0609020204030204" pitchFamily="49" charset="0"/>
-            </a:endParaRPr>
           </a:p>
         </p:txBody>
       </p:sp>
@@ -12679,24 +17144,160 @@
           </a:p>
         </p:txBody>
       </p:sp>
+      <p:graphicFrame>
+        <p:nvGraphicFramePr>
+          <p:cNvPr id="7" name="Content Placeholder 6"/>
+          <p:cNvGraphicFramePr>
+            <a:graphicFrameLocks noGrp="1"/>
+          </p:cNvGraphicFramePr>
+          <p:nvPr>
+            <p:ph idx="1"/>
+            <p:extLst>
+              <p:ext uri="{D42A27DB-BD31-4B8C-83A1-F6EECF244321}">
+                <p14:modId xmlns:p14="http://schemas.microsoft.com/office/powerpoint/2010/main" val="3120420997"/>
+              </p:ext>
+            </p:extLst>
+          </p:nvPr>
+        </p:nvGraphicFramePr>
+        <p:xfrm>
+          <a:off x="677333" y="1470992"/>
+          <a:ext cx="8999403" cy="4050030"/>
+        </p:xfrm>
+        <a:graphic>
+          <a:graphicData uri="http://schemas.openxmlformats.org/drawingml/2006/diagram">
+            <dgm:relIds xmlns:dgm="http://schemas.openxmlformats.org/drawingml/2006/diagram" xmlns:r="http://schemas.openxmlformats.org/officeDocument/2006/relationships" r:dm="rId2" r:lo="rId3" r:qs="rId4" r:cs="rId5"/>
+          </a:graphicData>
+        </a:graphic>
+      </p:graphicFrame>
+      <p:grpSp>
+        <p:nvGrpSpPr>
+          <p:cNvPr id="17" name="Group 16"/>
+          <p:cNvGrpSpPr/>
+          <p:nvPr/>
+        </p:nvGrpSpPr>
+        <p:grpSpPr>
+          <a:xfrm>
+            <a:off x="3808057" y="5339033"/>
+            <a:ext cx="2640739" cy="930986"/>
+            <a:chOff x="3808057" y="5339033"/>
+            <a:chExt cx="2640739" cy="930986"/>
+          </a:xfrm>
+        </p:grpSpPr>
+        <p:pic>
+          <p:nvPicPr>
+            <p:cNvPr id="10" name="Picture 9"/>
+            <p:cNvPicPr>
+              <a:picLocks noChangeAspect="1"/>
+            </p:cNvPicPr>
+            <p:nvPr/>
+          </p:nvPicPr>
+          <p:blipFill>
+            <a:blip r:embed="rId7" cstate="print">
+              <a:extLst>
+                <a:ext uri="{28A0092B-C50C-407E-A947-70E740481C1C}">
+                  <a14:useLocalDpi xmlns:a14="http://schemas.microsoft.com/office/drawing/2010/main" val="0"/>
+                </a:ext>
+              </a:extLst>
+            </a:blip>
+            <a:stretch>
+              <a:fillRect/>
+            </a:stretch>
+          </p:blipFill>
+          <p:spPr>
+            <a:xfrm>
+              <a:off x="3808057" y="5339033"/>
+              <a:ext cx="883851" cy="883850"/>
+            </a:xfrm>
+            <a:prstGeom prst="rect">
+              <a:avLst/>
+            </a:prstGeom>
+          </p:spPr>
+        </p:pic>
+        <p:pic>
+          <p:nvPicPr>
+            <p:cNvPr id="11" name="Picture 10"/>
+            <p:cNvPicPr>
+              <a:picLocks noChangeAspect="1"/>
+            </p:cNvPicPr>
+            <p:nvPr/>
+          </p:nvPicPr>
+          <p:blipFill>
+            <a:blip r:embed="rId8" cstate="print">
+              <a:extLst>
+                <a:ext uri="{28A0092B-C50C-407E-A947-70E740481C1C}">
+                  <a14:useLocalDpi xmlns:a14="http://schemas.microsoft.com/office/drawing/2010/main" val="0"/>
+                </a:ext>
+              </a:extLst>
+            </a:blip>
+            <a:stretch>
+              <a:fillRect/>
+            </a:stretch>
+          </p:blipFill>
+          <p:spPr>
+            <a:xfrm>
+              <a:off x="4789122" y="5339033"/>
+              <a:ext cx="775823" cy="930986"/>
+            </a:xfrm>
+            <a:prstGeom prst="rect">
+              <a:avLst/>
+            </a:prstGeom>
+          </p:spPr>
+        </p:pic>
+        <p:pic>
+          <p:nvPicPr>
+            <p:cNvPr id="13" name="Picture 12"/>
+            <p:cNvPicPr>
+              <a:picLocks noChangeAspect="1"/>
+            </p:cNvPicPr>
+            <p:nvPr/>
+          </p:nvPicPr>
+          <p:blipFill>
+            <a:blip r:embed="rId9" cstate="print">
+              <a:extLst>
+                <a:ext uri="{28A0092B-C50C-407E-A947-70E740481C1C}">
+                  <a14:useLocalDpi xmlns:a14="http://schemas.microsoft.com/office/drawing/2010/main" val="0"/>
+                </a:ext>
+              </a:extLst>
+            </a:blip>
+            <a:stretch>
+              <a:fillRect/>
+            </a:stretch>
+          </p:blipFill>
+          <p:spPr>
+            <a:xfrm>
+              <a:off x="5564946" y="5339033"/>
+              <a:ext cx="883850" cy="883850"/>
+            </a:xfrm>
+            <a:prstGeom prst="rect">
+              <a:avLst/>
+            </a:prstGeom>
+          </p:spPr>
+        </p:pic>
+      </p:grpSp>
       <p:pic>
         <p:nvPicPr>
-          <p:cNvPr id="5" name="Picture 4"/>
+          <p:cNvPr id="15" name="Picture 14"/>
           <p:cNvPicPr>
             <a:picLocks noChangeAspect="1"/>
           </p:cNvPicPr>
           <p:nvPr/>
         </p:nvPicPr>
         <p:blipFill>
-          <a:blip r:embed="rId2"/>
+          <a:blip r:embed="rId7" cstate="print">
+            <a:extLst>
+              <a:ext uri="{28A0092B-C50C-407E-A947-70E740481C1C}">
+                <a14:useLocalDpi xmlns:a14="http://schemas.microsoft.com/office/drawing/2010/main" val="0"/>
+              </a:ext>
+            </a:extLst>
+          </a:blip>
           <a:stretch>
             <a:fillRect/>
           </a:stretch>
         </p:blipFill>
         <p:spPr>
           <a:xfrm>
-            <a:off x="4578413" y="1695923"/>
-            <a:ext cx="10596773" cy="4470400"/>
+            <a:off x="1460090" y="5339033"/>
+            <a:ext cx="883851" cy="883850"/>
           </a:xfrm>
           <a:prstGeom prst="rect">
             <a:avLst/>
@@ -12706,7 +17307,7 @@
     </p:spTree>
     <p:extLst>
       <p:ext uri="{BB962C8B-B14F-4D97-AF65-F5344CB8AC3E}">
-        <p14:creationId xmlns:p14="http://schemas.microsoft.com/office/powerpoint/2010/main" val="2444955105"/>
+        <p14:creationId xmlns:p14="http://schemas.microsoft.com/office/powerpoint/2010/main" val="967545764"/>
       </p:ext>
     </p:extLst>
   </p:cSld>
@@ -12757,7 +17358,7 @@
           <a:p>
             <a:r>
               <a:rPr lang="en-US" dirty="0" smtClean="0"/>
-              <a:t>DNVM – View Framework Options</a:t>
+              <a:t>DNVM</a:t>
             </a:r>
             <a:endParaRPr lang="en-US" dirty="0"/>
           </a:p>
@@ -12775,49 +17376,111 @@
         </p:nvSpPr>
         <p:spPr>
           <a:xfrm>
-            <a:off x="677334" y="1595439"/>
-            <a:ext cx="8596668" cy="4445924"/>
+            <a:off x="677334" y="1605643"/>
+            <a:ext cx="8596668" cy="4435719"/>
           </a:xfrm>
         </p:spPr>
         <p:txBody>
-          <a:bodyPr/>
+          <a:bodyPr>
+            <a:normAutofit/>
+          </a:bodyPr>
           <a:lstStyle/>
           <a:p>
-            <a:pPr marL="0" indent="0">
+            <a:r>
+              <a:rPr lang="en-US" dirty="0" smtClean="0"/>
+              <a:t>Framework versioning manager</a:t>
+            </a:r>
+          </a:p>
+          <a:p>
+            <a:endParaRPr lang="en-US" dirty="0" smtClean="0"/>
+          </a:p>
+          <a:p>
+            <a:r>
+              <a:rPr lang="en-US" dirty="0" smtClean="0"/>
+              <a:t>Registers frameworks in user profile</a:t>
+            </a:r>
+          </a:p>
+          <a:p>
+            <a:pPr lvl="1"/>
+            <a:r>
+              <a:rPr lang="en-US" dirty="0" smtClean="0"/>
+              <a:t>%USERPROFILE%\.</a:t>
+            </a:r>
+            <a:r>
+              <a:rPr lang="en-US" dirty="0" err="1" smtClean="0"/>
+              <a:t>dnx</a:t>
+            </a:r>
+            <a:r>
+              <a:rPr lang="en-US" dirty="0" smtClean="0"/>
+              <a:t>\runtimes</a:t>
+            </a:r>
+          </a:p>
+          <a:p>
+            <a:pPr marL="457200" lvl="1" indent="0">
               <a:buNone/>
             </a:pPr>
-            <a:r>
-              <a:rPr lang="en-US" b="1" dirty="0">
-                <a:latin typeface="Consolas" panose="020B0609020204030204" pitchFamily="49" charset="0"/>
-                <a:cs typeface="Consolas" panose="020B0609020204030204" pitchFamily="49" charset="0"/>
-              </a:rPr>
-              <a:t>&gt;</a:t>
-            </a:r>
-            <a:r>
-              <a:rPr lang="en-US" b="1" dirty="0" smtClean="0">
-                <a:latin typeface="Consolas" panose="020B0609020204030204" pitchFamily="49" charset="0"/>
-                <a:cs typeface="Consolas" panose="020B0609020204030204" pitchFamily="49" charset="0"/>
-              </a:rPr>
-              <a:t> </a:t>
-            </a:r>
-            <a:r>
-              <a:rPr lang="en-US" b="1" dirty="0" err="1" smtClean="0">
-                <a:latin typeface="Consolas" panose="020B0609020204030204" pitchFamily="49" charset="0"/>
-                <a:cs typeface="Consolas" panose="020B0609020204030204" pitchFamily="49" charset="0"/>
-              </a:rPr>
-              <a:t>dnvm</a:t>
-            </a:r>
-            <a:r>
-              <a:rPr lang="en-US" b="1" dirty="0" smtClean="0">
-                <a:latin typeface="Consolas" panose="020B0609020204030204" pitchFamily="49" charset="0"/>
-                <a:cs typeface="Consolas" panose="020B0609020204030204" pitchFamily="49" charset="0"/>
-              </a:rPr>
-              <a:t> list</a:t>
-            </a:r>
-            <a:endParaRPr lang="en-US" b="1" dirty="0">
-              <a:latin typeface="Consolas" panose="020B0609020204030204" pitchFamily="49" charset="0"/>
-              <a:cs typeface="Consolas" panose="020B0609020204030204" pitchFamily="49" charset="0"/>
-            </a:endParaRPr>
+            <a:endParaRPr lang="en-US" dirty="0" smtClean="0"/>
+          </a:p>
+          <a:p>
+            <a:r>
+              <a:rPr lang="en-US" dirty="0" smtClean="0"/>
+              <a:t>2 runtime types:	</a:t>
+            </a:r>
+            <a:endParaRPr lang="en-US" dirty="0" smtClean="0"/>
+          </a:p>
+          <a:p>
+            <a:pPr lvl="1">
+              <a:buFont typeface="+mj-lt"/>
+              <a:buAutoNum type="arabicPeriod"/>
+            </a:pPr>
+            <a:r>
+              <a:rPr lang="en-US" i="1" dirty="0" err="1" smtClean="0"/>
+              <a:t>Clr</a:t>
+            </a:r>
+            <a:endParaRPr lang="en-US" i="1" dirty="0" smtClean="0"/>
+          </a:p>
+          <a:p>
+            <a:pPr lvl="2"/>
+            <a:r>
+              <a:rPr lang="en-US" dirty="0" smtClean="0"/>
+              <a:t>rely </a:t>
+            </a:r>
+            <a:r>
+              <a:rPr lang="en-US" dirty="0" smtClean="0"/>
+              <a:t>on .NET being installed on </a:t>
+            </a:r>
+            <a:r>
+              <a:rPr lang="en-US" dirty="0" smtClean="0"/>
+              <a:t>machine</a:t>
+            </a:r>
+            <a:endParaRPr lang="en-US" dirty="0" smtClean="0"/>
+          </a:p>
+          <a:p>
+            <a:pPr lvl="1">
+              <a:buFont typeface="+mj-lt"/>
+              <a:buAutoNum type="arabicPeriod"/>
+            </a:pPr>
+            <a:r>
+              <a:rPr lang="en-US" i="1" dirty="0" err="1" smtClean="0"/>
+              <a:t>CoreClr</a:t>
+            </a:r>
+            <a:endParaRPr lang="en-US" i="1" dirty="0" smtClean="0"/>
+          </a:p>
+          <a:p>
+            <a:pPr lvl="2"/>
+            <a:r>
+              <a:rPr lang="en-US" dirty="0" smtClean="0"/>
+              <a:t>can </a:t>
+            </a:r>
+            <a:r>
+              <a:rPr lang="en-US" dirty="0" smtClean="0"/>
+              <a:t>be deployed w/ </a:t>
+            </a:r>
+            <a:r>
+              <a:rPr lang="en-US" dirty="0" smtClean="0"/>
+              <a:t>app</a:t>
+            </a:r>
+            <a:endParaRPr lang="en-US" dirty="0" smtClean="0"/>
           </a:p>
         </p:txBody>
       </p:sp>
@@ -12846,7 +17509,7 @@
       </p:sp>
       <p:pic>
         <p:nvPicPr>
-          <p:cNvPr id="6" name="Picture 5"/>
+          <p:cNvPr id="19" name="Picture 18"/>
           <p:cNvPicPr>
             <a:picLocks noChangeAspect="1"/>
           </p:cNvPicPr>
@@ -12860,8 +17523,8 @@
         </p:blipFill>
         <p:spPr>
           <a:xfrm>
-            <a:off x="986365" y="2011194"/>
-            <a:ext cx="7494555" cy="2920093"/>
+            <a:off x="6096000" y="609600"/>
+            <a:ext cx="5784310" cy="2477180"/>
           </a:xfrm>
           <a:prstGeom prst="rect">
             <a:avLst/>
@@ -12871,7 +17534,7 @@
     </p:spTree>
     <p:extLst>
       <p:ext uri="{BB962C8B-B14F-4D97-AF65-F5344CB8AC3E}">
-        <p14:creationId xmlns:p14="http://schemas.microsoft.com/office/powerpoint/2010/main" val="1094448290"/>
+        <p14:creationId xmlns:p14="http://schemas.microsoft.com/office/powerpoint/2010/main" val="797429953"/>
       </p:ext>
     </p:extLst>
   </p:cSld>
@@ -12922,7 +17585,288 @@
           <a:p>
             <a:r>
               <a:rPr lang="en-US" dirty="0" smtClean="0"/>
-              <a:t>DNVM – Set Default Runtime</a:t>
+              <a:t>DNVM</a:t>
+            </a:r>
+            <a:endParaRPr lang="en-US" dirty="0"/>
+          </a:p>
+        </p:txBody>
+      </p:sp>
+      <p:sp>
+        <p:nvSpPr>
+          <p:cNvPr id="3" name="Content Placeholder 2"/>
+          <p:cNvSpPr>
+            <a:spLocks noGrp="1"/>
+          </p:cNvSpPr>
+          <p:nvPr>
+            <p:ph idx="1"/>
+          </p:nvPr>
+        </p:nvSpPr>
+        <p:spPr>
+          <a:xfrm>
+            <a:off x="677334" y="1605643"/>
+            <a:ext cx="8596668" cy="4435720"/>
+          </a:xfrm>
+        </p:spPr>
+        <p:txBody>
+          <a:bodyPr/>
+          <a:lstStyle/>
+          <a:p>
+            <a:r>
+              <a:rPr lang="en-US" dirty="0" smtClean="0"/>
+              <a:t>Framework Inventory</a:t>
+            </a:r>
+          </a:p>
+          <a:p>
+            <a:pPr marL="457200" lvl="1" indent="0">
+              <a:buNone/>
+            </a:pPr>
+            <a:r>
+              <a:rPr lang="en-US" b="1" dirty="0" smtClean="0">
+                <a:latin typeface="Consolas" panose="020B0609020204030204" pitchFamily="49" charset="0"/>
+                <a:cs typeface="Consolas" panose="020B0609020204030204" pitchFamily="49" charset="0"/>
+              </a:rPr>
+              <a:t>&gt; </a:t>
+            </a:r>
+            <a:r>
+              <a:rPr lang="en-US" b="1" dirty="0" err="1" smtClean="0">
+                <a:latin typeface="Consolas" panose="020B0609020204030204" pitchFamily="49" charset="0"/>
+                <a:cs typeface="Consolas" panose="020B0609020204030204" pitchFamily="49" charset="0"/>
+              </a:rPr>
+              <a:t>dnvm</a:t>
+            </a:r>
+            <a:r>
+              <a:rPr lang="en-US" b="1" dirty="0" smtClean="0">
+                <a:latin typeface="Consolas" panose="020B0609020204030204" pitchFamily="49" charset="0"/>
+                <a:cs typeface="Consolas" panose="020B0609020204030204" pitchFamily="49" charset="0"/>
+              </a:rPr>
+              <a:t> list</a:t>
+            </a:r>
+          </a:p>
+          <a:p>
+            <a:r>
+              <a:rPr lang="en-US" dirty="0" smtClean="0"/>
+              <a:t>Select Framework</a:t>
+            </a:r>
+          </a:p>
+          <a:p>
+            <a:pPr marL="457200" lvl="1" indent="0">
+              <a:buNone/>
+            </a:pPr>
+            <a:r>
+              <a:rPr lang="en-US" b="1" dirty="0" smtClean="0">
+                <a:latin typeface="Consolas" panose="020B0609020204030204" pitchFamily="49" charset="0"/>
+                <a:cs typeface="Consolas" panose="020B0609020204030204" pitchFamily="49" charset="0"/>
+              </a:rPr>
+              <a:t>&gt;</a:t>
+            </a:r>
+            <a:r>
+              <a:rPr lang="en-US" dirty="0" smtClean="0">
+                <a:latin typeface="Consolas" panose="020B0609020204030204" pitchFamily="49" charset="0"/>
+                <a:cs typeface="Consolas" panose="020B0609020204030204" pitchFamily="49" charset="0"/>
+              </a:rPr>
+              <a:t> </a:t>
+            </a:r>
+            <a:r>
+              <a:rPr lang="en-US" b="1" dirty="0" err="1" smtClean="0">
+                <a:latin typeface="Consolas" panose="020B0609020204030204" pitchFamily="49" charset="0"/>
+                <a:cs typeface="Consolas" panose="020B0609020204030204" pitchFamily="49" charset="0"/>
+              </a:rPr>
+              <a:t>dnvm</a:t>
+            </a:r>
+            <a:r>
+              <a:rPr lang="en-US" b="1" dirty="0" smtClean="0">
+                <a:latin typeface="Consolas" panose="020B0609020204030204" pitchFamily="49" charset="0"/>
+                <a:cs typeface="Consolas" panose="020B0609020204030204" pitchFamily="49" charset="0"/>
+              </a:rPr>
+              <a:t> use</a:t>
+            </a:r>
+          </a:p>
+          <a:p>
+            <a:r>
+              <a:rPr lang="en-US" dirty="0" smtClean="0"/>
+              <a:t>Delete Framework</a:t>
+            </a:r>
+          </a:p>
+          <a:p>
+            <a:pPr marL="457200" lvl="1" indent="0">
+              <a:buNone/>
+            </a:pPr>
+            <a:r>
+              <a:rPr lang="en-US" b="1" dirty="0" smtClean="0">
+                <a:latin typeface="Consolas" panose="020B0609020204030204" pitchFamily="49" charset="0"/>
+                <a:cs typeface="Consolas" panose="020B0609020204030204" pitchFamily="49" charset="0"/>
+              </a:rPr>
+              <a:t>&gt;</a:t>
+            </a:r>
+            <a:r>
+              <a:rPr lang="en-US" dirty="0" smtClean="0">
+                <a:latin typeface="Consolas" panose="020B0609020204030204" pitchFamily="49" charset="0"/>
+                <a:cs typeface="Consolas" panose="020B0609020204030204" pitchFamily="49" charset="0"/>
+              </a:rPr>
+              <a:t> </a:t>
+            </a:r>
+            <a:r>
+              <a:rPr lang="en-US" b="1" dirty="0" err="1" smtClean="0">
+                <a:latin typeface="Consolas" panose="020B0609020204030204" pitchFamily="49" charset="0"/>
+                <a:cs typeface="Consolas" panose="020B0609020204030204" pitchFamily="49" charset="0"/>
+              </a:rPr>
+              <a:t>dnvm</a:t>
+            </a:r>
+            <a:r>
+              <a:rPr lang="en-US" b="1" dirty="0" smtClean="0">
+                <a:latin typeface="Consolas" panose="020B0609020204030204" pitchFamily="49" charset="0"/>
+                <a:cs typeface="Consolas" panose="020B0609020204030204" pitchFamily="49" charset="0"/>
+              </a:rPr>
+              <a:t> uninstall </a:t>
+            </a:r>
+          </a:p>
+          <a:p>
+            <a:r>
+              <a:rPr lang="en-US" dirty="0" smtClean="0"/>
+              <a:t>Install Latest DNVM</a:t>
+            </a:r>
+          </a:p>
+          <a:p>
+            <a:pPr marL="457200" lvl="1" indent="0">
+              <a:buNone/>
+            </a:pPr>
+            <a:r>
+              <a:rPr lang="en-US" b="1" dirty="0" smtClean="0">
+                <a:latin typeface="Consolas" panose="020B0609020204030204" pitchFamily="49" charset="0"/>
+                <a:cs typeface="Consolas" panose="020B0609020204030204" pitchFamily="49" charset="0"/>
+              </a:rPr>
+              <a:t>&gt;</a:t>
+            </a:r>
+            <a:r>
+              <a:rPr lang="en-US" dirty="0" smtClean="0">
+                <a:latin typeface="Consolas" panose="020B0609020204030204" pitchFamily="49" charset="0"/>
+                <a:cs typeface="Consolas" panose="020B0609020204030204" pitchFamily="49" charset="0"/>
+              </a:rPr>
+              <a:t> </a:t>
+            </a:r>
+            <a:r>
+              <a:rPr lang="en-US" b="1" dirty="0" err="1" smtClean="0">
+                <a:latin typeface="Consolas" panose="020B0609020204030204" pitchFamily="49" charset="0"/>
+                <a:cs typeface="Consolas" panose="020B0609020204030204" pitchFamily="49" charset="0"/>
+              </a:rPr>
+              <a:t>dnvm</a:t>
+            </a:r>
+            <a:r>
+              <a:rPr lang="en-US" b="1" dirty="0" smtClean="0">
+                <a:latin typeface="Consolas" panose="020B0609020204030204" pitchFamily="49" charset="0"/>
+                <a:cs typeface="Consolas" panose="020B0609020204030204" pitchFamily="49" charset="0"/>
+              </a:rPr>
+              <a:t> update-self</a:t>
+            </a:r>
+            <a:endParaRPr lang="en-US" b="1" dirty="0">
+              <a:latin typeface="Consolas" panose="020B0609020204030204" pitchFamily="49" charset="0"/>
+              <a:cs typeface="Consolas" panose="020B0609020204030204" pitchFamily="49" charset="0"/>
+            </a:endParaRPr>
+          </a:p>
+        </p:txBody>
+      </p:sp>
+      <p:sp>
+        <p:nvSpPr>
+          <p:cNvPr id="4" name="Slide Number Placeholder 3"/>
+          <p:cNvSpPr>
+            <a:spLocks noGrp="1"/>
+          </p:cNvSpPr>
+          <p:nvPr>
+            <p:ph type="sldNum" sz="quarter" idx="12"/>
+          </p:nvPr>
+        </p:nvSpPr>
+        <p:spPr/>
+        <p:txBody>
+          <a:bodyPr/>
+          <a:lstStyle/>
+          <a:p>
+            <a:fld id="{3AE964CF-DFDF-4B9D-8AE5-9B4D54DD768C}" type="slidenum">
+              <a:rPr lang="en-US" smtClean="0"/>
+              <a:t>7</a:t>
+            </a:fld>
+            <a:endParaRPr lang="en-US"/>
+          </a:p>
+        </p:txBody>
+      </p:sp>
+      <p:pic>
+        <p:nvPicPr>
+          <p:cNvPr id="5" name="Picture 4"/>
+          <p:cNvPicPr>
+            <a:picLocks noChangeAspect="1"/>
+          </p:cNvPicPr>
+          <p:nvPr/>
+        </p:nvPicPr>
+        <p:blipFill>
+          <a:blip r:embed="rId2"/>
+          <a:stretch>
+            <a:fillRect/>
+          </a:stretch>
+        </p:blipFill>
+        <p:spPr>
+          <a:xfrm>
+            <a:off x="4578413" y="1695923"/>
+            <a:ext cx="10596773" cy="4470400"/>
+          </a:xfrm>
+          <a:prstGeom prst="rect">
+            <a:avLst/>
+          </a:prstGeom>
+        </p:spPr>
+      </p:pic>
+    </p:spTree>
+    <p:extLst>
+      <p:ext uri="{BB962C8B-B14F-4D97-AF65-F5344CB8AC3E}">
+        <p14:creationId xmlns:p14="http://schemas.microsoft.com/office/powerpoint/2010/main" val="2444955105"/>
+      </p:ext>
+    </p:extLst>
+  </p:cSld>
+  <p:clrMapOvr>
+    <a:masterClrMapping/>
+  </p:clrMapOvr>
+  <p:timing>
+    <p:tnLst>
+      <p:par>
+        <p:cTn id="1" dur="indefinite" restart="never" nodeType="tmRoot"/>
+      </p:par>
+    </p:tnLst>
+  </p:timing>
+</p:sld>
+</file>
+
+<file path=ppt/slides/slide8.xml><?xml version="1.0" encoding="utf-8"?>
+<p:sld xmlns:a="http://schemas.openxmlformats.org/drawingml/2006/main" xmlns:r="http://schemas.openxmlformats.org/officeDocument/2006/relationships" xmlns:p="http://schemas.openxmlformats.org/presentationml/2006/main">
+  <p:cSld>
+    <p:spTree>
+      <p:nvGrpSpPr>
+        <p:cNvPr id="1" name=""/>
+        <p:cNvGrpSpPr/>
+        <p:nvPr/>
+      </p:nvGrpSpPr>
+      <p:grpSpPr>
+        <a:xfrm>
+          <a:off x="0" y="0"/>
+          <a:ext cx="0" cy="0"/>
+          <a:chOff x="0" y="0"/>
+          <a:chExt cx="0" cy="0"/>
+        </a:xfrm>
+      </p:grpSpPr>
+      <p:sp>
+        <p:nvSpPr>
+          <p:cNvPr id="2" name="Title 1"/>
+          <p:cNvSpPr>
+            <a:spLocks noGrp="1"/>
+          </p:cNvSpPr>
+          <p:nvPr>
+            <p:ph type="title"/>
+          </p:nvPr>
+        </p:nvSpPr>
+        <p:spPr/>
+        <p:txBody>
+          <a:bodyPr/>
+          <a:lstStyle/>
+          <a:p>
+            <a:r>
+              <a:rPr lang="en-US" dirty="0" smtClean="0"/>
+              <a:t>DNVM – View Framework Options</a:t>
             </a:r>
             <a:endParaRPr lang="en-US" dirty="0"/>
           </a:p>
@@ -12952,11 +17896,18 @@
               <a:buNone/>
             </a:pPr>
             <a:r>
+              <a:rPr lang="en-US" b="1" dirty="0">
+                <a:latin typeface="Consolas" panose="020B0609020204030204" pitchFamily="49" charset="0"/>
+                <a:cs typeface="Consolas" panose="020B0609020204030204" pitchFamily="49" charset="0"/>
+              </a:rPr>
+              <a:t>&gt;</a:t>
+            </a:r>
+            <a:r>
               <a:rPr lang="en-US" b="1" dirty="0" smtClean="0">
                 <a:latin typeface="Consolas" panose="020B0609020204030204" pitchFamily="49" charset="0"/>
                 <a:cs typeface="Consolas" panose="020B0609020204030204" pitchFamily="49" charset="0"/>
               </a:rPr>
-              <a:t>&gt; </a:t>
+              <a:t> </a:t>
             </a:r>
             <a:r>
               <a:rPr lang="en-US" b="1" dirty="0" err="1" smtClean="0">
@@ -12970,87 +17921,7 @@
                 <a:latin typeface="Consolas" panose="020B0609020204030204" pitchFamily="49" charset="0"/>
                 <a:cs typeface="Consolas" panose="020B0609020204030204" pitchFamily="49" charset="0"/>
               </a:rPr>
-              <a:t> use 1.0.0-beta8 –r </a:t>
-            </a:r>
-            <a:r>
-              <a:rPr lang="en-US" b="1" dirty="0" err="1" smtClean="0">
-                <a:latin typeface="Consolas" panose="020B0609020204030204" pitchFamily="49" charset="0"/>
-                <a:cs typeface="Consolas" panose="020B0609020204030204" pitchFamily="49" charset="0"/>
-              </a:rPr>
-              <a:t>coreclr</a:t>
-            </a:r>
-            <a:r>
-              <a:rPr lang="en-US" b="1" dirty="0" smtClean="0">
-                <a:latin typeface="Consolas" panose="020B0609020204030204" pitchFamily="49" charset="0"/>
-                <a:cs typeface="Consolas" panose="020B0609020204030204" pitchFamily="49" charset="0"/>
-              </a:rPr>
-              <a:t> –a x86 –p</a:t>
-            </a:r>
-          </a:p>
-          <a:p>
-            <a:pPr>
-              <a:buFont typeface="Wingdings" panose="05000000000000000000" pitchFamily="2" charset="2"/>
-              <a:buChar char="Ø"/>
-            </a:pPr>
-            <a:endParaRPr lang="en-US" b="1" dirty="0">
-              <a:latin typeface="Consolas" panose="020B0609020204030204" pitchFamily="49" charset="0"/>
-              <a:cs typeface="Consolas" panose="020B0609020204030204" pitchFamily="49" charset="0"/>
-            </a:endParaRPr>
-          </a:p>
-          <a:p>
-            <a:pPr>
-              <a:buFont typeface="Wingdings" panose="05000000000000000000" pitchFamily="2" charset="2"/>
-              <a:buChar char="Ø"/>
-            </a:pPr>
-            <a:endParaRPr lang="en-US" b="1" dirty="0" smtClean="0">
-              <a:latin typeface="Consolas" panose="020B0609020204030204" pitchFamily="49" charset="0"/>
-              <a:cs typeface="Consolas" panose="020B0609020204030204" pitchFamily="49" charset="0"/>
-            </a:endParaRPr>
-          </a:p>
-          <a:p>
-            <a:pPr>
-              <a:buFont typeface="Wingdings" panose="05000000000000000000" pitchFamily="2" charset="2"/>
-              <a:buChar char="Ø"/>
-            </a:pPr>
-            <a:endParaRPr lang="en-US" b="1" dirty="0">
-              <a:latin typeface="Consolas" panose="020B0609020204030204" pitchFamily="49" charset="0"/>
-              <a:cs typeface="Consolas" panose="020B0609020204030204" pitchFamily="49" charset="0"/>
-            </a:endParaRPr>
-          </a:p>
-          <a:p>
-            <a:pPr>
-              <a:buFont typeface="Wingdings" panose="05000000000000000000" pitchFamily="2" charset="2"/>
-              <a:buChar char="Ø"/>
-            </a:pPr>
-            <a:endParaRPr lang="en-US" b="1" dirty="0" smtClean="0">
-              <a:latin typeface="Consolas" panose="020B0609020204030204" pitchFamily="49" charset="0"/>
-              <a:cs typeface="Consolas" panose="020B0609020204030204" pitchFamily="49" charset="0"/>
-            </a:endParaRPr>
-          </a:p>
-          <a:p>
-            <a:pPr marL="0" indent="0">
-              <a:buNone/>
-            </a:pPr>
-            <a:r>
-              <a:rPr lang="en-US" b="1" dirty="0" smtClean="0">
-                <a:latin typeface="Consolas" panose="020B0609020204030204" pitchFamily="49" charset="0"/>
-                <a:cs typeface="Consolas" panose="020B0609020204030204" pitchFamily="49" charset="0"/>
-              </a:rPr>
-              <a:t>&gt; </a:t>
-            </a:r>
-            <a:r>
-              <a:rPr lang="en-US" b="1" dirty="0" err="1" smtClean="0">
-                <a:latin typeface="Consolas" panose="020B0609020204030204" pitchFamily="49" charset="0"/>
-                <a:cs typeface="Consolas" panose="020B0609020204030204" pitchFamily="49" charset="0"/>
-              </a:rPr>
-              <a:t>dnx</a:t>
-            </a:r>
-            <a:r>
-              <a:rPr lang="en-US" b="1" dirty="0" smtClean="0">
-                <a:latin typeface="Consolas" panose="020B0609020204030204" pitchFamily="49" charset="0"/>
-                <a:cs typeface="Consolas" panose="020B0609020204030204" pitchFamily="49" charset="0"/>
-              </a:rPr>
-              <a:t> --version</a:t>
+              <a:t> list</a:t>
             </a:r>
             <a:endParaRPr lang="en-US" b="1" dirty="0">
               <a:latin typeface="Consolas" panose="020B0609020204030204" pitchFamily="49" charset="0"/>
@@ -13076,7 +17947,245 @@
           <a:p>
             <a:fld id="{3AE964CF-DFDF-4B9D-8AE5-9B4D54DD768C}" type="slidenum">
               <a:rPr lang="en-US" smtClean="0"/>
-              <a:t>7</a:t>
+              <a:t>8</a:t>
+            </a:fld>
+            <a:endParaRPr lang="en-US"/>
+          </a:p>
+        </p:txBody>
+      </p:sp>
+      <p:pic>
+        <p:nvPicPr>
+          <p:cNvPr id="6" name="Picture 5"/>
+          <p:cNvPicPr>
+            <a:picLocks noChangeAspect="1"/>
+          </p:cNvPicPr>
+          <p:nvPr/>
+        </p:nvPicPr>
+        <p:blipFill>
+          <a:blip r:embed="rId2"/>
+          <a:stretch>
+            <a:fillRect/>
+          </a:stretch>
+        </p:blipFill>
+        <p:spPr>
+          <a:xfrm>
+            <a:off x="986365" y="2011194"/>
+            <a:ext cx="7494555" cy="2920093"/>
+          </a:xfrm>
+          <a:prstGeom prst="rect">
+            <a:avLst/>
+          </a:prstGeom>
+        </p:spPr>
+      </p:pic>
+    </p:spTree>
+    <p:extLst>
+      <p:ext uri="{BB962C8B-B14F-4D97-AF65-F5344CB8AC3E}">
+        <p14:creationId xmlns:p14="http://schemas.microsoft.com/office/powerpoint/2010/main" val="1094448290"/>
+      </p:ext>
+    </p:extLst>
+  </p:cSld>
+  <p:clrMapOvr>
+    <a:masterClrMapping/>
+  </p:clrMapOvr>
+  <p:timing>
+    <p:tnLst>
+      <p:par>
+        <p:cTn id="1" dur="indefinite" restart="never" nodeType="tmRoot"/>
+      </p:par>
+    </p:tnLst>
+  </p:timing>
+</p:sld>
+</file>
+
+<file path=ppt/slides/slide9.xml><?xml version="1.0" encoding="utf-8"?>
+<p:sld xmlns:a="http://schemas.openxmlformats.org/drawingml/2006/main" xmlns:r="http://schemas.openxmlformats.org/officeDocument/2006/relationships" xmlns:p="http://schemas.openxmlformats.org/presentationml/2006/main">
+  <p:cSld>
+    <p:spTree>
+      <p:nvGrpSpPr>
+        <p:cNvPr id="1" name=""/>
+        <p:cNvGrpSpPr/>
+        <p:nvPr/>
+      </p:nvGrpSpPr>
+      <p:grpSpPr>
+        <a:xfrm>
+          <a:off x="0" y="0"/>
+          <a:ext cx="0" cy="0"/>
+          <a:chOff x="0" y="0"/>
+          <a:chExt cx="0" cy="0"/>
+        </a:xfrm>
+      </p:grpSpPr>
+      <p:sp>
+        <p:nvSpPr>
+          <p:cNvPr id="2" name="Title 1"/>
+          <p:cNvSpPr>
+            <a:spLocks noGrp="1"/>
+          </p:cNvSpPr>
+          <p:nvPr>
+            <p:ph type="title"/>
+          </p:nvPr>
+        </p:nvSpPr>
+        <p:spPr/>
+        <p:txBody>
+          <a:bodyPr/>
+          <a:lstStyle/>
+          <a:p>
+            <a:r>
+              <a:rPr lang="en-US" dirty="0" smtClean="0"/>
+              <a:t>DNVM – Set Default Runtime</a:t>
+            </a:r>
+            <a:endParaRPr lang="en-US" dirty="0"/>
+          </a:p>
+        </p:txBody>
+      </p:sp>
+      <p:sp>
+        <p:nvSpPr>
+          <p:cNvPr id="3" name="Content Placeholder 2"/>
+          <p:cNvSpPr>
+            <a:spLocks noGrp="1"/>
+          </p:cNvSpPr>
+          <p:nvPr>
+            <p:ph idx="1"/>
+          </p:nvPr>
+        </p:nvSpPr>
+        <p:spPr>
+          <a:xfrm>
+            <a:off x="677334" y="1595439"/>
+            <a:ext cx="8596668" cy="4445924"/>
+          </a:xfrm>
+        </p:spPr>
+        <p:txBody>
+          <a:bodyPr/>
+          <a:lstStyle/>
+          <a:p>
+            <a:pPr marL="0" indent="0">
+              <a:buNone/>
+            </a:pPr>
+            <a:r>
+              <a:rPr lang="en-US" b="1" dirty="0" smtClean="0">
+                <a:latin typeface="Consolas" panose="020B0609020204030204" pitchFamily="49" charset="0"/>
+                <a:cs typeface="Consolas" panose="020B0609020204030204" pitchFamily="49" charset="0"/>
+              </a:rPr>
+              <a:t>&gt; </a:t>
+            </a:r>
+            <a:r>
+              <a:rPr lang="en-US" b="1" dirty="0" err="1" smtClean="0">
+                <a:latin typeface="Consolas" panose="020B0609020204030204" pitchFamily="49" charset="0"/>
+                <a:cs typeface="Consolas" panose="020B0609020204030204" pitchFamily="49" charset="0"/>
+              </a:rPr>
+              <a:t>dnvm</a:t>
+            </a:r>
+            <a:r>
+              <a:rPr lang="en-US" b="1" dirty="0" smtClean="0">
+                <a:latin typeface="Consolas" panose="020B0609020204030204" pitchFamily="49" charset="0"/>
+                <a:cs typeface="Consolas" panose="020B0609020204030204" pitchFamily="49" charset="0"/>
+              </a:rPr>
+              <a:t> use 1.0.0-beta8 –r </a:t>
+            </a:r>
+            <a:r>
+              <a:rPr lang="en-US" b="1" dirty="0" err="1" smtClean="0">
+                <a:latin typeface="Consolas" panose="020B0609020204030204" pitchFamily="49" charset="0"/>
+                <a:cs typeface="Consolas" panose="020B0609020204030204" pitchFamily="49" charset="0"/>
+              </a:rPr>
+              <a:t>coreclr</a:t>
+            </a:r>
+            <a:r>
+              <a:rPr lang="en-US" b="1" dirty="0" smtClean="0">
+                <a:latin typeface="Consolas" panose="020B0609020204030204" pitchFamily="49" charset="0"/>
+                <a:cs typeface="Consolas" panose="020B0609020204030204" pitchFamily="49" charset="0"/>
+              </a:rPr>
+              <a:t> –a x86 –p</a:t>
+            </a:r>
+          </a:p>
+          <a:p>
+            <a:pPr>
+              <a:buFont typeface="Wingdings" panose="05000000000000000000" pitchFamily="2" charset="2"/>
+              <a:buChar char="Ø"/>
+            </a:pPr>
+            <a:endParaRPr lang="en-US" b="1" dirty="0">
+              <a:latin typeface="Consolas" panose="020B0609020204030204" pitchFamily="49" charset="0"/>
+              <a:cs typeface="Consolas" panose="020B0609020204030204" pitchFamily="49" charset="0"/>
+            </a:endParaRPr>
+          </a:p>
+          <a:p>
+            <a:pPr>
+              <a:buFont typeface="Wingdings" panose="05000000000000000000" pitchFamily="2" charset="2"/>
+              <a:buChar char="Ø"/>
+            </a:pPr>
+            <a:endParaRPr lang="en-US" b="1" dirty="0" smtClean="0">
+              <a:latin typeface="Consolas" panose="020B0609020204030204" pitchFamily="49" charset="0"/>
+              <a:cs typeface="Consolas" panose="020B0609020204030204" pitchFamily="49" charset="0"/>
+            </a:endParaRPr>
+          </a:p>
+          <a:p>
+            <a:pPr>
+              <a:buFont typeface="Wingdings" panose="05000000000000000000" pitchFamily="2" charset="2"/>
+              <a:buChar char="Ø"/>
+            </a:pPr>
+            <a:endParaRPr lang="en-US" b="1" dirty="0">
+              <a:latin typeface="Consolas" panose="020B0609020204030204" pitchFamily="49" charset="0"/>
+              <a:cs typeface="Consolas" panose="020B0609020204030204" pitchFamily="49" charset="0"/>
+            </a:endParaRPr>
+          </a:p>
+          <a:p>
+            <a:pPr>
+              <a:buFont typeface="Wingdings" panose="05000000000000000000" pitchFamily="2" charset="2"/>
+              <a:buChar char="Ø"/>
+            </a:pPr>
+            <a:endParaRPr lang="en-US" b="1" dirty="0" smtClean="0">
+              <a:latin typeface="Consolas" panose="020B0609020204030204" pitchFamily="49" charset="0"/>
+              <a:cs typeface="Consolas" panose="020B0609020204030204" pitchFamily="49" charset="0"/>
+            </a:endParaRPr>
+          </a:p>
+          <a:p>
+            <a:pPr marL="0" indent="0">
+              <a:buNone/>
+            </a:pPr>
+            <a:r>
+              <a:rPr lang="en-US" b="1" dirty="0" smtClean="0">
+                <a:latin typeface="Consolas" panose="020B0609020204030204" pitchFamily="49" charset="0"/>
+                <a:cs typeface="Consolas" panose="020B0609020204030204" pitchFamily="49" charset="0"/>
+              </a:rPr>
+              <a:t>&gt; </a:t>
+            </a:r>
+            <a:r>
+              <a:rPr lang="en-US" b="1" dirty="0" err="1" smtClean="0">
+                <a:latin typeface="Consolas" panose="020B0609020204030204" pitchFamily="49" charset="0"/>
+                <a:cs typeface="Consolas" panose="020B0609020204030204" pitchFamily="49" charset="0"/>
+              </a:rPr>
+              <a:t>dnx</a:t>
+            </a:r>
+            <a:r>
+              <a:rPr lang="en-US" b="1" dirty="0" smtClean="0">
+                <a:latin typeface="Consolas" panose="020B0609020204030204" pitchFamily="49" charset="0"/>
+                <a:cs typeface="Consolas" panose="020B0609020204030204" pitchFamily="49" charset="0"/>
+              </a:rPr>
+              <a:t> --version</a:t>
+            </a:r>
+            <a:endParaRPr lang="en-US" b="1" dirty="0">
+              <a:latin typeface="Consolas" panose="020B0609020204030204" pitchFamily="49" charset="0"/>
+              <a:cs typeface="Consolas" panose="020B0609020204030204" pitchFamily="49" charset="0"/>
+            </a:endParaRPr>
+          </a:p>
+        </p:txBody>
+      </p:sp>
+      <p:sp>
+        <p:nvSpPr>
+          <p:cNvPr id="4" name="Slide Number Placeholder 3"/>
+          <p:cNvSpPr>
+            <a:spLocks noGrp="1"/>
+          </p:cNvSpPr>
+          <p:nvPr>
+            <p:ph type="sldNum" sz="quarter" idx="12"/>
+          </p:nvPr>
+        </p:nvSpPr>
+        <p:spPr/>
+        <p:txBody>
+          <a:bodyPr/>
+          <a:lstStyle/>
+          <a:p>
+            <a:fld id="{3AE964CF-DFDF-4B9D-8AE5-9B4D54DD768C}" type="slidenum">
+              <a:rPr lang="en-US" smtClean="0"/>
+              <a:t>9</a:t>
             </a:fld>
             <a:endParaRPr lang="en-US"/>
           </a:p>
@@ -13134,555 +18243,6 @@
     <p:extLst>
       <p:ext uri="{BB962C8B-B14F-4D97-AF65-F5344CB8AC3E}">
         <p14:creationId xmlns:p14="http://schemas.microsoft.com/office/powerpoint/2010/main" val="95247240"/>
-      </p:ext>
-    </p:extLst>
-  </p:cSld>
-  <p:clrMapOvr>
-    <a:masterClrMapping/>
-  </p:clrMapOvr>
-  <p:timing>
-    <p:tnLst>
-      <p:par>
-        <p:cTn id="1" dur="indefinite" restart="never" nodeType="tmRoot"/>
-      </p:par>
-    </p:tnLst>
-  </p:timing>
-</p:sld>
-</file>
-
-<file path=ppt/slides/slide8.xml><?xml version="1.0" encoding="utf-8"?>
-<p:sld xmlns:a="http://schemas.openxmlformats.org/drawingml/2006/main" xmlns:r="http://schemas.openxmlformats.org/officeDocument/2006/relationships" xmlns:p="http://schemas.openxmlformats.org/presentationml/2006/main">
-  <p:cSld>
-    <p:spTree>
-      <p:nvGrpSpPr>
-        <p:cNvPr id="1" name=""/>
-        <p:cNvGrpSpPr/>
-        <p:nvPr/>
-      </p:nvGrpSpPr>
-      <p:grpSpPr>
-        <a:xfrm>
-          <a:off x="0" y="0"/>
-          <a:ext cx="0" cy="0"/>
-          <a:chOff x="0" y="0"/>
-          <a:chExt cx="0" cy="0"/>
-        </a:xfrm>
-      </p:grpSpPr>
-      <p:sp>
-        <p:nvSpPr>
-          <p:cNvPr id="2" name="Title 1"/>
-          <p:cNvSpPr>
-            <a:spLocks noGrp="1"/>
-          </p:cNvSpPr>
-          <p:nvPr>
-            <p:ph type="title"/>
-          </p:nvPr>
-        </p:nvSpPr>
-        <p:spPr/>
-        <p:txBody>
-          <a:bodyPr/>
-          <a:lstStyle/>
-          <a:p>
-            <a:r>
-              <a:rPr lang="en-US" dirty="0" smtClean="0"/>
-              <a:t>DNX</a:t>
-            </a:r>
-            <a:endParaRPr lang="en-US" dirty="0"/>
-          </a:p>
-        </p:txBody>
-      </p:sp>
-      <p:sp>
-        <p:nvSpPr>
-          <p:cNvPr id="3" name="Content Placeholder 2"/>
-          <p:cNvSpPr>
-            <a:spLocks noGrp="1"/>
-          </p:cNvSpPr>
-          <p:nvPr>
-            <p:ph idx="1"/>
-          </p:nvPr>
-        </p:nvSpPr>
-        <p:spPr>
-          <a:xfrm>
-            <a:off x="677334" y="1604963"/>
-            <a:ext cx="8596668" cy="4436399"/>
-          </a:xfrm>
-        </p:spPr>
-        <p:txBody>
-          <a:bodyPr/>
-          <a:lstStyle/>
-          <a:p>
-            <a:r>
-              <a:rPr lang="en-US" dirty="0" smtClean="0"/>
-              <a:t>SDK &amp; runtime environment</a:t>
-            </a:r>
-          </a:p>
-          <a:p>
-            <a:r>
-              <a:rPr lang="en-US" dirty="0" smtClean="0"/>
-              <a:t>Builds &amp; runs .NET apps on Windows, Mac, or Linux</a:t>
-            </a:r>
-          </a:p>
-          <a:p>
-            <a:r>
-              <a:rPr lang="en-US" dirty="0" smtClean="0"/>
-              <a:t>Original intent = running </a:t>
-            </a:r>
-            <a:r>
-              <a:rPr lang="en-US" dirty="0" err="1" smtClean="0"/>
-              <a:t>xplat</a:t>
-            </a:r>
-            <a:r>
-              <a:rPr lang="en-US" dirty="0" smtClean="0"/>
-              <a:t> ASP.NET web apps</a:t>
-            </a:r>
-          </a:p>
-          <a:p>
-            <a:pPr lvl="1"/>
-            <a:r>
-              <a:rPr lang="en-US" dirty="0" smtClean="0"/>
-              <a:t>Can run other types of .NET apps (</a:t>
-            </a:r>
-            <a:r>
-              <a:rPr lang="en-US" dirty="0" err="1" smtClean="0"/>
-              <a:t>xplat</a:t>
-            </a:r>
-            <a:r>
-              <a:rPr lang="en-US" dirty="0" smtClean="0"/>
-              <a:t> console apps, etc.)</a:t>
-            </a:r>
-          </a:p>
-          <a:p>
-            <a:endParaRPr lang="en-US" dirty="0"/>
-          </a:p>
-        </p:txBody>
-      </p:sp>
-      <p:sp>
-        <p:nvSpPr>
-          <p:cNvPr id="4" name="Slide Number Placeholder 3"/>
-          <p:cNvSpPr>
-            <a:spLocks noGrp="1"/>
-          </p:cNvSpPr>
-          <p:nvPr>
-            <p:ph type="sldNum" sz="quarter" idx="12"/>
-          </p:nvPr>
-        </p:nvSpPr>
-        <p:spPr/>
-        <p:txBody>
-          <a:bodyPr/>
-          <a:lstStyle/>
-          <a:p>
-            <a:fld id="{3AE964CF-DFDF-4B9D-8AE5-9B4D54DD768C}" type="slidenum">
-              <a:rPr lang="en-US" smtClean="0"/>
-              <a:t>8</a:t>
-            </a:fld>
-            <a:endParaRPr lang="en-US"/>
-          </a:p>
-        </p:txBody>
-      </p:sp>
-    </p:spTree>
-    <p:extLst>
-      <p:ext uri="{BB962C8B-B14F-4D97-AF65-F5344CB8AC3E}">
-        <p14:creationId xmlns:p14="http://schemas.microsoft.com/office/powerpoint/2010/main" val="3307861767"/>
-      </p:ext>
-    </p:extLst>
-  </p:cSld>
-  <p:clrMapOvr>
-    <a:masterClrMapping/>
-  </p:clrMapOvr>
-  <p:timing>
-    <p:tnLst>
-      <p:par>
-        <p:cTn id="1" dur="indefinite" restart="never" nodeType="tmRoot"/>
-      </p:par>
-    </p:tnLst>
-  </p:timing>
-</p:sld>
-</file>
-
-<file path=ppt/slides/slide9.xml><?xml version="1.0" encoding="utf-8"?>
-<p:sld xmlns:a="http://schemas.openxmlformats.org/drawingml/2006/main" xmlns:r="http://schemas.openxmlformats.org/officeDocument/2006/relationships" xmlns:p="http://schemas.openxmlformats.org/presentationml/2006/main">
-  <p:cSld>
-    <p:spTree>
-      <p:nvGrpSpPr>
-        <p:cNvPr id="1" name=""/>
-        <p:cNvGrpSpPr/>
-        <p:nvPr/>
-      </p:nvGrpSpPr>
-      <p:grpSpPr>
-        <a:xfrm>
-          <a:off x="0" y="0"/>
-          <a:ext cx="0" cy="0"/>
-          <a:chOff x="0" y="0"/>
-          <a:chExt cx="0" cy="0"/>
-        </a:xfrm>
-      </p:grpSpPr>
-      <p:sp>
-        <p:nvSpPr>
-          <p:cNvPr id="2" name="Title 1"/>
-          <p:cNvSpPr>
-            <a:spLocks noGrp="1"/>
-          </p:cNvSpPr>
-          <p:nvPr>
-            <p:ph type="title"/>
-          </p:nvPr>
-        </p:nvSpPr>
-        <p:spPr/>
-        <p:txBody>
-          <a:bodyPr/>
-          <a:lstStyle/>
-          <a:p>
-            <a:r>
-              <a:rPr lang="en-US" dirty="0" smtClean="0"/>
-              <a:t>DNX – Start Web Server</a:t>
-            </a:r>
-            <a:endParaRPr lang="en-US" dirty="0"/>
-          </a:p>
-        </p:txBody>
-      </p:sp>
-      <p:sp>
-        <p:nvSpPr>
-          <p:cNvPr id="3" name="Content Placeholder 2"/>
-          <p:cNvSpPr>
-            <a:spLocks noGrp="1"/>
-          </p:cNvSpPr>
-          <p:nvPr>
-            <p:ph idx="1"/>
-          </p:nvPr>
-        </p:nvSpPr>
-        <p:spPr>
-          <a:xfrm>
-            <a:off x="677334" y="1595439"/>
-            <a:ext cx="8596668" cy="4445924"/>
-          </a:xfrm>
-        </p:spPr>
-        <p:txBody>
-          <a:bodyPr/>
-          <a:lstStyle/>
-          <a:p>
-            <a:pPr marL="0" indent="0">
-              <a:buNone/>
-            </a:pPr>
-            <a:endParaRPr lang="en-US" b="1" dirty="0" smtClean="0">
-              <a:latin typeface="Consolas" panose="020B0609020204030204" pitchFamily="49" charset="0"/>
-              <a:cs typeface="Consolas" panose="020B0609020204030204" pitchFamily="49" charset="0"/>
-            </a:endParaRPr>
-          </a:p>
-          <a:p>
-            <a:pPr marL="0" indent="0">
-              <a:buNone/>
-            </a:pPr>
-            <a:r>
-              <a:rPr lang="en-US" b="1" dirty="0" smtClean="0">
-                <a:latin typeface="Consolas" panose="020B0609020204030204" pitchFamily="49" charset="0"/>
-                <a:cs typeface="Consolas" panose="020B0609020204030204" pitchFamily="49" charset="0"/>
-              </a:rPr>
-              <a:t>&gt; </a:t>
-            </a:r>
-            <a:r>
-              <a:rPr lang="en-US" b="1" dirty="0" err="1" smtClean="0">
-                <a:latin typeface="Consolas" panose="020B0609020204030204" pitchFamily="49" charset="0"/>
-                <a:cs typeface="Consolas" panose="020B0609020204030204" pitchFamily="49" charset="0"/>
-              </a:rPr>
-              <a:t>dnx</a:t>
-            </a:r>
-            <a:r>
-              <a:rPr lang="en-US" b="1" dirty="0" smtClean="0">
-                <a:latin typeface="Consolas" panose="020B0609020204030204" pitchFamily="49" charset="0"/>
-                <a:cs typeface="Consolas" panose="020B0609020204030204" pitchFamily="49" charset="0"/>
-              </a:rPr>
-              <a:t> web</a:t>
-            </a:r>
-            <a:endParaRPr lang="en-US" b="1" dirty="0">
-              <a:latin typeface="Consolas" panose="020B0609020204030204" pitchFamily="49" charset="0"/>
-              <a:cs typeface="Consolas" panose="020B0609020204030204" pitchFamily="49" charset="0"/>
-            </a:endParaRPr>
-          </a:p>
-        </p:txBody>
-      </p:sp>
-      <p:sp>
-        <p:nvSpPr>
-          <p:cNvPr id="4" name="Slide Number Placeholder 3"/>
-          <p:cNvSpPr>
-            <a:spLocks noGrp="1"/>
-          </p:cNvSpPr>
-          <p:nvPr>
-            <p:ph type="sldNum" sz="quarter" idx="12"/>
-          </p:nvPr>
-        </p:nvSpPr>
-        <p:spPr/>
-        <p:txBody>
-          <a:bodyPr/>
-          <a:lstStyle/>
-          <a:p>
-            <a:fld id="{3AE964CF-DFDF-4B9D-8AE5-9B4D54DD768C}" type="slidenum">
-              <a:rPr lang="en-US" smtClean="0"/>
-              <a:t>9</a:t>
-            </a:fld>
-            <a:endParaRPr lang="en-US"/>
-          </a:p>
-        </p:txBody>
-      </p:sp>
-      <p:pic>
-        <p:nvPicPr>
-          <p:cNvPr id="6" name="Picture 5"/>
-          <p:cNvPicPr>
-            <a:picLocks noChangeAspect="1"/>
-          </p:cNvPicPr>
-          <p:nvPr/>
-        </p:nvPicPr>
-        <p:blipFill>
-          <a:blip r:embed="rId2"/>
-          <a:stretch>
-            <a:fillRect/>
-          </a:stretch>
-        </p:blipFill>
-        <p:spPr>
-          <a:xfrm>
-            <a:off x="390253" y="3589860"/>
-            <a:ext cx="5053693" cy="1563339"/>
-          </a:xfrm>
-          <a:prstGeom prst="rect">
-            <a:avLst/>
-          </a:prstGeom>
-        </p:spPr>
-      </p:pic>
-      <mc:AlternateContent xmlns:mc="http://schemas.openxmlformats.org/markup-compatibility/2006" xmlns:we="http://schemas.microsoft.com/office/webextensions/webextension/2010/11" xmlns:pca="http://schemas.microsoft.com/office/powerpoint/2013/contentapp">
-        <mc:Choice Requires="we pca">
-          <p:graphicFrame>
-            <p:nvGraphicFramePr>
-              <p:cNvPr id="7" name="Add-in 6" title="Code Presenter Pro"/>
-              <p:cNvGraphicFramePr>
-                <a:graphicFrameLocks noGrp="1"/>
-              </p:cNvGraphicFramePr>
-              <p:nvPr>
-                <p:extLst>
-                  <p:ext uri="{D42A27DB-BD31-4B8C-83A1-F6EECF244321}">
-                    <p14:modId xmlns:p14="http://schemas.microsoft.com/office/powerpoint/2010/main" val="2971274170"/>
-                  </p:ext>
-                </p:extLst>
-              </p:nvPr>
-            </p:nvGraphicFramePr>
-            <p:xfrm>
-              <a:off x="3505195" y="1891623"/>
-              <a:ext cx="5181600" cy="876300"/>
-            </p:xfrm>
-            <a:graphic>
-              <a:graphicData uri="http://schemas.microsoft.com/office/webextensions/webextension/2010/11">
-                <we:webextensionref xmlns:we="http://schemas.microsoft.com/office/webextensions/webextension/2010/11" xmlns:r="http://schemas.openxmlformats.org/officeDocument/2006/relationships" r:id="rId3"/>
-              </a:graphicData>
-            </a:graphic>
-          </p:graphicFrame>
-        </mc:Choice>
-        <mc:Fallback xmlns="">
-          <p:pic>
-            <p:nvPicPr>
-              <p:cNvPr id="7" name="Add-in 6" title="Code Presenter Pro"/>
-              <p:cNvPicPr>
-                <a:picLocks noGrp="1" noRot="1" noChangeAspect="1" noMove="1" noResize="1" noEditPoints="1" noAdjustHandles="1" noChangeArrowheads="1" noChangeShapeType="1"/>
-              </p:cNvPicPr>
-              <p:nvPr/>
-            </p:nvPicPr>
-            <p:blipFill>
-              <a:blip r:embed="rId4"/>
-              <a:stretch>
-                <a:fillRect/>
-              </a:stretch>
-            </p:blipFill>
-            <p:spPr>
-              <a:xfrm>
-                <a:off x="3505195" y="1891623"/>
-                <a:ext cx="5181600" cy="876300"/>
-              </a:xfrm>
-              <a:prstGeom prst="rect">
-                <a:avLst/>
-              </a:prstGeom>
-            </p:spPr>
-          </p:pic>
-        </mc:Fallback>
-      </mc:AlternateContent>
-      <p:sp>
-        <p:nvSpPr>
-          <p:cNvPr id="8" name="Right Arrow 7"/>
-          <p:cNvSpPr/>
-          <p:nvPr/>
-        </p:nvSpPr>
-        <p:spPr>
-          <a:xfrm>
-            <a:off x="2111828" y="1977801"/>
-            <a:ext cx="1225720" cy="458786"/>
-          </a:xfrm>
-          <a:prstGeom prst="rightArrow">
-            <a:avLst/>
-          </a:prstGeom>
-        </p:spPr>
-        <p:style>
-          <a:lnRef idx="1">
-            <a:schemeClr val="accent2"/>
-          </a:lnRef>
-          <a:fillRef idx="2">
-            <a:schemeClr val="accent2"/>
-          </a:fillRef>
-          <a:effectRef idx="1">
-            <a:schemeClr val="accent2"/>
-          </a:effectRef>
-          <a:fontRef idx="minor">
-            <a:schemeClr val="dk1"/>
-          </a:fontRef>
-        </p:style>
-        <p:txBody>
-          <a:bodyPr rtlCol="0" anchor="ctr"/>
-          <a:lstStyle/>
-          <a:p>
-            <a:pPr algn="ctr"/>
-            <a:r>
-              <a:rPr lang="en-US" dirty="0" smtClean="0"/>
-              <a:t>Execute</a:t>
-            </a:r>
-            <a:endParaRPr lang="en-US" dirty="0"/>
-          </a:p>
-        </p:txBody>
-      </p:sp>
-      <p:sp>
-        <p:nvSpPr>
-          <p:cNvPr id="9" name="TextBox 8"/>
-          <p:cNvSpPr txBox="1"/>
-          <p:nvPr/>
-        </p:nvSpPr>
-        <p:spPr>
-          <a:xfrm>
-            <a:off x="3429867" y="1505345"/>
-            <a:ext cx="5897371" cy="369332"/>
-          </a:xfrm>
-          <a:prstGeom prst="rect">
-            <a:avLst/>
-          </a:prstGeom>
-          <a:noFill/>
-        </p:spPr>
-        <p:txBody>
-          <a:bodyPr wrap="square" rtlCol="0">
-            <a:spAutoFit/>
-          </a:bodyPr>
-          <a:lstStyle/>
-          <a:p>
-            <a:r>
-              <a:rPr lang="en-US" u="sng" dirty="0" err="1" smtClean="0"/>
-              <a:t>project.json</a:t>
-            </a:r>
-            <a:endParaRPr lang="en-US" u="sng" dirty="0"/>
-          </a:p>
-        </p:txBody>
-      </p:sp>
-      <p:sp>
-        <p:nvSpPr>
-          <p:cNvPr id="10" name="Left Arrow 9"/>
-          <p:cNvSpPr/>
-          <p:nvPr/>
-        </p:nvSpPr>
-        <p:spPr>
-          <a:xfrm rot="19188924">
-            <a:off x="2488007" y="2828227"/>
-            <a:ext cx="985157" cy="510891"/>
-          </a:xfrm>
-          <a:prstGeom prst="leftArrow">
-            <a:avLst/>
-          </a:prstGeom>
-        </p:spPr>
-        <p:style>
-          <a:lnRef idx="1">
-            <a:schemeClr val="accent2"/>
-          </a:lnRef>
-          <a:fillRef idx="2">
-            <a:schemeClr val="accent2"/>
-          </a:fillRef>
-          <a:effectRef idx="1">
-            <a:schemeClr val="accent2"/>
-          </a:effectRef>
-          <a:fontRef idx="minor">
-            <a:schemeClr val="dk1"/>
-          </a:fontRef>
-        </p:style>
-        <p:txBody>
-          <a:bodyPr rtlCol="0" anchor="ctr"/>
-          <a:lstStyle/>
-          <a:p>
-            <a:pPr algn="ctr"/>
-            <a:r>
-              <a:rPr lang="en-US" dirty="0" smtClean="0"/>
-              <a:t>Start</a:t>
-            </a:r>
-            <a:endParaRPr lang="en-US" dirty="0"/>
-          </a:p>
-        </p:txBody>
-      </p:sp>
-      <p:pic>
-        <p:nvPicPr>
-          <p:cNvPr id="11" name="Picture 10"/>
-          <p:cNvPicPr>
-            <a:picLocks noChangeAspect="1"/>
-          </p:cNvPicPr>
-          <p:nvPr/>
-        </p:nvPicPr>
-        <p:blipFill>
-          <a:blip r:embed="rId5"/>
-          <a:stretch>
-            <a:fillRect/>
-          </a:stretch>
-        </p:blipFill>
-        <p:spPr>
-          <a:xfrm>
-            <a:off x="6825644" y="3589860"/>
-            <a:ext cx="9614505" cy="7589894"/>
-          </a:xfrm>
-          <a:prstGeom prst="rect">
-            <a:avLst/>
-          </a:prstGeom>
-        </p:spPr>
-      </p:pic>
-      <p:sp>
-        <p:nvSpPr>
-          <p:cNvPr id="13" name="Right Arrow 12"/>
-          <p:cNvSpPr/>
-          <p:nvPr/>
-        </p:nvSpPr>
-        <p:spPr>
-          <a:xfrm>
-            <a:off x="5520456" y="4040809"/>
-            <a:ext cx="1225720" cy="458786"/>
-          </a:xfrm>
-          <a:prstGeom prst="rightArrow">
-            <a:avLst/>
-          </a:prstGeom>
-        </p:spPr>
-        <p:style>
-          <a:lnRef idx="1">
-            <a:schemeClr val="accent2"/>
-          </a:lnRef>
-          <a:fillRef idx="2">
-            <a:schemeClr val="accent2"/>
-          </a:fillRef>
-          <a:effectRef idx="1">
-            <a:schemeClr val="accent2"/>
-          </a:effectRef>
-          <a:fontRef idx="minor">
-            <a:schemeClr val="dk1"/>
-          </a:fontRef>
-        </p:style>
-        <p:txBody>
-          <a:bodyPr rtlCol="0" anchor="ctr"/>
-          <a:lstStyle/>
-          <a:p>
-            <a:pPr algn="ctr"/>
-            <a:r>
-              <a:rPr lang="en-US" dirty="0" smtClean="0"/>
-              <a:t>Browse</a:t>
-            </a:r>
-            <a:endParaRPr lang="en-US" dirty="0"/>
-          </a:p>
-        </p:txBody>
-      </p:sp>
-    </p:spTree>
-    <p:extLst>
-      <p:ext uri="{BB962C8B-B14F-4D97-AF65-F5344CB8AC3E}">
-        <p14:creationId xmlns:p14="http://schemas.microsoft.com/office/powerpoint/2010/main" val="21192055"/>
       </p:ext>
     </p:extLst>
   </p:cSld>

--- a/Getting Started with ASP.NET 5 in VS Code.pptx
+++ b/Getting Started with ASP.NET 5 in VS Code.pptx
@@ -15872,11 +15872,15 @@
           <a:p>
             <a:r>
               <a:rPr lang="en-US" dirty="0" smtClean="0"/>
-              <a:t>Scaffolding Support </a:t>
+              <a:t>Scaffolding </a:t>
+            </a:r>
+            <a:r>
+              <a:rPr lang="en-US" smtClean="0"/>
+              <a:t>Support for </a:t>
             </a:r>
             <a:r>
               <a:rPr lang="en-US" dirty="0" smtClean="0"/>
-              <a:t>in VS Code</a:t>
+              <a:t>VS Code</a:t>
             </a:r>
             <a:endParaRPr lang="en-US" dirty="0"/>
           </a:p>

--- a/Getting Started with ASP.NET 5 in VS Code.pptx
+++ b/Getting Started with ASP.NET 5 in VS Code.pptx
@@ -127,7 +127,7 @@
   </p:defaultTextStyle>
   <p:extLst>
     <p:ext uri="{EFAFB233-063F-42B5-8137-9DF3F51BA10A}">
-      <p15:sldGuideLst xmlns:p15="http://schemas.microsoft.com/office/powerpoint/2012/main">
+      <p15:sldGuideLst xmlns="" xmlns:p15="http://schemas.microsoft.com/office/powerpoint/2012/main">
         <p15:guide id="1" orient="horz" pos="2160" userDrawn="1">
           <p15:clr>
             <a:srgbClr val="A4A3A4"/>
@@ -1841,6 +1841,13 @@
         </dgm:presLayoutVars>
       </dgm:prSet>
       <dgm:spPr/>
+      <dgm:t>
+        <a:bodyPr/>
+        <a:lstStyle/>
+        <a:p>
+          <a:endParaRPr lang="en-US"/>
+        </a:p>
+      </dgm:t>
     </dgm:pt>
     <dgm:pt modelId="{0DA0A989-CBED-4B19-A3FE-81EAF897B5B7}" type="pres">
       <dgm:prSet presAssocID="{48C133C3-77F3-4A71-8515-4B7725FB695C}" presName="hierRoot1" presStyleCnt="0">
@@ -1862,6 +1869,13 @@
         </dgm:presLayoutVars>
       </dgm:prSet>
       <dgm:spPr/>
+      <dgm:t>
+        <a:bodyPr/>
+        <a:lstStyle/>
+        <a:p>
+          <a:endParaRPr lang="en-US"/>
+        </a:p>
+      </dgm:t>
     </dgm:pt>
     <dgm:pt modelId="{EFFCA47C-D5C2-4308-A844-2CC7B5C9555D}" type="pres">
       <dgm:prSet presAssocID="{48C133C3-77F3-4A71-8515-4B7725FB695C}" presName="titleText1" presStyleLbl="fgAcc0" presStyleIdx="0" presStyleCnt="1" custScaleX="279711" custLinFactNeighborX="-7515" custLinFactNeighborY="95890">
@@ -1871,10 +1885,24 @@
         </dgm:presLayoutVars>
       </dgm:prSet>
       <dgm:spPr/>
+      <dgm:t>
+        <a:bodyPr/>
+        <a:lstStyle/>
+        <a:p>
+          <a:endParaRPr lang="en-US"/>
+        </a:p>
+      </dgm:t>
     </dgm:pt>
     <dgm:pt modelId="{E4683AE9-12A6-4E1D-8807-2134BE840AFA}" type="pres">
       <dgm:prSet presAssocID="{48C133C3-77F3-4A71-8515-4B7725FB695C}" presName="rootConnector1" presStyleLbl="node1" presStyleIdx="0" presStyleCnt="3"/>
       <dgm:spPr/>
+      <dgm:t>
+        <a:bodyPr/>
+        <a:lstStyle/>
+        <a:p>
+          <a:endParaRPr lang="en-US"/>
+        </a:p>
+      </dgm:t>
     </dgm:pt>
     <dgm:pt modelId="{E266A8FF-97C8-4138-9197-7BCA3AB036B3}" type="pres">
       <dgm:prSet presAssocID="{48C133C3-77F3-4A71-8515-4B7725FB695C}" presName="hierChild2" presStyleCnt="0"/>
@@ -1883,6 +1911,13 @@
     <dgm:pt modelId="{6C4D6CE3-4FAA-4D39-8A22-7BAC7C27FEEC}" type="pres">
       <dgm:prSet presAssocID="{523E3F81-A7FD-41C6-AEFA-00BFD2D5C126}" presName="Name37" presStyleLbl="parChTrans1D2" presStyleIdx="0" presStyleCnt="3"/>
       <dgm:spPr/>
+      <dgm:t>
+        <a:bodyPr/>
+        <a:lstStyle/>
+        <a:p>
+          <a:endParaRPr lang="en-US"/>
+        </a:p>
+      </dgm:t>
     </dgm:pt>
     <dgm:pt modelId="{1FD04404-7F57-4E0A-96B8-2299288FE726}" type="pres">
       <dgm:prSet presAssocID="{6C56C7E1-118B-466E-A84D-657D222A3EFB}" presName="hierRoot2" presStyleCnt="0">
@@ -1904,6 +1939,13 @@
         </dgm:presLayoutVars>
       </dgm:prSet>
       <dgm:spPr/>
+      <dgm:t>
+        <a:bodyPr/>
+        <a:lstStyle/>
+        <a:p>
+          <a:endParaRPr lang="en-US"/>
+        </a:p>
+      </dgm:t>
     </dgm:pt>
     <dgm:pt modelId="{40DF6143-7A1D-4CBC-A39F-187E0F34DDEB}" type="pres">
       <dgm:prSet presAssocID="{6C56C7E1-118B-466E-A84D-657D222A3EFB}" presName="titleText2" presStyleLbl="fgAcc1" presStyleIdx="0" presStyleCnt="3">
@@ -1924,6 +1966,13 @@
     <dgm:pt modelId="{443F2EA8-12E1-4F9D-B8E2-9D66197C9EA8}" type="pres">
       <dgm:prSet presAssocID="{6C56C7E1-118B-466E-A84D-657D222A3EFB}" presName="rootConnector" presStyleLbl="node2" presStyleIdx="0" presStyleCnt="0"/>
       <dgm:spPr/>
+      <dgm:t>
+        <a:bodyPr/>
+        <a:lstStyle/>
+        <a:p>
+          <a:endParaRPr lang="en-US"/>
+        </a:p>
+      </dgm:t>
     </dgm:pt>
     <dgm:pt modelId="{D5FA2318-57AC-41A7-B7B1-2298A7F5EF08}" type="pres">
       <dgm:prSet presAssocID="{6C56C7E1-118B-466E-A84D-657D222A3EFB}" presName="hierChild4" presStyleCnt="0"/>
@@ -1936,6 +1985,13 @@
     <dgm:pt modelId="{8D96E3EE-4EE6-47C0-BDA3-1B464380816D}" type="pres">
       <dgm:prSet presAssocID="{4EEC8717-AA0F-49DE-8732-2508B3115DE0}" presName="Name37" presStyleLbl="parChTrans1D2" presStyleIdx="1" presStyleCnt="3"/>
       <dgm:spPr/>
+      <dgm:t>
+        <a:bodyPr/>
+        <a:lstStyle/>
+        <a:p>
+          <a:endParaRPr lang="en-US"/>
+        </a:p>
+      </dgm:t>
     </dgm:pt>
     <dgm:pt modelId="{44CA2DCF-42C0-407A-ABE2-B3D41E866CEB}" type="pres">
       <dgm:prSet presAssocID="{B4FA02E4-55C6-4E7F-89E1-A36E659C009D}" presName="hierRoot2" presStyleCnt="0">
@@ -1957,6 +2013,13 @@
         </dgm:presLayoutVars>
       </dgm:prSet>
       <dgm:spPr/>
+      <dgm:t>
+        <a:bodyPr/>
+        <a:lstStyle/>
+        <a:p>
+          <a:endParaRPr lang="en-US"/>
+        </a:p>
+      </dgm:t>
     </dgm:pt>
     <dgm:pt modelId="{8C87CF99-C695-483F-877F-16140EF7B842}" type="pres">
       <dgm:prSet presAssocID="{B4FA02E4-55C6-4E7F-89E1-A36E659C009D}" presName="titleText2" presStyleLbl="fgAcc1" presStyleIdx="1" presStyleCnt="3">
@@ -1977,6 +2040,13 @@
     <dgm:pt modelId="{6A000DF7-1A06-4720-A08C-779CAA7DF395}" type="pres">
       <dgm:prSet presAssocID="{B4FA02E4-55C6-4E7F-89E1-A36E659C009D}" presName="rootConnector" presStyleLbl="node2" presStyleIdx="0" presStyleCnt="0"/>
       <dgm:spPr/>
+      <dgm:t>
+        <a:bodyPr/>
+        <a:lstStyle/>
+        <a:p>
+          <a:endParaRPr lang="en-US"/>
+        </a:p>
+      </dgm:t>
     </dgm:pt>
     <dgm:pt modelId="{DABA6A64-3116-429A-A6C2-E81A683FF019}" type="pres">
       <dgm:prSet presAssocID="{B4FA02E4-55C6-4E7F-89E1-A36E659C009D}" presName="hierChild4" presStyleCnt="0"/>
@@ -1989,6 +2059,13 @@
     <dgm:pt modelId="{3E8CF59A-FAAD-44AA-979D-BA7D6881B96A}" type="pres">
       <dgm:prSet presAssocID="{CEA44938-41CA-4FE2-8E9C-87D351F742D9}" presName="Name37" presStyleLbl="parChTrans1D2" presStyleIdx="2" presStyleCnt="3"/>
       <dgm:spPr/>
+      <dgm:t>
+        <a:bodyPr/>
+        <a:lstStyle/>
+        <a:p>
+          <a:endParaRPr lang="en-US"/>
+        </a:p>
+      </dgm:t>
     </dgm:pt>
     <dgm:pt modelId="{C1633CCD-9047-4C60-92A6-ABE37F20362C}" type="pres">
       <dgm:prSet presAssocID="{98676505-2196-4383-BEFB-5F6FF8DFC4F3}" presName="hierRoot2" presStyleCnt="0">
@@ -2010,6 +2087,13 @@
         </dgm:presLayoutVars>
       </dgm:prSet>
       <dgm:spPr/>
+      <dgm:t>
+        <a:bodyPr/>
+        <a:lstStyle/>
+        <a:p>
+          <a:endParaRPr lang="en-US"/>
+        </a:p>
+      </dgm:t>
     </dgm:pt>
     <dgm:pt modelId="{511293F5-5A5E-445C-B435-92C4CB8E9AD6}" type="pres">
       <dgm:prSet presAssocID="{98676505-2196-4383-BEFB-5F6FF8DFC4F3}" presName="titleText2" presStyleLbl="fgAcc1" presStyleIdx="2" presStyleCnt="3">
@@ -2030,6 +2114,13 @@
     <dgm:pt modelId="{00BA90B6-26AF-4594-9663-43A9B290A14C}" type="pres">
       <dgm:prSet presAssocID="{98676505-2196-4383-BEFB-5F6FF8DFC4F3}" presName="rootConnector" presStyleLbl="node2" presStyleIdx="0" presStyleCnt="0"/>
       <dgm:spPr/>
+      <dgm:t>
+        <a:bodyPr/>
+        <a:lstStyle/>
+        <a:p>
+          <a:endParaRPr lang="en-US"/>
+        </a:p>
+      </dgm:t>
     </dgm:pt>
     <dgm:pt modelId="{392062C4-C553-41FE-8178-6B977942723D}" type="pres">
       <dgm:prSet presAssocID="{98676505-2196-4383-BEFB-5F6FF8DFC4F3}" presName="hierChild4" presStyleCnt="0"/>
@@ -2045,26 +2136,26 @@
     </dgm:pt>
   </dgm:ptLst>
   <dgm:cxnLst>
+    <dgm:cxn modelId="{7099AADB-E474-47E6-AA7C-4BD0C5FC6EE1}" type="presOf" srcId="{56F91B86-C79C-443A-89FC-288C3CB26305}" destId="{BF944616-80E6-4E36-ADDD-11AD911A0320}" srcOrd="0" destOrd="0" presId="urn:microsoft.com/office/officeart/2008/layout/NameandTitleOrganizationalChart"/>
+    <dgm:cxn modelId="{9B636C39-7CFA-40B2-8376-6FC260A550B2}" type="presOf" srcId="{4EEC8717-AA0F-49DE-8732-2508B3115DE0}" destId="{8D96E3EE-4EE6-47C0-BDA3-1B464380816D}" srcOrd="0" destOrd="0" presId="urn:microsoft.com/office/officeart/2008/layout/NameandTitleOrganizationalChart"/>
+    <dgm:cxn modelId="{CF846937-B19A-4065-B834-FC7D5A653E4B}" type="presOf" srcId="{6C56C7E1-118B-466E-A84D-657D222A3EFB}" destId="{443F2EA8-12E1-4F9D-B8E2-9D66197C9EA8}" srcOrd="1" destOrd="0" presId="urn:microsoft.com/office/officeart/2008/layout/NameandTitleOrganizationalChart"/>
+    <dgm:cxn modelId="{650D092C-E41D-4A25-B57D-FD16FCFF412B}" type="presOf" srcId="{6C56C7E1-118B-466E-A84D-657D222A3EFB}" destId="{B2077D14-C7CA-4B09-B173-BEA41D78B926}" srcOrd="0" destOrd="0" presId="urn:microsoft.com/office/officeart/2008/layout/NameandTitleOrganizationalChart"/>
+    <dgm:cxn modelId="{C477F7AD-84AD-48A4-AA50-BC2C18AF229C}" type="presOf" srcId="{98676505-2196-4383-BEFB-5F6FF8DFC4F3}" destId="{00BA90B6-26AF-4594-9663-43A9B290A14C}" srcOrd="1" destOrd="0" presId="urn:microsoft.com/office/officeart/2008/layout/NameandTitleOrganizationalChart"/>
     <dgm:cxn modelId="{2CBB33F4-C536-48A8-ADA5-B43F9AC5C356}" type="presOf" srcId="{523E3F81-A7FD-41C6-AEFA-00BFD2D5C126}" destId="{6C4D6CE3-4FAA-4D39-8A22-7BAC7C27FEEC}" srcOrd="0" destOrd="0" presId="urn:microsoft.com/office/officeart/2008/layout/NameandTitleOrganizationalChart"/>
+    <dgm:cxn modelId="{CD927534-CFC7-47C1-9B17-0019F0864644}" type="presOf" srcId="{AAEC4A7F-26E9-49C9-A021-C41E5C07BFA0}" destId="{EFFCA47C-D5C2-4308-A844-2CC7B5C9555D}" srcOrd="0" destOrd="0" presId="urn:microsoft.com/office/officeart/2008/layout/NameandTitleOrganizationalChart"/>
+    <dgm:cxn modelId="{3D16D2A2-4449-42D5-9D81-66209F758901}" type="presOf" srcId="{98676505-2196-4383-BEFB-5F6FF8DFC4F3}" destId="{99FA17BB-8F10-4DD9-A0E2-5EA0396FA6D2}" srcOrd="0" destOrd="0" presId="urn:microsoft.com/office/officeart/2008/layout/NameandTitleOrganizationalChart"/>
+    <dgm:cxn modelId="{9ED1ECAC-6869-4938-B949-03E4C47B439C}" srcId="{48C133C3-77F3-4A71-8515-4B7725FB695C}" destId="{6C56C7E1-118B-466E-A84D-657D222A3EFB}" srcOrd="0" destOrd="0" parTransId="{523E3F81-A7FD-41C6-AEFA-00BFD2D5C126}" sibTransId="{4DD089F6-C96A-494A-9C11-C8DDFC86808E}"/>
+    <dgm:cxn modelId="{3D9C1171-7DF3-4895-A4D5-D7AE44F78779}" type="presOf" srcId="{CEA44938-41CA-4FE2-8E9C-87D351F742D9}" destId="{3E8CF59A-FAAD-44AA-979D-BA7D6881B96A}" srcOrd="0" destOrd="0" presId="urn:microsoft.com/office/officeart/2008/layout/NameandTitleOrganizationalChart"/>
+    <dgm:cxn modelId="{D2F302EA-F5B3-42B6-BB80-C2F47D9A3D6E}" srcId="{48C133C3-77F3-4A71-8515-4B7725FB695C}" destId="{98676505-2196-4383-BEFB-5F6FF8DFC4F3}" srcOrd="2" destOrd="0" parTransId="{CEA44938-41CA-4FE2-8E9C-87D351F742D9}" sibTransId="{C736C31F-CB43-4520-9C19-F939CD21C4FA}"/>
+    <dgm:cxn modelId="{645D9DC0-8FFC-426F-8418-2AB8E75A40D0}" type="presOf" srcId="{B4FA02E4-55C6-4E7F-89E1-A36E659C009D}" destId="{6A000DF7-1A06-4720-A08C-779CAA7DF395}" srcOrd="1" destOrd="0" presId="urn:microsoft.com/office/officeart/2008/layout/NameandTitleOrganizationalChart"/>
+    <dgm:cxn modelId="{E73B190F-1347-4C04-8548-5C81DA2F643E}" srcId="{48C133C3-77F3-4A71-8515-4B7725FB695C}" destId="{B4FA02E4-55C6-4E7F-89E1-A36E659C009D}" srcOrd="1" destOrd="0" parTransId="{4EEC8717-AA0F-49DE-8732-2508B3115DE0}" sibTransId="{FF9BA836-D4D1-46B4-A163-9D8812F00382}"/>
+    <dgm:cxn modelId="{A9F56E27-878A-43D2-9784-03AEE5D09378}" type="presOf" srcId="{FF9BA836-D4D1-46B4-A163-9D8812F00382}" destId="{8C87CF99-C695-483F-877F-16140EF7B842}" srcOrd="0" destOrd="0" presId="urn:microsoft.com/office/officeart/2008/layout/NameandTitleOrganizationalChart"/>
+    <dgm:cxn modelId="{960DAA28-01C0-4F45-91DD-815E65AA6D25}" type="presOf" srcId="{4DD089F6-C96A-494A-9C11-C8DDFC86808E}" destId="{40DF6143-7A1D-4CBC-A39F-187E0F34DDEB}" srcOrd="0" destOrd="0" presId="urn:microsoft.com/office/officeart/2008/layout/NameandTitleOrganizationalChart"/>
     <dgm:cxn modelId="{CEA3D494-7428-4F68-96DD-BBDE948C64B5}" type="presOf" srcId="{48C133C3-77F3-4A71-8515-4B7725FB695C}" destId="{C3B855EC-6B1E-45CD-B732-9A0DEB763F68}" srcOrd="0" destOrd="0" presId="urn:microsoft.com/office/officeart/2008/layout/NameandTitleOrganizationalChart"/>
-    <dgm:cxn modelId="{960DAA28-01C0-4F45-91DD-815E65AA6D25}" type="presOf" srcId="{4DD089F6-C96A-494A-9C11-C8DDFC86808E}" destId="{40DF6143-7A1D-4CBC-A39F-187E0F34DDEB}" srcOrd="0" destOrd="0" presId="urn:microsoft.com/office/officeart/2008/layout/NameandTitleOrganizationalChart"/>
-    <dgm:cxn modelId="{650D092C-E41D-4A25-B57D-FD16FCFF412B}" type="presOf" srcId="{6C56C7E1-118B-466E-A84D-657D222A3EFB}" destId="{B2077D14-C7CA-4B09-B173-BEA41D78B926}" srcOrd="0" destOrd="0" presId="urn:microsoft.com/office/officeart/2008/layout/NameandTitleOrganizationalChart"/>
-    <dgm:cxn modelId="{3D16D2A2-4449-42D5-9D81-66209F758901}" type="presOf" srcId="{98676505-2196-4383-BEFB-5F6FF8DFC4F3}" destId="{99FA17BB-8F10-4DD9-A0E2-5EA0396FA6D2}" srcOrd="0" destOrd="0" presId="urn:microsoft.com/office/officeart/2008/layout/NameandTitleOrganizationalChart"/>
+    <dgm:cxn modelId="{1FD7A135-E33B-4D37-A5BE-FA539DF0E667}" srcId="{56F91B86-C79C-443A-89FC-288C3CB26305}" destId="{48C133C3-77F3-4A71-8515-4B7725FB695C}" srcOrd="0" destOrd="0" parTransId="{394D730F-AAFD-4A6A-968F-99309EF15FB3}" sibTransId="{AAEC4A7F-26E9-49C9-A021-C41E5C07BFA0}"/>
+    <dgm:cxn modelId="{ACD5E262-E9D5-4616-9E7C-CC87F6F4394E}" type="presOf" srcId="{B4FA02E4-55C6-4E7F-89E1-A36E659C009D}" destId="{C1F44E9B-0435-4616-B0DF-E9661855ED10}" srcOrd="0" destOrd="0" presId="urn:microsoft.com/office/officeart/2008/layout/NameandTitleOrganizationalChart"/>
     <dgm:cxn modelId="{393F10D4-177B-4C85-B7C2-CE9D4D155555}" type="presOf" srcId="{C736C31F-CB43-4520-9C19-F939CD21C4FA}" destId="{511293F5-5A5E-445C-B435-92C4CB8E9AD6}" srcOrd="0" destOrd="0" presId="urn:microsoft.com/office/officeart/2008/layout/NameandTitleOrganizationalChart"/>
-    <dgm:cxn modelId="{1FD7A135-E33B-4D37-A5BE-FA539DF0E667}" srcId="{56F91B86-C79C-443A-89FC-288C3CB26305}" destId="{48C133C3-77F3-4A71-8515-4B7725FB695C}" srcOrd="0" destOrd="0" parTransId="{394D730F-AAFD-4A6A-968F-99309EF15FB3}" sibTransId="{AAEC4A7F-26E9-49C9-A021-C41E5C07BFA0}"/>
     <dgm:cxn modelId="{2D7F8DA9-95BE-48C8-9FE6-679FE1FAF235}" type="presOf" srcId="{48C133C3-77F3-4A71-8515-4B7725FB695C}" destId="{E4683AE9-12A6-4E1D-8807-2134BE840AFA}" srcOrd="1" destOrd="0" presId="urn:microsoft.com/office/officeart/2008/layout/NameandTitleOrganizationalChart"/>
-    <dgm:cxn modelId="{ACD5E262-E9D5-4616-9E7C-CC87F6F4394E}" type="presOf" srcId="{B4FA02E4-55C6-4E7F-89E1-A36E659C009D}" destId="{C1F44E9B-0435-4616-B0DF-E9661855ED10}" srcOrd="0" destOrd="0" presId="urn:microsoft.com/office/officeart/2008/layout/NameandTitleOrganizationalChart"/>
-    <dgm:cxn modelId="{645D9DC0-8FFC-426F-8418-2AB8E75A40D0}" type="presOf" srcId="{B4FA02E4-55C6-4E7F-89E1-A36E659C009D}" destId="{6A000DF7-1A06-4720-A08C-779CAA7DF395}" srcOrd="1" destOrd="0" presId="urn:microsoft.com/office/officeart/2008/layout/NameandTitleOrganizationalChart"/>
-    <dgm:cxn modelId="{CF846937-B19A-4065-B834-FC7D5A653E4B}" type="presOf" srcId="{6C56C7E1-118B-466E-A84D-657D222A3EFB}" destId="{443F2EA8-12E1-4F9D-B8E2-9D66197C9EA8}" srcOrd="1" destOrd="0" presId="urn:microsoft.com/office/officeart/2008/layout/NameandTitleOrganizationalChart"/>
-    <dgm:cxn modelId="{A9F56E27-878A-43D2-9784-03AEE5D09378}" type="presOf" srcId="{FF9BA836-D4D1-46B4-A163-9D8812F00382}" destId="{8C87CF99-C695-483F-877F-16140EF7B842}" srcOrd="0" destOrd="0" presId="urn:microsoft.com/office/officeart/2008/layout/NameandTitleOrganizationalChart"/>
-    <dgm:cxn modelId="{3D9C1171-7DF3-4895-A4D5-D7AE44F78779}" type="presOf" srcId="{CEA44938-41CA-4FE2-8E9C-87D351F742D9}" destId="{3E8CF59A-FAAD-44AA-979D-BA7D6881B96A}" srcOrd="0" destOrd="0" presId="urn:microsoft.com/office/officeart/2008/layout/NameandTitleOrganizationalChart"/>
-    <dgm:cxn modelId="{9B636C39-7CFA-40B2-8376-6FC260A550B2}" type="presOf" srcId="{4EEC8717-AA0F-49DE-8732-2508B3115DE0}" destId="{8D96E3EE-4EE6-47C0-BDA3-1B464380816D}" srcOrd="0" destOrd="0" presId="urn:microsoft.com/office/officeart/2008/layout/NameandTitleOrganizationalChart"/>
-    <dgm:cxn modelId="{CD927534-CFC7-47C1-9B17-0019F0864644}" type="presOf" srcId="{AAEC4A7F-26E9-49C9-A021-C41E5C07BFA0}" destId="{EFFCA47C-D5C2-4308-A844-2CC7B5C9555D}" srcOrd="0" destOrd="0" presId="urn:microsoft.com/office/officeart/2008/layout/NameandTitleOrganizationalChart"/>
-    <dgm:cxn modelId="{C477F7AD-84AD-48A4-AA50-BC2C18AF229C}" type="presOf" srcId="{98676505-2196-4383-BEFB-5F6FF8DFC4F3}" destId="{00BA90B6-26AF-4594-9663-43A9B290A14C}" srcOrd="1" destOrd="0" presId="urn:microsoft.com/office/officeart/2008/layout/NameandTitleOrganizationalChart"/>
-    <dgm:cxn modelId="{D2F302EA-F5B3-42B6-BB80-C2F47D9A3D6E}" srcId="{48C133C3-77F3-4A71-8515-4B7725FB695C}" destId="{98676505-2196-4383-BEFB-5F6FF8DFC4F3}" srcOrd="2" destOrd="0" parTransId="{CEA44938-41CA-4FE2-8E9C-87D351F742D9}" sibTransId="{C736C31F-CB43-4520-9C19-F939CD21C4FA}"/>
-    <dgm:cxn modelId="{E73B190F-1347-4C04-8548-5C81DA2F643E}" srcId="{48C133C3-77F3-4A71-8515-4B7725FB695C}" destId="{B4FA02E4-55C6-4E7F-89E1-A36E659C009D}" srcOrd="1" destOrd="0" parTransId="{4EEC8717-AA0F-49DE-8732-2508B3115DE0}" sibTransId="{FF9BA836-D4D1-46B4-A163-9D8812F00382}"/>
-    <dgm:cxn modelId="{7099AADB-E474-47E6-AA7C-4BD0C5FC6EE1}" type="presOf" srcId="{56F91B86-C79C-443A-89FC-288C3CB26305}" destId="{BF944616-80E6-4E36-ADDD-11AD911A0320}" srcOrd="0" destOrd="0" presId="urn:microsoft.com/office/officeart/2008/layout/NameandTitleOrganizationalChart"/>
-    <dgm:cxn modelId="{9ED1ECAC-6869-4938-B949-03E4C47B439C}" srcId="{48C133C3-77F3-4A71-8515-4B7725FB695C}" destId="{6C56C7E1-118B-466E-A84D-657D222A3EFB}" srcOrd="0" destOrd="0" parTransId="{523E3F81-A7FD-41C6-AEFA-00BFD2D5C126}" sibTransId="{4DD089F6-C96A-494A-9C11-C8DDFC86808E}"/>
     <dgm:cxn modelId="{3902450A-7843-4637-80FA-BB14C78F6EAA}" type="presParOf" srcId="{BF944616-80E6-4E36-ADDD-11AD911A0320}" destId="{0DA0A989-CBED-4B19-A3FE-81EAF897B5B7}" srcOrd="0" destOrd="0" presId="urn:microsoft.com/office/officeart/2008/layout/NameandTitleOrganizationalChart"/>
     <dgm:cxn modelId="{49213C75-DDFD-44AB-A7B2-7644A05400B0}" type="presParOf" srcId="{0DA0A989-CBED-4B19-A3FE-81EAF897B5B7}" destId="{883C57D8-1D69-4462-80B0-001A9CD31D04}" srcOrd="0" destOrd="0" presId="urn:microsoft.com/office/officeart/2008/layout/NameandTitleOrganizationalChart"/>
     <dgm:cxn modelId="{7CB2EAE3-2CE4-4650-BB62-55486DCEB8C2}" type="presParOf" srcId="{883C57D8-1D69-4462-80B0-001A9CD31D04}" destId="{C3B855EC-6B1E-45CD-B732-9A0DEB763F68}" srcOrd="0" destOrd="0" presId="urn:microsoft.com/office/officeart/2008/layout/NameandTitleOrganizationalChart"/>
@@ -3169,373 +3260,6 @@
       <dsp:cNvGrpSpPr/>
     </dsp:nvGrpSpPr>
     <dsp:grpSpPr/>
-    <dsp:sp modelId="{A746EB11-4E99-4B13-AEEF-24EDCB1826B8}">
-      <dsp:nvSpPr>
-        <dsp:cNvPr id="0" name=""/>
-        <dsp:cNvSpPr/>
-      </dsp:nvSpPr>
-      <dsp:spPr>
-        <a:xfrm>
-          <a:off x="1366" y="1803466"/>
-          <a:ext cx="1811734" cy="1811734"/>
-        </a:xfrm>
-        <a:prstGeom prst="ellipse">
-          <a:avLst/>
-        </a:prstGeom>
-        <a:solidFill>
-          <a:schemeClr val="accent1">
-            <a:hueOff val="0"/>
-            <a:satOff val="0"/>
-            <a:lumOff val="0"/>
-            <a:alphaOff val="0"/>
-          </a:schemeClr>
-        </a:solidFill>
-        <a:ln w="19050" cap="rnd" cmpd="sng" algn="ctr">
-          <a:solidFill>
-            <a:schemeClr val="lt1">
-              <a:hueOff val="0"/>
-              <a:satOff val="0"/>
-              <a:lumOff val="0"/>
-              <a:alphaOff val="0"/>
-            </a:schemeClr>
-          </a:solidFill>
-          <a:prstDash val="solid"/>
-        </a:ln>
-        <a:effectLst/>
-      </dsp:spPr>
-      <dsp:style>
-        <a:lnRef idx="2">
-          <a:scrgbClr r="0" g="0" b="0"/>
-        </a:lnRef>
-        <a:fillRef idx="1">
-          <a:scrgbClr r="0" g="0" b="0"/>
-        </a:fillRef>
-        <a:effectRef idx="0">
-          <a:scrgbClr r="0" g="0" b="0"/>
-        </a:effectRef>
-        <a:fontRef idx="minor">
-          <a:schemeClr val="lt1"/>
-        </a:fontRef>
-      </dsp:style>
-      <dsp:txBody>
-        <a:bodyPr spcFirstLastPara="0" vert="horz" wrap="square" lIns="25400" tIns="25400" rIns="25400" bIns="25400" numCol="1" spcCol="1270" anchor="ctr" anchorCtr="0">
-          <a:noAutofit/>
-        </a:bodyPr>
-        <a:lstStyle/>
-        <a:p>
-          <a:pPr lvl="0" algn="ctr" defTabSz="889000">
-            <a:lnSpc>
-              <a:spcPct val="90000"/>
-            </a:lnSpc>
-            <a:spcBef>
-              <a:spcPct val="0"/>
-            </a:spcBef>
-            <a:spcAft>
-              <a:spcPct val="35000"/>
-            </a:spcAft>
-          </a:pPr>
-          <a:r>
-            <a:rPr lang="en-US" sz="2000" kern="1200" dirty="0" err="1" smtClean="0"/>
-            <a:t>OmniSharp</a:t>
-          </a:r>
-          <a:endParaRPr lang="en-US" sz="2000" kern="1200" dirty="0"/>
-        </a:p>
-      </dsp:txBody>
-      <dsp:txXfrm>
-        <a:off x="266688" y="2068788"/>
-        <a:ext cx="1281090" cy="1281090"/>
-      </dsp:txXfrm>
-    </dsp:sp>
-    <dsp:sp modelId="{99021CD3-1159-400A-919E-59EF40167229}">
-      <dsp:nvSpPr>
-        <dsp:cNvPr id="0" name=""/>
-        <dsp:cNvSpPr/>
-      </dsp:nvSpPr>
-      <dsp:spPr>
-        <a:xfrm>
-          <a:off x="1960214" y="2183930"/>
-          <a:ext cx="1050805" cy="1050805"/>
-        </a:xfrm>
-        <a:prstGeom prst="mathPlus">
-          <a:avLst/>
-        </a:prstGeom>
-        <a:solidFill>
-          <a:schemeClr val="accent1">
-            <a:tint val="60000"/>
-            <a:hueOff val="0"/>
-            <a:satOff val="0"/>
-            <a:lumOff val="0"/>
-            <a:alphaOff val="0"/>
-          </a:schemeClr>
-        </a:solidFill>
-        <a:ln>
-          <a:noFill/>
-        </a:ln>
-        <a:effectLst/>
-      </dsp:spPr>
-      <dsp:style>
-        <a:lnRef idx="0">
-          <a:scrgbClr r="0" g="0" b="0"/>
-        </a:lnRef>
-        <a:fillRef idx="1">
-          <a:scrgbClr r="0" g="0" b="0"/>
-        </a:fillRef>
-        <a:effectRef idx="0">
-          <a:scrgbClr r="0" g="0" b="0"/>
-        </a:effectRef>
-        <a:fontRef idx="minor">
-          <a:schemeClr val="lt1"/>
-        </a:fontRef>
-      </dsp:style>
-      <dsp:txBody>
-        <a:bodyPr spcFirstLastPara="0" vert="horz" wrap="square" lIns="0" tIns="0" rIns="0" bIns="0" numCol="1" spcCol="1270" anchor="ctr" anchorCtr="0">
-          <a:noAutofit/>
-        </a:bodyPr>
-        <a:lstStyle/>
-        <a:p>
-          <a:pPr lvl="0" algn="ctr" defTabSz="711200">
-            <a:lnSpc>
-              <a:spcPct val="90000"/>
-            </a:lnSpc>
-            <a:spcBef>
-              <a:spcPct val="0"/>
-            </a:spcBef>
-            <a:spcAft>
-              <a:spcPct val="35000"/>
-            </a:spcAft>
-          </a:pPr>
-          <a:endParaRPr lang="en-US" sz="1600" kern="1200"/>
-        </a:p>
-      </dsp:txBody>
-      <dsp:txXfrm>
-        <a:off x="2099498" y="2585758"/>
-        <a:ext cx="772237" cy="247149"/>
-      </dsp:txXfrm>
-    </dsp:sp>
-    <dsp:sp modelId="{2BDF25E0-CBF6-4302-B6F7-03617650C5D2}">
-      <dsp:nvSpPr>
-        <dsp:cNvPr id="0" name=""/>
-        <dsp:cNvSpPr/>
-      </dsp:nvSpPr>
-      <dsp:spPr>
-        <a:xfrm>
-          <a:off x="3158132" y="1803466"/>
-          <a:ext cx="1811734" cy="1811734"/>
-        </a:xfrm>
-        <a:prstGeom prst="ellipse">
-          <a:avLst/>
-        </a:prstGeom>
-        <a:solidFill>
-          <a:schemeClr val="accent1">
-            <a:hueOff val="0"/>
-            <a:satOff val="0"/>
-            <a:lumOff val="0"/>
-            <a:alphaOff val="0"/>
-          </a:schemeClr>
-        </a:solidFill>
-        <a:ln w="19050" cap="rnd" cmpd="sng" algn="ctr">
-          <a:solidFill>
-            <a:schemeClr val="lt1">
-              <a:hueOff val="0"/>
-              <a:satOff val="0"/>
-              <a:lumOff val="0"/>
-              <a:alphaOff val="0"/>
-            </a:schemeClr>
-          </a:solidFill>
-          <a:prstDash val="solid"/>
-        </a:ln>
-        <a:effectLst/>
-      </dsp:spPr>
-      <dsp:style>
-        <a:lnRef idx="2">
-          <a:scrgbClr r="0" g="0" b="0"/>
-        </a:lnRef>
-        <a:fillRef idx="1">
-          <a:scrgbClr r="0" g="0" b="0"/>
-        </a:fillRef>
-        <a:effectRef idx="0">
-          <a:scrgbClr r="0" g="0" b="0"/>
-        </a:effectRef>
-        <a:fontRef idx="minor">
-          <a:schemeClr val="lt1"/>
-        </a:fontRef>
-      </dsp:style>
-      <dsp:txBody>
-        <a:bodyPr spcFirstLastPara="0" vert="horz" wrap="square" lIns="25400" tIns="25400" rIns="25400" bIns="25400" numCol="1" spcCol="1270" anchor="ctr" anchorCtr="0">
-          <a:noAutofit/>
-        </a:bodyPr>
-        <a:lstStyle/>
-        <a:p>
-          <a:pPr lvl="0" algn="ctr" defTabSz="889000">
-            <a:lnSpc>
-              <a:spcPct val="90000"/>
-            </a:lnSpc>
-            <a:spcBef>
-              <a:spcPct val="0"/>
-            </a:spcBef>
-            <a:spcAft>
-              <a:spcPct val="35000"/>
-            </a:spcAft>
-          </a:pPr>
-          <a:r>
-            <a:rPr lang="en-US" sz="2000" kern="1200" dirty="0" smtClean="0"/>
-            <a:t>Yeoman</a:t>
-          </a:r>
-          <a:endParaRPr lang="en-US" sz="2000" kern="1200" dirty="0"/>
-        </a:p>
-      </dsp:txBody>
-      <dsp:txXfrm>
-        <a:off x="3423454" y="2068788"/>
-        <a:ext cx="1281090" cy="1281090"/>
-      </dsp:txXfrm>
-    </dsp:sp>
-    <dsp:sp modelId="{0CEB9DC7-5783-4ACD-BCD5-4EF3BE321E8C}">
-      <dsp:nvSpPr>
-        <dsp:cNvPr id="0" name=""/>
-        <dsp:cNvSpPr/>
-      </dsp:nvSpPr>
-      <dsp:spPr>
-        <a:xfrm>
-          <a:off x="5116980" y="2183930"/>
-          <a:ext cx="1050805" cy="1050805"/>
-        </a:xfrm>
-        <a:prstGeom prst="mathEqual">
-          <a:avLst/>
-        </a:prstGeom>
-        <a:solidFill>
-          <a:schemeClr val="accent1">
-            <a:tint val="60000"/>
-            <a:hueOff val="0"/>
-            <a:satOff val="0"/>
-            <a:lumOff val="0"/>
-            <a:alphaOff val="0"/>
-          </a:schemeClr>
-        </a:solidFill>
-        <a:ln>
-          <a:noFill/>
-        </a:ln>
-        <a:effectLst/>
-      </dsp:spPr>
-      <dsp:style>
-        <a:lnRef idx="0">
-          <a:scrgbClr r="0" g="0" b="0"/>
-        </a:lnRef>
-        <a:fillRef idx="1">
-          <a:scrgbClr r="0" g="0" b="0"/>
-        </a:fillRef>
-        <a:effectRef idx="0">
-          <a:scrgbClr r="0" g="0" b="0"/>
-        </a:effectRef>
-        <a:fontRef idx="minor">
-          <a:schemeClr val="lt1"/>
-        </a:fontRef>
-      </dsp:style>
-      <dsp:txBody>
-        <a:bodyPr spcFirstLastPara="0" vert="horz" wrap="square" lIns="0" tIns="0" rIns="0" bIns="0" numCol="1" spcCol="1270" anchor="ctr" anchorCtr="0">
-          <a:noAutofit/>
-        </a:bodyPr>
-        <a:lstStyle/>
-        <a:p>
-          <a:pPr lvl="0" algn="ctr" defTabSz="711200">
-            <a:lnSpc>
-              <a:spcPct val="90000"/>
-            </a:lnSpc>
-            <a:spcBef>
-              <a:spcPct val="0"/>
-            </a:spcBef>
-            <a:spcAft>
-              <a:spcPct val="35000"/>
-            </a:spcAft>
-          </a:pPr>
-          <a:endParaRPr lang="en-US" sz="1600" kern="1200"/>
-        </a:p>
-      </dsp:txBody>
-      <dsp:txXfrm>
-        <a:off x="5256264" y="2400396"/>
-        <a:ext cx="772237" cy="617873"/>
-      </dsp:txXfrm>
-    </dsp:sp>
-    <dsp:sp modelId="{935B9248-D5AC-4608-BFDB-4CC18A641197}">
-      <dsp:nvSpPr>
-        <dsp:cNvPr id="0" name=""/>
-        <dsp:cNvSpPr/>
-      </dsp:nvSpPr>
-      <dsp:spPr>
-        <a:xfrm>
-          <a:off x="6314898" y="1803466"/>
-          <a:ext cx="1811734" cy="1811734"/>
-        </a:xfrm>
-        <a:prstGeom prst="ellipse">
-          <a:avLst/>
-        </a:prstGeom>
-        <a:solidFill>
-          <a:schemeClr val="accent1">
-            <a:hueOff val="0"/>
-            <a:satOff val="0"/>
-            <a:lumOff val="0"/>
-            <a:alphaOff val="0"/>
-          </a:schemeClr>
-        </a:solidFill>
-        <a:ln w="19050" cap="rnd" cmpd="sng" algn="ctr">
-          <a:solidFill>
-            <a:schemeClr val="lt1">
-              <a:hueOff val="0"/>
-              <a:satOff val="0"/>
-              <a:lumOff val="0"/>
-              <a:alphaOff val="0"/>
-            </a:schemeClr>
-          </a:solidFill>
-          <a:prstDash val="solid"/>
-        </a:ln>
-        <a:effectLst/>
-      </dsp:spPr>
-      <dsp:style>
-        <a:lnRef idx="2">
-          <a:scrgbClr r="0" g="0" b="0"/>
-        </a:lnRef>
-        <a:fillRef idx="1">
-          <a:scrgbClr r="0" g="0" b="0"/>
-        </a:fillRef>
-        <a:effectRef idx="0">
-          <a:scrgbClr r="0" g="0" b="0"/>
-        </a:effectRef>
-        <a:fontRef idx="minor">
-          <a:schemeClr val="lt1"/>
-        </a:fontRef>
-      </dsp:style>
-      <dsp:txBody>
-        <a:bodyPr spcFirstLastPara="0" vert="horz" wrap="square" lIns="25400" tIns="25400" rIns="25400" bIns="25400" numCol="1" spcCol="1270" anchor="ctr" anchorCtr="0">
-          <a:noAutofit/>
-        </a:bodyPr>
-        <a:lstStyle/>
-        <a:p>
-          <a:pPr lvl="0" algn="ctr" defTabSz="889000">
-            <a:lnSpc>
-              <a:spcPct val="90000"/>
-            </a:lnSpc>
-            <a:spcBef>
-              <a:spcPct val="0"/>
-            </a:spcBef>
-            <a:spcAft>
-              <a:spcPct val="35000"/>
-            </a:spcAft>
-          </a:pPr>
-          <a:r>
-            <a:rPr lang="en-US" sz="2000" kern="1200" dirty="0" smtClean="0"/>
-            <a:t>generator-</a:t>
-          </a:r>
-          <a:r>
-            <a:rPr lang="en-US" sz="2000" kern="1200" dirty="0" err="1" smtClean="0"/>
-            <a:t>aspnet</a:t>
-          </a:r>
-          <a:endParaRPr lang="en-US" sz="2000" kern="1200" dirty="0"/>
-        </a:p>
-      </dsp:txBody>
-      <dsp:txXfrm>
-        <a:off x="6580220" y="2068788"/>
-        <a:ext cx="1281090" cy="1281090"/>
-      </dsp:txXfrm>
-    </dsp:sp>
   </dsp:spTree>
 </dsp:drawing>
 </file>
@@ -7026,7 +6750,7 @@
           <a:p>
             <a:fld id="{DFB3EBE0-77A0-4731-B691-855A17DBDF42}" type="datetimeFigureOut">
               <a:rPr lang="en-US" smtClean="0"/>
-              <a:t>11/13/2015</a:t>
+              <a:t>11/14/2015</a:t>
             </a:fld>
             <a:endParaRPr lang="en-US"/>
           </a:p>
@@ -8123,7 +7847,7 @@
           <a:p>
             <a:fld id="{184BFEAB-C714-4D5C-A87B-1F5F147C2568}" type="datetime1">
               <a:rPr lang="en-US" smtClean="0"/>
-              <a:t>11/13/2015</a:t>
+              <a:t>11/14/2015</a:t>
             </a:fld>
             <a:endParaRPr lang="en-US"/>
           </a:p>
@@ -8374,7 +8098,7 @@
           <a:p>
             <a:fld id="{9A92CE8C-71B3-4605-911C-C2357D36982A}" type="datetime1">
               <a:rPr lang="en-US" smtClean="0"/>
-              <a:t>11/13/2015</a:t>
+              <a:t>11/14/2015</a:t>
             </a:fld>
             <a:endParaRPr lang="en-US"/>
           </a:p>
@@ -8688,7 +8412,7 @@
           <a:p>
             <a:fld id="{015B728D-6EF1-44C1-BE74-A3569BAB8718}" type="datetime1">
               <a:rPr lang="en-US" smtClean="0"/>
-              <a:t>11/13/2015</a:t>
+              <a:t>11/14/2015</a:t>
             </a:fld>
             <a:endParaRPr lang="en-US"/>
           </a:p>
@@ -9021,7 +8745,7 @@
           <a:p>
             <a:fld id="{60F7EA30-F0F4-4B8A-BDF6-A084B0E8ACEE}" type="datetime1">
               <a:rPr lang="en-US" smtClean="0"/>
-              <a:t>11/13/2015</a:t>
+              <a:t>11/14/2015</a:t>
             </a:fld>
             <a:endParaRPr lang="en-US"/>
           </a:p>
@@ -9335,7 +9059,7 @@
           <a:p>
             <a:fld id="{F0EF549A-B982-48AE-849E-ED681B3F14FB}" type="datetime1">
               <a:rPr lang="en-US" smtClean="0"/>
-              <a:t>11/13/2015</a:t>
+              <a:t>11/14/2015</a:t>
             </a:fld>
             <a:endParaRPr lang="en-US"/>
           </a:p>
@@ -9728,7 +9452,7 @@
           <a:p>
             <a:fld id="{4A5FF696-44D7-45D2-8329-B53AF65ECE1F}" type="datetime1">
               <a:rPr lang="en-US" smtClean="0"/>
-              <a:t>11/13/2015</a:t>
+              <a:t>11/14/2015</a:t>
             </a:fld>
             <a:endParaRPr lang="en-US"/>
           </a:p>
@@ -9898,7 +9622,7 @@
           <a:p>
             <a:fld id="{D4E746AE-4EBB-48DA-A9A3-3CF4B615F483}" type="datetime1">
               <a:rPr lang="en-US" smtClean="0"/>
-              <a:t>11/13/2015</a:t>
+              <a:t>11/14/2015</a:t>
             </a:fld>
             <a:endParaRPr lang="en-US"/>
           </a:p>
@@ -10078,7 +9802,7 @@
           <a:p>
             <a:fld id="{5B1FEA50-B64E-45AF-A77E-1C43A8E7D5C1}" type="datetime1">
               <a:rPr lang="en-US" smtClean="0"/>
-              <a:t>11/13/2015</a:t>
+              <a:t>11/14/2015</a:t>
             </a:fld>
             <a:endParaRPr lang="en-US"/>
           </a:p>
@@ -10248,7 +9972,7 @@
           <a:p>
             <a:fld id="{5EE2A00C-C0A5-41E4-A254-0933BFC59600}" type="datetime1">
               <a:rPr lang="en-US" smtClean="0"/>
-              <a:t>11/13/2015</a:t>
+              <a:t>11/14/2015</a:t>
             </a:fld>
             <a:endParaRPr lang="en-US"/>
           </a:p>
@@ -10495,7 +10219,7 @@
           <a:p>
             <a:fld id="{C0C43579-370D-44CE-9989-325065EBA03B}" type="datetime1">
               <a:rPr lang="en-US" smtClean="0"/>
-              <a:t>11/13/2015</a:t>
+              <a:t>11/14/2015</a:t>
             </a:fld>
             <a:endParaRPr lang="en-US"/>
           </a:p>
@@ -10727,7 +10451,7 @@
           <a:p>
             <a:fld id="{29D814BD-9B18-4EA5-94F4-F1600C017603}" type="datetime1">
               <a:rPr lang="en-US" smtClean="0"/>
-              <a:t>11/13/2015</a:t>
+              <a:t>11/14/2015</a:t>
             </a:fld>
             <a:endParaRPr lang="en-US"/>
           </a:p>
@@ -11101,7 +10825,7 @@
           <a:p>
             <a:fld id="{CE8DCA57-17F0-4F45-8BC0-620199D29CBA}" type="datetime1">
               <a:rPr lang="en-US" smtClean="0"/>
-              <a:t>11/13/2015</a:t>
+              <a:t>11/14/2015</a:t>
             </a:fld>
             <a:endParaRPr lang="en-US"/>
           </a:p>
@@ -11224,7 +10948,7 @@
           <a:p>
             <a:fld id="{5507D437-E8BB-44EC-A888-137BD165F5EF}" type="datetime1">
               <a:rPr lang="en-US" smtClean="0"/>
-              <a:t>11/13/2015</a:t>
+              <a:t>11/14/2015</a:t>
             </a:fld>
             <a:endParaRPr lang="en-US"/>
           </a:p>
@@ -11319,7 +11043,7 @@
           <a:p>
             <a:fld id="{CBF48491-12CB-4315-A294-ECCB7042AE60}" type="datetime1">
               <a:rPr lang="en-US" smtClean="0"/>
-              <a:t>11/13/2015</a:t>
+              <a:t>11/14/2015</a:t>
             </a:fld>
             <a:endParaRPr lang="en-US"/>
           </a:p>
@@ -11574,7 +11298,7 @@
           <a:p>
             <a:fld id="{71547693-6F8C-49B3-B3CF-B2F3832F2060}" type="datetime1">
               <a:rPr lang="en-US" smtClean="0"/>
-              <a:t>11/13/2015</a:t>
+              <a:t>11/14/2015</a:t>
             </a:fld>
             <a:endParaRPr lang="en-US"/>
           </a:p>
@@ -11879,7 +11603,7 @@
           <a:p>
             <a:fld id="{891130D9-17AA-473C-8916-496E81563AE5}" type="datetime1">
               <a:rPr lang="en-US" smtClean="0"/>
-              <a:t>11/13/2015</a:t>
+              <a:t>11/14/2015</a:t>
             </a:fld>
             <a:endParaRPr lang="en-US"/>
           </a:p>
@@ -12581,7 +12305,7 @@
           <a:p>
             <a:fld id="{D84A2DE9-5A38-4CE7-AE12-F8EA769E5C95}" type="datetime1">
               <a:rPr lang="en-US" smtClean="0"/>
-              <a:t>11/13/2015</a:t>
+              <a:t>11/14/2015</a:t>
             </a:fld>
             <a:endParaRPr lang="en-US"/>
           </a:p>
@@ -13451,8 +13175,8 @@
           </a:prstGeom>
         </p:spPr>
       </p:pic>
-      <mc:AlternateContent xmlns:mc="http://schemas.openxmlformats.org/markup-compatibility/2006" xmlns:we="http://schemas.microsoft.com/office/webextensions/webextension/2010/11" xmlns:pca="http://schemas.microsoft.com/office/powerpoint/2013/contentapp">
-        <mc:Choice Requires="we pca">
+      <mc:AlternateContent xmlns:mc="http://schemas.openxmlformats.org/markup-compatibility/2006">
+        <mc:Choice xmlns="" xmlns:pca="http://schemas.microsoft.com/office/powerpoint/2013/contentapp" xmlns:we="http://schemas.microsoft.com/office/webextensions/webextension/2010/11" Requires="we pca">
           <p:graphicFrame>
             <p:nvGraphicFramePr>
               <p:cNvPr id="7" name="Add-in 6" title="Code Presenter Pro"/>
@@ -13478,7 +13202,7 @@
             </a:graphic>
           </p:graphicFrame>
         </mc:Choice>
-        <mc:Fallback xmlns="">
+        <mc:Fallback>
           <p:pic>
             <p:nvPicPr>
               <p:cNvPr id="7" name="Add-in 6" title="Code Presenter Pro"/>
@@ -14103,8 +13827,8 @@
           </a:p>
         </p:txBody>
       </p:sp>
-      <mc:AlternateContent xmlns:mc="http://schemas.openxmlformats.org/markup-compatibility/2006" xmlns:we="http://schemas.microsoft.com/office/webextensions/webextension/2010/11" xmlns:pca="http://schemas.microsoft.com/office/powerpoint/2013/contentapp">
-        <mc:Choice Requires="we pca">
+      <mc:AlternateContent xmlns:mc="http://schemas.openxmlformats.org/markup-compatibility/2006">
+        <mc:Choice xmlns="" xmlns:pca="http://schemas.microsoft.com/office/powerpoint/2013/contentapp" xmlns:we="http://schemas.microsoft.com/office/webextensions/webextension/2010/11" Requires="we pca">
           <p:graphicFrame>
             <p:nvGraphicFramePr>
               <p:cNvPr id="5" name="Add-in 4" title="Code Presenter Pro"/>
@@ -14130,7 +13854,7 @@
             </a:graphic>
           </p:graphicFrame>
         </mc:Choice>
-        <mc:Fallback xmlns="">
+        <mc:Fallback>
           <p:pic>
             <p:nvPicPr>
               <p:cNvPr id="5" name="Add-in 4" title="Code Presenter Pro"/>
@@ -14199,8 +13923,8 @@
           </a:p>
         </p:txBody>
       </p:sp>
-      <mc:AlternateContent xmlns:mc="http://schemas.openxmlformats.org/markup-compatibility/2006" xmlns:we="http://schemas.microsoft.com/office/webextensions/webextension/2010/11" xmlns:pca="http://schemas.microsoft.com/office/powerpoint/2013/contentapp">
-        <mc:Choice Requires="we pca">
+      <mc:AlternateContent xmlns:mc="http://schemas.openxmlformats.org/markup-compatibility/2006">
+        <mc:Choice xmlns="" xmlns:pca="http://schemas.microsoft.com/office/powerpoint/2013/contentapp" xmlns:we="http://schemas.microsoft.com/office/webextensions/webextension/2010/11" Requires="we pca">
           <p:graphicFrame>
             <p:nvGraphicFramePr>
               <p:cNvPr id="7" name="Add-in 6" title="Code Presenter Pro"/>
@@ -14226,7 +13950,7 @@
             </a:graphic>
           </p:graphicFrame>
         </mc:Choice>
-        <mc:Fallback xmlns="">
+        <mc:Fallback>
           <p:pic>
             <p:nvPicPr>
               <p:cNvPr id="7" name="Add-in 6" title="Code Presenter Pro"/>
@@ -14550,8 +14274,8 @@
           </a:p>
         </p:txBody>
       </p:sp>
-      <mc:AlternateContent xmlns:mc="http://schemas.openxmlformats.org/markup-compatibility/2006" xmlns:we="http://schemas.microsoft.com/office/webextensions/webextension/2010/11" xmlns:pca="http://schemas.microsoft.com/office/powerpoint/2013/contentapp">
-        <mc:Choice Requires="we pca">
+      <mc:AlternateContent xmlns:mc="http://schemas.openxmlformats.org/markup-compatibility/2006">
+        <mc:Choice xmlns="" xmlns:pca="http://schemas.microsoft.com/office/powerpoint/2013/contentapp" xmlns:we="http://schemas.microsoft.com/office/webextensions/webextension/2010/11" Requires="we pca">
           <p:graphicFrame>
             <p:nvGraphicFramePr>
               <p:cNvPr id="5" name="Add-in 4" title="Code Presenter Pro"/>
@@ -14577,7 +14301,7 @@
             </a:graphic>
           </p:graphicFrame>
         </mc:Choice>
-        <mc:Fallback xmlns="">
+        <mc:Fallback>
           <p:pic>
             <p:nvPicPr>
               <p:cNvPr id="5" name="Add-in 4" title="Code Presenter Pro"/>
@@ -16373,6 +16097,30 @@
               </a:rPr>
               <a:t> course</a:t>
             </a:r>
+            <a:endParaRPr lang="en-US" dirty="0" smtClean="0"/>
+          </a:p>
+          <a:p>
+            <a:endParaRPr lang="en-US" dirty="0"/>
+          </a:p>
+          <a:p>
+            <a:r>
+              <a:rPr lang="en-US" dirty="0" err="1">
+                <a:hlinkClick r:id="rId7"/>
+              </a:rPr>
+              <a:t>d</a:t>
+            </a:r>
+            <a:r>
+              <a:rPr lang="en-US" dirty="0" err="1" smtClean="0">
+                <a:hlinkClick r:id="rId7"/>
+              </a:rPr>
+              <a:t>nx</a:t>
+            </a:r>
+            <a:r>
+              <a:rPr lang="en-US" dirty="0" smtClean="0">
+                <a:hlinkClick r:id="rId7"/>
+              </a:rPr>
+              <a:t>-watch w/ VS Code</a:t>
+            </a:r>
             <a:endParaRPr lang="en-US" dirty="0"/>
           </a:p>
         </p:txBody>
@@ -17030,7 +16778,32 @@
             </a:r>
             <a:r>
               <a:rPr lang="en-US" dirty="0" smtClean="0"/>
-              <a:t>Utility)</a:t>
+              <a:t>Utility</a:t>
+            </a:r>
+            <a:r>
+              <a:rPr lang="en-US" dirty="0" smtClean="0"/>
+              <a:t>)</a:t>
+            </a:r>
+          </a:p>
+          <a:p>
+            <a:endParaRPr lang="en-US" dirty="0"/>
+          </a:p>
+          <a:p>
+            <a:endParaRPr lang="en-US" dirty="0" smtClean="0"/>
+          </a:p>
+          <a:p>
+            <a:endParaRPr lang="en-US" dirty="0"/>
+          </a:p>
+          <a:p>
+            <a:r>
+              <a:rPr lang="en-US" smtClean="0"/>
+              <a:t>Installation of DN* Tooling: </a:t>
+            </a:r>
+            <a:r>
+              <a:rPr lang="en-US" dirty="0">
+                <a:hlinkClick r:id="rId2"/>
+              </a:rPr>
+              <a:t>http://bit.ly/1YaRWJY</a:t>
             </a:r>
             <a:endParaRPr lang="en-US" dirty="0"/>
           </a:p>
@@ -17430,7 +17203,6 @@
               <a:rPr lang="en-US" dirty="0" smtClean="0"/>
               <a:t>2 runtime types:	</a:t>
             </a:r>
-            <a:endParaRPr lang="en-US" dirty="0" smtClean="0"/>
           </a:p>
           <a:p>
             <a:pPr lvl="1">
@@ -17447,17 +17219,8 @@
             <a:pPr lvl="2"/>
             <a:r>
               <a:rPr lang="en-US" dirty="0" smtClean="0"/>
-              <a:t>rely </a:t>
-            </a:r>
-            <a:r>
-              <a:rPr lang="en-US" dirty="0" smtClean="0"/>
-              <a:t>on .NET being installed on </a:t>
-            </a:r>
-            <a:r>
-              <a:rPr lang="en-US" dirty="0" smtClean="0"/>
-              <a:t>machine</a:t>
-            </a:r>
-            <a:endParaRPr lang="en-US" dirty="0" smtClean="0"/>
+              <a:t>rely on .NET being installed on machine</a:t>
+            </a:r>
           </a:p>
           <a:p>
             <a:pPr lvl="1">
@@ -17474,17 +17237,8 @@
             <a:pPr lvl="2"/>
             <a:r>
               <a:rPr lang="en-US" dirty="0" smtClean="0"/>
-              <a:t>can </a:t>
-            </a:r>
-            <a:r>
-              <a:rPr lang="en-US" dirty="0" smtClean="0"/>
-              <a:t>be deployed w/ </a:t>
-            </a:r>
-            <a:r>
-              <a:rPr lang="en-US" dirty="0" smtClean="0"/>
-              <a:t>app</a:t>
-            </a:r>
-            <a:endParaRPr lang="en-US" dirty="0" smtClean="0"/>
+              <a:t>can be deployed w/ app</a:t>
+            </a:r>
           </a:p>
         </p:txBody>
       </p:sp>
@@ -18514,7 +18268,7 @@
   <a:extraClrSchemeLst/>
   <a:extLst>
     <a:ext uri="{05A4C25C-085E-4340-85A3-A5531E510DB2}">
-      <thm15:themeFamily xmlns:thm15="http://schemas.microsoft.com/office/thememl/2012/main" name="Facet" id="{C0C680CD-088A-49FC-A102-D699147F32B2}" vid="{0B5AB586-D108-4FC1-8368-649FE654B894}"/>
+      <thm15:themeFamily xmlns="" xmlns:thm15="http://schemas.microsoft.com/office/thememl/2012/main" name="Facet" id="{C0C680CD-088A-49FC-A102-D699147F32B2}" vid="{0B5AB586-D108-4FC1-8368-649FE654B894}"/>
     </a:ext>
   </a:extLst>
 </a:theme>
@@ -18775,7 +18529,7 @@
   <a:extraClrSchemeLst/>
   <a:extLst>
     <a:ext uri="{05A4C25C-085E-4340-85A3-A5531E510DB2}">
-      <thm15:themeFamily xmlns:thm15="http://schemas.microsoft.com/office/thememl/2012/main" name="Office Theme" id="{62F939B6-93AF-4DB8-9C6B-D6C7DFDC589F}" vid="{4A3C46E8-61CC-4603-A589-7422A47A8E4A}"/>
+      <thm15:themeFamily xmlns="" xmlns:thm15="http://schemas.microsoft.com/office/thememl/2012/main" name="Office Theme" id="{62F939B6-93AF-4DB8-9C6B-D6C7DFDC589F}" vid="{4A3C46E8-61CC-4603-A589-7422A47A8E4A}"/>
     </a:ext>
   </a:extLst>
 </a:theme>

--- a/Getting Started with ASP.NET 5 in VS Code.pptx
+++ b/Getting Started with ASP.NET 5 in VS Code.pptx
@@ -127,7 +127,7 @@
   </p:defaultTextStyle>
   <p:extLst>
     <p:ext uri="{EFAFB233-063F-42B5-8137-9DF3F51BA10A}">
-      <p15:sldGuideLst xmlns="" xmlns:p15="http://schemas.microsoft.com/office/powerpoint/2012/main">
+      <p15:sldGuideLst xmlns:p15="http://schemas.microsoft.com/office/powerpoint/2012/main">
         <p15:guide id="1" orient="horz" pos="2160" userDrawn="1">
           <p15:clr>
             <a:srgbClr val="A4A3A4"/>
@@ -3260,6 +3260,373 @@
       <dsp:cNvGrpSpPr/>
     </dsp:nvGrpSpPr>
     <dsp:grpSpPr/>
+    <dsp:sp modelId="{A746EB11-4E99-4B13-AEEF-24EDCB1826B8}">
+      <dsp:nvSpPr>
+        <dsp:cNvPr id="0" name=""/>
+        <dsp:cNvSpPr/>
+      </dsp:nvSpPr>
+      <dsp:spPr>
+        <a:xfrm>
+          <a:off x="1366" y="1803466"/>
+          <a:ext cx="1811734" cy="1811734"/>
+        </a:xfrm>
+        <a:prstGeom prst="ellipse">
+          <a:avLst/>
+        </a:prstGeom>
+        <a:solidFill>
+          <a:schemeClr val="accent1">
+            <a:hueOff val="0"/>
+            <a:satOff val="0"/>
+            <a:lumOff val="0"/>
+            <a:alphaOff val="0"/>
+          </a:schemeClr>
+        </a:solidFill>
+        <a:ln w="19050" cap="rnd" cmpd="sng" algn="ctr">
+          <a:solidFill>
+            <a:schemeClr val="lt1">
+              <a:hueOff val="0"/>
+              <a:satOff val="0"/>
+              <a:lumOff val="0"/>
+              <a:alphaOff val="0"/>
+            </a:schemeClr>
+          </a:solidFill>
+          <a:prstDash val="solid"/>
+        </a:ln>
+        <a:effectLst/>
+      </dsp:spPr>
+      <dsp:style>
+        <a:lnRef idx="2">
+          <a:scrgbClr r="0" g="0" b="0"/>
+        </a:lnRef>
+        <a:fillRef idx="1">
+          <a:scrgbClr r="0" g="0" b="0"/>
+        </a:fillRef>
+        <a:effectRef idx="0">
+          <a:scrgbClr r="0" g="0" b="0"/>
+        </a:effectRef>
+        <a:fontRef idx="minor">
+          <a:schemeClr val="lt1"/>
+        </a:fontRef>
+      </dsp:style>
+      <dsp:txBody>
+        <a:bodyPr spcFirstLastPara="0" vert="horz" wrap="square" lIns="25400" tIns="25400" rIns="25400" bIns="25400" numCol="1" spcCol="1270" anchor="ctr" anchorCtr="0">
+          <a:noAutofit/>
+        </a:bodyPr>
+        <a:lstStyle/>
+        <a:p>
+          <a:pPr lvl="0" algn="ctr" defTabSz="889000">
+            <a:lnSpc>
+              <a:spcPct val="90000"/>
+            </a:lnSpc>
+            <a:spcBef>
+              <a:spcPct val="0"/>
+            </a:spcBef>
+            <a:spcAft>
+              <a:spcPct val="35000"/>
+            </a:spcAft>
+          </a:pPr>
+          <a:r>
+            <a:rPr lang="en-US" sz="2000" kern="1200" dirty="0" err="1" smtClean="0"/>
+            <a:t>OmniSharp</a:t>
+          </a:r>
+          <a:endParaRPr lang="en-US" sz="2000" kern="1200" dirty="0"/>
+        </a:p>
+      </dsp:txBody>
+      <dsp:txXfrm>
+        <a:off x="266688" y="2068788"/>
+        <a:ext cx="1281090" cy="1281090"/>
+      </dsp:txXfrm>
+    </dsp:sp>
+    <dsp:sp modelId="{99021CD3-1159-400A-919E-59EF40167229}">
+      <dsp:nvSpPr>
+        <dsp:cNvPr id="0" name=""/>
+        <dsp:cNvSpPr/>
+      </dsp:nvSpPr>
+      <dsp:spPr>
+        <a:xfrm>
+          <a:off x="1960214" y="2183930"/>
+          <a:ext cx="1050805" cy="1050805"/>
+        </a:xfrm>
+        <a:prstGeom prst="mathPlus">
+          <a:avLst/>
+        </a:prstGeom>
+        <a:solidFill>
+          <a:schemeClr val="accent1">
+            <a:tint val="60000"/>
+            <a:hueOff val="0"/>
+            <a:satOff val="0"/>
+            <a:lumOff val="0"/>
+            <a:alphaOff val="0"/>
+          </a:schemeClr>
+        </a:solidFill>
+        <a:ln>
+          <a:noFill/>
+        </a:ln>
+        <a:effectLst/>
+      </dsp:spPr>
+      <dsp:style>
+        <a:lnRef idx="0">
+          <a:scrgbClr r="0" g="0" b="0"/>
+        </a:lnRef>
+        <a:fillRef idx="1">
+          <a:scrgbClr r="0" g="0" b="0"/>
+        </a:fillRef>
+        <a:effectRef idx="0">
+          <a:scrgbClr r="0" g="0" b="0"/>
+        </a:effectRef>
+        <a:fontRef idx="minor">
+          <a:schemeClr val="lt1"/>
+        </a:fontRef>
+      </dsp:style>
+      <dsp:txBody>
+        <a:bodyPr spcFirstLastPara="0" vert="horz" wrap="square" lIns="0" tIns="0" rIns="0" bIns="0" numCol="1" spcCol="1270" anchor="ctr" anchorCtr="0">
+          <a:noAutofit/>
+        </a:bodyPr>
+        <a:lstStyle/>
+        <a:p>
+          <a:pPr lvl="0" algn="ctr" defTabSz="711200">
+            <a:lnSpc>
+              <a:spcPct val="90000"/>
+            </a:lnSpc>
+            <a:spcBef>
+              <a:spcPct val="0"/>
+            </a:spcBef>
+            <a:spcAft>
+              <a:spcPct val="35000"/>
+            </a:spcAft>
+          </a:pPr>
+          <a:endParaRPr lang="en-US" sz="1600" kern="1200"/>
+        </a:p>
+      </dsp:txBody>
+      <dsp:txXfrm>
+        <a:off x="2099498" y="2585758"/>
+        <a:ext cx="772237" cy="247149"/>
+      </dsp:txXfrm>
+    </dsp:sp>
+    <dsp:sp modelId="{2BDF25E0-CBF6-4302-B6F7-03617650C5D2}">
+      <dsp:nvSpPr>
+        <dsp:cNvPr id="0" name=""/>
+        <dsp:cNvSpPr/>
+      </dsp:nvSpPr>
+      <dsp:spPr>
+        <a:xfrm>
+          <a:off x="3158132" y="1803466"/>
+          <a:ext cx="1811734" cy="1811734"/>
+        </a:xfrm>
+        <a:prstGeom prst="ellipse">
+          <a:avLst/>
+        </a:prstGeom>
+        <a:solidFill>
+          <a:schemeClr val="accent1">
+            <a:hueOff val="0"/>
+            <a:satOff val="0"/>
+            <a:lumOff val="0"/>
+            <a:alphaOff val="0"/>
+          </a:schemeClr>
+        </a:solidFill>
+        <a:ln w="19050" cap="rnd" cmpd="sng" algn="ctr">
+          <a:solidFill>
+            <a:schemeClr val="lt1">
+              <a:hueOff val="0"/>
+              <a:satOff val="0"/>
+              <a:lumOff val="0"/>
+              <a:alphaOff val="0"/>
+            </a:schemeClr>
+          </a:solidFill>
+          <a:prstDash val="solid"/>
+        </a:ln>
+        <a:effectLst/>
+      </dsp:spPr>
+      <dsp:style>
+        <a:lnRef idx="2">
+          <a:scrgbClr r="0" g="0" b="0"/>
+        </a:lnRef>
+        <a:fillRef idx="1">
+          <a:scrgbClr r="0" g="0" b="0"/>
+        </a:fillRef>
+        <a:effectRef idx="0">
+          <a:scrgbClr r="0" g="0" b="0"/>
+        </a:effectRef>
+        <a:fontRef idx="minor">
+          <a:schemeClr val="lt1"/>
+        </a:fontRef>
+      </dsp:style>
+      <dsp:txBody>
+        <a:bodyPr spcFirstLastPara="0" vert="horz" wrap="square" lIns="25400" tIns="25400" rIns="25400" bIns="25400" numCol="1" spcCol="1270" anchor="ctr" anchorCtr="0">
+          <a:noAutofit/>
+        </a:bodyPr>
+        <a:lstStyle/>
+        <a:p>
+          <a:pPr lvl="0" algn="ctr" defTabSz="889000">
+            <a:lnSpc>
+              <a:spcPct val="90000"/>
+            </a:lnSpc>
+            <a:spcBef>
+              <a:spcPct val="0"/>
+            </a:spcBef>
+            <a:spcAft>
+              <a:spcPct val="35000"/>
+            </a:spcAft>
+          </a:pPr>
+          <a:r>
+            <a:rPr lang="en-US" sz="2000" kern="1200" dirty="0" smtClean="0"/>
+            <a:t>Yeoman</a:t>
+          </a:r>
+          <a:endParaRPr lang="en-US" sz="2000" kern="1200" dirty="0"/>
+        </a:p>
+      </dsp:txBody>
+      <dsp:txXfrm>
+        <a:off x="3423454" y="2068788"/>
+        <a:ext cx="1281090" cy="1281090"/>
+      </dsp:txXfrm>
+    </dsp:sp>
+    <dsp:sp modelId="{0CEB9DC7-5783-4ACD-BCD5-4EF3BE321E8C}">
+      <dsp:nvSpPr>
+        <dsp:cNvPr id="0" name=""/>
+        <dsp:cNvSpPr/>
+      </dsp:nvSpPr>
+      <dsp:spPr>
+        <a:xfrm>
+          <a:off x="5116980" y="2183930"/>
+          <a:ext cx="1050805" cy="1050805"/>
+        </a:xfrm>
+        <a:prstGeom prst="mathEqual">
+          <a:avLst/>
+        </a:prstGeom>
+        <a:solidFill>
+          <a:schemeClr val="accent1">
+            <a:tint val="60000"/>
+            <a:hueOff val="0"/>
+            <a:satOff val="0"/>
+            <a:lumOff val="0"/>
+            <a:alphaOff val="0"/>
+          </a:schemeClr>
+        </a:solidFill>
+        <a:ln>
+          <a:noFill/>
+        </a:ln>
+        <a:effectLst/>
+      </dsp:spPr>
+      <dsp:style>
+        <a:lnRef idx="0">
+          <a:scrgbClr r="0" g="0" b="0"/>
+        </a:lnRef>
+        <a:fillRef idx="1">
+          <a:scrgbClr r="0" g="0" b="0"/>
+        </a:fillRef>
+        <a:effectRef idx="0">
+          <a:scrgbClr r="0" g="0" b="0"/>
+        </a:effectRef>
+        <a:fontRef idx="minor">
+          <a:schemeClr val="lt1"/>
+        </a:fontRef>
+      </dsp:style>
+      <dsp:txBody>
+        <a:bodyPr spcFirstLastPara="0" vert="horz" wrap="square" lIns="0" tIns="0" rIns="0" bIns="0" numCol="1" spcCol="1270" anchor="ctr" anchorCtr="0">
+          <a:noAutofit/>
+        </a:bodyPr>
+        <a:lstStyle/>
+        <a:p>
+          <a:pPr lvl="0" algn="ctr" defTabSz="711200">
+            <a:lnSpc>
+              <a:spcPct val="90000"/>
+            </a:lnSpc>
+            <a:spcBef>
+              <a:spcPct val="0"/>
+            </a:spcBef>
+            <a:spcAft>
+              <a:spcPct val="35000"/>
+            </a:spcAft>
+          </a:pPr>
+          <a:endParaRPr lang="en-US" sz="1600" kern="1200"/>
+        </a:p>
+      </dsp:txBody>
+      <dsp:txXfrm>
+        <a:off x="5256264" y="2400396"/>
+        <a:ext cx="772237" cy="617873"/>
+      </dsp:txXfrm>
+    </dsp:sp>
+    <dsp:sp modelId="{935B9248-D5AC-4608-BFDB-4CC18A641197}">
+      <dsp:nvSpPr>
+        <dsp:cNvPr id="0" name=""/>
+        <dsp:cNvSpPr/>
+      </dsp:nvSpPr>
+      <dsp:spPr>
+        <a:xfrm>
+          <a:off x="6314898" y="1803466"/>
+          <a:ext cx="1811734" cy="1811734"/>
+        </a:xfrm>
+        <a:prstGeom prst="ellipse">
+          <a:avLst/>
+        </a:prstGeom>
+        <a:solidFill>
+          <a:schemeClr val="accent1">
+            <a:hueOff val="0"/>
+            <a:satOff val="0"/>
+            <a:lumOff val="0"/>
+            <a:alphaOff val="0"/>
+          </a:schemeClr>
+        </a:solidFill>
+        <a:ln w="19050" cap="rnd" cmpd="sng" algn="ctr">
+          <a:solidFill>
+            <a:schemeClr val="lt1">
+              <a:hueOff val="0"/>
+              <a:satOff val="0"/>
+              <a:lumOff val="0"/>
+              <a:alphaOff val="0"/>
+            </a:schemeClr>
+          </a:solidFill>
+          <a:prstDash val="solid"/>
+        </a:ln>
+        <a:effectLst/>
+      </dsp:spPr>
+      <dsp:style>
+        <a:lnRef idx="2">
+          <a:scrgbClr r="0" g="0" b="0"/>
+        </a:lnRef>
+        <a:fillRef idx="1">
+          <a:scrgbClr r="0" g="0" b="0"/>
+        </a:fillRef>
+        <a:effectRef idx="0">
+          <a:scrgbClr r="0" g="0" b="0"/>
+        </a:effectRef>
+        <a:fontRef idx="minor">
+          <a:schemeClr val="lt1"/>
+        </a:fontRef>
+      </dsp:style>
+      <dsp:txBody>
+        <a:bodyPr spcFirstLastPara="0" vert="horz" wrap="square" lIns="25400" tIns="25400" rIns="25400" bIns="25400" numCol="1" spcCol="1270" anchor="ctr" anchorCtr="0">
+          <a:noAutofit/>
+        </a:bodyPr>
+        <a:lstStyle/>
+        <a:p>
+          <a:pPr lvl="0" algn="ctr" defTabSz="889000">
+            <a:lnSpc>
+              <a:spcPct val="90000"/>
+            </a:lnSpc>
+            <a:spcBef>
+              <a:spcPct val="0"/>
+            </a:spcBef>
+            <a:spcAft>
+              <a:spcPct val="35000"/>
+            </a:spcAft>
+          </a:pPr>
+          <a:r>
+            <a:rPr lang="en-US" sz="2000" kern="1200" dirty="0" smtClean="0"/>
+            <a:t>generator-</a:t>
+          </a:r>
+          <a:r>
+            <a:rPr lang="en-US" sz="2000" kern="1200" dirty="0" err="1" smtClean="0"/>
+            <a:t>aspnet</a:t>
+          </a:r>
+          <a:endParaRPr lang="en-US" sz="2000" kern="1200" dirty="0"/>
+        </a:p>
+      </dsp:txBody>
+      <dsp:txXfrm>
+        <a:off x="6580220" y="2068788"/>
+        <a:ext cx="1281090" cy="1281090"/>
+      </dsp:txXfrm>
+    </dsp:sp>
   </dsp:spTree>
 </dsp:drawing>
 </file>
@@ -13176,7 +13543,7 @@
         </p:spPr>
       </p:pic>
       <mc:AlternateContent xmlns:mc="http://schemas.openxmlformats.org/markup-compatibility/2006">
-        <mc:Choice xmlns="" xmlns:pca="http://schemas.microsoft.com/office/powerpoint/2013/contentapp" xmlns:we="http://schemas.microsoft.com/office/webextensions/webextension/2010/11" Requires="we pca">
+        <mc:Choice xmlns:we="http://schemas.microsoft.com/office/webextensions/webextension/2010/11" xmlns:pca="http://schemas.microsoft.com/office/powerpoint/2013/contentapp" Requires="we pca">
           <p:graphicFrame>
             <p:nvGraphicFramePr>
               <p:cNvPr id="7" name="Add-in 6" title="Code Presenter Pro"/>
@@ -13186,14 +13553,14 @@
               <p:nvPr>
                 <p:extLst>
                   <p:ext uri="{D42A27DB-BD31-4B8C-83A1-F6EECF244321}">
-                    <p14:modId xmlns:p14="http://schemas.microsoft.com/office/powerpoint/2010/main" val="2971274170"/>
+                    <p14:modId xmlns:p14="http://schemas.microsoft.com/office/powerpoint/2010/main" val="3251799261"/>
                   </p:ext>
                 </p:extLst>
               </p:nvPr>
             </p:nvGraphicFramePr>
             <p:xfrm>
-              <a:off x="3505195" y="1891623"/>
-              <a:ext cx="5181600" cy="876300"/>
+              <a:off x="3505194" y="1891623"/>
+              <a:ext cx="6055889" cy="1651677"/>
             </p:xfrm>
             <a:graphic>
               <a:graphicData uri="http://schemas.microsoft.com/office/webextensions/webextension/2010/11">
@@ -13219,8 +13586,8 @@
             </p:blipFill>
             <p:spPr>
               <a:xfrm>
-                <a:off x="3505195" y="1891623"/>
-                <a:ext cx="5181600" cy="876300"/>
+                <a:off x="3505194" y="1891623"/>
+                <a:ext cx="6055889" cy="1651677"/>
               </a:xfrm>
               <a:prstGeom prst="rect">
                 <a:avLst/>
@@ -13827,8 +14194,8 @@
           </a:p>
         </p:txBody>
       </p:sp>
-      <mc:AlternateContent xmlns:mc="http://schemas.openxmlformats.org/markup-compatibility/2006">
-        <mc:Choice xmlns="" xmlns:pca="http://schemas.microsoft.com/office/powerpoint/2013/contentapp" xmlns:we="http://schemas.microsoft.com/office/webextensions/webextension/2010/11" Requires="we pca">
+      <mc:AlternateContent xmlns:mc="http://schemas.openxmlformats.org/markup-compatibility/2006" xmlns:we="http://schemas.microsoft.com/office/webextensions/webextension/2010/11" xmlns:pca="http://schemas.microsoft.com/office/powerpoint/2013/contentapp">
+        <mc:Choice Requires="we pca">
           <p:graphicFrame>
             <p:nvGraphicFramePr>
               <p:cNvPr id="5" name="Add-in 4" title="Code Presenter Pro"/>
@@ -13854,7 +14221,7 @@
             </a:graphic>
           </p:graphicFrame>
         </mc:Choice>
-        <mc:Fallback>
+        <mc:Fallback xmlns="">
           <p:pic>
             <p:nvPicPr>
               <p:cNvPr id="5" name="Add-in 4" title="Code Presenter Pro"/>
@@ -13924,7 +14291,7 @@
         </p:txBody>
       </p:sp>
       <mc:AlternateContent xmlns:mc="http://schemas.openxmlformats.org/markup-compatibility/2006">
-        <mc:Choice xmlns="" xmlns:pca="http://schemas.microsoft.com/office/powerpoint/2013/contentapp" xmlns:we="http://schemas.microsoft.com/office/webextensions/webextension/2010/11" Requires="we pca">
+        <mc:Choice xmlns:we="http://schemas.microsoft.com/office/webextensions/webextension/2010/11" xmlns:pca="http://schemas.microsoft.com/office/powerpoint/2013/contentapp" Requires="we pca">
           <p:graphicFrame>
             <p:nvGraphicFramePr>
               <p:cNvPr id="7" name="Add-in 6" title="Code Presenter Pro"/>
@@ -13934,14 +14301,14 @@
               <p:nvPr>
                 <p:extLst>
                   <p:ext uri="{D42A27DB-BD31-4B8C-83A1-F6EECF244321}">
-                    <p14:modId xmlns:p14="http://schemas.microsoft.com/office/powerpoint/2010/main" val="4190609495"/>
+                    <p14:modId xmlns:p14="http://schemas.microsoft.com/office/powerpoint/2010/main" val="3371315411"/>
                   </p:ext>
                 </p:extLst>
               </p:nvPr>
             </p:nvGraphicFramePr>
             <p:xfrm>
               <a:off x="3739811" y="1795708"/>
-              <a:ext cx="6917303" cy="1517403"/>
+              <a:ext cx="7017089" cy="1939802"/>
             </p:xfrm>
             <a:graphic>
               <a:graphicData uri="http://schemas.microsoft.com/office/webextensions/webextension/2010/11">
@@ -13968,7 +14335,7 @@
             <p:spPr>
               <a:xfrm>
                 <a:off x="3739811" y="1795708"/>
-                <a:ext cx="6917303" cy="1517403"/>
+                <a:ext cx="7017089" cy="1939802"/>
               </a:xfrm>
               <a:prstGeom prst="rect">
                 <a:avLst/>
@@ -13985,8 +14352,8 @@
         </p:nvSpPr>
         <p:spPr>
           <a:xfrm>
-            <a:off x="3739811" y="1404257"/>
-            <a:ext cx="6034425" cy="369332"/>
+            <a:off x="3739811" y="1404256"/>
+            <a:ext cx="6121475" cy="369332"/>
           </a:xfrm>
           <a:prstGeom prst="rect">
             <a:avLst/>
@@ -14275,7 +14642,7 @@
         </p:txBody>
       </p:sp>
       <mc:AlternateContent xmlns:mc="http://schemas.openxmlformats.org/markup-compatibility/2006">
-        <mc:Choice xmlns="" xmlns:pca="http://schemas.microsoft.com/office/powerpoint/2013/contentapp" xmlns:we="http://schemas.microsoft.com/office/webextensions/webextension/2010/11" Requires="we pca">
+        <mc:Choice xmlns:we="http://schemas.microsoft.com/office/webextensions/webextension/2010/11" xmlns:pca="http://schemas.microsoft.com/office/powerpoint/2013/contentapp" Requires="we pca">
           <p:graphicFrame>
             <p:nvGraphicFramePr>
               <p:cNvPr id="5" name="Add-in 4" title="Code Presenter Pro"/>
@@ -14285,14 +14652,14 @@
               <p:nvPr>
                 <p:extLst>
                   <p:ext uri="{D42A27DB-BD31-4B8C-83A1-F6EECF244321}">
-                    <p14:modId xmlns:p14="http://schemas.microsoft.com/office/powerpoint/2010/main" val="1709436076"/>
+                    <p14:modId xmlns:p14="http://schemas.microsoft.com/office/powerpoint/2010/main" val="1340843821"/>
                   </p:ext>
                 </p:extLst>
               </p:nvPr>
             </p:nvGraphicFramePr>
             <p:xfrm>
               <a:off x="3904489" y="1980405"/>
-              <a:ext cx="2831591" cy="2076465"/>
+              <a:ext cx="5148677" cy="2408687"/>
             </p:xfrm>
             <a:graphic>
               <a:graphicData uri="http://schemas.microsoft.com/office/webextensions/webextension/2010/11">
@@ -14319,7 +14686,7 @@
             <p:spPr>
               <a:xfrm>
                 <a:off x="3904489" y="1980405"/>
-                <a:ext cx="2831591" cy="2076465"/>
+                <a:ext cx="5148677" cy="2408687"/>
               </a:xfrm>
               <a:prstGeom prst="rect">
                 <a:avLst/>
@@ -14379,7 +14746,7 @@
         <p:spPr>
           <a:xfrm>
             <a:off x="3904489" y="1527839"/>
-            <a:ext cx="2831591" cy="369332"/>
+            <a:ext cx="3772158" cy="369332"/>
           </a:xfrm>
           <a:prstGeom prst="rect">
             <a:avLst/>
@@ -14408,7 +14775,7 @@
         </p:nvSpPr>
         <p:spPr>
           <a:xfrm rot="19188924">
-            <a:off x="2488953" y="3432975"/>
+            <a:off x="2516947" y="3801424"/>
             <a:ext cx="1162744" cy="510891"/>
           </a:xfrm>
           <a:prstGeom prst="leftArrow">
@@ -14458,7 +14825,7 @@
         </p:blipFill>
         <p:spPr>
           <a:xfrm>
-            <a:off x="230330" y="4152612"/>
+            <a:off x="283708" y="4536802"/>
             <a:ext cx="6672024" cy="1358900"/>
           </a:xfrm>
           <a:prstGeom prst="rect">
@@ -14482,7 +14849,7 @@
         </p:blipFill>
         <p:spPr>
           <a:xfrm>
-            <a:off x="7898222" y="3588357"/>
+            <a:off x="7841458" y="4389092"/>
             <a:ext cx="4260716" cy="2317143"/>
           </a:xfrm>
           <a:prstGeom prst="rect">
@@ -16778,11 +17145,7 @@
             </a:r>
             <a:r>
               <a:rPr lang="en-US" dirty="0" smtClean="0"/>
-              <a:t>Utility</a:t>
-            </a:r>
-            <a:r>
-              <a:rPr lang="en-US" dirty="0" smtClean="0"/>
-              <a:t>)</a:t>
+              <a:t>Utility)</a:t>
             </a:r>
           </a:p>
           <a:p>
@@ -18268,7 +18631,7 @@
   <a:extraClrSchemeLst/>
   <a:extLst>
     <a:ext uri="{05A4C25C-085E-4340-85A3-A5531E510DB2}">
-      <thm15:themeFamily xmlns="" xmlns:thm15="http://schemas.microsoft.com/office/thememl/2012/main" name="Facet" id="{C0C680CD-088A-49FC-A102-D699147F32B2}" vid="{0B5AB586-D108-4FC1-8368-649FE654B894}"/>
+      <thm15:themeFamily xmlns:thm15="http://schemas.microsoft.com/office/thememl/2012/main" name="Facet" id="{C0C680CD-088A-49FC-A102-D699147F32B2}" vid="{0B5AB586-D108-4FC1-8368-649FE654B894}"/>
     </a:ext>
   </a:extLst>
 </a:theme>
@@ -18529,7 +18892,7 @@
   <a:extraClrSchemeLst/>
   <a:extLst>
     <a:ext uri="{05A4C25C-085E-4340-85A3-A5531E510DB2}">
-      <thm15:themeFamily xmlns="" xmlns:thm15="http://schemas.microsoft.com/office/thememl/2012/main" name="Office Theme" id="{62F939B6-93AF-4DB8-9C6B-D6C7DFDC589F}" vid="{4A3C46E8-61CC-4603-A589-7422A47A8E4A}"/>
+      <thm15:themeFamily xmlns:thm15="http://schemas.microsoft.com/office/thememl/2012/main" name="Office Theme" id="{62F939B6-93AF-4DB8-9C6B-D6C7DFDC589F}" vid="{4A3C46E8-61CC-4603-A589-7422A47A8E4A}"/>
     </a:ext>
   </a:extLst>
 </a:theme>
